--- a/finalPresentation/Part1.pptx
+++ b/finalPresentation/Part1.pptx
@@ -6894,7 +6894,7 @@
           <a:graphicData uri="http://schemas.openxmlformats.org/presentationml/2006/ole">
             <mc:AlternateContent xmlns:mc="http://schemas.openxmlformats.org/markup-compatibility/2006">
               <mc:Choice xmlns:v="urn:schemas-microsoft-com:vml" Requires="v">
-                <p:oleObj spid="_x0000_s2341" name="Equazione" r:id="rId7" imgW="1815312" imgH="393529" progId="Equation.3">
+                <p:oleObj spid="_x0000_s2380" name="Equazione" r:id="rId7" imgW="1815312" imgH="393529" progId="Equation.3">
                   <p:embed/>
                 </p:oleObj>
               </mc:Choice>
@@ -6961,7 +6961,7 @@
           <a:graphicData uri="http://schemas.openxmlformats.org/presentationml/2006/ole">
             <mc:AlternateContent xmlns:mc="http://schemas.openxmlformats.org/markup-compatibility/2006">
               <mc:Choice xmlns:v="urn:schemas-microsoft-com:vml" Requires="v">
-                <p:oleObj spid="_x0000_s2342" name="Equazione" r:id="rId9" imgW="457200" imgH="241200" progId="Equation.3">
+                <p:oleObj spid="_x0000_s2381" name="Equazione" r:id="rId9" imgW="457200" imgH="241200" progId="Equation.3">
                   <p:embed/>
                 </p:oleObj>
               </mc:Choice>
@@ -7022,7 +7022,7 @@
           <a:graphicData uri="http://schemas.openxmlformats.org/presentationml/2006/ole">
             <mc:AlternateContent xmlns:mc="http://schemas.openxmlformats.org/markup-compatibility/2006">
               <mc:Choice xmlns:v="urn:schemas-microsoft-com:vml" Requires="v">
-                <p:oleObj spid="_x0000_s2343" name="Equazione" r:id="rId11" imgW="203112" imgH="228501" progId="Equation.3">
+                <p:oleObj spid="_x0000_s2382" name="Equazione" r:id="rId11" imgW="203112" imgH="228501" progId="Equation.3">
                   <p:embed/>
                 </p:oleObj>
               </mc:Choice>
@@ -7230,7 +7230,7 @@
           <a:graphicData uri="http://schemas.openxmlformats.org/presentationml/2006/ole">
             <mc:AlternateContent xmlns:mc="http://schemas.openxmlformats.org/markup-compatibility/2006">
               <mc:Choice xmlns:v="urn:schemas-microsoft-com:vml" Requires="v">
-                <p:oleObj spid="_x0000_s2344" name="Equazione" r:id="rId13" imgW="787400" imgH="228600" progId="Equation.3">
+                <p:oleObj spid="_x0000_s2383" name="Equazione" r:id="rId13" imgW="787400" imgH="228600" progId="Equation.3">
                   <p:embed/>
                 </p:oleObj>
               </mc:Choice>
@@ -7412,7 +7412,7 @@
           <a:graphicData uri="http://schemas.openxmlformats.org/presentationml/2006/ole">
             <mc:AlternateContent xmlns:mc="http://schemas.openxmlformats.org/markup-compatibility/2006">
               <mc:Choice xmlns:v="urn:schemas-microsoft-com:vml" Requires="v">
-                <p:oleObj spid="_x0000_s2345" name="Equazione" r:id="rId15" imgW="1625400" imgH="241200" progId="Equation.3">
+                <p:oleObj spid="_x0000_s2384" name="Equazione" r:id="rId15" imgW="1625400" imgH="241200" progId="Equation.3">
                   <p:embed/>
                 </p:oleObj>
               </mc:Choice>
@@ -7473,7 +7473,7 @@
           <a:graphicData uri="http://schemas.openxmlformats.org/presentationml/2006/ole">
             <mc:AlternateContent xmlns:mc="http://schemas.openxmlformats.org/markup-compatibility/2006">
               <mc:Choice xmlns:v="urn:schemas-microsoft-com:vml" Requires="v">
-                <p:oleObj spid="_x0000_s2346" name="Equazione" r:id="rId17" imgW="304668" imgH="228501" progId="Equation.3">
+                <p:oleObj spid="_x0000_s2385" name="Equazione" r:id="rId17" imgW="304668" imgH="228501" progId="Equation.3">
                   <p:embed/>
                 </p:oleObj>
               </mc:Choice>
@@ -7540,7 +7540,7 @@
           <a:graphicData uri="http://schemas.openxmlformats.org/presentationml/2006/ole">
             <mc:AlternateContent xmlns:mc="http://schemas.openxmlformats.org/markup-compatibility/2006">
               <mc:Choice xmlns:v="urn:schemas-microsoft-com:vml" Requires="v">
-                <p:oleObj spid="_x0000_s2347" name="Equazione" r:id="rId19" imgW="139579" imgH="177646" progId="Equation.3">
+                <p:oleObj spid="_x0000_s2386" name="Equazione" r:id="rId19" imgW="139579" imgH="177646" progId="Equation.3">
                   <p:embed/>
                 </p:oleObj>
               </mc:Choice>
@@ -7607,7 +7607,7 @@
           <a:graphicData uri="http://schemas.openxmlformats.org/presentationml/2006/ole">
             <mc:AlternateContent xmlns:mc="http://schemas.openxmlformats.org/markup-compatibility/2006">
               <mc:Choice xmlns:v="urn:schemas-microsoft-com:vml" Requires="v">
-                <p:oleObj spid="_x0000_s2348" name="Equazione" r:id="rId21" imgW="545760" imgH="241200" progId="Equation.3">
+                <p:oleObj spid="_x0000_s2387" name="Equazione" r:id="rId21" imgW="545760" imgH="241200" progId="Equation.3">
                   <p:embed/>
                 </p:oleObj>
               </mc:Choice>
@@ -8039,7 +8039,7 @@
           <a:graphicData uri="http://schemas.openxmlformats.org/presentationml/2006/ole">
             <mc:AlternateContent xmlns:mc="http://schemas.openxmlformats.org/markup-compatibility/2006">
               <mc:Choice xmlns:v="urn:schemas-microsoft-com:vml" Requires="v">
-                <p:oleObj spid="_x0000_s2349" name="Equazione" r:id="rId23" imgW="1549400" imgH="228600" progId="Equation.3">
+                <p:oleObj spid="_x0000_s2388" name="Equazione" r:id="rId23" imgW="1549400" imgH="228600" progId="Equation.3">
                   <p:embed/>
                 </p:oleObj>
               </mc:Choice>
@@ -8169,7 +8169,7 @@
           <a:graphicData uri="http://schemas.openxmlformats.org/presentationml/2006/ole">
             <mc:AlternateContent xmlns:mc="http://schemas.openxmlformats.org/markup-compatibility/2006">
               <mc:Choice xmlns:v="urn:schemas-microsoft-com:vml" Requires="v">
-                <p:oleObj spid="_x0000_s2350" name="Equazione" r:id="rId25" imgW="469900" imgH="228600" progId="Equation.3">
+                <p:oleObj spid="_x0000_s2389" name="Equazione" r:id="rId25" imgW="469900" imgH="228600" progId="Equation.3">
                   <p:embed/>
                 </p:oleObj>
               </mc:Choice>
@@ -8369,7 +8369,7 @@
           <a:graphicData uri="http://schemas.openxmlformats.org/presentationml/2006/ole">
             <mc:AlternateContent xmlns:mc="http://schemas.openxmlformats.org/markup-compatibility/2006">
               <mc:Choice xmlns:v="urn:schemas-microsoft-com:vml" Requires="v">
-                <p:oleObj spid="_x0000_s2351" name="Equazione" r:id="rId27" imgW="520474" imgH="393529" progId="Equation.3">
+                <p:oleObj spid="_x0000_s2390" name="Equazione" r:id="rId27" imgW="520474" imgH="393529" progId="Equation.3">
                   <p:embed/>
                 </p:oleObj>
               </mc:Choice>
@@ -8436,7 +8436,7 @@
           <a:graphicData uri="http://schemas.openxmlformats.org/presentationml/2006/ole">
             <mc:AlternateContent xmlns:mc="http://schemas.openxmlformats.org/markup-compatibility/2006">
               <mc:Choice xmlns:v="urn:schemas-microsoft-com:vml" Requires="v">
-                <p:oleObj spid="_x0000_s2352" name="Equazione" r:id="rId29" imgW="2044700" imgH="393700" progId="Equation.3">
+                <p:oleObj spid="_x0000_s2391" name="Equazione" r:id="rId29" imgW="2044700" imgH="393700" progId="Equation.3">
                   <p:embed/>
                 </p:oleObj>
               </mc:Choice>
@@ -8503,7 +8503,7 @@
           <a:graphicData uri="http://schemas.openxmlformats.org/presentationml/2006/ole">
             <mc:AlternateContent xmlns:mc="http://schemas.openxmlformats.org/markup-compatibility/2006">
               <mc:Choice xmlns:v="urn:schemas-microsoft-com:vml" Requires="v">
-                <p:oleObj spid="_x0000_s2353" name="Equazione" r:id="rId31" imgW="571252" imgH="393529" progId="Equation.3">
+                <p:oleObj spid="_x0000_s2392" name="Equazione" r:id="rId31" imgW="571252" imgH="393529" progId="Equation.3">
                   <p:embed/>
                 </p:oleObj>
               </mc:Choice>
@@ -8643,22 +8643,7 @@
                 <a:ea typeface="Calibri" panose="020F0502020204030204" pitchFamily="34" charset="0"/>
                 <a:cs typeface="Times New Roman" panose="02020603050405020304" pitchFamily="18" charset="0"/>
               </a:rPr>
-              <a:t>         </a:t>
-            </a:r>
-            <a:r>
-              <a:rPr kumimoji="0" lang="en-US" altLang="en-US" sz="1800" b="0" i="0" u="none" strike="noStrike" cap="none" normalizeH="0" dirty="0" smtClean="0">
-                <a:ln>
-                  <a:noFill/>
-                </a:ln>
-                <a:solidFill>
-                  <a:schemeClr val="tx1"/>
-                </a:solidFill>
-                <a:effectLst/>
-                <a:latin typeface="Calibri" panose="020F0502020204030204" pitchFamily="34" charset="0"/>
-                <a:ea typeface="Calibri" panose="020F0502020204030204" pitchFamily="34" charset="0"/>
-                <a:cs typeface="Times New Roman" panose="02020603050405020304" pitchFamily="18" charset="0"/>
-              </a:rPr>
-              <a:t>  </a:t>
+              <a:t>           </a:t>
             </a:r>
             <a:r>
               <a:rPr lang="en-US" altLang="en-US" dirty="0">
@@ -9221,7 +9206,7 @@
           <a:graphicData uri="http://schemas.openxmlformats.org/presentationml/2006/ole">
             <mc:AlternateContent xmlns:mc="http://schemas.openxmlformats.org/markup-compatibility/2006">
               <mc:Choice xmlns:v="urn:schemas-microsoft-com:vml" Requires="v">
-                <p:oleObj spid="_x0000_s3203" name="Equazione" r:id="rId7" imgW="152280" imgH="215640" progId="Equation.3">
+                <p:oleObj spid="_x0000_s3233" name="Equazione" r:id="rId7" imgW="152280" imgH="215640" progId="Equation.3">
                   <p:embed/>
                 </p:oleObj>
               </mc:Choice>
@@ -9282,7 +9267,7 @@
           <a:graphicData uri="http://schemas.openxmlformats.org/presentationml/2006/ole">
             <mc:AlternateContent xmlns:mc="http://schemas.openxmlformats.org/markup-compatibility/2006">
               <mc:Choice xmlns:v="urn:schemas-microsoft-com:vml" Requires="v">
-                <p:oleObj spid="_x0000_s3204" name="Equazione" r:id="rId9" imgW="164880" imgH="215640" progId="Equation.3">
+                <p:oleObj spid="_x0000_s3234" name="Equazione" r:id="rId9" imgW="164880" imgH="215640" progId="Equation.3">
                   <p:embed/>
                 </p:oleObj>
               </mc:Choice>
@@ -9737,7 +9722,7 @@
           <a:graphicData uri="http://schemas.openxmlformats.org/presentationml/2006/ole">
             <mc:AlternateContent xmlns:mc="http://schemas.openxmlformats.org/markup-compatibility/2006">
               <mc:Choice xmlns:v="urn:schemas-microsoft-com:vml" Requires="v">
-                <p:oleObj spid="_x0000_s3205" name="Equazione" r:id="rId11" imgW="164880" imgH="228600" progId="Equation.3">
+                <p:oleObj spid="_x0000_s3235" name="Equazione" r:id="rId11" imgW="164880" imgH="228600" progId="Equation.3">
                   <p:embed/>
                 </p:oleObj>
               </mc:Choice>
@@ -10065,7 +10050,7 @@
           <a:graphicData uri="http://schemas.openxmlformats.org/presentationml/2006/ole">
             <mc:AlternateContent xmlns:mc="http://schemas.openxmlformats.org/markup-compatibility/2006">
               <mc:Choice xmlns:v="urn:schemas-microsoft-com:vml" Requires="v">
-                <p:oleObj spid="_x0000_s3206" name="Equazione" r:id="rId13" imgW="1651000" imgH="660400" progId="Equation.3">
+                <p:oleObj spid="_x0000_s3236" name="Equazione" r:id="rId13" imgW="1651000" imgH="660400" progId="Equation.3">
                   <p:embed/>
                 </p:oleObj>
               </mc:Choice>
@@ -10132,7 +10117,7 @@
           <a:graphicData uri="http://schemas.openxmlformats.org/presentationml/2006/ole">
             <mc:AlternateContent xmlns:mc="http://schemas.openxmlformats.org/markup-compatibility/2006">
               <mc:Choice xmlns:v="urn:schemas-microsoft-com:vml" Requires="v">
-                <p:oleObj spid="_x0000_s3207" name="Equazione" r:id="rId15" imgW="965160" imgH="393480" progId="Equation.3">
+                <p:oleObj spid="_x0000_s3237" name="Equazione" r:id="rId15" imgW="965160" imgH="393480" progId="Equation.3">
                   <p:embed/>
                 </p:oleObj>
               </mc:Choice>
@@ -10193,7 +10178,7 @@
           <a:graphicData uri="http://schemas.openxmlformats.org/presentationml/2006/ole">
             <mc:AlternateContent xmlns:mc="http://schemas.openxmlformats.org/markup-compatibility/2006">
               <mc:Choice xmlns:v="urn:schemas-microsoft-com:vml" Requires="v">
-                <p:oleObj spid="_x0000_s3208" name="Equazione" r:id="rId17" imgW="2031840" imgH="965160" progId="Equation.3">
+                <p:oleObj spid="_x0000_s3238" name="Equazione" r:id="rId17" imgW="2031840" imgH="965160" progId="Equation.3">
                   <p:embed/>
                 </p:oleObj>
               </mc:Choice>
@@ -10254,7 +10239,7 @@
           <a:graphicData uri="http://schemas.openxmlformats.org/presentationml/2006/ole">
             <mc:AlternateContent xmlns:mc="http://schemas.openxmlformats.org/markup-compatibility/2006">
               <mc:Choice xmlns:v="urn:schemas-microsoft-com:vml" Requires="v">
-                <p:oleObj spid="_x0000_s3209" name="Equazione" r:id="rId19" imgW="190440" imgH="152280" progId="Equation.3">
+                <p:oleObj spid="_x0000_s3239" name="Equazione" r:id="rId19" imgW="190440" imgH="152280" progId="Equation.3">
                   <p:embed/>
                 </p:oleObj>
               </mc:Choice>
@@ -10411,22 +10396,7 @@
                 <a:ea typeface="Calibri" panose="020F0502020204030204" pitchFamily="34" charset="0"/>
                 <a:cs typeface="Times New Roman" panose="02020603050405020304" pitchFamily="18" charset="0"/>
               </a:rPr>
-              <a:t> </a:t>
-            </a:r>
-            <a:r>
-              <a:rPr kumimoji="0" lang="en-US" altLang="en-US" sz="1800" b="0" i="0" u="none" strike="noStrike" cap="none" normalizeH="0" baseline="0" dirty="0" smtClean="0">
-                <a:ln>
-                  <a:noFill/>
-                </a:ln>
-                <a:solidFill>
-                  <a:schemeClr val="tx1"/>
-                </a:solidFill>
-                <a:effectLst/>
-                <a:latin typeface="Calibri" panose="020F0502020204030204" pitchFamily="34" charset="0"/>
-                <a:ea typeface="Calibri" panose="020F0502020204030204" pitchFamily="34" charset="0"/>
-                <a:cs typeface="Times New Roman" panose="02020603050405020304" pitchFamily="18" charset="0"/>
-              </a:rPr>
-              <a:t>approach:	</a:t>
+              <a:t> approach:	</a:t>
             </a:r>
             <a:r>
               <a:rPr lang="en-US" altLang="en-US" dirty="0">
@@ -10494,7 +10464,7 @@
           <a:graphicData uri="http://schemas.openxmlformats.org/presentationml/2006/ole">
             <mc:AlternateContent xmlns:mc="http://schemas.openxmlformats.org/markup-compatibility/2006">
               <mc:Choice xmlns:v="urn:schemas-microsoft-com:vml" Requires="v">
-                <p:oleObj spid="_x0000_s3210" name="Equazione" r:id="rId21" imgW="1892300" imgH="482600" progId="Equation.3">
+                <p:oleObj spid="_x0000_s3240" name="Equazione" r:id="rId21" imgW="1892300" imgH="482600" progId="Equation.3">
                   <p:embed/>
                 </p:oleObj>
               </mc:Choice>
@@ -10561,7 +10531,7 @@
           <a:graphicData uri="http://schemas.openxmlformats.org/presentationml/2006/ole">
             <mc:AlternateContent xmlns:mc="http://schemas.openxmlformats.org/markup-compatibility/2006">
               <mc:Choice xmlns:v="urn:schemas-microsoft-com:vml" Requires="v">
-                <p:oleObj spid="_x0000_s3211" name="Equazione" r:id="rId23" imgW="774364" imgH="457002" progId="Equation.3">
+                <p:oleObj spid="_x0000_s3241" name="Equazione" r:id="rId23" imgW="774364" imgH="457002" progId="Equation.3">
                   <p:embed/>
                 </p:oleObj>
               </mc:Choice>
@@ -10731,7 +10701,7 @@
           <a:graphicData uri="http://schemas.openxmlformats.org/presentationml/2006/ole">
             <mc:AlternateContent xmlns:mc="http://schemas.openxmlformats.org/markup-compatibility/2006">
               <mc:Choice xmlns:v="urn:schemas-microsoft-com:vml" Requires="v">
-                <p:oleObj spid="_x0000_s3212" name="Equazione" r:id="rId25" imgW="3009900" imgH="1143000" progId="Equation.3">
+                <p:oleObj spid="_x0000_s3242" name="Equazione" r:id="rId25" imgW="3009900" imgH="1143000" progId="Equation.3">
                   <p:embed/>
                 </p:oleObj>
               </mc:Choice>
@@ -11362,7 +11332,7 @@
           <a:graphicData uri="http://schemas.openxmlformats.org/presentationml/2006/ole">
             <mc:AlternateContent xmlns:mc="http://schemas.openxmlformats.org/markup-compatibility/2006">
               <mc:Choice xmlns:v="urn:schemas-microsoft-com:vml" Requires="v">
-                <p:oleObj spid="_x0000_s6310" name="Equazione" r:id="rId7" imgW="660113" imgH="177723" progId="Equation.3">
+                <p:oleObj spid="_x0000_s6334" name="Equazione" r:id="rId7" imgW="660113" imgH="177723" progId="Equation.3">
                   <p:embed/>
                 </p:oleObj>
               </mc:Choice>
@@ -11429,7 +11399,7 @@
           <a:graphicData uri="http://schemas.openxmlformats.org/presentationml/2006/ole">
             <mc:AlternateContent xmlns:mc="http://schemas.openxmlformats.org/markup-compatibility/2006">
               <mc:Choice xmlns:v="urn:schemas-microsoft-com:vml" Requires="v">
-                <p:oleObj spid="_x0000_s6311" name="Equazione" r:id="rId9" imgW="761669" imgH="431613" progId="Equation.3">
+                <p:oleObj spid="_x0000_s6335" name="Equazione" r:id="rId9" imgW="761669" imgH="431613" progId="Equation.3">
                   <p:embed/>
                 </p:oleObj>
               </mc:Choice>
@@ -11496,7 +11466,7 @@
           <a:graphicData uri="http://schemas.openxmlformats.org/presentationml/2006/ole">
             <mc:AlternateContent xmlns:mc="http://schemas.openxmlformats.org/markup-compatibility/2006">
               <mc:Choice xmlns:v="urn:schemas-microsoft-com:vml" Requires="v">
-                <p:oleObj spid="_x0000_s6312" name="Equazione" r:id="rId11" imgW="1143000" imgH="457200" progId="Equation.3">
+                <p:oleObj spid="_x0000_s6336" name="Equazione" r:id="rId11" imgW="1143000" imgH="457200" progId="Equation.3">
                   <p:embed/>
                 </p:oleObj>
               </mc:Choice>
@@ -11563,7 +11533,7 @@
           <a:graphicData uri="http://schemas.openxmlformats.org/presentationml/2006/ole">
             <mc:AlternateContent xmlns:mc="http://schemas.openxmlformats.org/markup-compatibility/2006">
               <mc:Choice xmlns:v="urn:schemas-microsoft-com:vml" Requires="v">
-                <p:oleObj spid="_x0000_s6313" name="Equazione" r:id="rId13" imgW="647640" imgH="203040" progId="Equation.3">
+                <p:oleObj spid="_x0000_s6337" name="Equazione" r:id="rId13" imgW="647640" imgH="203040" progId="Equation.3">
                   <p:embed/>
                 </p:oleObj>
               </mc:Choice>
@@ -11624,7 +11594,7 @@
           <a:graphicData uri="http://schemas.openxmlformats.org/presentationml/2006/ole">
             <mc:AlternateContent xmlns:mc="http://schemas.openxmlformats.org/markup-compatibility/2006">
               <mc:Choice xmlns:v="urn:schemas-microsoft-com:vml" Requires="v">
-                <p:oleObj spid="_x0000_s6314" name="Equazione" r:id="rId15" imgW="368280" imgH="228600" progId="Equation.3">
+                <p:oleObj spid="_x0000_s6338" name="Equazione" r:id="rId15" imgW="368280" imgH="228600" progId="Equation.3">
                   <p:embed/>
                 </p:oleObj>
               </mc:Choice>
@@ -11685,7 +11655,7 @@
           <a:graphicData uri="http://schemas.openxmlformats.org/presentationml/2006/ole">
             <mc:AlternateContent xmlns:mc="http://schemas.openxmlformats.org/markup-compatibility/2006">
               <mc:Choice xmlns:v="urn:schemas-microsoft-com:vml" Requires="v">
-                <p:oleObj spid="_x0000_s6315" name="Equazione" r:id="rId17" imgW="1002865" imgH="863225" progId="Equation.3">
+                <p:oleObj spid="_x0000_s6339" name="Equazione" r:id="rId17" imgW="1002865" imgH="863225" progId="Equation.3">
                   <p:embed/>
                 </p:oleObj>
               </mc:Choice>
@@ -11752,7 +11722,7 @@
           <a:graphicData uri="http://schemas.openxmlformats.org/presentationml/2006/ole">
             <mc:AlternateContent xmlns:mc="http://schemas.openxmlformats.org/markup-compatibility/2006">
               <mc:Choice xmlns:v="urn:schemas-microsoft-com:vml" Requires="v">
-                <p:oleObj spid="_x0000_s6316" name="Equazione" r:id="rId19" imgW="875920" imgH="266584" progId="Equation.3">
+                <p:oleObj spid="_x0000_s6340" name="Equazione" r:id="rId19" imgW="875920" imgH="266584" progId="Equation.3">
                   <p:embed/>
                 </p:oleObj>
               </mc:Choice>
@@ -11819,7 +11789,7 @@
           <a:graphicData uri="http://schemas.openxmlformats.org/presentationml/2006/ole">
             <mc:AlternateContent xmlns:mc="http://schemas.openxmlformats.org/markup-compatibility/2006">
               <mc:Choice xmlns:v="urn:schemas-microsoft-com:vml" Requires="v">
-                <p:oleObj spid="_x0000_s6317" name="Equazione" r:id="rId21" imgW="1409700" imgH="228600" progId="Equation.3">
+                <p:oleObj spid="_x0000_s6341" name="Equazione" r:id="rId21" imgW="1409700" imgH="228600" progId="Equation.3">
                   <p:embed/>
                 </p:oleObj>
               </mc:Choice>
@@ -12369,22 +12339,7 @@
                 <a:ea typeface="Calibri" panose="020F0502020204030204" pitchFamily="34" charset="0"/>
                 <a:cs typeface="Times New Roman" panose="02020603050405020304" pitchFamily="18" charset="0"/>
               </a:rPr>
-              <a:t> </a:t>
-            </a:r>
-            <a:r>
-              <a:rPr kumimoji="0" lang="en-US" altLang="en-US" sz="1800" b="0" i="0" u="none" strike="noStrike" cap="none" normalizeH="0" baseline="0" dirty="0" smtClean="0">
-                <a:ln>
-                  <a:noFill/>
-                </a:ln>
-                <a:solidFill>
-                  <a:schemeClr val="tx1"/>
-                </a:solidFill>
-                <a:effectLst/>
-                <a:latin typeface="Calibri" panose="020F0502020204030204" pitchFamily="34" charset="0"/>
-                <a:ea typeface="Calibri" panose="020F0502020204030204" pitchFamily="34" charset="0"/>
-                <a:cs typeface="Times New Roman" panose="02020603050405020304" pitchFamily="18" charset="0"/>
-              </a:rPr>
-              <a:t>: time difference between first and second peak</a:t>
+              <a:t> : time difference between first and second peak</a:t>
             </a:r>
             <a:endParaRPr kumimoji="0" lang="en-US" altLang="en-US" sz="800" b="0" i="0" u="none" strike="noStrike" cap="none" normalizeH="0" baseline="0" dirty="0" smtClean="0">
               <a:ln>
@@ -12486,10 +12441,10 @@
                 <a:ea typeface="Calibri" panose="020F0502020204030204" pitchFamily="34" charset="0"/>
                 <a:cs typeface="Times New Roman" panose="02020603050405020304" pitchFamily="18" charset="0"/>
               </a:rPr>
-              <a:t>-	          ,</a:t>
-            </a:r>
-            <a:r>
-              <a:rPr kumimoji="0" lang="en-US" altLang="en-US" sz="1800" b="0" i="0" u="none" strike="noStrike" cap="none" normalizeH="0" baseline="0" dirty="0" smtClean="0">
+              <a:t>-	          ,	</a:t>
+            </a:r>
+            <a:r>
+              <a:rPr kumimoji="0" lang="en-US" altLang="en-US" sz="1800" b="0" i="0" u="none" strike="noStrike" cap="none" normalizeH="0" dirty="0" smtClean="0">
                 <a:ln>
                   <a:noFill/>
                 </a:ln>
@@ -12501,82 +12456,7 @@
                 <a:ea typeface="Calibri" panose="020F0502020204030204" pitchFamily="34" charset="0"/>
                 <a:cs typeface="Times New Roman" panose="02020603050405020304" pitchFamily="18" charset="0"/>
               </a:rPr>
-              <a:t>	</a:t>
-            </a:r>
-            <a:r>
-              <a:rPr kumimoji="0" lang="en-US" altLang="en-US" sz="1800" b="0" i="0" u="none" strike="noStrike" cap="none" normalizeH="0" dirty="0" smtClean="0">
-                <a:ln>
-                  <a:noFill/>
-                </a:ln>
-                <a:solidFill>
-                  <a:schemeClr val="tx1"/>
-                </a:solidFill>
-                <a:effectLst/>
-                <a:latin typeface="Calibri" panose="020F0502020204030204" pitchFamily="34" charset="0"/>
-                <a:ea typeface="Calibri" panose="020F0502020204030204" pitchFamily="34" charset="0"/>
-                <a:cs typeface="Times New Roman" panose="02020603050405020304" pitchFamily="18" charset="0"/>
-              </a:rPr>
-              <a:t>                </a:t>
-            </a:r>
-            <a:r>
-              <a:rPr kumimoji="0" lang="en-US" altLang="en-US" sz="1800" b="0" i="0" u="none" strike="noStrike" cap="none" normalizeH="0" dirty="0" smtClean="0">
-                <a:ln>
-                  <a:noFill/>
-                </a:ln>
-                <a:solidFill>
-                  <a:schemeClr val="tx1"/>
-                </a:solidFill>
-                <a:effectLst/>
-                <a:latin typeface="Calibri" panose="020F0502020204030204" pitchFamily="34" charset="0"/>
-                <a:ea typeface="Calibri" panose="020F0502020204030204" pitchFamily="34" charset="0"/>
-                <a:cs typeface="Times New Roman" panose="02020603050405020304" pitchFamily="18" charset="0"/>
-              </a:rPr>
-              <a:t>           ;</a:t>
-            </a:r>
-            <a:r>
-              <a:rPr kumimoji="0" lang="en-US" altLang="en-US" sz="1800" b="0" i="0" u="none" strike="noStrike" cap="none" normalizeH="0" dirty="0" smtClean="0">
-                <a:ln>
-                  <a:noFill/>
-                </a:ln>
-                <a:solidFill>
-                  <a:schemeClr val="tx1"/>
-                </a:solidFill>
-                <a:effectLst/>
-                <a:latin typeface="Calibri" panose="020F0502020204030204" pitchFamily="34" charset="0"/>
-                <a:ea typeface="Calibri" panose="020F0502020204030204" pitchFamily="34" charset="0"/>
-                <a:cs typeface="Times New Roman" panose="02020603050405020304" pitchFamily="18" charset="0"/>
-              </a:rPr>
-              <a:t>	</a:t>
-            </a:r>
-            <a:r>
-              <a:rPr kumimoji="0" lang="en-US" altLang="en-US" sz="1800" b="0" i="0" u="none" strike="noStrike" cap="none" normalizeH="0" dirty="0" smtClean="0">
-                <a:ln>
-                  <a:noFill/>
-                </a:ln>
-                <a:solidFill>
-                  <a:schemeClr val="tx1"/>
-                </a:solidFill>
-                <a:effectLst/>
-                <a:latin typeface="Calibri" panose="020F0502020204030204" pitchFamily="34" charset="0"/>
-                <a:ea typeface="Calibri" panose="020F0502020204030204" pitchFamily="34" charset="0"/>
-                <a:cs typeface="Times New Roman" panose="02020603050405020304" pitchFamily="18" charset="0"/>
-              </a:rPr>
-              <a:t>             </a:t>
-            </a:r>
-            <a:r>
-              <a:rPr kumimoji="0" lang="en-US" altLang="en-US" sz="1800" b="0" i="0" u="none" strike="noStrike" cap="none" normalizeH="0" dirty="0" smtClean="0">
-                <a:ln>
-                  <a:noFill/>
-                </a:ln>
-                <a:solidFill>
-                  <a:schemeClr val="tx1"/>
-                </a:solidFill>
-                <a:effectLst/>
-                <a:latin typeface="Calibri" panose="020F0502020204030204" pitchFamily="34" charset="0"/>
-                <a:ea typeface="Calibri" panose="020F0502020204030204" pitchFamily="34" charset="0"/>
-                <a:cs typeface="Times New Roman" panose="02020603050405020304" pitchFamily="18" charset="0"/>
-              </a:rPr>
-              <a:t>: amplitudes of first and second peaks</a:t>
+              <a:t>                           ;	             : amplitudes of first and second peaks</a:t>
             </a:r>
             <a:endParaRPr kumimoji="0" lang="en-US" altLang="en-US" sz="1800" b="0" i="0" u="none" strike="noStrike" cap="none" normalizeH="0" baseline="0" dirty="0" smtClean="0">
               <a:ln>
@@ -12679,22 +12559,7 @@
                 <a:ea typeface="Calibri" panose="020F0502020204030204" pitchFamily="34" charset="0"/>
                 <a:cs typeface="Times New Roman" panose="02020603050405020304" pitchFamily="18" charset="0"/>
               </a:rPr>
-              <a:t>-                 : </a:t>
-            </a:r>
-            <a:r>
-              <a:rPr kumimoji="0" lang="en-US" altLang="en-US" sz="1800" b="0" i="0" u="none" strike="noStrike" cap="none" normalizeH="0" baseline="0" dirty="0" smtClean="0">
-                <a:ln>
-                  <a:noFill/>
-                </a:ln>
-                <a:solidFill>
-                  <a:schemeClr val="tx1"/>
-                </a:solidFill>
-                <a:effectLst/>
-                <a:latin typeface="Calibri" panose="020F0502020204030204" pitchFamily="34" charset="0"/>
-                <a:ea typeface="Calibri" panose="020F0502020204030204" pitchFamily="34" charset="0"/>
-                <a:cs typeface="Times New Roman" panose="02020603050405020304" pitchFamily="18" charset="0"/>
-              </a:rPr>
-              <a:t>for each spring two experiments, with and without load: </a:t>
+              <a:t>-                 : for each spring two experiments, with and without load: </a:t>
             </a:r>
             <a:endParaRPr kumimoji="0" lang="en-US" altLang="en-US" sz="1800" b="0" i="0" u="none" strike="noStrike" cap="none" normalizeH="0" baseline="0" dirty="0" smtClean="0">
               <a:ln>
@@ -12805,23 +12670,7 @@
                 <a:ea typeface="Calibri" panose="020F0502020204030204" pitchFamily="34" charset="0"/>
                 <a:cs typeface="Times New Roman" panose="02020603050405020304" pitchFamily="18" charset="0"/>
               </a:rPr>
-              <a:t>M </a:t>
-            </a:r>
-            <a:r>
-              <a:rPr lang="en-US" altLang="en-US" dirty="0" smtClean="0">
-                <a:latin typeface="Calibri" panose="020F0502020204030204" pitchFamily="34" charset="0"/>
-                <a:ea typeface="Calibri" panose="020F0502020204030204" pitchFamily="34" charset="0"/>
-                <a:cs typeface="Times New Roman" panose="02020603050405020304" pitchFamily="18" charset="0"/>
-              </a:rPr>
-              <a:t>(ball </a:t>
-            </a:r>
-            <a:r>
-              <a:rPr lang="en-US" altLang="en-US" dirty="0" smtClean="0">
-                <a:latin typeface="Calibri" panose="020F0502020204030204" pitchFamily="34" charset="0"/>
-                <a:ea typeface="Calibri" panose="020F0502020204030204" pitchFamily="34" charset="0"/>
-                <a:cs typeface="Times New Roman" panose="02020603050405020304" pitchFamily="18" charset="0"/>
-              </a:rPr>
-              <a:t>bearing friction</a:t>
+              <a:t>M (ball bearing friction</a:t>
             </a:r>
             <a:r>
               <a:rPr lang="en-US" altLang="en-US" dirty="0">
@@ -13109,6 +12958,39 @@
           <a:chExt cx="0" cy="0"/>
         </a:xfrm>
       </p:grpSpPr>
+      <p:pic>
+        <p:nvPicPr>
+          <p:cNvPr id="47" name="Immagine 46" descr="C:\Users\user\Documents\GitHub\linearVibrationsControl\finalReport\parts\Identification\img\motor_validation.png"/>
+          <p:cNvPicPr/>
+          <p:nvPr/>
+        </p:nvPicPr>
+        <p:blipFill>
+          <a:blip r:embed="rId4" cstate="print">
+            <a:extLst>
+              <a:ext uri="{28A0092B-C50C-407E-A947-70E740481C1C}">
+                <a14:useLocalDpi xmlns:a14="http://schemas.microsoft.com/office/drawing/2010/main" val="0"/>
+              </a:ext>
+            </a:extLst>
+          </a:blip>
+          <a:srcRect/>
+          <a:stretch>
+            <a:fillRect/>
+          </a:stretch>
+        </p:blipFill>
+        <p:spPr bwMode="auto">
+          <a:xfrm>
+            <a:off x="1415501" y="3520433"/>
+            <a:ext cx="4451846" cy="3083294"/>
+          </a:xfrm>
+          <a:prstGeom prst="rect">
+            <a:avLst/>
+          </a:prstGeom>
+          <a:noFill/>
+          <a:ln>
+            <a:noFill/>
+          </a:ln>
+        </p:spPr>
+      </p:pic>
       <p:sp>
         <p:nvSpPr>
           <p:cNvPr id="36" name="Shape 36"/>
@@ -13141,6 +13023,1788 @@
                 </a:solidFill>
               </a:rPr>
               <a:t>White box identification: motor only</a:t>
+            </a:r>
+            <a:endParaRPr lang="en-US" sz="3000" dirty="0">
+              <a:solidFill>
+                <a:srgbClr val="003366"/>
+              </a:solidFill>
+            </a:endParaRPr>
+          </a:p>
+        </p:txBody>
+      </p:sp>
+      <p:pic>
+        <p:nvPicPr>
+          <p:cNvPr id="38" name="Shape 38"/>
+          <p:cNvPicPr preferRelativeResize="0"/>
+          <p:nvPr/>
+        </p:nvPicPr>
+        <p:blipFill>
+          <a:blip r:embed="rId5">
+            <a:alphaModFix/>
+          </a:blip>
+          <a:stretch>
+            <a:fillRect/>
+          </a:stretch>
+        </p:blipFill>
+        <p:spPr>
+          <a:xfrm>
+            <a:off x="1606450" y="65950"/>
+            <a:ext cx="464900" cy="498650"/>
+          </a:xfrm>
+          <a:prstGeom prst="rect">
+            <a:avLst/>
+          </a:prstGeom>
+          <a:noFill/>
+          <a:ln>
+            <a:noFill/>
+          </a:ln>
+        </p:spPr>
+      </p:pic>
+      <p:pic>
+        <p:nvPicPr>
+          <p:cNvPr id="39" name="Shape 39"/>
+          <p:cNvPicPr preferRelativeResize="0"/>
+          <p:nvPr/>
+        </p:nvPicPr>
+        <p:blipFill>
+          <a:blip r:embed="rId6">
+            <a:alphaModFix/>
+          </a:blip>
+          <a:stretch>
+            <a:fillRect/>
+          </a:stretch>
+        </p:blipFill>
+        <p:spPr>
+          <a:xfrm>
+            <a:off x="1524000" y="630540"/>
+            <a:ext cx="9143998" cy="97471"/>
+          </a:xfrm>
+          <a:prstGeom prst="rect">
+            <a:avLst/>
+          </a:prstGeom>
+          <a:noFill/>
+          <a:ln>
+            <a:noFill/>
+          </a:ln>
+        </p:spPr>
+      </p:pic>
+      <p:cxnSp>
+        <p:nvCxnSpPr>
+          <p:cNvPr id="40" name="Shape 40"/>
+          <p:cNvCxnSpPr/>
+          <p:nvPr/>
+        </p:nvCxnSpPr>
+        <p:spPr>
+          <a:xfrm rot="10800000">
+            <a:off x="2215550" y="126"/>
+            <a:ext cx="0" cy="630299"/>
+          </a:xfrm>
+          <a:prstGeom prst="straightConnector1">
+            <a:avLst/>
+          </a:prstGeom>
+          <a:noFill/>
+          <a:ln w="9525" cap="flat" cmpd="sng">
+            <a:solidFill>
+              <a:srgbClr val="003366"/>
+            </a:solidFill>
+            <a:prstDash val="solid"/>
+            <a:round/>
+            <a:headEnd type="none" w="lg" len="lg"/>
+            <a:tailEnd type="none" w="lg" len="lg"/>
+          </a:ln>
+        </p:spPr>
+      </p:cxnSp>
+      <p:sp>
+        <p:nvSpPr>
+          <p:cNvPr id="41" name="Shape 41"/>
+          <p:cNvSpPr txBox="1"/>
+          <p:nvPr/>
+        </p:nvSpPr>
+        <p:spPr>
+          <a:xfrm>
+            <a:off x="8307700" y="6531001"/>
+            <a:ext cx="2599200" cy="363899"/>
+          </a:xfrm>
+          <a:prstGeom prst="rect">
+            <a:avLst/>
+          </a:prstGeom>
+          <a:noFill/>
+          <a:ln>
+            <a:noFill/>
+          </a:ln>
+        </p:spPr>
+        <p:txBody>
+          <a:bodyPr lIns="91425" tIns="91425" rIns="91425" bIns="91425" anchor="t" anchorCtr="0">
+            <a:noAutofit/>
+          </a:bodyPr>
+          <a:lstStyle/>
+          <a:p>
+            <a:r>
+              <a:rPr lang="en-US" sz="1200" b="1" dirty="0" smtClean="0">
+                <a:solidFill>
+                  <a:srgbClr val="FFFFFF"/>
+                </a:solidFill>
+              </a:rPr>
+              <a:t>POLITECNICO DI MILANO</a:t>
+            </a:r>
+            <a:endParaRPr lang="en-US" sz="1200" b="1" dirty="0">
+              <a:solidFill>
+                <a:srgbClr val="FFFFFF"/>
+              </a:solidFill>
+            </a:endParaRPr>
+          </a:p>
+        </p:txBody>
+      </p:sp>
+      <p:pic>
+        <p:nvPicPr>
+          <p:cNvPr id="42" name="Shape 42"/>
+          <p:cNvPicPr preferRelativeResize="0"/>
+          <p:nvPr/>
+        </p:nvPicPr>
+        <p:blipFill>
+          <a:blip r:embed="rId7">
+            <a:alphaModFix/>
+          </a:blip>
+          <a:stretch>
+            <a:fillRect/>
+          </a:stretch>
+        </p:blipFill>
+        <p:spPr>
+          <a:xfrm>
+            <a:off x="1524000" y="6571226"/>
+            <a:ext cx="9144000" cy="286775"/>
+          </a:xfrm>
+          <a:prstGeom prst="rect">
+            <a:avLst/>
+          </a:prstGeom>
+          <a:noFill/>
+          <a:ln>
+            <a:noFill/>
+          </a:ln>
+        </p:spPr>
+      </p:pic>
+      <p:sp>
+        <p:nvSpPr>
+          <p:cNvPr id="43" name="Shape 43"/>
+          <p:cNvSpPr txBox="1">
+            <a:spLocks noGrp="1"/>
+          </p:cNvSpPr>
+          <p:nvPr>
+            <p:ph type="ctrTitle" idx="4294967295"/>
+          </p:nvPr>
+        </p:nvSpPr>
+        <p:spPr>
+          <a:xfrm>
+            <a:off x="3575453" y="6500850"/>
+            <a:ext cx="3238799" cy="424199"/>
+          </a:xfrm>
+          <a:prstGeom prst="rect">
+            <a:avLst/>
+          </a:prstGeom>
+        </p:spPr>
+        <p:txBody>
+          <a:bodyPr lIns="91425" tIns="91425" rIns="91425" bIns="91425" anchor="ctr" anchorCtr="0">
+            <a:noAutofit/>
+          </a:bodyPr>
+          <a:lstStyle/>
+          <a:p>
+            <a:pPr indent="457200">
+              <a:lnSpc>
+                <a:spcPct val="115000"/>
+              </a:lnSpc>
+            </a:pPr>
+            <a:r>
+              <a:rPr lang="en-US" sz="1200" b="1" dirty="0" smtClean="0">
+                <a:solidFill>
+                  <a:srgbClr val="003366"/>
+                </a:solidFill>
+              </a:rPr>
+              <a:t>Control of linear vibrations</a:t>
+            </a:r>
+            <a:endParaRPr lang="en-US" sz="1300" b="1" dirty="0">
+              <a:solidFill>
+                <a:srgbClr val="003366"/>
+              </a:solidFill>
+            </a:endParaRPr>
+          </a:p>
+        </p:txBody>
+      </p:sp>
+      <p:sp>
+        <p:nvSpPr>
+          <p:cNvPr id="45" name="Rectangle 39"/>
+          <p:cNvSpPr>
+            <a:spLocks noChangeArrowheads="1"/>
+          </p:cNvSpPr>
+          <p:nvPr/>
+        </p:nvSpPr>
+        <p:spPr bwMode="auto">
+          <a:xfrm>
+            <a:off x="2106219" y="1929660"/>
+            <a:ext cx="12192000" cy="457200"/>
+          </a:xfrm>
+          <a:prstGeom prst="rect">
+            <a:avLst/>
+          </a:prstGeom>
+          <a:noFill/>
+          <a:ln>
+            <a:noFill/>
+          </a:ln>
+          <a:effectLst/>
+          <a:extLst>
+            <a:ext uri="{909E8E84-426E-40DD-AFC4-6F175D3DCCD1}">
+              <a14:hiddenFill xmlns:a14="http://schemas.microsoft.com/office/drawing/2010/main">
+                <a:solidFill>
+                  <a:schemeClr val="accent1"/>
+                </a:solidFill>
+              </a14:hiddenFill>
+            </a:ext>
+            <a:ext uri="{91240B29-F687-4F45-9708-019B960494DF}">
+              <a14:hiddenLine xmlns:a14="http://schemas.microsoft.com/office/drawing/2010/main" w="9525">
+                <a:solidFill>
+                  <a:schemeClr val="tx1"/>
+                </a:solidFill>
+                <a:miter lim="800000"/>
+                <a:headEnd/>
+                <a:tailEnd/>
+              </a14:hiddenLine>
+            </a:ext>
+            <a:ext uri="{AF507438-7753-43E0-B8FC-AC1667EBCBE1}">
+              <a14:hiddenEffects xmlns:a14="http://schemas.microsoft.com/office/drawing/2010/main">
+                <a:effectLst>
+                  <a:outerShdw dist="35921" dir="2700000" algn="ctr" rotWithShape="0">
+                    <a:schemeClr val="bg2"/>
+                  </a:outerShdw>
+                </a:effectLst>
+              </a14:hiddenEffects>
+            </a:ext>
+          </a:extLst>
+        </p:spPr>
+        <p:txBody>
+          <a:bodyPr vert="horz" wrap="none" lIns="91440" tIns="45720" rIns="91440" bIns="45720" numCol="1" anchor="ctr" anchorCtr="0" compatLnSpc="1">
+            <a:prstTxWarp prst="textNoShape">
+              <a:avLst/>
+            </a:prstTxWarp>
+            <a:spAutoFit/>
+          </a:bodyPr>
+          <a:lstStyle/>
+          <a:p>
+            <a:endParaRPr lang="en-US"/>
+          </a:p>
+        </p:txBody>
+      </p:sp>
+      <p:sp>
+        <p:nvSpPr>
+          <p:cNvPr id="49" name="Rectangle 39"/>
+          <p:cNvSpPr>
+            <a:spLocks noChangeArrowheads="1"/>
+          </p:cNvSpPr>
+          <p:nvPr/>
+        </p:nvSpPr>
+        <p:spPr bwMode="auto">
+          <a:xfrm>
+            <a:off x="2120169" y="1929728"/>
+            <a:ext cx="12192000" cy="457200"/>
+          </a:xfrm>
+          <a:prstGeom prst="rect">
+            <a:avLst/>
+          </a:prstGeom>
+          <a:noFill/>
+          <a:ln>
+            <a:noFill/>
+          </a:ln>
+          <a:effectLst/>
+          <a:extLst>
+            <a:ext uri="{909E8E84-426E-40DD-AFC4-6F175D3DCCD1}">
+              <a14:hiddenFill xmlns:a14="http://schemas.microsoft.com/office/drawing/2010/main">
+                <a:solidFill>
+                  <a:schemeClr val="accent1"/>
+                </a:solidFill>
+              </a14:hiddenFill>
+            </a:ext>
+            <a:ext uri="{91240B29-F687-4F45-9708-019B960494DF}">
+              <a14:hiddenLine xmlns:a14="http://schemas.microsoft.com/office/drawing/2010/main" w="9525">
+                <a:solidFill>
+                  <a:schemeClr val="tx1"/>
+                </a:solidFill>
+                <a:miter lim="800000"/>
+                <a:headEnd/>
+                <a:tailEnd/>
+              </a14:hiddenLine>
+            </a:ext>
+            <a:ext uri="{AF507438-7753-43E0-B8FC-AC1667EBCBE1}">
+              <a14:hiddenEffects xmlns:a14="http://schemas.microsoft.com/office/drawing/2010/main">
+                <a:effectLst>
+                  <a:outerShdw dist="35921" dir="2700000" algn="ctr" rotWithShape="0">
+                    <a:schemeClr val="bg2"/>
+                  </a:outerShdw>
+                </a:effectLst>
+              </a14:hiddenEffects>
+            </a:ext>
+          </a:extLst>
+        </p:spPr>
+        <p:txBody>
+          <a:bodyPr vert="horz" wrap="none" lIns="91440" tIns="45720" rIns="91440" bIns="45720" numCol="1" anchor="ctr" anchorCtr="0" compatLnSpc="1">
+            <a:prstTxWarp prst="textNoShape">
+              <a:avLst/>
+            </a:prstTxWarp>
+            <a:spAutoFit/>
+          </a:bodyPr>
+          <a:lstStyle/>
+          <a:p>
+            <a:endParaRPr lang="en-US"/>
+          </a:p>
+        </p:txBody>
+      </p:sp>
+      <p:graphicFrame>
+        <p:nvGraphicFramePr>
+          <p:cNvPr id="13" name="Oggetto 12"/>
+          <p:cNvGraphicFramePr>
+            <a:graphicFrameLocks noChangeAspect="1"/>
+          </p:cNvGraphicFramePr>
+          <p:nvPr>
+            <p:extLst>
+              <p:ext uri="{D42A27DB-BD31-4B8C-83A1-F6EECF244321}">
+                <p14:modId xmlns:p14="http://schemas.microsoft.com/office/powerpoint/2010/main" val="2584723655"/>
+              </p:ext>
+            </p:extLst>
+          </p:nvPr>
+        </p:nvGraphicFramePr>
+        <p:xfrm>
+          <a:off x="8307700" y="924792"/>
+          <a:ext cx="3264190" cy="355171"/>
+        </p:xfrm>
+        <a:graphic>
+          <a:graphicData uri="http://schemas.openxmlformats.org/presentationml/2006/ole">
+            <mc:AlternateContent xmlns:mc="http://schemas.openxmlformats.org/markup-compatibility/2006">
+              <mc:Choice xmlns:v="urn:schemas-microsoft-com:vml" Requires="v">
+                <p:oleObj spid="_x0000_s7306" name="Equazione" r:id="rId8" imgW="1841500" imgH="203200" progId="Equation.3">
+                  <p:embed/>
+                </p:oleObj>
+              </mc:Choice>
+              <mc:Fallback>
+                <p:oleObj name="Equazione" r:id="rId8" imgW="1841500" imgH="203200" progId="Equation.3">
+                  <p:embed/>
+                  <p:pic>
+                    <p:nvPicPr>
+                      <p:cNvPr id="0" name="Object 8"/>
+                      <p:cNvPicPr>
+                        <a:picLocks noChangeAspect="1" noChangeArrowheads="1"/>
+                      </p:cNvPicPr>
+                      <p:nvPr/>
+                    </p:nvPicPr>
+                    <p:blipFill>
+                      <a:blip r:embed="rId9">
+                        <a:extLst>
+                          <a:ext uri="{28A0092B-C50C-407E-A947-70E740481C1C}">
+                            <a14:useLocalDpi xmlns:a14="http://schemas.microsoft.com/office/drawing/2010/main" val="0"/>
+                          </a:ext>
+                        </a:extLst>
+                      </a:blip>
+                      <a:srcRect/>
+                      <a:stretch>
+                        <a:fillRect/>
+                      </a:stretch>
+                    </p:blipFill>
+                    <p:spPr bwMode="auto">
+                      <a:xfrm>
+                        <a:off x="8307700" y="924792"/>
+                        <a:ext cx="3264190" cy="355171"/>
+                      </a:xfrm>
+                      <a:prstGeom prst="rect">
+                        <a:avLst/>
+                      </a:prstGeom>
+                      <a:noFill/>
+                    </p:spPr>
+                  </p:pic>
+                </p:oleObj>
+              </mc:Fallback>
+            </mc:AlternateContent>
+          </a:graphicData>
+        </a:graphic>
+      </p:graphicFrame>
+      <p:graphicFrame>
+        <p:nvGraphicFramePr>
+          <p:cNvPr id="14" name="Oggetto 13"/>
+          <p:cNvGraphicFramePr>
+            <a:graphicFrameLocks noChangeAspect="1"/>
+          </p:cNvGraphicFramePr>
+          <p:nvPr>
+            <p:extLst>
+              <p:ext uri="{D42A27DB-BD31-4B8C-83A1-F6EECF244321}">
+                <p14:modId xmlns:p14="http://schemas.microsoft.com/office/powerpoint/2010/main" val="2851992121"/>
+              </p:ext>
+            </p:extLst>
+          </p:nvPr>
+        </p:nvGraphicFramePr>
+        <p:xfrm>
+          <a:off x="1676659" y="1595869"/>
+          <a:ext cx="1717782" cy="572594"/>
+        </p:xfrm>
+        <a:graphic>
+          <a:graphicData uri="http://schemas.openxmlformats.org/presentationml/2006/ole">
+            <mc:AlternateContent xmlns:mc="http://schemas.openxmlformats.org/markup-compatibility/2006">
+              <mc:Choice xmlns:v="urn:schemas-microsoft-com:vml" Requires="v">
+                <p:oleObj spid="_x0000_s7307" name="Equazione" r:id="rId10" imgW="1167893" imgH="393529" progId="Equation.3">
+                  <p:embed/>
+                </p:oleObj>
+              </mc:Choice>
+              <mc:Fallback>
+                <p:oleObj name="Equazione" r:id="rId10" imgW="1167893" imgH="393529" progId="Equation.3">
+                  <p:embed/>
+                  <p:pic>
+                    <p:nvPicPr>
+                      <p:cNvPr id="0" name="Object 7"/>
+                      <p:cNvPicPr>
+                        <a:picLocks noChangeAspect="1" noChangeArrowheads="1"/>
+                      </p:cNvPicPr>
+                      <p:nvPr/>
+                    </p:nvPicPr>
+                    <p:blipFill>
+                      <a:blip r:embed="rId11">
+                        <a:extLst>
+                          <a:ext uri="{28A0092B-C50C-407E-A947-70E740481C1C}">
+                            <a14:useLocalDpi xmlns:a14="http://schemas.microsoft.com/office/drawing/2010/main" val="0"/>
+                          </a:ext>
+                        </a:extLst>
+                      </a:blip>
+                      <a:srcRect/>
+                      <a:stretch>
+                        <a:fillRect/>
+                      </a:stretch>
+                    </p:blipFill>
+                    <p:spPr bwMode="auto">
+                      <a:xfrm>
+                        <a:off x="1676659" y="1595869"/>
+                        <a:ext cx="1717782" cy="572594"/>
+                      </a:xfrm>
+                      <a:prstGeom prst="rect">
+                        <a:avLst/>
+                      </a:prstGeom>
+                      <a:noFill/>
+                    </p:spPr>
+                  </p:pic>
+                </p:oleObj>
+              </mc:Fallback>
+            </mc:AlternateContent>
+          </a:graphicData>
+        </a:graphic>
+      </p:graphicFrame>
+      <p:graphicFrame>
+        <p:nvGraphicFramePr>
+          <p:cNvPr id="15" name="Oggetto 14"/>
+          <p:cNvGraphicFramePr>
+            <a:graphicFrameLocks noChangeAspect="1"/>
+          </p:cNvGraphicFramePr>
+          <p:nvPr>
+            <p:extLst>
+              <p:ext uri="{D42A27DB-BD31-4B8C-83A1-F6EECF244321}">
+                <p14:modId xmlns:p14="http://schemas.microsoft.com/office/powerpoint/2010/main" val="767089802"/>
+              </p:ext>
+            </p:extLst>
+          </p:nvPr>
+        </p:nvGraphicFramePr>
+        <p:xfrm>
+          <a:off x="4418872" y="1691068"/>
+          <a:ext cx="885554" cy="372865"/>
+        </p:xfrm>
+        <a:graphic>
+          <a:graphicData uri="http://schemas.openxmlformats.org/presentationml/2006/ole">
+            <mc:AlternateContent xmlns:mc="http://schemas.openxmlformats.org/markup-compatibility/2006">
+              <mc:Choice xmlns:v="urn:schemas-microsoft-com:vml" Requires="v">
+                <p:oleObj spid="_x0000_s7308" name="Equazione" r:id="rId12" imgW="545863" imgH="228501" progId="Equation.3">
+                  <p:embed/>
+                </p:oleObj>
+              </mc:Choice>
+              <mc:Fallback>
+                <p:oleObj name="Equazione" r:id="rId12" imgW="545863" imgH="228501" progId="Equation.3">
+                  <p:embed/>
+                  <p:pic>
+                    <p:nvPicPr>
+                      <p:cNvPr id="0" name="Object 6"/>
+                      <p:cNvPicPr>
+                        <a:picLocks noChangeAspect="1" noChangeArrowheads="1"/>
+                      </p:cNvPicPr>
+                      <p:nvPr/>
+                    </p:nvPicPr>
+                    <p:blipFill>
+                      <a:blip r:embed="rId13">
+                        <a:extLst>
+                          <a:ext uri="{28A0092B-C50C-407E-A947-70E740481C1C}">
+                            <a14:useLocalDpi xmlns:a14="http://schemas.microsoft.com/office/drawing/2010/main" val="0"/>
+                          </a:ext>
+                        </a:extLst>
+                      </a:blip>
+                      <a:srcRect/>
+                      <a:stretch>
+                        <a:fillRect/>
+                      </a:stretch>
+                    </p:blipFill>
+                    <p:spPr bwMode="auto">
+                      <a:xfrm>
+                        <a:off x="4418872" y="1691068"/>
+                        <a:ext cx="885554" cy="372865"/>
+                      </a:xfrm>
+                      <a:prstGeom prst="rect">
+                        <a:avLst/>
+                      </a:prstGeom>
+                      <a:noFill/>
+                    </p:spPr>
+                  </p:pic>
+                </p:oleObj>
+              </mc:Fallback>
+            </mc:AlternateContent>
+          </a:graphicData>
+        </a:graphic>
+      </p:graphicFrame>
+      <p:graphicFrame>
+        <p:nvGraphicFramePr>
+          <p:cNvPr id="16" name="Oggetto 15"/>
+          <p:cNvGraphicFramePr>
+            <a:graphicFrameLocks noChangeAspect="1"/>
+          </p:cNvGraphicFramePr>
+          <p:nvPr>
+            <p:extLst>
+              <p:ext uri="{D42A27DB-BD31-4B8C-83A1-F6EECF244321}">
+                <p14:modId xmlns:p14="http://schemas.microsoft.com/office/powerpoint/2010/main" val="959061492"/>
+              </p:ext>
+            </p:extLst>
+          </p:nvPr>
+        </p:nvGraphicFramePr>
+        <p:xfrm>
+          <a:off x="7128491" y="1608151"/>
+          <a:ext cx="1179209" cy="508922"/>
+        </p:xfrm>
+        <a:graphic>
+          <a:graphicData uri="http://schemas.openxmlformats.org/presentationml/2006/ole">
+            <mc:AlternateContent xmlns:mc="http://schemas.openxmlformats.org/markup-compatibility/2006">
+              <mc:Choice xmlns:v="urn:schemas-microsoft-com:vml" Requires="v">
+                <p:oleObj spid="_x0000_s7309" name="Equazione" r:id="rId14" imgW="901309" imgH="393529" progId="Equation.3">
+                  <p:embed/>
+                </p:oleObj>
+              </mc:Choice>
+              <mc:Fallback>
+                <p:oleObj name="Equazione" r:id="rId14" imgW="901309" imgH="393529" progId="Equation.3">
+                  <p:embed/>
+                  <p:pic>
+                    <p:nvPicPr>
+                      <p:cNvPr id="0" name="Object 5"/>
+                      <p:cNvPicPr>
+                        <a:picLocks noChangeAspect="1" noChangeArrowheads="1"/>
+                      </p:cNvPicPr>
+                      <p:nvPr/>
+                    </p:nvPicPr>
+                    <p:blipFill>
+                      <a:blip r:embed="rId15">
+                        <a:extLst>
+                          <a:ext uri="{28A0092B-C50C-407E-A947-70E740481C1C}">
+                            <a14:useLocalDpi xmlns:a14="http://schemas.microsoft.com/office/drawing/2010/main" val="0"/>
+                          </a:ext>
+                        </a:extLst>
+                      </a:blip>
+                      <a:srcRect/>
+                      <a:stretch>
+                        <a:fillRect/>
+                      </a:stretch>
+                    </p:blipFill>
+                    <p:spPr bwMode="auto">
+                      <a:xfrm>
+                        <a:off x="7128491" y="1608151"/>
+                        <a:ext cx="1179209" cy="508922"/>
+                      </a:xfrm>
+                      <a:prstGeom prst="rect">
+                        <a:avLst/>
+                      </a:prstGeom>
+                      <a:noFill/>
+                    </p:spPr>
+                  </p:pic>
+                </p:oleObj>
+              </mc:Fallback>
+            </mc:AlternateContent>
+          </a:graphicData>
+        </a:graphic>
+      </p:graphicFrame>
+      <p:graphicFrame>
+        <p:nvGraphicFramePr>
+          <p:cNvPr id="17" name="Oggetto 16"/>
+          <p:cNvGraphicFramePr>
+            <a:graphicFrameLocks noChangeAspect="1"/>
+          </p:cNvGraphicFramePr>
+          <p:nvPr>
+            <p:extLst>
+              <p:ext uri="{D42A27DB-BD31-4B8C-83A1-F6EECF244321}">
+                <p14:modId xmlns:p14="http://schemas.microsoft.com/office/powerpoint/2010/main" val="1305839918"/>
+              </p:ext>
+            </p:extLst>
+          </p:nvPr>
+        </p:nvGraphicFramePr>
+        <p:xfrm>
+          <a:off x="2052978" y="2230862"/>
+          <a:ext cx="2682925" cy="361163"/>
+        </p:xfrm>
+        <a:graphic>
+          <a:graphicData uri="http://schemas.openxmlformats.org/presentationml/2006/ole">
+            <mc:AlternateContent xmlns:mc="http://schemas.openxmlformats.org/markup-compatibility/2006">
+              <mc:Choice xmlns:v="urn:schemas-microsoft-com:vml" Requires="v">
+                <p:oleObj spid="_x0000_s7310" name="Equazione" r:id="rId16" imgW="1485900" imgH="203200" progId="Equation.3">
+                  <p:embed/>
+                </p:oleObj>
+              </mc:Choice>
+              <mc:Fallback>
+                <p:oleObj name="Equazione" r:id="rId16" imgW="1485900" imgH="203200" progId="Equation.3">
+                  <p:embed/>
+                  <p:pic>
+                    <p:nvPicPr>
+                      <p:cNvPr id="0" name="Object 4"/>
+                      <p:cNvPicPr>
+                        <a:picLocks noChangeAspect="1" noChangeArrowheads="1"/>
+                      </p:cNvPicPr>
+                      <p:nvPr/>
+                    </p:nvPicPr>
+                    <p:blipFill>
+                      <a:blip r:embed="rId17">
+                        <a:extLst>
+                          <a:ext uri="{28A0092B-C50C-407E-A947-70E740481C1C}">
+                            <a14:useLocalDpi xmlns:a14="http://schemas.microsoft.com/office/drawing/2010/main" val="0"/>
+                          </a:ext>
+                        </a:extLst>
+                      </a:blip>
+                      <a:srcRect/>
+                      <a:stretch>
+                        <a:fillRect/>
+                      </a:stretch>
+                    </p:blipFill>
+                    <p:spPr bwMode="auto">
+                      <a:xfrm>
+                        <a:off x="2052978" y="2230862"/>
+                        <a:ext cx="2682925" cy="361163"/>
+                      </a:xfrm>
+                      <a:prstGeom prst="rect">
+                        <a:avLst/>
+                      </a:prstGeom>
+                      <a:noFill/>
+                    </p:spPr>
+                  </p:pic>
+                </p:oleObj>
+              </mc:Fallback>
+            </mc:AlternateContent>
+          </a:graphicData>
+        </a:graphic>
+      </p:graphicFrame>
+      <p:graphicFrame>
+        <p:nvGraphicFramePr>
+          <p:cNvPr id="19" name="Oggetto 18"/>
+          <p:cNvGraphicFramePr>
+            <a:graphicFrameLocks noChangeAspect="1"/>
+          </p:cNvGraphicFramePr>
+          <p:nvPr>
+            <p:extLst>
+              <p:ext uri="{D42A27DB-BD31-4B8C-83A1-F6EECF244321}">
+                <p14:modId xmlns:p14="http://schemas.microsoft.com/office/powerpoint/2010/main" val="2125618658"/>
+              </p:ext>
+            </p:extLst>
+          </p:nvPr>
+        </p:nvGraphicFramePr>
+        <p:xfrm>
+          <a:off x="4789144" y="2222975"/>
+          <a:ext cx="2727069" cy="360179"/>
+        </p:xfrm>
+        <a:graphic>
+          <a:graphicData uri="http://schemas.openxmlformats.org/presentationml/2006/ole">
+            <mc:AlternateContent xmlns:mc="http://schemas.openxmlformats.org/markup-compatibility/2006">
+              <mc:Choice xmlns:v="urn:schemas-microsoft-com:vml" Requires="v">
+                <p:oleObj spid="_x0000_s7311" name="Equazione" r:id="rId18" imgW="1511300" imgH="203200" progId="Equation.3">
+                  <p:embed/>
+                </p:oleObj>
+              </mc:Choice>
+              <mc:Fallback>
+                <p:oleObj name="Equazione" r:id="rId18" imgW="1511300" imgH="203200" progId="Equation.3">
+                  <p:embed/>
+                  <p:pic>
+                    <p:nvPicPr>
+                      <p:cNvPr id="0" name="Object 3"/>
+                      <p:cNvPicPr>
+                        <a:picLocks noChangeAspect="1" noChangeArrowheads="1"/>
+                      </p:cNvPicPr>
+                      <p:nvPr/>
+                    </p:nvPicPr>
+                    <p:blipFill>
+                      <a:blip r:embed="rId19">
+                        <a:extLst>
+                          <a:ext uri="{28A0092B-C50C-407E-A947-70E740481C1C}">
+                            <a14:useLocalDpi xmlns:a14="http://schemas.microsoft.com/office/drawing/2010/main" val="0"/>
+                          </a:ext>
+                        </a:extLst>
+                      </a:blip>
+                      <a:srcRect/>
+                      <a:stretch>
+                        <a:fillRect/>
+                      </a:stretch>
+                    </p:blipFill>
+                    <p:spPr bwMode="auto">
+                      <a:xfrm>
+                        <a:off x="4789144" y="2222975"/>
+                        <a:ext cx="2727069" cy="360179"/>
+                      </a:xfrm>
+                      <a:prstGeom prst="rect">
+                        <a:avLst/>
+                      </a:prstGeom>
+                      <a:noFill/>
+                    </p:spPr>
+                  </p:pic>
+                </p:oleObj>
+              </mc:Fallback>
+            </mc:AlternateContent>
+          </a:graphicData>
+        </a:graphic>
+      </p:graphicFrame>
+      <p:graphicFrame>
+        <p:nvGraphicFramePr>
+          <p:cNvPr id="20" name="Oggetto 19"/>
+          <p:cNvGraphicFramePr>
+            <a:graphicFrameLocks noChangeAspect="1"/>
+          </p:cNvGraphicFramePr>
+          <p:nvPr>
+            <p:extLst>
+              <p:ext uri="{D42A27DB-BD31-4B8C-83A1-F6EECF244321}">
+                <p14:modId xmlns:p14="http://schemas.microsoft.com/office/powerpoint/2010/main" val="1186032083"/>
+              </p:ext>
+            </p:extLst>
+          </p:nvPr>
+        </p:nvGraphicFramePr>
+        <p:xfrm>
+          <a:off x="5365781" y="2682332"/>
+          <a:ext cx="1064119" cy="375571"/>
+        </p:xfrm>
+        <a:graphic>
+          <a:graphicData uri="http://schemas.openxmlformats.org/presentationml/2006/ole">
+            <mc:AlternateContent xmlns:mc="http://schemas.openxmlformats.org/markup-compatibility/2006">
+              <mc:Choice xmlns:v="urn:schemas-microsoft-com:vml" Requires="v">
+                <p:oleObj spid="_x0000_s7312" name="Equazione" r:id="rId20" imgW="647640" imgH="228600" progId="Equation.3">
+                  <p:embed/>
+                </p:oleObj>
+              </mc:Choice>
+              <mc:Fallback>
+                <p:oleObj name="Equazione" r:id="rId20" imgW="647640" imgH="228600" progId="Equation.3">
+                  <p:embed/>
+                  <p:pic>
+                    <p:nvPicPr>
+                      <p:cNvPr id="0" name="Object 2"/>
+                      <p:cNvPicPr>
+                        <a:picLocks noChangeAspect="1" noChangeArrowheads="1"/>
+                      </p:cNvPicPr>
+                      <p:nvPr/>
+                    </p:nvPicPr>
+                    <p:blipFill>
+                      <a:blip r:embed="rId21"/>
+                      <a:srcRect/>
+                      <a:stretch>
+                        <a:fillRect/>
+                      </a:stretch>
+                    </p:blipFill>
+                    <p:spPr bwMode="auto">
+                      <a:xfrm>
+                        <a:off x="5365781" y="2682332"/>
+                        <a:ext cx="1064119" cy="375571"/>
+                      </a:xfrm>
+                      <a:prstGeom prst="rect">
+                        <a:avLst/>
+                      </a:prstGeom>
+                      <a:noFill/>
+                    </p:spPr>
+                  </p:pic>
+                </p:oleObj>
+              </mc:Fallback>
+            </mc:AlternateContent>
+          </a:graphicData>
+        </a:graphic>
+      </p:graphicFrame>
+      <p:graphicFrame>
+        <p:nvGraphicFramePr>
+          <p:cNvPr id="22" name="Oggetto 21"/>
+          <p:cNvGraphicFramePr>
+            <a:graphicFrameLocks noChangeAspect="1"/>
+          </p:cNvGraphicFramePr>
+          <p:nvPr>
+            <p:extLst>
+              <p:ext uri="{D42A27DB-BD31-4B8C-83A1-F6EECF244321}">
+                <p14:modId xmlns:p14="http://schemas.microsoft.com/office/powerpoint/2010/main" val="1427446556"/>
+              </p:ext>
+            </p:extLst>
+          </p:nvPr>
+        </p:nvGraphicFramePr>
+        <p:xfrm>
+          <a:off x="6484314" y="2681549"/>
+          <a:ext cx="1458372" cy="376354"/>
+        </p:xfrm>
+        <a:graphic>
+          <a:graphicData uri="http://schemas.openxmlformats.org/presentationml/2006/ole">
+            <mc:AlternateContent xmlns:mc="http://schemas.openxmlformats.org/markup-compatibility/2006">
+              <mc:Choice xmlns:v="urn:schemas-microsoft-com:vml" Requires="v">
+                <p:oleObj spid="_x0000_s7313" name="Equazione" r:id="rId22" imgW="889000" imgH="228600" progId="Equation.3">
+                  <p:embed/>
+                </p:oleObj>
+              </mc:Choice>
+              <mc:Fallback>
+                <p:oleObj name="Equazione" r:id="rId22" imgW="889000" imgH="228600" progId="Equation.3">
+                  <p:embed/>
+                  <p:pic>
+                    <p:nvPicPr>
+                      <p:cNvPr id="0" name="Object 1"/>
+                      <p:cNvPicPr>
+                        <a:picLocks noChangeAspect="1" noChangeArrowheads="1"/>
+                      </p:cNvPicPr>
+                      <p:nvPr/>
+                    </p:nvPicPr>
+                    <p:blipFill>
+                      <a:blip r:embed="rId23">
+                        <a:extLst>
+                          <a:ext uri="{28A0092B-C50C-407E-A947-70E740481C1C}">
+                            <a14:useLocalDpi xmlns:a14="http://schemas.microsoft.com/office/drawing/2010/main" val="0"/>
+                          </a:ext>
+                        </a:extLst>
+                      </a:blip>
+                      <a:srcRect/>
+                      <a:stretch>
+                        <a:fillRect/>
+                      </a:stretch>
+                    </p:blipFill>
+                    <p:spPr bwMode="auto">
+                      <a:xfrm>
+                        <a:off x="6484314" y="2681549"/>
+                        <a:ext cx="1458372" cy="376354"/>
+                      </a:xfrm>
+                      <a:prstGeom prst="rect">
+                        <a:avLst/>
+                      </a:prstGeom>
+                      <a:noFill/>
+                    </p:spPr>
+                  </p:pic>
+                </p:oleObj>
+              </mc:Fallback>
+            </mc:AlternateContent>
+          </a:graphicData>
+        </a:graphic>
+      </p:graphicFrame>
+      <p:sp>
+        <p:nvSpPr>
+          <p:cNvPr id="23" name="Rectangle 9"/>
+          <p:cNvSpPr>
+            <a:spLocks noChangeArrowheads="1"/>
+          </p:cNvSpPr>
+          <p:nvPr/>
+        </p:nvSpPr>
+        <p:spPr bwMode="auto">
+          <a:xfrm>
+            <a:off x="1606450" y="860788"/>
+            <a:ext cx="12192000" cy="457200"/>
+          </a:xfrm>
+          <a:prstGeom prst="rect">
+            <a:avLst/>
+          </a:prstGeom>
+          <a:noFill/>
+          <a:ln>
+            <a:noFill/>
+          </a:ln>
+          <a:effectLst/>
+          <a:extLst>
+            <a:ext uri="{909E8E84-426E-40DD-AFC4-6F175D3DCCD1}">
+              <a14:hiddenFill xmlns:a14="http://schemas.microsoft.com/office/drawing/2010/main">
+                <a:solidFill>
+                  <a:schemeClr val="accent1"/>
+                </a:solidFill>
+              </a14:hiddenFill>
+            </a:ext>
+            <a:ext uri="{91240B29-F687-4F45-9708-019B960494DF}">
+              <a14:hiddenLine xmlns:a14="http://schemas.microsoft.com/office/drawing/2010/main" w="9525">
+                <a:solidFill>
+                  <a:schemeClr val="tx1"/>
+                </a:solidFill>
+                <a:miter lim="800000"/>
+                <a:headEnd/>
+                <a:tailEnd/>
+              </a14:hiddenLine>
+            </a:ext>
+            <a:ext uri="{AF507438-7753-43E0-B8FC-AC1667EBCBE1}">
+              <a14:hiddenEffects xmlns:a14="http://schemas.microsoft.com/office/drawing/2010/main">
+                <a:effectLst>
+                  <a:outerShdw dist="35921" dir="2700000" algn="ctr" rotWithShape="0">
+                    <a:schemeClr val="bg2"/>
+                  </a:outerShdw>
+                </a:effectLst>
+              </a14:hiddenEffects>
+            </a:ext>
+          </a:extLst>
+        </p:spPr>
+        <p:txBody>
+          <a:bodyPr vert="horz" wrap="none" lIns="91440" tIns="45720" rIns="91440" bIns="45720" numCol="1" anchor="ctr" anchorCtr="0" compatLnSpc="1">
+            <a:prstTxWarp prst="textNoShape">
+              <a:avLst/>
+            </a:prstTxWarp>
+            <a:spAutoFit/>
+          </a:bodyPr>
+          <a:lstStyle/>
+          <a:p>
+            <a:pPr marL="0" marR="0" lvl="0" indent="0" algn="l" defTabSz="914400" rtl="0" eaLnBrk="0" fontAlgn="base" latinLnBrk="0" hangingPunct="0">
+              <a:lnSpc>
+                <a:spcPct val="100000"/>
+              </a:lnSpc>
+              <a:spcBef>
+                <a:spcPct val="0"/>
+              </a:spcBef>
+              <a:spcAft>
+                <a:spcPct val="0"/>
+              </a:spcAft>
+              <a:buClrTx/>
+              <a:buSzTx/>
+              <a:buFontTx/>
+              <a:buNone/>
+              <a:tabLst/>
+            </a:pPr>
+            <a:r>
+              <a:rPr kumimoji="0" lang="en-US" altLang="en-US" sz="1800" b="0" i="0" u="none" strike="noStrike" cap="none" normalizeH="0" baseline="0" dirty="0" smtClean="0">
+                <a:ln>
+                  <a:noFill/>
+                </a:ln>
+                <a:solidFill>
+                  <a:schemeClr val="tx1"/>
+                </a:solidFill>
+                <a:effectLst/>
+                <a:latin typeface="Calibri" panose="020F0502020204030204" pitchFamily="34" charset="0"/>
+                <a:ea typeface="Calibri" panose="020F0502020204030204" pitchFamily="34" charset="0"/>
+                <a:cs typeface="Times New Roman" panose="02020603050405020304" pitchFamily="18" charset="0"/>
+              </a:rPr>
+              <a:t>Resistance only: voltage pulses to motor: steady state measurement of </a:t>
+            </a:r>
+            <a:endParaRPr kumimoji="0" lang="en-US" altLang="en-US" sz="1800" b="0" i="0" u="none" strike="noStrike" cap="none" normalizeH="0" baseline="0" dirty="0" smtClean="0">
+              <a:ln>
+                <a:noFill/>
+              </a:ln>
+              <a:solidFill>
+                <a:schemeClr val="tx1"/>
+              </a:solidFill>
+              <a:effectLst/>
+              <a:latin typeface="Arial" panose="020B0604020202020204" pitchFamily="34" charset="0"/>
+            </a:endParaRPr>
+          </a:p>
+        </p:txBody>
+      </p:sp>
+      <p:sp>
+        <p:nvSpPr>
+          <p:cNvPr id="25" name="Rectangle 10"/>
+          <p:cNvSpPr>
+            <a:spLocks noChangeArrowheads="1"/>
+          </p:cNvSpPr>
+          <p:nvPr/>
+        </p:nvSpPr>
+        <p:spPr bwMode="auto">
+          <a:xfrm>
+            <a:off x="1624903" y="1242560"/>
+            <a:ext cx="8942192" cy="369332"/>
+          </a:xfrm>
+          <a:prstGeom prst="rect">
+            <a:avLst/>
+          </a:prstGeom>
+          <a:noFill/>
+          <a:ln>
+            <a:noFill/>
+          </a:ln>
+          <a:effectLst/>
+          <a:extLst>
+            <a:ext uri="{909E8E84-426E-40DD-AFC4-6F175D3DCCD1}">
+              <a14:hiddenFill xmlns:a14="http://schemas.microsoft.com/office/drawing/2010/main">
+                <a:solidFill>
+                  <a:schemeClr val="accent1"/>
+                </a:solidFill>
+              </a14:hiddenFill>
+            </a:ext>
+            <a:ext uri="{91240B29-F687-4F45-9708-019B960494DF}">
+              <a14:hiddenLine xmlns:a14="http://schemas.microsoft.com/office/drawing/2010/main" w="9525">
+                <a:solidFill>
+                  <a:schemeClr val="tx1"/>
+                </a:solidFill>
+                <a:miter lim="800000"/>
+                <a:headEnd/>
+                <a:tailEnd/>
+              </a14:hiddenLine>
+            </a:ext>
+            <a:ext uri="{AF507438-7753-43E0-B8FC-AC1667EBCBE1}">
+              <a14:hiddenEffects xmlns:a14="http://schemas.microsoft.com/office/drawing/2010/main">
+                <a:effectLst>
+                  <a:outerShdw dist="35921" dir="2700000" algn="ctr" rotWithShape="0">
+                    <a:schemeClr val="bg2"/>
+                  </a:outerShdw>
+                </a:effectLst>
+              </a14:hiddenEffects>
+            </a:ext>
+          </a:extLst>
+        </p:spPr>
+        <p:txBody>
+          <a:bodyPr vert="horz" wrap="none" lIns="91440" tIns="45720" rIns="91440" bIns="45720" numCol="1" anchor="ctr" anchorCtr="0" compatLnSpc="1">
+            <a:prstTxWarp prst="textNoShape">
+              <a:avLst/>
+            </a:prstTxWarp>
+            <a:spAutoFit/>
+          </a:bodyPr>
+          <a:lstStyle/>
+          <a:p>
+            <a:pPr marL="0" marR="0" lvl="0" indent="0" algn="l" defTabSz="914400" rtl="0" eaLnBrk="0" fontAlgn="base" latinLnBrk="0" hangingPunct="0">
+              <a:lnSpc>
+                <a:spcPct val="100000"/>
+              </a:lnSpc>
+              <a:spcBef>
+                <a:spcPct val="0"/>
+              </a:spcBef>
+              <a:spcAft>
+                <a:spcPct val="0"/>
+              </a:spcAft>
+              <a:buClrTx/>
+              <a:buSzTx/>
+              <a:buFontTx/>
+              <a:buNone/>
+              <a:tabLst/>
+            </a:pPr>
+            <a:r>
+              <a:rPr kumimoji="0" lang="en-US" altLang="en-US" sz="1800" b="0" i="0" u="none" strike="noStrike" cap="none" normalizeH="0" baseline="0" dirty="0" smtClean="0">
+                <a:ln>
+                  <a:noFill/>
+                </a:ln>
+                <a:solidFill>
+                  <a:schemeClr val="tx1"/>
+                </a:solidFill>
+                <a:effectLst/>
+                <a:latin typeface="Calibri" panose="020F0502020204030204" pitchFamily="34" charset="0"/>
+                <a:ea typeface="Calibri" panose="020F0502020204030204" pitchFamily="34" charset="0"/>
+                <a:cs typeface="Times New Roman" panose="02020603050405020304" pitchFamily="18" charset="0"/>
+              </a:rPr>
+              <a:t>Resistance and inductance: experimental input/output data given to </a:t>
+            </a:r>
+            <a:r>
+              <a:rPr kumimoji="0" lang="en-US" altLang="en-US" sz="1800" b="0" i="0" u="none" strike="noStrike" cap="none" normalizeH="0" baseline="0" dirty="0" err="1" smtClean="0">
+                <a:ln>
+                  <a:noFill/>
+                </a:ln>
+                <a:solidFill>
+                  <a:schemeClr val="tx1"/>
+                </a:solidFill>
+                <a:effectLst/>
+                <a:latin typeface="Calibri" panose="020F0502020204030204" pitchFamily="34" charset="0"/>
+                <a:ea typeface="Calibri" panose="020F0502020204030204" pitchFamily="34" charset="0"/>
+                <a:cs typeface="Times New Roman" panose="02020603050405020304" pitchFamily="18" charset="0"/>
+              </a:rPr>
+              <a:t>Matlab</a:t>
+            </a:r>
+            <a:r>
+              <a:rPr kumimoji="0" lang="en-US" altLang="en-US" sz="1800" b="0" i="0" u="none" strike="noStrike" cap="none" normalizeH="0" baseline="0" dirty="0" smtClean="0">
+                <a:ln>
+                  <a:noFill/>
+                </a:ln>
+                <a:solidFill>
+                  <a:schemeClr val="tx1"/>
+                </a:solidFill>
+                <a:effectLst/>
+                <a:latin typeface="Calibri" panose="020F0502020204030204" pitchFamily="34" charset="0"/>
+                <a:ea typeface="Calibri" panose="020F0502020204030204" pitchFamily="34" charset="0"/>
+                <a:cs typeface="Times New Roman" panose="02020603050405020304" pitchFamily="18" charset="0"/>
+              </a:rPr>
+              <a:t> </a:t>
+            </a:r>
+            <a:r>
+              <a:rPr kumimoji="0" lang="en-US" altLang="en-US" sz="1800" b="0" i="1" u="none" strike="noStrike" cap="none" normalizeH="0" baseline="0" dirty="0" err="1" smtClean="0">
+                <a:ln>
+                  <a:noFill/>
+                </a:ln>
+                <a:solidFill>
+                  <a:schemeClr val="tx1"/>
+                </a:solidFill>
+                <a:effectLst/>
+                <a:latin typeface="Calibri" panose="020F0502020204030204" pitchFamily="34" charset="0"/>
+                <a:ea typeface="Calibri" panose="020F0502020204030204" pitchFamily="34" charset="0"/>
+                <a:cs typeface="Times New Roman" panose="02020603050405020304" pitchFamily="18" charset="0"/>
+              </a:rPr>
+              <a:t>tfest</a:t>
+            </a:r>
+            <a:r>
+              <a:rPr kumimoji="0" lang="en-US" altLang="en-US" sz="1800" b="0" i="0" u="none" strike="noStrike" cap="none" normalizeH="0" baseline="0" dirty="0" smtClean="0">
+                <a:ln>
+                  <a:noFill/>
+                </a:ln>
+                <a:solidFill>
+                  <a:schemeClr val="tx1"/>
+                </a:solidFill>
+                <a:effectLst/>
+                <a:latin typeface="Calibri" panose="020F0502020204030204" pitchFamily="34" charset="0"/>
+                <a:ea typeface="Calibri" panose="020F0502020204030204" pitchFamily="34" charset="0"/>
+                <a:cs typeface="Times New Roman" panose="02020603050405020304" pitchFamily="18" charset="0"/>
+              </a:rPr>
+              <a:t> (first order)</a:t>
+            </a:r>
+            <a:endParaRPr kumimoji="0" lang="en-US" altLang="en-US" sz="800" b="0" i="0" u="none" strike="noStrike" cap="none" normalizeH="0" baseline="0" dirty="0" smtClean="0">
+              <a:ln>
+                <a:noFill/>
+              </a:ln>
+              <a:solidFill>
+                <a:schemeClr val="tx1"/>
+              </a:solidFill>
+              <a:effectLst/>
+            </a:endParaRPr>
+          </a:p>
+        </p:txBody>
+      </p:sp>
+      <p:sp>
+        <p:nvSpPr>
+          <p:cNvPr id="27" name="Rectangle 11"/>
+          <p:cNvSpPr>
+            <a:spLocks noChangeArrowheads="1"/>
+          </p:cNvSpPr>
+          <p:nvPr/>
+        </p:nvSpPr>
+        <p:spPr bwMode="auto">
+          <a:xfrm>
+            <a:off x="3275819" y="1677721"/>
+            <a:ext cx="3937681" cy="369332"/>
+          </a:xfrm>
+          <a:prstGeom prst="rect">
+            <a:avLst/>
+          </a:prstGeom>
+          <a:noFill/>
+          <a:ln>
+            <a:noFill/>
+          </a:ln>
+          <a:effectLst/>
+          <a:extLst>
+            <a:ext uri="{909E8E84-426E-40DD-AFC4-6F175D3DCCD1}">
+              <a14:hiddenFill xmlns:a14="http://schemas.microsoft.com/office/drawing/2010/main">
+                <a:solidFill>
+                  <a:schemeClr val="accent1"/>
+                </a:solidFill>
+              </a14:hiddenFill>
+            </a:ext>
+            <a:ext uri="{91240B29-F687-4F45-9708-019B960494DF}">
+              <a14:hiddenLine xmlns:a14="http://schemas.microsoft.com/office/drawing/2010/main" w="9525">
+                <a:solidFill>
+                  <a:schemeClr val="tx1"/>
+                </a:solidFill>
+                <a:miter lim="800000"/>
+                <a:headEnd/>
+                <a:tailEnd/>
+              </a14:hiddenLine>
+            </a:ext>
+            <a:ext uri="{AF507438-7753-43E0-B8FC-AC1667EBCBE1}">
+              <a14:hiddenEffects xmlns:a14="http://schemas.microsoft.com/office/drawing/2010/main">
+                <a:effectLst>
+                  <a:outerShdw dist="35921" dir="2700000" algn="ctr" rotWithShape="0">
+                    <a:schemeClr val="bg2"/>
+                  </a:outerShdw>
+                </a:effectLst>
+              </a14:hiddenEffects>
+            </a:ext>
+          </a:extLst>
+        </p:spPr>
+        <p:txBody>
+          <a:bodyPr vert="horz" wrap="none" lIns="91440" tIns="45720" rIns="91440" bIns="45720" numCol="1" anchor="ctr" anchorCtr="0" compatLnSpc="1">
+            <a:prstTxWarp prst="textNoShape">
+              <a:avLst/>
+            </a:prstTxWarp>
+            <a:spAutoFit/>
+          </a:bodyPr>
+          <a:lstStyle/>
+          <a:p>
+            <a:pPr marL="0" marR="0" lvl="0" indent="0" algn="l" defTabSz="914400" rtl="0" eaLnBrk="0" fontAlgn="base" latinLnBrk="0" hangingPunct="0">
+              <a:lnSpc>
+                <a:spcPct val="100000"/>
+              </a:lnSpc>
+              <a:spcBef>
+                <a:spcPct val="0"/>
+              </a:spcBef>
+              <a:spcAft>
+                <a:spcPct val="0"/>
+              </a:spcAft>
+              <a:buClrTx/>
+              <a:buSzTx/>
+              <a:buFontTx/>
+              <a:buNone/>
+              <a:tabLst/>
+            </a:pPr>
+            <a:r>
+              <a:rPr kumimoji="0" lang="en-US" altLang="en-US" sz="1800" b="0" i="0" u="none" strike="noStrike" cap="none" normalizeH="0" baseline="0" dirty="0" smtClean="0">
+                <a:ln>
+                  <a:noFill/>
+                </a:ln>
+                <a:solidFill>
+                  <a:schemeClr val="tx1"/>
+                </a:solidFill>
+                <a:effectLst/>
+                <a:latin typeface="Calibri" panose="020F0502020204030204" pitchFamily="34" charset="0"/>
+                <a:ea typeface="Calibri" panose="020F0502020204030204" pitchFamily="34" charset="0"/>
+                <a:cs typeface="Times New Roman" panose="02020603050405020304" pitchFamily="18" charset="0"/>
+              </a:rPr>
+              <a:t>;</a:t>
+            </a:r>
+            <a:r>
+              <a:rPr lang="en-US" altLang="en-US" dirty="0">
+                <a:latin typeface="Calibri" panose="020F0502020204030204" pitchFamily="34" charset="0"/>
+                <a:ea typeface="Calibri" panose="020F0502020204030204" pitchFamily="34" charset="0"/>
+                <a:cs typeface="Times New Roman" panose="02020603050405020304" pitchFamily="18" charset="0"/>
+              </a:rPr>
+              <a:t> </a:t>
+            </a:r>
+            <a:r>
+              <a:rPr kumimoji="0" lang="en-US" altLang="en-US" sz="1800" b="0" i="0" u="none" strike="noStrike" cap="none" normalizeH="0" baseline="0" dirty="0" smtClean="0">
+                <a:ln>
+                  <a:noFill/>
+                </a:ln>
+                <a:solidFill>
+                  <a:schemeClr val="tx1"/>
+                </a:solidFill>
+                <a:effectLst/>
+                <a:latin typeface="Calibri" panose="020F0502020204030204" pitchFamily="34" charset="0"/>
+                <a:ea typeface="Calibri" panose="020F0502020204030204" pitchFamily="34" charset="0"/>
+                <a:cs typeface="Times New Roman" panose="02020603050405020304" pitchFamily="18" charset="0"/>
+              </a:rPr>
+              <a:t>back-</a:t>
+            </a:r>
+            <a:r>
+              <a:rPr kumimoji="0" lang="en-US" altLang="en-US" sz="1800" b="0" i="0" u="none" strike="noStrike" cap="none" normalizeH="0" baseline="0" dirty="0" err="1" smtClean="0">
+                <a:ln>
+                  <a:noFill/>
+                </a:ln>
+                <a:solidFill>
+                  <a:schemeClr val="tx1"/>
+                </a:solidFill>
+                <a:effectLst/>
+                <a:latin typeface="Calibri" panose="020F0502020204030204" pitchFamily="34" charset="0"/>
+                <a:ea typeface="Calibri" panose="020F0502020204030204" pitchFamily="34" charset="0"/>
+                <a:cs typeface="Times New Roman" panose="02020603050405020304" pitchFamily="18" charset="0"/>
+              </a:rPr>
+              <a:t>emf</a:t>
+            </a:r>
+            <a:r>
+              <a:rPr kumimoji="0" lang="en-US" altLang="en-US" sz="1800" b="0" i="0" u="none" strike="noStrike" cap="none" normalizeH="0" baseline="0" dirty="0" smtClean="0">
+                <a:ln>
+                  <a:noFill/>
+                </a:ln>
+                <a:solidFill>
+                  <a:schemeClr val="tx1"/>
+                </a:solidFill>
+                <a:effectLst/>
+                <a:latin typeface="Calibri" panose="020F0502020204030204" pitchFamily="34" charset="0"/>
+                <a:ea typeface="Calibri" panose="020F0502020204030204" pitchFamily="34" charset="0"/>
+                <a:cs typeface="Times New Roman" panose="02020603050405020304" pitchFamily="18" charset="0"/>
+              </a:rPr>
+              <a:t>	  neglected because </a:t>
+            </a:r>
+            <a:endParaRPr kumimoji="0" lang="en-US" altLang="en-US" sz="1800" b="0" i="0" u="none" strike="noStrike" cap="none" normalizeH="0" baseline="0" dirty="0" smtClean="0">
+              <a:ln>
+                <a:noFill/>
+              </a:ln>
+              <a:solidFill>
+                <a:schemeClr val="tx1"/>
+              </a:solidFill>
+              <a:effectLst/>
+              <a:latin typeface="Arial" panose="020B0604020202020204" pitchFamily="34" charset="0"/>
+            </a:endParaRPr>
+          </a:p>
+        </p:txBody>
+      </p:sp>
+      <p:sp>
+        <p:nvSpPr>
+          <p:cNvPr id="32" name="Rectangle 14"/>
+          <p:cNvSpPr>
+            <a:spLocks noChangeArrowheads="1"/>
+          </p:cNvSpPr>
+          <p:nvPr/>
+        </p:nvSpPr>
+        <p:spPr bwMode="auto">
+          <a:xfrm flipH="1">
+            <a:off x="4654954" y="2222693"/>
+            <a:ext cx="148140" cy="369332"/>
+          </a:xfrm>
+          <a:prstGeom prst="rect">
+            <a:avLst/>
+          </a:prstGeom>
+          <a:noFill/>
+          <a:ln>
+            <a:noFill/>
+          </a:ln>
+          <a:effectLst/>
+          <a:extLst>
+            <a:ext uri="{909E8E84-426E-40DD-AFC4-6F175D3DCCD1}">
+              <a14:hiddenFill xmlns:a14="http://schemas.microsoft.com/office/drawing/2010/main">
+                <a:solidFill>
+                  <a:schemeClr val="accent1"/>
+                </a:solidFill>
+              </a14:hiddenFill>
+            </a:ext>
+            <a:ext uri="{91240B29-F687-4F45-9708-019B960494DF}">
+              <a14:hiddenLine xmlns:a14="http://schemas.microsoft.com/office/drawing/2010/main" w="9525">
+                <a:solidFill>
+                  <a:schemeClr val="tx1"/>
+                </a:solidFill>
+                <a:miter lim="800000"/>
+                <a:headEnd/>
+                <a:tailEnd/>
+              </a14:hiddenLine>
+            </a:ext>
+            <a:ext uri="{AF507438-7753-43E0-B8FC-AC1667EBCBE1}">
+              <a14:hiddenEffects xmlns:a14="http://schemas.microsoft.com/office/drawing/2010/main">
+                <a:effectLst>
+                  <a:outerShdw dist="35921" dir="2700000" algn="ctr" rotWithShape="0">
+                    <a:schemeClr val="bg2"/>
+                  </a:outerShdw>
+                </a:effectLst>
+              </a14:hiddenEffects>
+            </a:ext>
+          </a:extLst>
+        </p:spPr>
+        <p:txBody>
+          <a:bodyPr vert="horz" wrap="square" lIns="91440" tIns="45720" rIns="91440" bIns="45720" numCol="1" anchor="ctr" anchorCtr="0" compatLnSpc="1">
+            <a:prstTxWarp prst="textNoShape">
+              <a:avLst/>
+            </a:prstTxWarp>
+            <a:spAutoFit/>
+          </a:bodyPr>
+          <a:lstStyle/>
+          <a:p>
+            <a:pPr marL="0" marR="0" lvl="0" indent="0" algn="l" defTabSz="914400" rtl="0" eaLnBrk="0" fontAlgn="base" latinLnBrk="0" hangingPunct="0">
+              <a:lnSpc>
+                <a:spcPct val="100000"/>
+              </a:lnSpc>
+              <a:spcBef>
+                <a:spcPct val="0"/>
+              </a:spcBef>
+              <a:spcAft>
+                <a:spcPct val="0"/>
+              </a:spcAft>
+              <a:buClrTx/>
+              <a:buSzTx/>
+              <a:buFontTx/>
+              <a:buNone/>
+              <a:tabLst/>
+            </a:pPr>
+            <a:r>
+              <a:rPr kumimoji="0" lang="en-US" altLang="en-US" sz="1800" b="0" i="0" u="none" strike="noStrike" cap="none" normalizeH="0" baseline="0" dirty="0" smtClean="0">
+                <a:ln>
+                  <a:noFill/>
+                </a:ln>
+                <a:solidFill>
+                  <a:schemeClr val="tx1"/>
+                </a:solidFill>
+                <a:effectLst/>
+                <a:latin typeface="Calibri" panose="020F0502020204030204" pitchFamily="34" charset="0"/>
+                <a:ea typeface="Calibri" panose="020F0502020204030204" pitchFamily="34" charset="0"/>
+                <a:cs typeface="Times New Roman" panose="02020603050405020304" pitchFamily="18" charset="0"/>
+              </a:rPr>
+              <a:t>,</a:t>
+            </a:r>
+            <a:endParaRPr kumimoji="0" lang="en-US" altLang="en-US" sz="1800" b="0" i="0" u="none" strike="noStrike" cap="none" normalizeH="0" baseline="0" dirty="0" smtClean="0">
+              <a:ln>
+                <a:noFill/>
+              </a:ln>
+              <a:solidFill>
+                <a:schemeClr val="tx1"/>
+              </a:solidFill>
+              <a:effectLst/>
+              <a:latin typeface="Arial" panose="020B0604020202020204" pitchFamily="34" charset="0"/>
+            </a:endParaRPr>
+          </a:p>
+        </p:txBody>
+      </p:sp>
+      <p:sp>
+        <p:nvSpPr>
+          <p:cNvPr id="33" name="Rectangle 15"/>
+          <p:cNvSpPr>
+            <a:spLocks noChangeArrowheads="1"/>
+          </p:cNvSpPr>
+          <p:nvPr/>
+        </p:nvSpPr>
+        <p:spPr bwMode="auto">
+          <a:xfrm>
+            <a:off x="1676659" y="2697927"/>
+            <a:ext cx="3913764" cy="369332"/>
+          </a:xfrm>
+          <a:prstGeom prst="rect">
+            <a:avLst/>
+          </a:prstGeom>
+          <a:noFill/>
+          <a:ln>
+            <a:noFill/>
+          </a:ln>
+          <a:effectLst/>
+          <a:extLst>
+            <a:ext uri="{909E8E84-426E-40DD-AFC4-6F175D3DCCD1}">
+              <a14:hiddenFill xmlns:a14="http://schemas.microsoft.com/office/drawing/2010/main">
+                <a:solidFill>
+                  <a:schemeClr val="accent1"/>
+                </a:solidFill>
+              </a14:hiddenFill>
+            </a:ext>
+            <a:ext uri="{91240B29-F687-4F45-9708-019B960494DF}">
+              <a14:hiddenLine xmlns:a14="http://schemas.microsoft.com/office/drawing/2010/main" w="9525">
+                <a:solidFill>
+                  <a:schemeClr val="tx1"/>
+                </a:solidFill>
+                <a:miter lim="800000"/>
+                <a:headEnd/>
+                <a:tailEnd/>
+              </a14:hiddenLine>
+            </a:ext>
+            <a:ext uri="{AF507438-7753-43E0-B8FC-AC1667EBCBE1}">
+              <a14:hiddenEffects xmlns:a14="http://schemas.microsoft.com/office/drawing/2010/main">
+                <a:effectLst>
+                  <a:outerShdw dist="35921" dir="2700000" algn="ctr" rotWithShape="0">
+                    <a:schemeClr val="bg2"/>
+                  </a:outerShdw>
+                </a:effectLst>
+              </a14:hiddenEffects>
+            </a:ext>
+          </a:extLst>
+        </p:spPr>
+        <p:txBody>
+          <a:bodyPr vert="horz" wrap="none" lIns="91440" tIns="45720" rIns="91440" bIns="45720" numCol="1" anchor="ctr" anchorCtr="0" compatLnSpc="1">
+            <a:prstTxWarp prst="textNoShape">
+              <a:avLst/>
+            </a:prstTxWarp>
+            <a:spAutoFit/>
+          </a:bodyPr>
+          <a:lstStyle/>
+          <a:p>
+            <a:pPr marL="0" marR="0" lvl="0" indent="0" algn="l" defTabSz="914400" rtl="0" eaLnBrk="0" fontAlgn="base" latinLnBrk="0" hangingPunct="0">
+              <a:lnSpc>
+                <a:spcPct val="100000"/>
+              </a:lnSpc>
+              <a:spcBef>
+                <a:spcPct val="0"/>
+              </a:spcBef>
+              <a:spcAft>
+                <a:spcPct val="0"/>
+              </a:spcAft>
+              <a:buClrTx/>
+              <a:buSzTx/>
+              <a:buFontTx/>
+              <a:buNone/>
+              <a:tabLst/>
+            </a:pPr>
+            <a:r>
+              <a:rPr kumimoji="0" lang="en-US" altLang="en-US" sz="1800" b="0" i="0" u="none" strike="noStrike" cap="none" normalizeH="0" baseline="0" dirty="0" smtClean="0">
+                <a:ln>
+                  <a:noFill/>
+                </a:ln>
+                <a:solidFill>
+                  <a:schemeClr val="tx1"/>
+                </a:solidFill>
+                <a:effectLst/>
+                <a:latin typeface="Calibri" panose="020F0502020204030204" pitchFamily="34" charset="0"/>
+                <a:ea typeface="Calibri" panose="020F0502020204030204" pitchFamily="34" charset="0"/>
+                <a:cs typeface="Times New Roman" panose="02020603050405020304" pitchFamily="18" charset="0"/>
+              </a:rPr>
+              <a:t>Nominal values from motor datasheet </a:t>
+            </a:r>
+            <a:endParaRPr kumimoji="0" lang="en-US" altLang="en-US" sz="1800" b="0" i="0" u="none" strike="noStrike" cap="none" normalizeH="0" baseline="0" dirty="0" smtClean="0">
+              <a:ln>
+                <a:noFill/>
+              </a:ln>
+              <a:solidFill>
+                <a:schemeClr val="tx1"/>
+              </a:solidFill>
+              <a:effectLst/>
+              <a:latin typeface="Arial" panose="020B0604020202020204" pitchFamily="34" charset="0"/>
+            </a:endParaRPr>
+          </a:p>
+        </p:txBody>
+      </p:sp>
+      <p:sp>
+        <p:nvSpPr>
+          <p:cNvPr id="34" name="Rectangle 16"/>
+          <p:cNvSpPr>
+            <a:spLocks noChangeArrowheads="1"/>
+          </p:cNvSpPr>
+          <p:nvPr/>
+        </p:nvSpPr>
+        <p:spPr bwMode="auto">
+          <a:xfrm>
+            <a:off x="6335920" y="2690519"/>
+            <a:ext cx="242374" cy="369332"/>
+          </a:xfrm>
+          <a:prstGeom prst="rect">
+            <a:avLst/>
+          </a:prstGeom>
+          <a:noFill/>
+          <a:ln>
+            <a:noFill/>
+          </a:ln>
+          <a:effectLst/>
+          <a:extLst>
+            <a:ext uri="{909E8E84-426E-40DD-AFC4-6F175D3DCCD1}">
+              <a14:hiddenFill xmlns:a14="http://schemas.microsoft.com/office/drawing/2010/main">
+                <a:solidFill>
+                  <a:schemeClr val="accent1"/>
+                </a:solidFill>
+              </a14:hiddenFill>
+            </a:ext>
+            <a:ext uri="{91240B29-F687-4F45-9708-019B960494DF}">
+              <a14:hiddenLine xmlns:a14="http://schemas.microsoft.com/office/drawing/2010/main" w="9525">
+                <a:solidFill>
+                  <a:schemeClr val="tx1"/>
+                </a:solidFill>
+                <a:miter lim="800000"/>
+                <a:headEnd/>
+                <a:tailEnd/>
+              </a14:hiddenLine>
+            </a:ext>
+            <a:ext uri="{AF507438-7753-43E0-B8FC-AC1667EBCBE1}">
+              <a14:hiddenEffects xmlns:a14="http://schemas.microsoft.com/office/drawing/2010/main">
+                <a:effectLst>
+                  <a:outerShdw dist="35921" dir="2700000" algn="ctr" rotWithShape="0">
+                    <a:schemeClr val="bg2"/>
+                  </a:outerShdw>
+                </a:effectLst>
+              </a14:hiddenEffects>
+            </a:ext>
+          </a:extLst>
+        </p:spPr>
+        <p:txBody>
+          <a:bodyPr vert="horz" wrap="none" lIns="91440" tIns="45720" rIns="91440" bIns="45720" numCol="1" anchor="ctr" anchorCtr="0" compatLnSpc="1">
+            <a:prstTxWarp prst="textNoShape">
+              <a:avLst/>
+            </a:prstTxWarp>
+            <a:spAutoFit/>
+          </a:bodyPr>
+          <a:lstStyle/>
+          <a:p>
+            <a:pPr marL="0" marR="0" lvl="0" indent="0" algn="l" defTabSz="914400" rtl="0" eaLnBrk="0" fontAlgn="base" latinLnBrk="0" hangingPunct="0">
+              <a:lnSpc>
+                <a:spcPct val="100000"/>
+              </a:lnSpc>
+              <a:spcBef>
+                <a:spcPct val="0"/>
+              </a:spcBef>
+              <a:spcAft>
+                <a:spcPct val="0"/>
+              </a:spcAft>
+              <a:buClrTx/>
+              <a:buSzTx/>
+              <a:buFontTx/>
+              <a:buNone/>
+              <a:tabLst/>
+            </a:pPr>
+            <a:r>
+              <a:rPr kumimoji="0" lang="en-US" altLang="en-US" sz="1800" b="0" i="0" u="none" strike="noStrike" cap="none" normalizeH="0" baseline="0" dirty="0" smtClean="0">
+                <a:ln>
+                  <a:noFill/>
+                </a:ln>
+                <a:solidFill>
+                  <a:schemeClr val="tx1"/>
+                </a:solidFill>
+                <a:effectLst/>
+                <a:latin typeface="Calibri" panose="020F0502020204030204" pitchFamily="34" charset="0"/>
+                <a:ea typeface="Calibri" panose="020F0502020204030204" pitchFamily="34" charset="0"/>
+                <a:cs typeface="Times New Roman" panose="02020603050405020304" pitchFamily="18" charset="0"/>
+              </a:rPr>
+              <a:t>,</a:t>
+            </a:r>
+            <a:endParaRPr kumimoji="0" lang="en-US" altLang="en-US" sz="1800" b="0" i="0" u="none" strike="noStrike" cap="none" normalizeH="0" baseline="0" dirty="0" smtClean="0">
+              <a:ln>
+                <a:noFill/>
+              </a:ln>
+              <a:solidFill>
+                <a:schemeClr val="tx1"/>
+              </a:solidFill>
+              <a:effectLst/>
+              <a:latin typeface="Arial" panose="020B0604020202020204" pitchFamily="34" charset="0"/>
+            </a:endParaRPr>
+          </a:p>
+        </p:txBody>
+      </p:sp>
+      <p:sp>
+        <p:nvSpPr>
+          <p:cNvPr id="35" name="Rectangle 17"/>
+          <p:cNvSpPr>
+            <a:spLocks noChangeArrowheads="1"/>
+          </p:cNvSpPr>
+          <p:nvPr/>
+        </p:nvSpPr>
+        <p:spPr bwMode="auto">
+          <a:xfrm>
+            <a:off x="1676659" y="3151101"/>
+            <a:ext cx="7574318" cy="369332"/>
+          </a:xfrm>
+          <a:prstGeom prst="rect">
+            <a:avLst/>
+          </a:prstGeom>
+          <a:noFill/>
+          <a:ln>
+            <a:noFill/>
+          </a:ln>
+          <a:effectLst/>
+          <a:extLst>
+            <a:ext uri="{909E8E84-426E-40DD-AFC4-6F175D3DCCD1}">
+              <a14:hiddenFill xmlns:a14="http://schemas.microsoft.com/office/drawing/2010/main">
+                <a:solidFill>
+                  <a:schemeClr val="accent1"/>
+                </a:solidFill>
+              </a14:hiddenFill>
+            </a:ext>
+            <a:ext uri="{91240B29-F687-4F45-9708-019B960494DF}">
+              <a14:hiddenLine xmlns:a14="http://schemas.microsoft.com/office/drawing/2010/main" w="9525">
+                <a:solidFill>
+                  <a:schemeClr val="tx1"/>
+                </a:solidFill>
+                <a:miter lim="800000"/>
+                <a:headEnd/>
+                <a:tailEnd/>
+              </a14:hiddenLine>
+            </a:ext>
+            <a:ext uri="{AF507438-7753-43E0-B8FC-AC1667EBCBE1}">
+              <a14:hiddenEffects xmlns:a14="http://schemas.microsoft.com/office/drawing/2010/main">
+                <a:effectLst>
+                  <a:outerShdw dist="35921" dir="2700000" algn="ctr" rotWithShape="0">
+                    <a:schemeClr val="bg2"/>
+                  </a:outerShdw>
+                </a:effectLst>
+              </a14:hiddenEffects>
+            </a:ext>
+          </a:extLst>
+        </p:spPr>
+        <p:txBody>
+          <a:bodyPr vert="horz" wrap="none" lIns="91440" tIns="45720" rIns="91440" bIns="45720" numCol="1" anchor="ctr" anchorCtr="0" compatLnSpc="1">
+            <a:prstTxWarp prst="textNoShape">
+              <a:avLst/>
+            </a:prstTxWarp>
+            <a:spAutoFit/>
+          </a:bodyPr>
+          <a:lstStyle/>
+          <a:p>
+            <a:pPr marL="0" marR="0" lvl="0" indent="0" algn="l" defTabSz="914400" rtl="0" eaLnBrk="0" fontAlgn="base" latinLnBrk="0" hangingPunct="0">
+              <a:lnSpc>
+                <a:spcPct val="100000"/>
+              </a:lnSpc>
+              <a:spcBef>
+                <a:spcPct val="0"/>
+              </a:spcBef>
+              <a:spcAft>
+                <a:spcPct val="0"/>
+              </a:spcAft>
+              <a:buClrTx/>
+              <a:buSzTx/>
+              <a:buFontTx/>
+              <a:buNone/>
+              <a:tabLst/>
+            </a:pPr>
+            <a:r>
+              <a:rPr kumimoji="0" lang="en-US" altLang="en-US" sz="1800" b="1" i="0" u="none" strike="noStrike" cap="none" normalizeH="0" baseline="0" dirty="0" smtClean="0">
+                <a:ln>
+                  <a:noFill/>
+                </a:ln>
+                <a:solidFill>
+                  <a:schemeClr val="tx1"/>
+                </a:solidFill>
+                <a:effectLst/>
+                <a:latin typeface="Calibri" panose="020F0502020204030204" pitchFamily="34" charset="0"/>
+                <a:ea typeface="Calibri" panose="020F0502020204030204" pitchFamily="34" charset="0"/>
+                <a:cs typeface="Times New Roman" panose="02020603050405020304" pitchFamily="18" charset="0"/>
+              </a:rPr>
+              <a:t>Validation</a:t>
+            </a:r>
+            <a:r>
+              <a:rPr kumimoji="0" lang="en-US" altLang="en-US" sz="1800" b="0" i="0" u="none" strike="noStrike" cap="none" normalizeH="0" baseline="0" dirty="0" smtClean="0">
+                <a:ln>
+                  <a:noFill/>
+                </a:ln>
+                <a:solidFill>
+                  <a:schemeClr val="tx1"/>
+                </a:solidFill>
+                <a:effectLst/>
+                <a:latin typeface="Calibri" panose="020F0502020204030204" pitchFamily="34" charset="0"/>
+                <a:ea typeface="Calibri" panose="020F0502020204030204" pitchFamily="34" charset="0"/>
+                <a:cs typeface="Times New Roman" panose="02020603050405020304" pitchFamily="18" charset="0"/>
+              </a:rPr>
+              <a:t>: real output vs simulation with input = N(0,9/4): fit=0.8142±0.0364</a:t>
+            </a:r>
+            <a:endParaRPr kumimoji="0" lang="en-US" altLang="en-US" sz="1800" b="0" i="0" u="none" strike="noStrike" cap="none" normalizeH="0" baseline="0" dirty="0" smtClean="0">
+              <a:ln>
+                <a:noFill/>
+              </a:ln>
+              <a:solidFill>
+                <a:schemeClr val="tx1"/>
+              </a:solidFill>
+              <a:effectLst/>
+              <a:latin typeface="Arial" panose="020B0604020202020204" pitchFamily="34" charset="0"/>
+            </a:endParaRPr>
+          </a:p>
+        </p:txBody>
+      </p:sp>
+    </p:spTree>
+    <p:extLst>
+      <p:ext uri="{BB962C8B-B14F-4D97-AF65-F5344CB8AC3E}">
+        <p14:creationId xmlns:p14="http://schemas.microsoft.com/office/powerpoint/2010/main" val="2442095312"/>
+      </p:ext>
+    </p:extLst>
+  </p:cSld>
+  <p:clrMapOvr>
+    <a:masterClrMapping/>
+  </p:clrMapOvr>
+  <p:transition spd="slow">
+    <p:cut/>
+  </p:transition>
+  <p:timing>
+    <p:tnLst>
+      <p:par>
+        <p:cTn id="1" dur="indefinite" restart="never" nodeType="tmRoot"/>
+      </p:par>
+    </p:tnLst>
+  </p:timing>
+</p:sld>
+</file>
+
+<file path=ppt/slides/slide7.xml><?xml version="1.0" encoding="utf-8"?>
+<p:sld xmlns:a="http://schemas.openxmlformats.org/drawingml/2006/main" xmlns:r="http://schemas.openxmlformats.org/officeDocument/2006/relationships" xmlns:p="http://schemas.openxmlformats.org/presentationml/2006/main">
+  <p:cSld>
+    <p:spTree>
+      <p:nvGrpSpPr>
+        <p:cNvPr id="1" name="Shape 35"/>
+        <p:cNvGrpSpPr/>
+        <p:nvPr/>
+      </p:nvGrpSpPr>
+      <p:grpSpPr>
+        <a:xfrm>
+          <a:off x="0" y="0"/>
+          <a:ext cx="0" cy="0"/>
+          <a:chOff x="0" y="0"/>
+          <a:chExt cx="0" cy="0"/>
+        </a:xfrm>
+      </p:grpSpPr>
+      <p:sp>
+        <p:nvSpPr>
+          <p:cNvPr id="36" name="Shape 36"/>
+          <p:cNvSpPr txBox="1">
+            <a:spLocks noGrp="1"/>
+          </p:cNvSpPr>
+          <p:nvPr>
+            <p:ph type="title"/>
+          </p:nvPr>
+        </p:nvSpPr>
+        <p:spPr>
+          <a:xfrm>
+            <a:off x="2361450" y="131951"/>
+            <a:ext cx="8136900" cy="498599"/>
+          </a:xfrm>
+          <a:prstGeom prst="rect">
+            <a:avLst/>
+          </a:prstGeom>
+        </p:spPr>
+        <p:txBody>
+          <a:bodyPr lIns="91425" tIns="91425" rIns="91425" bIns="91425" anchor="b" anchorCtr="0">
+            <a:noAutofit/>
+          </a:bodyPr>
+          <a:lstStyle/>
+          <a:p>
+            <a:r>
+              <a:rPr lang="en-US" sz="3000" dirty="0" smtClean="0">
+                <a:solidFill>
+                  <a:srgbClr val="003366"/>
+                </a:solidFill>
+              </a:rPr>
+              <a:t>Overall system identification</a:t>
             </a:r>
             <a:endParaRPr lang="en-US" sz="3000" dirty="0">
               <a:solidFill>
@@ -13332,1821 +14996,6 @@
               </a:lnSpc>
             </a:pPr>
             <a:r>
-              <a:rPr lang="en-US" sz="1200" b="1" dirty="0" smtClean="0">
-                <a:solidFill>
-                  <a:srgbClr val="003366"/>
-                </a:solidFill>
-              </a:rPr>
-              <a:t>Control of linear vibrations</a:t>
-            </a:r>
-            <a:endParaRPr lang="en-US" sz="1300" b="1" dirty="0">
-              <a:solidFill>
-                <a:srgbClr val="003366"/>
-              </a:solidFill>
-            </a:endParaRPr>
-          </a:p>
-        </p:txBody>
-      </p:sp>
-      <p:sp>
-        <p:nvSpPr>
-          <p:cNvPr id="45" name="Rectangle 39"/>
-          <p:cNvSpPr>
-            <a:spLocks noChangeArrowheads="1"/>
-          </p:cNvSpPr>
-          <p:nvPr/>
-        </p:nvSpPr>
-        <p:spPr bwMode="auto">
-          <a:xfrm>
-            <a:off x="2106219" y="1929660"/>
-            <a:ext cx="12192000" cy="457200"/>
-          </a:xfrm>
-          <a:prstGeom prst="rect">
-            <a:avLst/>
-          </a:prstGeom>
-          <a:noFill/>
-          <a:ln>
-            <a:noFill/>
-          </a:ln>
-          <a:effectLst/>
-          <a:extLst>
-            <a:ext uri="{909E8E84-426E-40DD-AFC4-6F175D3DCCD1}">
-              <a14:hiddenFill xmlns:a14="http://schemas.microsoft.com/office/drawing/2010/main">
-                <a:solidFill>
-                  <a:schemeClr val="accent1"/>
-                </a:solidFill>
-              </a14:hiddenFill>
-            </a:ext>
-            <a:ext uri="{91240B29-F687-4F45-9708-019B960494DF}">
-              <a14:hiddenLine xmlns:a14="http://schemas.microsoft.com/office/drawing/2010/main" w="9525">
-                <a:solidFill>
-                  <a:schemeClr val="tx1"/>
-                </a:solidFill>
-                <a:miter lim="800000"/>
-                <a:headEnd/>
-                <a:tailEnd/>
-              </a14:hiddenLine>
-            </a:ext>
-            <a:ext uri="{AF507438-7753-43E0-B8FC-AC1667EBCBE1}">
-              <a14:hiddenEffects xmlns:a14="http://schemas.microsoft.com/office/drawing/2010/main">
-                <a:effectLst>
-                  <a:outerShdw dist="35921" dir="2700000" algn="ctr" rotWithShape="0">
-                    <a:schemeClr val="bg2"/>
-                  </a:outerShdw>
-                </a:effectLst>
-              </a14:hiddenEffects>
-            </a:ext>
-          </a:extLst>
-        </p:spPr>
-        <p:txBody>
-          <a:bodyPr vert="horz" wrap="none" lIns="91440" tIns="45720" rIns="91440" bIns="45720" numCol="1" anchor="ctr" anchorCtr="0" compatLnSpc="1">
-            <a:prstTxWarp prst="textNoShape">
-              <a:avLst/>
-            </a:prstTxWarp>
-            <a:spAutoFit/>
-          </a:bodyPr>
-          <a:lstStyle/>
-          <a:p>
-            <a:endParaRPr lang="en-US"/>
-          </a:p>
-        </p:txBody>
-      </p:sp>
-      <p:sp>
-        <p:nvSpPr>
-          <p:cNvPr id="49" name="Rectangle 39"/>
-          <p:cNvSpPr>
-            <a:spLocks noChangeArrowheads="1"/>
-          </p:cNvSpPr>
-          <p:nvPr/>
-        </p:nvSpPr>
-        <p:spPr bwMode="auto">
-          <a:xfrm>
-            <a:off x="2120169" y="1929728"/>
-            <a:ext cx="12192000" cy="457200"/>
-          </a:xfrm>
-          <a:prstGeom prst="rect">
-            <a:avLst/>
-          </a:prstGeom>
-          <a:noFill/>
-          <a:ln>
-            <a:noFill/>
-          </a:ln>
-          <a:effectLst/>
-          <a:extLst>
-            <a:ext uri="{909E8E84-426E-40DD-AFC4-6F175D3DCCD1}">
-              <a14:hiddenFill xmlns:a14="http://schemas.microsoft.com/office/drawing/2010/main">
-                <a:solidFill>
-                  <a:schemeClr val="accent1"/>
-                </a:solidFill>
-              </a14:hiddenFill>
-            </a:ext>
-            <a:ext uri="{91240B29-F687-4F45-9708-019B960494DF}">
-              <a14:hiddenLine xmlns:a14="http://schemas.microsoft.com/office/drawing/2010/main" w="9525">
-                <a:solidFill>
-                  <a:schemeClr val="tx1"/>
-                </a:solidFill>
-                <a:miter lim="800000"/>
-                <a:headEnd/>
-                <a:tailEnd/>
-              </a14:hiddenLine>
-            </a:ext>
-            <a:ext uri="{AF507438-7753-43E0-B8FC-AC1667EBCBE1}">
-              <a14:hiddenEffects xmlns:a14="http://schemas.microsoft.com/office/drawing/2010/main">
-                <a:effectLst>
-                  <a:outerShdw dist="35921" dir="2700000" algn="ctr" rotWithShape="0">
-                    <a:schemeClr val="bg2"/>
-                  </a:outerShdw>
-                </a:effectLst>
-              </a14:hiddenEffects>
-            </a:ext>
-          </a:extLst>
-        </p:spPr>
-        <p:txBody>
-          <a:bodyPr vert="horz" wrap="none" lIns="91440" tIns="45720" rIns="91440" bIns="45720" numCol="1" anchor="ctr" anchorCtr="0" compatLnSpc="1">
-            <a:prstTxWarp prst="textNoShape">
-              <a:avLst/>
-            </a:prstTxWarp>
-            <a:spAutoFit/>
-          </a:bodyPr>
-          <a:lstStyle/>
-          <a:p>
-            <a:endParaRPr lang="en-US"/>
-          </a:p>
-        </p:txBody>
-      </p:sp>
-      <p:graphicFrame>
-        <p:nvGraphicFramePr>
-          <p:cNvPr id="13" name="Oggetto 12"/>
-          <p:cNvGraphicFramePr>
-            <a:graphicFrameLocks noChangeAspect="1"/>
-          </p:cNvGraphicFramePr>
-          <p:nvPr>
-            <p:extLst>
-              <p:ext uri="{D42A27DB-BD31-4B8C-83A1-F6EECF244321}">
-                <p14:modId xmlns:p14="http://schemas.microsoft.com/office/powerpoint/2010/main" val="2584723655"/>
-              </p:ext>
-            </p:extLst>
-          </p:nvPr>
-        </p:nvGraphicFramePr>
-        <p:xfrm>
-          <a:off x="8307700" y="924792"/>
-          <a:ext cx="3264190" cy="355171"/>
-        </p:xfrm>
-        <a:graphic>
-          <a:graphicData uri="http://schemas.openxmlformats.org/presentationml/2006/ole">
-            <mc:AlternateContent xmlns:mc="http://schemas.openxmlformats.org/markup-compatibility/2006">
-              <mc:Choice xmlns:v="urn:schemas-microsoft-com:vml" Requires="v">
-                <p:oleObj spid="_x0000_s7282" name="Equazione" r:id="rId7" imgW="1841500" imgH="203200" progId="Equation.3">
-                  <p:embed/>
-                </p:oleObj>
-              </mc:Choice>
-              <mc:Fallback>
-                <p:oleObj name="Equazione" r:id="rId7" imgW="1841500" imgH="203200" progId="Equation.3">
-                  <p:embed/>
-                  <p:pic>
-                    <p:nvPicPr>
-                      <p:cNvPr id="0" name="Object 8"/>
-                      <p:cNvPicPr>
-                        <a:picLocks noChangeAspect="1" noChangeArrowheads="1"/>
-                      </p:cNvPicPr>
-                      <p:nvPr/>
-                    </p:nvPicPr>
-                    <p:blipFill>
-                      <a:blip r:embed="rId8">
-                        <a:extLst>
-                          <a:ext uri="{28A0092B-C50C-407E-A947-70E740481C1C}">
-                            <a14:useLocalDpi xmlns:a14="http://schemas.microsoft.com/office/drawing/2010/main" val="0"/>
-                          </a:ext>
-                        </a:extLst>
-                      </a:blip>
-                      <a:srcRect/>
-                      <a:stretch>
-                        <a:fillRect/>
-                      </a:stretch>
-                    </p:blipFill>
-                    <p:spPr bwMode="auto">
-                      <a:xfrm>
-                        <a:off x="8307700" y="924792"/>
-                        <a:ext cx="3264190" cy="355171"/>
-                      </a:xfrm>
-                      <a:prstGeom prst="rect">
-                        <a:avLst/>
-                      </a:prstGeom>
-                      <a:noFill/>
-                    </p:spPr>
-                  </p:pic>
-                </p:oleObj>
-              </mc:Fallback>
-            </mc:AlternateContent>
-          </a:graphicData>
-        </a:graphic>
-      </p:graphicFrame>
-      <p:graphicFrame>
-        <p:nvGraphicFramePr>
-          <p:cNvPr id="14" name="Oggetto 13"/>
-          <p:cNvGraphicFramePr>
-            <a:graphicFrameLocks noChangeAspect="1"/>
-          </p:cNvGraphicFramePr>
-          <p:nvPr>
-            <p:extLst>
-              <p:ext uri="{D42A27DB-BD31-4B8C-83A1-F6EECF244321}">
-                <p14:modId xmlns:p14="http://schemas.microsoft.com/office/powerpoint/2010/main" val="2851992121"/>
-              </p:ext>
-            </p:extLst>
-          </p:nvPr>
-        </p:nvGraphicFramePr>
-        <p:xfrm>
-          <a:off x="1676659" y="1595869"/>
-          <a:ext cx="1717782" cy="572594"/>
-        </p:xfrm>
-        <a:graphic>
-          <a:graphicData uri="http://schemas.openxmlformats.org/presentationml/2006/ole">
-            <mc:AlternateContent xmlns:mc="http://schemas.openxmlformats.org/markup-compatibility/2006">
-              <mc:Choice xmlns:v="urn:schemas-microsoft-com:vml" Requires="v">
-                <p:oleObj spid="_x0000_s7283" name="Equazione" r:id="rId9" imgW="1167893" imgH="393529" progId="Equation.3">
-                  <p:embed/>
-                </p:oleObj>
-              </mc:Choice>
-              <mc:Fallback>
-                <p:oleObj name="Equazione" r:id="rId9" imgW="1167893" imgH="393529" progId="Equation.3">
-                  <p:embed/>
-                  <p:pic>
-                    <p:nvPicPr>
-                      <p:cNvPr id="0" name="Object 7"/>
-                      <p:cNvPicPr>
-                        <a:picLocks noChangeAspect="1" noChangeArrowheads="1"/>
-                      </p:cNvPicPr>
-                      <p:nvPr/>
-                    </p:nvPicPr>
-                    <p:blipFill>
-                      <a:blip r:embed="rId10">
-                        <a:extLst>
-                          <a:ext uri="{28A0092B-C50C-407E-A947-70E740481C1C}">
-                            <a14:useLocalDpi xmlns:a14="http://schemas.microsoft.com/office/drawing/2010/main" val="0"/>
-                          </a:ext>
-                        </a:extLst>
-                      </a:blip>
-                      <a:srcRect/>
-                      <a:stretch>
-                        <a:fillRect/>
-                      </a:stretch>
-                    </p:blipFill>
-                    <p:spPr bwMode="auto">
-                      <a:xfrm>
-                        <a:off x="1676659" y="1595869"/>
-                        <a:ext cx="1717782" cy="572594"/>
-                      </a:xfrm>
-                      <a:prstGeom prst="rect">
-                        <a:avLst/>
-                      </a:prstGeom>
-                      <a:noFill/>
-                    </p:spPr>
-                  </p:pic>
-                </p:oleObj>
-              </mc:Fallback>
-            </mc:AlternateContent>
-          </a:graphicData>
-        </a:graphic>
-      </p:graphicFrame>
-      <p:graphicFrame>
-        <p:nvGraphicFramePr>
-          <p:cNvPr id="15" name="Oggetto 14"/>
-          <p:cNvGraphicFramePr>
-            <a:graphicFrameLocks noChangeAspect="1"/>
-          </p:cNvGraphicFramePr>
-          <p:nvPr>
-            <p:extLst>
-              <p:ext uri="{D42A27DB-BD31-4B8C-83A1-F6EECF244321}">
-                <p14:modId xmlns:p14="http://schemas.microsoft.com/office/powerpoint/2010/main" val="767089802"/>
-              </p:ext>
-            </p:extLst>
-          </p:nvPr>
-        </p:nvGraphicFramePr>
-        <p:xfrm>
-          <a:off x="4418872" y="1691068"/>
-          <a:ext cx="885554" cy="372865"/>
-        </p:xfrm>
-        <a:graphic>
-          <a:graphicData uri="http://schemas.openxmlformats.org/presentationml/2006/ole">
-            <mc:AlternateContent xmlns:mc="http://schemas.openxmlformats.org/markup-compatibility/2006">
-              <mc:Choice xmlns:v="urn:schemas-microsoft-com:vml" Requires="v">
-                <p:oleObj spid="_x0000_s7284" name="Equazione" r:id="rId11" imgW="545863" imgH="228501" progId="Equation.3">
-                  <p:embed/>
-                </p:oleObj>
-              </mc:Choice>
-              <mc:Fallback>
-                <p:oleObj name="Equazione" r:id="rId11" imgW="545863" imgH="228501" progId="Equation.3">
-                  <p:embed/>
-                  <p:pic>
-                    <p:nvPicPr>
-                      <p:cNvPr id="0" name="Object 6"/>
-                      <p:cNvPicPr>
-                        <a:picLocks noChangeAspect="1" noChangeArrowheads="1"/>
-                      </p:cNvPicPr>
-                      <p:nvPr/>
-                    </p:nvPicPr>
-                    <p:blipFill>
-                      <a:blip r:embed="rId12">
-                        <a:extLst>
-                          <a:ext uri="{28A0092B-C50C-407E-A947-70E740481C1C}">
-                            <a14:useLocalDpi xmlns:a14="http://schemas.microsoft.com/office/drawing/2010/main" val="0"/>
-                          </a:ext>
-                        </a:extLst>
-                      </a:blip>
-                      <a:srcRect/>
-                      <a:stretch>
-                        <a:fillRect/>
-                      </a:stretch>
-                    </p:blipFill>
-                    <p:spPr bwMode="auto">
-                      <a:xfrm>
-                        <a:off x="4418872" y="1691068"/>
-                        <a:ext cx="885554" cy="372865"/>
-                      </a:xfrm>
-                      <a:prstGeom prst="rect">
-                        <a:avLst/>
-                      </a:prstGeom>
-                      <a:noFill/>
-                    </p:spPr>
-                  </p:pic>
-                </p:oleObj>
-              </mc:Fallback>
-            </mc:AlternateContent>
-          </a:graphicData>
-        </a:graphic>
-      </p:graphicFrame>
-      <p:graphicFrame>
-        <p:nvGraphicFramePr>
-          <p:cNvPr id="16" name="Oggetto 15"/>
-          <p:cNvGraphicFramePr>
-            <a:graphicFrameLocks noChangeAspect="1"/>
-          </p:cNvGraphicFramePr>
-          <p:nvPr>
-            <p:extLst>
-              <p:ext uri="{D42A27DB-BD31-4B8C-83A1-F6EECF244321}">
-                <p14:modId xmlns:p14="http://schemas.microsoft.com/office/powerpoint/2010/main" val="959061492"/>
-              </p:ext>
-            </p:extLst>
-          </p:nvPr>
-        </p:nvGraphicFramePr>
-        <p:xfrm>
-          <a:off x="7128491" y="1608151"/>
-          <a:ext cx="1179209" cy="508922"/>
-        </p:xfrm>
-        <a:graphic>
-          <a:graphicData uri="http://schemas.openxmlformats.org/presentationml/2006/ole">
-            <mc:AlternateContent xmlns:mc="http://schemas.openxmlformats.org/markup-compatibility/2006">
-              <mc:Choice xmlns:v="urn:schemas-microsoft-com:vml" Requires="v">
-                <p:oleObj spid="_x0000_s7285" name="Equazione" r:id="rId13" imgW="901309" imgH="393529" progId="Equation.3">
-                  <p:embed/>
-                </p:oleObj>
-              </mc:Choice>
-              <mc:Fallback>
-                <p:oleObj name="Equazione" r:id="rId13" imgW="901309" imgH="393529" progId="Equation.3">
-                  <p:embed/>
-                  <p:pic>
-                    <p:nvPicPr>
-                      <p:cNvPr id="0" name="Object 5"/>
-                      <p:cNvPicPr>
-                        <a:picLocks noChangeAspect="1" noChangeArrowheads="1"/>
-                      </p:cNvPicPr>
-                      <p:nvPr/>
-                    </p:nvPicPr>
-                    <p:blipFill>
-                      <a:blip r:embed="rId14">
-                        <a:extLst>
-                          <a:ext uri="{28A0092B-C50C-407E-A947-70E740481C1C}">
-                            <a14:useLocalDpi xmlns:a14="http://schemas.microsoft.com/office/drawing/2010/main" val="0"/>
-                          </a:ext>
-                        </a:extLst>
-                      </a:blip>
-                      <a:srcRect/>
-                      <a:stretch>
-                        <a:fillRect/>
-                      </a:stretch>
-                    </p:blipFill>
-                    <p:spPr bwMode="auto">
-                      <a:xfrm>
-                        <a:off x="7128491" y="1608151"/>
-                        <a:ext cx="1179209" cy="508922"/>
-                      </a:xfrm>
-                      <a:prstGeom prst="rect">
-                        <a:avLst/>
-                      </a:prstGeom>
-                      <a:noFill/>
-                    </p:spPr>
-                  </p:pic>
-                </p:oleObj>
-              </mc:Fallback>
-            </mc:AlternateContent>
-          </a:graphicData>
-        </a:graphic>
-      </p:graphicFrame>
-      <p:graphicFrame>
-        <p:nvGraphicFramePr>
-          <p:cNvPr id="17" name="Oggetto 16"/>
-          <p:cNvGraphicFramePr>
-            <a:graphicFrameLocks noChangeAspect="1"/>
-          </p:cNvGraphicFramePr>
-          <p:nvPr>
-            <p:extLst>
-              <p:ext uri="{D42A27DB-BD31-4B8C-83A1-F6EECF244321}">
-                <p14:modId xmlns:p14="http://schemas.microsoft.com/office/powerpoint/2010/main" val="1305839918"/>
-              </p:ext>
-            </p:extLst>
-          </p:nvPr>
-        </p:nvGraphicFramePr>
-        <p:xfrm>
-          <a:off x="2052978" y="2230862"/>
-          <a:ext cx="2682925" cy="361163"/>
-        </p:xfrm>
-        <a:graphic>
-          <a:graphicData uri="http://schemas.openxmlformats.org/presentationml/2006/ole">
-            <mc:AlternateContent xmlns:mc="http://schemas.openxmlformats.org/markup-compatibility/2006">
-              <mc:Choice xmlns:v="urn:schemas-microsoft-com:vml" Requires="v">
-                <p:oleObj spid="_x0000_s7286" name="Equazione" r:id="rId15" imgW="1485900" imgH="203200" progId="Equation.3">
-                  <p:embed/>
-                </p:oleObj>
-              </mc:Choice>
-              <mc:Fallback>
-                <p:oleObj name="Equazione" r:id="rId15" imgW="1485900" imgH="203200" progId="Equation.3">
-                  <p:embed/>
-                  <p:pic>
-                    <p:nvPicPr>
-                      <p:cNvPr id="0" name="Object 4"/>
-                      <p:cNvPicPr>
-                        <a:picLocks noChangeAspect="1" noChangeArrowheads="1"/>
-                      </p:cNvPicPr>
-                      <p:nvPr/>
-                    </p:nvPicPr>
-                    <p:blipFill>
-                      <a:blip r:embed="rId16">
-                        <a:extLst>
-                          <a:ext uri="{28A0092B-C50C-407E-A947-70E740481C1C}">
-                            <a14:useLocalDpi xmlns:a14="http://schemas.microsoft.com/office/drawing/2010/main" val="0"/>
-                          </a:ext>
-                        </a:extLst>
-                      </a:blip>
-                      <a:srcRect/>
-                      <a:stretch>
-                        <a:fillRect/>
-                      </a:stretch>
-                    </p:blipFill>
-                    <p:spPr bwMode="auto">
-                      <a:xfrm>
-                        <a:off x="2052978" y="2230862"/>
-                        <a:ext cx="2682925" cy="361163"/>
-                      </a:xfrm>
-                      <a:prstGeom prst="rect">
-                        <a:avLst/>
-                      </a:prstGeom>
-                      <a:noFill/>
-                    </p:spPr>
-                  </p:pic>
-                </p:oleObj>
-              </mc:Fallback>
-            </mc:AlternateContent>
-          </a:graphicData>
-        </a:graphic>
-      </p:graphicFrame>
-      <p:graphicFrame>
-        <p:nvGraphicFramePr>
-          <p:cNvPr id="19" name="Oggetto 18"/>
-          <p:cNvGraphicFramePr>
-            <a:graphicFrameLocks noChangeAspect="1"/>
-          </p:cNvGraphicFramePr>
-          <p:nvPr>
-            <p:extLst>
-              <p:ext uri="{D42A27DB-BD31-4B8C-83A1-F6EECF244321}">
-                <p14:modId xmlns:p14="http://schemas.microsoft.com/office/powerpoint/2010/main" val="2125618658"/>
-              </p:ext>
-            </p:extLst>
-          </p:nvPr>
-        </p:nvGraphicFramePr>
-        <p:xfrm>
-          <a:off x="4789144" y="2222975"/>
-          <a:ext cx="2727069" cy="360179"/>
-        </p:xfrm>
-        <a:graphic>
-          <a:graphicData uri="http://schemas.openxmlformats.org/presentationml/2006/ole">
-            <mc:AlternateContent xmlns:mc="http://schemas.openxmlformats.org/markup-compatibility/2006">
-              <mc:Choice xmlns:v="urn:schemas-microsoft-com:vml" Requires="v">
-                <p:oleObj spid="_x0000_s7287" name="Equazione" r:id="rId17" imgW="1511300" imgH="203200" progId="Equation.3">
-                  <p:embed/>
-                </p:oleObj>
-              </mc:Choice>
-              <mc:Fallback>
-                <p:oleObj name="Equazione" r:id="rId17" imgW="1511300" imgH="203200" progId="Equation.3">
-                  <p:embed/>
-                  <p:pic>
-                    <p:nvPicPr>
-                      <p:cNvPr id="0" name="Object 3"/>
-                      <p:cNvPicPr>
-                        <a:picLocks noChangeAspect="1" noChangeArrowheads="1"/>
-                      </p:cNvPicPr>
-                      <p:nvPr/>
-                    </p:nvPicPr>
-                    <p:blipFill>
-                      <a:blip r:embed="rId18">
-                        <a:extLst>
-                          <a:ext uri="{28A0092B-C50C-407E-A947-70E740481C1C}">
-                            <a14:useLocalDpi xmlns:a14="http://schemas.microsoft.com/office/drawing/2010/main" val="0"/>
-                          </a:ext>
-                        </a:extLst>
-                      </a:blip>
-                      <a:srcRect/>
-                      <a:stretch>
-                        <a:fillRect/>
-                      </a:stretch>
-                    </p:blipFill>
-                    <p:spPr bwMode="auto">
-                      <a:xfrm>
-                        <a:off x="4789144" y="2222975"/>
-                        <a:ext cx="2727069" cy="360179"/>
-                      </a:xfrm>
-                      <a:prstGeom prst="rect">
-                        <a:avLst/>
-                      </a:prstGeom>
-                      <a:noFill/>
-                    </p:spPr>
-                  </p:pic>
-                </p:oleObj>
-              </mc:Fallback>
-            </mc:AlternateContent>
-          </a:graphicData>
-        </a:graphic>
-      </p:graphicFrame>
-      <p:graphicFrame>
-        <p:nvGraphicFramePr>
-          <p:cNvPr id="20" name="Oggetto 19"/>
-          <p:cNvGraphicFramePr>
-            <a:graphicFrameLocks noChangeAspect="1"/>
-          </p:cNvGraphicFramePr>
-          <p:nvPr>
-            <p:extLst>
-              <p:ext uri="{D42A27DB-BD31-4B8C-83A1-F6EECF244321}">
-                <p14:modId xmlns:p14="http://schemas.microsoft.com/office/powerpoint/2010/main" val="1186032083"/>
-              </p:ext>
-            </p:extLst>
-          </p:nvPr>
-        </p:nvGraphicFramePr>
-        <p:xfrm>
-          <a:off x="5365781" y="2682332"/>
-          <a:ext cx="1064119" cy="375571"/>
-        </p:xfrm>
-        <a:graphic>
-          <a:graphicData uri="http://schemas.openxmlformats.org/presentationml/2006/ole">
-            <mc:AlternateContent xmlns:mc="http://schemas.openxmlformats.org/markup-compatibility/2006">
-              <mc:Choice xmlns:v="urn:schemas-microsoft-com:vml" Requires="v">
-                <p:oleObj spid="_x0000_s7288" name="Equazione" r:id="rId19" imgW="647640" imgH="228600" progId="Equation.3">
-                  <p:embed/>
-                </p:oleObj>
-              </mc:Choice>
-              <mc:Fallback>
-                <p:oleObj name="Equazione" r:id="rId19" imgW="647640" imgH="228600" progId="Equation.3">
-                  <p:embed/>
-                  <p:pic>
-                    <p:nvPicPr>
-                      <p:cNvPr id="0" name="Object 2"/>
-                      <p:cNvPicPr>
-                        <a:picLocks noChangeAspect="1" noChangeArrowheads="1"/>
-                      </p:cNvPicPr>
-                      <p:nvPr/>
-                    </p:nvPicPr>
-                    <p:blipFill>
-                      <a:blip r:embed="rId20"/>
-                      <a:srcRect/>
-                      <a:stretch>
-                        <a:fillRect/>
-                      </a:stretch>
-                    </p:blipFill>
-                    <p:spPr bwMode="auto">
-                      <a:xfrm>
-                        <a:off x="5365781" y="2682332"/>
-                        <a:ext cx="1064119" cy="375571"/>
-                      </a:xfrm>
-                      <a:prstGeom prst="rect">
-                        <a:avLst/>
-                      </a:prstGeom>
-                      <a:noFill/>
-                    </p:spPr>
-                  </p:pic>
-                </p:oleObj>
-              </mc:Fallback>
-            </mc:AlternateContent>
-          </a:graphicData>
-        </a:graphic>
-      </p:graphicFrame>
-      <p:graphicFrame>
-        <p:nvGraphicFramePr>
-          <p:cNvPr id="22" name="Oggetto 21"/>
-          <p:cNvGraphicFramePr>
-            <a:graphicFrameLocks noChangeAspect="1"/>
-          </p:cNvGraphicFramePr>
-          <p:nvPr>
-            <p:extLst>
-              <p:ext uri="{D42A27DB-BD31-4B8C-83A1-F6EECF244321}">
-                <p14:modId xmlns:p14="http://schemas.microsoft.com/office/powerpoint/2010/main" val="1427446556"/>
-              </p:ext>
-            </p:extLst>
-          </p:nvPr>
-        </p:nvGraphicFramePr>
-        <p:xfrm>
-          <a:off x="6484314" y="2681549"/>
-          <a:ext cx="1458372" cy="376354"/>
-        </p:xfrm>
-        <a:graphic>
-          <a:graphicData uri="http://schemas.openxmlformats.org/presentationml/2006/ole">
-            <mc:AlternateContent xmlns:mc="http://schemas.openxmlformats.org/markup-compatibility/2006">
-              <mc:Choice xmlns:v="urn:schemas-microsoft-com:vml" Requires="v">
-                <p:oleObj spid="_x0000_s7289" name="Equazione" r:id="rId21" imgW="889000" imgH="228600" progId="Equation.3">
-                  <p:embed/>
-                </p:oleObj>
-              </mc:Choice>
-              <mc:Fallback>
-                <p:oleObj name="Equazione" r:id="rId21" imgW="889000" imgH="228600" progId="Equation.3">
-                  <p:embed/>
-                  <p:pic>
-                    <p:nvPicPr>
-                      <p:cNvPr id="0" name="Object 1"/>
-                      <p:cNvPicPr>
-                        <a:picLocks noChangeAspect="1" noChangeArrowheads="1"/>
-                      </p:cNvPicPr>
-                      <p:nvPr/>
-                    </p:nvPicPr>
-                    <p:blipFill>
-                      <a:blip r:embed="rId22">
-                        <a:extLst>
-                          <a:ext uri="{28A0092B-C50C-407E-A947-70E740481C1C}">
-                            <a14:useLocalDpi xmlns:a14="http://schemas.microsoft.com/office/drawing/2010/main" val="0"/>
-                          </a:ext>
-                        </a:extLst>
-                      </a:blip>
-                      <a:srcRect/>
-                      <a:stretch>
-                        <a:fillRect/>
-                      </a:stretch>
-                    </p:blipFill>
-                    <p:spPr bwMode="auto">
-                      <a:xfrm>
-                        <a:off x="6484314" y="2681549"/>
-                        <a:ext cx="1458372" cy="376354"/>
-                      </a:xfrm>
-                      <a:prstGeom prst="rect">
-                        <a:avLst/>
-                      </a:prstGeom>
-                      <a:noFill/>
-                    </p:spPr>
-                  </p:pic>
-                </p:oleObj>
-              </mc:Fallback>
-            </mc:AlternateContent>
-          </a:graphicData>
-        </a:graphic>
-      </p:graphicFrame>
-      <p:sp>
-        <p:nvSpPr>
-          <p:cNvPr id="23" name="Rectangle 9"/>
-          <p:cNvSpPr>
-            <a:spLocks noChangeArrowheads="1"/>
-          </p:cNvSpPr>
-          <p:nvPr/>
-        </p:nvSpPr>
-        <p:spPr bwMode="auto">
-          <a:xfrm>
-            <a:off x="1606450" y="860788"/>
-            <a:ext cx="12192000" cy="457200"/>
-          </a:xfrm>
-          <a:prstGeom prst="rect">
-            <a:avLst/>
-          </a:prstGeom>
-          <a:noFill/>
-          <a:ln>
-            <a:noFill/>
-          </a:ln>
-          <a:effectLst/>
-          <a:extLst>
-            <a:ext uri="{909E8E84-426E-40DD-AFC4-6F175D3DCCD1}">
-              <a14:hiddenFill xmlns:a14="http://schemas.microsoft.com/office/drawing/2010/main">
-                <a:solidFill>
-                  <a:schemeClr val="accent1"/>
-                </a:solidFill>
-              </a14:hiddenFill>
-            </a:ext>
-            <a:ext uri="{91240B29-F687-4F45-9708-019B960494DF}">
-              <a14:hiddenLine xmlns:a14="http://schemas.microsoft.com/office/drawing/2010/main" w="9525">
-                <a:solidFill>
-                  <a:schemeClr val="tx1"/>
-                </a:solidFill>
-                <a:miter lim="800000"/>
-                <a:headEnd/>
-                <a:tailEnd/>
-              </a14:hiddenLine>
-            </a:ext>
-            <a:ext uri="{AF507438-7753-43E0-B8FC-AC1667EBCBE1}">
-              <a14:hiddenEffects xmlns:a14="http://schemas.microsoft.com/office/drawing/2010/main">
-                <a:effectLst>
-                  <a:outerShdw dist="35921" dir="2700000" algn="ctr" rotWithShape="0">
-                    <a:schemeClr val="bg2"/>
-                  </a:outerShdw>
-                </a:effectLst>
-              </a14:hiddenEffects>
-            </a:ext>
-          </a:extLst>
-        </p:spPr>
-        <p:txBody>
-          <a:bodyPr vert="horz" wrap="none" lIns="91440" tIns="45720" rIns="91440" bIns="45720" numCol="1" anchor="ctr" anchorCtr="0" compatLnSpc="1">
-            <a:prstTxWarp prst="textNoShape">
-              <a:avLst/>
-            </a:prstTxWarp>
-            <a:spAutoFit/>
-          </a:bodyPr>
-          <a:lstStyle/>
-          <a:p>
-            <a:pPr marL="0" marR="0" lvl="0" indent="0" algn="l" defTabSz="914400" rtl="0" eaLnBrk="0" fontAlgn="base" latinLnBrk="0" hangingPunct="0">
-              <a:lnSpc>
-                <a:spcPct val="100000"/>
-              </a:lnSpc>
-              <a:spcBef>
-                <a:spcPct val="0"/>
-              </a:spcBef>
-              <a:spcAft>
-                <a:spcPct val="0"/>
-              </a:spcAft>
-              <a:buClrTx/>
-              <a:buSzTx/>
-              <a:buFontTx/>
-              <a:buNone/>
-              <a:tabLst/>
-            </a:pPr>
-            <a:r>
-              <a:rPr kumimoji="0" lang="en-US" altLang="en-US" sz="1800" b="0" i="0" u="none" strike="noStrike" cap="none" normalizeH="0" baseline="0" dirty="0" smtClean="0">
-                <a:ln>
-                  <a:noFill/>
-                </a:ln>
-                <a:solidFill>
-                  <a:schemeClr val="tx1"/>
-                </a:solidFill>
-                <a:effectLst/>
-                <a:latin typeface="Calibri" panose="020F0502020204030204" pitchFamily="34" charset="0"/>
-                <a:ea typeface="Calibri" panose="020F0502020204030204" pitchFamily="34" charset="0"/>
-                <a:cs typeface="Times New Roman" panose="02020603050405020304" pitchFamily="18" charset="0"/>
-              </a:rPr>
-              <a:t>Resistance only: voltage pulses to motor: steady state measurement of </a:t>
-            </a:r>
-            <a:endParaRPr kumimoji="0" lang="en-US" altLang="en-US" sz="1800" b="0" i="0" u="none" strike="noStrike" cap="none" normalizeH="0" baseline="0" dirty="0" smtClean="0">
-              <a:ln>
-                <a:noFill/>
-              </a:ln>
-              <a:solidFill>
-                <a:schemeClr val="tx1"/>
-              </a:solidFill>
-              <a:effectLst/>
-              <a:latin typeface="Arial" panose="020B0604020202020204" pitchFamily="34" charset="0"/>
-            </a:endParaRPr>
-          </a:p>
-        </p:txBody>
-      </p:sp>
-      <p:sp>
-        <p:nvSpPr>
-          <p:cNvPr id="25" name="Rectangle 10"/>
-          <p:cNvSpPr>
-            <a:spLocks noChangeArrowheads="1"/>
-          </p:cNvSpPr>
-          <p:nvPr/>
-        </p:nvSpPr>
-        <p:spPr bwMode="auto">
-          <a:xfrm>
-            <a:off x="1624903" y="1242560"/>
-            <a:ext cx="8942192" cy="369332"/>
-          </a:xfrm>
-          <a:prstGeom prst="rect">
-            <a:avLst/>
-          </a:prstGeom>
-          <a:noFill/>
-          <a:ln>
-            <a:noFill/>
-          </a:ln>
-          <a:effectLst/>
-          <a:extLst>
-            <a:ext uri="{909E8E84-426E-40DD-AFC4-6F175D3DCCD1}">
-              <a14:hiddenFill xmlns:a14="http://schemas.microsoft.com/office/drawing/2010/main">
-                <a:solidFill>
-                  <a:schemeClr val="accent1"/>
-                </a:solidFill>
-              </a14:hiddenFill>
-            </a:ext>
-            <a:ext uri="{91240B29-F687-4F45-9708-019B960494DF}">
-              <a14:hiddenLine xmlns:a14="http://schemas.microsoft.com/office/drawing/2010/main" w="9525">
-                <a:solidFill>
-                  <a:schemeClr val="tx1"/>
-                </a:solidFill>
-                <a:miter lim="800000"/>
-                <a:headEnd/>
-                <a:tailEnd/>
-              </a14:hiddenLine>
-            </a:ext>
-            <a:ext uri="{AF507438-7753-43E0-B8FC-AC1667EBCBE1}">
-              <a14:hiddenEffects xmlns:a14="http://schemas.microsoft.com/office/drawing/2010/main">
-                <a:effectLst>
-                  <a:outerShdw dist="35921" dir="2700000" algn="ctr" rotWithShape="0">
-                    <a:schemeClr val="bg2"/>
-                  </a:outerShdw>
-                </a:effectLst>
-              </a14:hiddenEffects>
-            </a:ext>
-          </a:extLst>
-        </p:spPr>
-        <p:txBody>
-          <a:bodyPr vert="horz" wrap="none" lIns="91440" tIns="45720" rIns="91440" bIns="45720" numCol="1" anchor="ctr" anchorCtr="0" compatLnSpc="1">
-            <a:prstTxWarp prst="textNoShape">
-              <a:avLst/>
-            </a:prstTxWarp>
-            <a:spAutoFit/>
-          </a:bodyPr>
-          <a:lstStyle/>
-          <a:p>
-            <a:pPr marL="0" marR="0" lvl="0" indent="0" algn="l" defTabSz="914400" rtl="0" eaLnBrk="0" fontAlgn="base" latinLnBrk="0" hangingPunct="0">
-              <a:lnSpc>
-                <a:spcPct val="100000"/>
-              </a:lnSpc>
-              <a:spcBef>
-                <a:spcPct val="0"/>
-              </a:spcBef>
-              <a:spcAft>
-                <a:spcPct val="0"/>
-              </a:spcAft>
-              <a:buClrTx/>
-              <a:buSzTx/>
-              <a:buFontTx/>
-              <a:buNone/>
-              <a:tabLst/>
-            </a:pPr>
-            <a:r>
-              <a:rPr kumimoji="0" lang="en-US" altLang="en-US" sz="1800" b="0" i="0" u="none" strike="noStrike" cap="none" normalizeH="0" baseline="0" dirty="0" smtClean="0">
-                <a:ln>
-                  <a:noFill/>
-                </a:ln>
-                <a:solidFill>
-                  <a:schemeClr val="tx1"/>
-                </a:solidFill>
-                <a:effectLst/>
-                <a:latin typeface="Calibri" panose="020F0502020204030204" pitchFamily="34" charset="0"/>
-                <a:ea typeface="Calibri" panose="020F0502020204030204" pitchFamily="34" charset="0"/>
-                <a:cs typeface="Times New Roman" panose="02020603050405020304" pitchFamily="18" charset="0"/>
-              </a:rPr>
-              <a:t>Resistance and inductance: experimental input/output data given to </a:t>
-            </a:r>
-            <a:r>
-              <a:rPr kumimoji="0" lang="en-US" altLang="en-US" sz="1800" b="0" i="0" u="none" strike="noStrike" cap="none" normalizeH="0" baseline="0" dirty="0" err="1" smtClean="0">
-                <a:ln>
-                  <a:noFill/>
-                </a:ln>
-                <a:solidFill>
-                  <a:schemeClr val="tx1"/>
-                </a:solidFill>
-                <a:effectLst/>
-                <a:latin typeface="Calibri" panose="020F0502020204030204" pitchFamily="34" charset="0"/>
-                <a:ea typeface="Calibri" panose="020F0502020204030204" pitchFamily="34" charset="0"/>
-                <a:cs typeface="Times New Roman" panose="02020603050405020304" pitchFamily="18" charset="0"/>
-              </a:rPr>
-              <a:t>Matlab</a:t>
-            </a:r>
-            <a:r>
-              <a:rPr kumimoji="0" lang="en-US" altLang="en-US" sz="1800" b="0" i="0" u="none" strike="noStrike" cap="none" normalizeH="0" baseline="0" dirty="0" smtClean="0">
-                <a:ln>
-                  <a:noFill/>
-                </a:ln>
-                <a:solidFill>
-                  <a:schemeClr val="tx1"/>
-                </a:solidFill>
-                <a:effectLst/>
-                <a:latin typeface="Calibri" panose="020F0502020204030204" pitchFamily="34" charset="0"/>
-                <a:ea typeface="Calibri" panose="020F0502020204030204" pitchFamily="34" charset="0"/>
-                <a:cs typeface="Times New Roman" panose="02020603050405020304" pitchFamily="18" charset="0"/>
-              </a:rPr>
-              <a:t> </a:t>
-            </a:r>
-            <a:r>
-              <a:rPr kumimoji="0" lang="en-US" altLang="en-US" sz="1800" b="0" i="1" u="none" strike="noStrike" cap="none" normalizeH="0" baseline="0" dirty="0" err="1" smtClean="0">
-                <a:ln>
-                  <a:noFill/>
-                </a:ln>
-                <a:solidFill>
-                  <a:schemeClr val="tx1"/>
-                </a:solidFill>
-                <a:effectLst/>
-                <a:latin typeface="Calibri" panose="020F0502020204030204" pitchFamily="34" charset="0"/>
-                <a:ea typeface="Calibri" panose="020F0502020204030204" pitchFamily="34" charset="0"/>
-                <a:cs typeface="Times New Roman" panose="02020603050405020304" pitchFamily="18" charset="0"/>
-              </a:rPr>
-              <a:t>tfest</a:t>
-            </a:r>
-            <a:r>
-              <a:rPr kumimoji="0" lang="en-US" altLang="en-US" sz="1800" b="0" i="0" u="none" strike="noStrike" cap="none" normalizeH="0" baseline="0" dirty="0" smtClean="0">
-                <a:ln>
-                  <a:noFill/>
-                </a:ln>
-                <a:solidFill>
-                  <a:schemeClr val="tx1"/>
-                </a:solidFill>
-                <a:effectLst/>
-                <a:latin typeface="Calibri" panose="020F0502020204030204" pitchFamily="34" charset="0"/>
-                <a:ea typeface="Calibri" panose="020F0502020204030204" pitchFamily="34" charset="0"/>
-                <a:cs typeface="Times New Roman" panose="02020603050405020304" pitchFamily="18" charset="0"/>
-              </a:rPr>
-              <a:t> (first order)</a:t>
-            </a:r>
-            <a:endParaRPr kumimoji="0" lang="en-US" altLang="en-US" sz="800" b="0" i="0" u="none" strike="noStrike" cap="none" normalizeH="0" baseline="0" dirty="0" smtClean="0">
-              <a:ln>
-                <a:noFill/>
-              </a:ln>
-              <a:solidFill>
-                <a:schemeClr val="tx1"/>
-              </a:solidFill>
-              <a:effectLst/>
-            </a:endParaRPr>
-          </a:p>
-        </p:txBody>
-      </p:sp>
-      <p:sp>
-        <p:nvSpPr>
-          <p:cNvPr id="27" name="Rectangle 11"/>
-          <p:cNvSpPr>
-            <a:spLocks noChangeArrowheads="1"/>
-          </p:cNvSpPr>
-          <p:nvPr/>
-        </p:nvSpPr>
-        <p:spPr bwMode="auto">
-          <a:xfrm>
-            <a:off x="3275819" y="1677721"/>
-            <a:ext cx="3937681" cy="369332"/>
-          </a:xfrm>
-          <a:prstGeom prst="rect">
-            <a:avLst/>
-          </a:prstGeom>
-          <a:noFill/>
-          <a:ln>
-            <a:noFill/>
-          </a:ln>
-          <a:effectLst/>
-          <a:extLst>
-            <a:ext uri="{909E8E84-426E-40DD-AFC4-6F175D3DCCD1}">
-              <a14:hiddenFill xmlns:a14="http://schemas.microsoft.com/office/drawing/2010/main">
-                <a:solidFill>
-                  <a:schemeClr val="accent1"/>
-                </a:solidFill>
-              </a14:hiddenFill>
-            </a:ext>
-            <a:ext uri="{91240B29-F687-4F45-9708-019B960494DF}">
-              <a14:hiddenLine xmlns:a14="http://schemas.microsoft.com/office/drawing/2010/main" w="9525">
-                <a:solidFill>
-                  <a:schemeClr val="tx1"/>
-                </a:solidFill>
-                <a:miter lim="800000"/>
-                <a:headEnd/>
-                <a:tailEnd/>
-              </a14:hiddenLine>
-            </a:ext>
-            <a:ext uri="{AF507438-7753-43E0-B8FC-AC1667EBCBE1}">
-              <a14:hiddenEffects xmlns:a14="http://schemas.microsoft.com/office/drawing/2010/main">
-                <a:effectLst>
-                  <a:outerShdw dist="35921" dir="2700000" algn="ctr" rotWithShape="0">
-                    <a:schemeClr val="bg2"/>
-                  </a:outerShdw>
-                </a:effectLst>
-              </a14:hiddenEffects>
-            </a:ext>
-          </a:extLst>
-        </p:spPr>
-        <p:txBody>
-          <a:bodyPr vert="horz" wrap="none" lIns="91440" tIns="45720" rIns="91440" bIns="45720" numCol="1" anchor="ctr" anchorCtr="0" compatLnSpc="1">
-            <a:prstTxWarp prst="textNoShape">
-              <a:avLst/>
-            </a:prstTxWarp>
-            <a:spAutoFit/>
-          </a:bodyPr>
-          <a:lstStyle/>
-          <a:p>
-            <a:pPr marL="0" marR="0" lvl="0" indent="0" algn="l" defTabSz="914400" rtl="0" eaLnBrk="0" fontAlgn="base" latinLnBrk="0" hangingPunct="0">
-              <a:lnSpc>
-                <a:spcPct val="100000"/>
-              </a:lnSpc>
-              <a:spcBef>
-                <a:spcPct val="0"/>
-              </a:spcBef>
-              <a:spcAft>
-                <a:spcPct val="0"/>
-              </a:spcAft>
-              <a:buClrTx/>
-              <a:buSzTx/>
-              <a:buFontTx/>
-              <a:buNone/>
-              <a:tabLst/>
-            </a:pPr>
-            <a:r>
-              <a:rPr kumimoji="0" lang="en-US" altLang="en-US" sz="1800" b="0" i="0" u="none" strike="noStrike" cap="none" normalizeH="0" baseline="0" dirty="0" smtClean="0">
-                <a:ln>
-                  <a:noFill/>
-                </a:ln>
-                <a:solidFill>
-                  <a:schemeClr val="tx1"/>
-                </a:solidFill>
-                <a:effectLst/>
-                <a:latin typeface="Calibri" panose="020F0502020204030204" pitchFamily="34" charset="0"/>
-                <a:ea typeface="Calibri" panose="020F0502020204030204" pitchFamily="34" charset="0"/>
-                <a:cs typeface="Times New Roman" panose="02020603050405020304" pitchFamily="18" charset="0"/>
-              </a:rPr>
-              <a:t>;</a:t>
-            </a:r>
-            <a:r>
-              <a:rPr lang="en-US" altLang="en-US" dirty="0">
-                <a:latin typeface="Calibri" panose="020F0502020204030204" pitchFamily="34" charset="0"/>
-                <a:ea typeface="Calibri" panose="020F0502020204030204" pitchFamily="34" charset="0"/>
-                <a:cs typeface="Times New Roman" panose="02020603050405020304" pitchFamily="18" charset="0"/>
-              </a:rPr>
-              <a:t> </a:t>
-            </a:r>
-            <a:r>
-              <a:rPr kumimoji="0" lang="en-US" altLang="en-US" sz="1800" b="0" i="0" u="none" strike="noStrike" cap="none" normalizeH="0" baseline="0" dirty="0" smtClean="0">
-                <a:ln>
-                  <a:noFill/>
-                </a:ln>
-                <a:solidFill>
-                  <a:schemeClr val="tx1"/>
-                </a:solidFill>
-                <a:effectLst/>
-                <a:latin typeface="Calibri" panose="020F0502020204030204" pitchFamily="34" charset="0"/>
-                <a:ea typeface="Calibri" panose="020F0502020204030204" pitchFamily="34" charset="0"/>
-                <a:cs typeface="Times New Roman" panose="02020603050405020304" pitchFamily="18" charset="0"/>
-              </a:rPr>
-              <a:t>back-</a:t>
-            </a:r>
-            <a:r>
-              <a:rPr kumimoji="0" lang="en-US" altLang="en-US" sz="1800" b="0" i="0" u="none" strike="noStrike" cap="none" normalizeH="0" baseline="0" dirty="0" err="1" smtClean="0">
-                <a:ln>
-                  <a:noFill/>
-                </a:ln>
-                <a:solidFill>
-                  <a:schemeClr val="tx1"/>
-                </a:solidFill>
-                <a:effectLst/>
-                <a:latin typeface="Calibri" panose="020F0502020204030204" pitchFamily="34" charset="0"/>
-                <a:ea typeface="Calibri" panose="020F0502020204030204" pitchFamily="34" charset="0"/>
-                <a:cs typeface="Times New Roman" panose="02020603050405020304" pitchFamily="18" charset="0"/>
-              </a:rPr>
-              <a:t>emf</a:t>
-            </a:r>
-            <a:r>
-              <a:rPr kumimoji="0" lang="en-US" altLang="en-US" sz="1800" b="0" i="0" u="none" strike="noStrike" cap="none" normalizeH="0" baseline="0" dirty="0" smtClean="0">
-                <a:ln>
-                  <a:noFill/>
-                </a:ln>
-                <a:solidFill>
-                  <a:schemeClr val="tx1"/>
-                </a:solidFill>
-                <a:effectLst/>
-                <a:latin typeface="Calibri" panose="020F0502020204030204" pitchFamily="34" charset="0"/>
-                <a:ea typeface="Calibri" panose="020F0502020204030204" pitchFamily="34" charset="0"/>
-                <a:cs typeface="Times New Roman" panose="02020603050405020304" pitchFamily="18" charset="0"/>
-              </a:rPr>
-              <a:t>	  neglected because </a:t>
-            </a:r>
-            <a:endParaRPr kumimoji="0" lang="en-US" altLang="en-US" sz="1800" b="0" i="0" u="none" strike="noStrike" cap="none" normalizeH="0" baseline="0" dirty="0" smtClean="0">
-              <a:ln>
-                <a:noFill/>
-              </a:ln>
-              <a:solidFill>
-                <a:schemeClr val="tx1"/>
-              </a:solidFill>
-              <a:effectLst/>
-              <a:latin typeface="Arial" panose="020B0604020202020204" pitchFamily="34" charset="0"/>
-            </a:endParaRPr>
-          </a:p>
-        </p:txBody>
-      </p:sp>
-      <p:sp>
-        <p:nvSpPr>
-          <p:cNvPr id="32" name="Rectangle 14"/>
-          <p:cNvSpPr>
-            <a:spLocks noChangeArrowheads="1"/>
-          </p:cNvSpPr>
-          <p:nvPr/>
-        </p:nvSpPr>
-        <p:spPr bwMode="auto">
-          <a:xfrm flipH="1">
-            <a:off x="4654954" y="2222693"/>
-            <a:ext cx="148140" cy="369332"/>
-          </a:xfrm>
-          <a:prstGeom prst="rect">
-            <a:avLst/>
-          </a:prstGeom>
-          <a:noFill/>
-          <a:ln>
-            <a:noFill/>
-          </a:ln>
-          <a:effectLst/>
-          <a:extLst>
-            <a:ext uri="{909E8E84-426E-40DD-AFC4-6F175D3DCCD1}">
-              <a14:hiddenFill xmlns:a14="http://schemas.microsoft.com/office/drawing/2010/main">
-                <a:solidFill>
-                  <a:schemeClr val="accent1"/>
-                </a:solidFill>
-              </a14:hiddenFill>
-            </a:ext>
-            <a:ext uri="{91240B29-F687-4F45-9708-019B960494DF}">
-              <a14:hiddenLine xmlns:a14="http://schemas.microsoft.com/office/drawing/2010/main" w="9525">
-                <a:solidFill>
-                  <a:schemeClr val="tx1"/>
-                </a:solidFill>
-                <a:miter lim="800000"/>
-                <a:headEnd/>
-                <a:tailEnd/>
-              </a14:hiddenLine>
-            </a:ext>
-            <a:ext uri="{AF507438-7753-43E0-B8FC-AC1667EBCBE1}">
-              <a14:hiddenEffects xmlns:a14="http://schemas.microsoft.com/office/drawing/2010/main">
-                <a:effectLst>
-                  <a:outerShdw dist="35921" dir="2700000" algn="ctr" rotWithShape="0">
-                    <a:schemeClr val="bg2"/>
-                  </a:outerShdw>
-                </a:effectLst>
-              </a14:hiddenEffects>
-            </a:ext>
-          </a:extLst>
-        </p:spPr>
-        <p:txBody>
-          <a:bodyPr vert="horz" wrap="square" lIns="91440" tIns="45720" rIns="91440" bIns="45720" numCol="1" anchor="ctr" anchorCtr="0" compatLnSpc="1">
-            <a:prstTxWarp prst="textNoShape">
-              <a:avLst/>
-            </a:prstTxWarp>
-            <a:spAutoFit/>
-          </a:bodyPr>
-          <a:lstStyle/>
-          <a:p>
-            <a:pPr marL="0" marR="0" lvl="0" indent="0" algn="l" defTabSz="914400" rtl="0" eaLnBrk="0" fontAlgn="base" latinLnBrk="0" hangingPunct="0">
-              <a:lnSpc>
-                <a:spcPct val="100000"/>
-              </a:lnSpc>
-              <a:spcBef>
-                <a:spcPct val="0"/>
-              </a:spcBef>
-              <a:spcAft>
-                <a:spcPct val="0"/>
-              </a:spcAft>
-              <a:buClrTx/>
-              <a:buSzTx/>
-              <a:buFontTx/>
-              <a:buNone/>
-              <a:tabLst/>
-            </a:pPr>
-            <a:r>
-              <a:rPr kumimoji="0" lang="en-US" altLang="en-US" sz="1800" b="0" i="0" u="none" strike="noStrike" cap="none" normalizeH="0" baseline="0" dirty="0" smtClean="0">
-                <a:ln>
-                  <a:noFill/>
-                </a:ln>
-                <a:solidFill>
-                  <a:schemeClr val="tx1"/>
-                </a:solidFill>
-                <a:effectLst/>
-                <a:latin typeface="Calibri" panose="020F0502020204030204" pitchFamily="34" charset="0"/>
-                <a:ea typeface="Calibri" panose="020F0502020204030204" pitchFamily="34" charset="0"/>
-                <a:cs typeface="Times New Roman" panose="02020603050405020304" pitchFamily="18" charset="0"/>
-              </a:rPr>
-              <a:t>,</a:t>
-            </a:r>
-            <a:endParaRPr kumimoji="0" lang="en-US" altLang="en-US" sz="1800" b="0" i="0" u="none" strike="noStrike" cap="none" normalizeH="0" baseline="0" dirty="0" smtClean="0">
-              <a:ln>
-                <a:noFill/>
-              </a:ln>
-              <a:solidFill>
-                <a:schemeClr val="tx1"/>
-              </a:solidFill>
-              <a:effectLst/>
-              <a:latin typeface="Arial" panose="020B0604020202020204" pitchFamily="34" charset="0"/>
-            </a:endParaRPr>
-          </a:p>
-        </p:txBody>
-      </p:sp>
-      <p:sp>
-        <p:nvSpPr>
-          <p:cNvPr id="33" name="Rectangle 15"/>
-          <p:cNvSpPr>
-            <a:spLocks noChangeArrowheads="1"/>
-          </p:cNvSpPr>
-          <p:nvPr/>
-        </p:nvSpPr>
-        <p:spPr bwMode="auto">
-          <a:xfrm>
-            <a:off x="1676659" y="2697927"/>
-            <a:ext cx="3913764" cy="369332"/>
-          </a:xfrm>
-          <a:prstGeom prst="rect">
-            <a:avLst/>
-          </a:prstGeom>
-          <a:noFill/>
-          <a:ln>
-            <a:noFill/>
-          </a:ln>
-          <a:effectLst/>
-          <a:extLst>
-            <a:ext uri="{909E8E84-426E-40DD-AFC4-6F175D3DCCD1}">
-              <a14:hiddenFill xmlns:a14="http://schemas.microsoft.com/office/drawing/2010/main">
-                <a:solidFill>
-                  <a:schemeClr val="accent1"/>
-                </a:solidFill>
-              </a14:hiddenFill>
-            </a:ext>
-            <a:ext uri="{91240B29-F687-4F45-9708-019B960494DF}">
-              <a14:hiddenLine xmlns:a14="http://schemas.microsoft.com/office/drawing/2010/main" w="9525">
-                <a:solidFill>
-                  <a:schemeClr val="tx1"/>
-                </a:solidFill>
-                <a:miter lim="800000"/>
-                <a:headEnd/>
-                <a:tailEnd/>
-              </a14:hiddenLine>
-            </a:ext>
-            <a:ext uri="{AF507438-7753-43E0-B8FC-AC1667EBCBE1}">
-              <a14:hiddenEffects xmlns:a14="http://schemas.microsoft.com/office/drawing/2010/main">
-                <a:effectLst>
-                  <a:outerShdw dist="35921" dir="2700000" algn="ctr" rotWithShape="0">
-                    <a:schemeClr val="bg2"/>
-                  </a:outerShdw>
-                </a:effectLst>
-              </a14:hiddenEffects>
-            </a:ext>
-          </a:extLst>
-        </p:spPr>
-        <p:txBody>
-          <a:bodyPr vert="horz" wrap="none" lIns="91440" tIns="45720" rIns="91440" bIns="45720" numCol="1" anchor="ctr" anchorCtr="0" compatLnSpc="1">
-            <a:prstTxWarp prst="textNoShape">
-              <a:avLst/>
-            </a:prstTxWarp>
-            <a:spAutoFit/>
-          </a:bodyPr>
-          <a:lstStyle/>
-          <a:p>
-            <a:pPr marL="0" marR="0" lvl="0" indent="0" algn="l" defTabSz="914400" rtl="0" eaLnBrk="0" fontAlgn="base" latinLnBrk="0" hangingPunct="0">
-              <a:lnSpc>
-                <a:spcPct val="100000"/>
-              </a:lnSpc>
-              <a:spcBef>
-                <a:spcPct val="0"/>
-              </a:spcBef>
-              <a:spcAft>
-                <a:spcPct val="0"/>
-              </a:spcAft>
-              <a:buClrTx/>
-              <a:buSzTx/>
-              <a:buFontTx/>
-              <a:buNone/>
-              <a:tabLst/>
-            </a:pPr>
-            <a:r>
-              <a:rPr kumimoji="0" lang="en-US" altLang="en-US" sz="1800" b="0" i="0" u="none" strike="noStrike" cap="none" normalizeH="0" baseline="0" dirty="0" smtClean="0">
-                <a:ln>
-                  <a:noFill/>
-                </a:ln>
-                <a:solidFill>
-                  <a:schemeClr val="tx1"/>
-                </a:solidFill>
-                <a:effectLst/>
-                <a:latin typeface="Calibri" panose="020F0502020204030204" pitchFamily="34" charset="0"/>
-                <a:ea typeface="Calibri" panose="020F0502020204030204" pitchFamily="34" charset="0"/>
-                <a:cs typeface="Times New Roman" panose="02020603050405020304" pitchFamily="18" charset="0"/>
-              </a:rPr>
-              <a:t>Nominal values from motor datasheet </a:t>
-            </a:r>
-            <a:endParaRPr kumimoji="0" lang="en-US" altLang="en-US" sz="1800" b="0" i="0" u="none" strike="noStrike" cap="none" normalizeH="0" baseline="0" dirty="0" smtClean="0">
-              <a:ln>
-                <a:noFill/>
-              </a:ln>
-              <a:solidFill>
-                <a:schemeClr val="tx1"/>
-              </a:solidFill>
-              <a:effectLst/>
-              <a:latin typeface="Arial" panose="020B0604020202020204" pitchFamily="34" charset="0"/>
-            </a:endParaRPr>
-          </a:p>
-        </p:txBody>
-      </p:sp>
-      <p:sp>
-        <p:nvSpPr>
-          <p:cNvPr id="34" name="Rectangle 16"/>
-          <p:cNvSpPr>
-            <a:spLocks noChangeArrowheads="1"/>
-          </p:cNvSpPr>
-          <p:nvPr/>
-        </p:nvSpPr>
-        <p:spPr bwMode="auto">
-          <a:xfrm>
-            <a:off x="6335920" y="2690519"/>
-            <a:ext cx="242374" cy="369332"/>
-          </a:xfrm>
-          <a:prstGeom prst="rect">
-            <a:avLst/>
-          </a:prstGeom>
-          <a:noFill/>
-          <a:ln>
-            <a:noFill/>
-          </a:ln>
-          <a:effectLst/>
-          <a:extLst>
-            <a:ext uri="{909E8E84-426E-40DD-AFC4-6F175D3DCCD1}">
-              <a14:hiddenFill xmlns:a14="http://schemas.microsoft.com/office/drawing/2010/main">
-                <a:solidFill>
-                  <a:schemeClr val="accent1"/>
-                </a:solidFill>
-              </a14:hiddenFill>
-            </a:ext>
-            <a:ext uri="{91240B29-F687-4F45-9708-019B960494DF}">
-              <a14:hiddenLine xmlns:a14="http://schemas.microsoft.com/office/drawing/2010/main" w="9525">
-                <a:solidFill>
-                  <a:schemeClr val="tx1"/>
-                </a:solidFill>
-                <a:miter lim="800000"/>
-                <a:headEnd/>
-                <a:tailEnd/>
-              </a14:hiddenLine>
-            </a:ext>
-            <a:ext uri="{AF507438-7753-43E0-B8FC-AC1667EBCBE1}">
-              <a14:hiddenEffects xmlns:a14="http://schemas.microsoft.com/office/drawing/2010/main">
-                <a:effectLst>
-                  <a:outerShdw dist="35921" dir="2700000" algn="ctr" rotWithShape="0">
-                    <a:schemeClr val="bg2"/>
-                  </a:outerShdw>
-                </a:effectLst>
-              </a14:hiddenEffects>
-            </a:ext>
-          </a:extLst>
-        </p:spPr>
-        <p:txBody>
-          <a:bodyPr vert="horz" wrap="none" lIns="91440" tIns="45720" rIns="91440" bIns="45720" numCol="1" anchor="ctr" anchorCtr="0" compatLnSpc="1">
-            <a:prstTxWarp prst="textNoShape">
-              <a:avLst/>
-            </a:prstTxWarp>
-            <a:spAutoFit/>
-          </a:bodyPr>
-          <a:lstStyle/>
-          <a:p>
-            <a:pPr marL="0" marR="0" lvl="0" indent="0" algn="l" defTabSz="914400" rtl="0" eaLnBrk="0" fontAlgn="base" latinLnBrk="0" hangingPunct="0">
-              <a:lnSpc>
-                <a:spcPct val="100000"/>
-              </a:lnSpc>
-              <a:spcBef>
-                <a:spcPct val="0"/>
-              </a:spcBef>
-              <a:spcAft>
-                <a:spcPct val="0"/>
-              </a:spcAft>
-              <a:buClrTx/>
-              <a:buSzTx/>
-              <a:buFontTx/>
-              <a:buNone/>
-              <a:tabLst/>
-            </a:pPr>
-            <a:r>
-              <a:rPr kumimoji="0" lang="en-US" altLang="en-US" sz="1800" b="0" i="0" u="none" strike="noStrike" cap="none" normalizeH="0" baseline="0" dirty="0" smtClean="0">
-                <a:ln>
-                  <a:noFill/>
-                </a:ln>
-                <a:solidFill>
-                  <a:schemeClr val="tx1"/>
-                </a:solidFill>
-                <a:effectLst/>
-                <a:latin typeface="Calibri" panose="020F0502020204030204" pitchFamily="34" charset="0"/>
-                <a:ea typeface="Calibri" panose="020F0502020204030204" pitchFamily="34" charset="0"/>
-                <a:cs typeface="Times New Roman" panose="02020603050405020304" pitchFamily="18" charset="0"/>
-              </a:rPr>
-              <a:t>,</a:t>
-            </a:r>
-            <a:endParaRPr kumimoji="0" lang="en-US" altLang="en-US" sz="1800" b="0" i="0" u="none" strike="noStrike" cap="none" normalizeH="0" baseline="0" dirty="0" smtClean="0">
-              <a:ln>
-                <a:noFill/>
-              </a:ln>
-              <a:solidFill>
-                <a:schemeClr val="tx1"/>
-              </a:solidFill>
-              <a:effectLst/>
-              <a:latin typeface="Arial" panose="020B0604020202020204" pitchFamily="34" charset="0"/>
-            </a:endParaRPr>
-          </a:p>
-        </p:txBody>
-      </p:sp>
-      <p:sp>
-        <p:nvSpPr>
-          <p:cNvPr id="35" name="Rectangle 17"/>
-          <p:cNvSpPr>
-            <a:spLocks noChangeArrowheads="1"/>
-          </p:cNvSpPr>
-          <p:nvPr/>
-        </p:nvSpPr>
-        <p:spPr bwMode="auto">
-          <a:xfrm>
-            <a:off x="1676659" y="3151101"/>
-            <a:ext cx="7574318" cy="369332"/>
-          </a:xfrm>
-          <a:prstGeom prst="rect">
-            <a:avLst/>
-          </a:prstGeom>
-          <a:noFill/>
-          <a:ln>
-            <a:noFill/>
-          </a:ln>
-          <a:effectLst/>
-          <a:extLst>
-            <a:ext uri="{909E8E84-426E-40DD-AFC4-6F175D3DCCD1}">
-              <a14:hiddenFill xmlns:a14="http://schemas.microsoft.com/office/drawing/2010/main">
-                <a:solidFill>
-                  <a:schemeClr val="accent1"/>
-                </a:solidFill>
-              </a14:hiddenFill>
-            </a:ext>
-            <a:ext uri="{91240B29-F687-4F45-9708-019B960494DF}">
-              <a14:hiddenLine xmlns:a14="http://schemas.microsoft.com/office/drawing/2010/main" w="9525">
-                <a:solidFill>
-                  <a:schemeClr val="tx1"/>
-                </a:solidFill>
-                <a:miter lim="800000"/>
-                <a:headEnd/>
-                <a:tailEnd/>
-              </a14:hiddenLine>
-            </a:ext>
-            <a:ext uri="{AF507438-7753-43E0-B8FC-AC1667EBCBE1}">
-              <a14:hiddenEffects xmlns:a14="http://schemas.microsoft.com/office/drawing/2010/main">
-                <a:effectLst>
-                  <a:outerShdw dist="35921" dir="2700000" algn="ctr" rotWithShape="0">
-                    <a:schemeClr val="bg2"/>
-                  </a:outerShdw>
-                </a:effectLst>
-              </a14:hiddenEffects>
-            </a:ext>
-          </a:extLst>
-        </p:spPr>
-        <p:txBody>
-          <a:bodyPr vert="horz" wrap="none" lIns="91440" tIns="45720" rIns="91440" bIns="45720" numCol="1" anchor="ctr" anchorCtr="0" compatLnSpc="1">
-            <a:prstTxWarp prst="textNoShape">
-              <a:avLst/>
-            </a:prstTxWarp>
-            <a:spAutoFit/>
-          </a:bodyPr>
-          <a:lstStyle/>
-          <a:p>
-            <a:pPr marL="0" marR="0" lvl="0" indent="0" algn="l" defTabSz="914400" rtl="0" eaLnBrk="0" fontAlgn="base" latinLnBrk="0" hangingPunct="0">
-              <a:lnSpc>
-                <a:spcPct val="100000"/>
-              </a:lnSpc>
-              <a:spcBef>
-                <a:spcPct val="0"/>
-              </a:spcBef>
-              <a:spcAft>
-                <a:spcPct val="0"/>
-              </a:spcAft>
-              <a:buClrTx/>
-              <a:buSzTx/>
-              <a:buFontTx/>
-              <a:buNone/>
-              <a:tabLst/>
-            </a:pPr>
-            <a:r>
-              <a:rPr kumimoji="0" lang="en-US" altLang="en-US" sz="1800" b="1" i="0" u="none" strike="noStrike" cap="none" normalizeH="0" baseline="0" dirty="0" smtClean="0">
-                <a:ln>
-                  <a:noFill/>
-                </a:ln>
-                <a:solidFill>
-                  <a:schemeClr val="tx1"/>
-                </a:solidFill>
-                <a:effectLst/>
-                <a:latin typeface="Calibri" panose="020F0502020204030204" pitchFamily="34" charset="0"/>
-                <a:ea typeface="Calibri" panose="020F0502020204030204" pitchFamily="34" charset="0"/>
-                <a:cs typeface="Times New Roman" panose="02020603050405020304" pitchFamily="18" charset="0"/>
-              </a:rPr>
-              <a:t>Validation</a:t>
-            </a:r>
-            <a:r>
-              <a:rPr kumimoji="0" lang="en-US" altLang="en-US" sz="1800" b="0" i="0" u="none" strike="noStrike" cap="none" normalizeH="0" baseline="0" dirty="0" smtClean="0">
-                <a:ln>
-                  <a:noFill/>
-                </a:ln>
-                <a:solidFill>
-                  <a:schemeClr val="tx1"/>
-                </a:solidFill>
-                <a:effectLst/>
-                <a:latin typeface="Calibri" panose="020F0502020204030204" pitchFamily="34" charset="0"/>
-                <a:ea typeface="Calibri" panose="020F0502020204030204" pitchFamily="34" charset="0"/>
-                <a:cs typeface="Times New Roman" panose="02020603050405020304" pitchFamily="18" charset="0"/>
-              </a:rPr>
-              <a:t>: real output vs simulation with input = N(0,9/4): fit=0.8142±0.0364</a:t>
-            </a:r>
-            <a:endParaRPr kumimoji="0" lang="en-US" altLang="en-US" sz="1800" b="0" i="0" u="none" strike="noStrike" cap="none" normalizeH="0" baseline="0" dirty="0" smtClean="0">
-              <a:ln>
-                <a:noFill/>
-              </a:ln>
-              <a:solidFill>
-                <a:schemeClr val="tx1"/>
-              </a:solidFill>
-              <a:effectLst/>
-              <a:latin typeface="Arial" panose="020B0604020202020204" pitchFamily="34" charset="0"/>
-            </a:endParaRPr>
-          </a:p>
-        </p:txBody>
-      </p:sp>
-      <p:pic>
-        <p:nvPicPr>
-          <p:cNvPr id="47" name="Immagine 46" descr="C:\Users\user\Documents\GitHub\linearVibrationsControl\finalReport\parts\Identification\img\motor_validation.png"/>
-          <p:cNvPicPr/>
-          <p:nvPr/>
-        </p:nvPicPr>
-        <p:blipFill>
-          <a:blip r:embed="rId23" cstate="print">
-            <a:extLst>
-              <a:ext uri="{28A0092B-C50C-407E-A947-70E740481C1C}">
-                <a14:useLocalDpi xmlns:a14="http://schemas.microsoft.com/office/drawing/2010/main" val="0"/>
-              </a:ext>
-            </a:extLst>
-          </a:blip>
-          <a:srcRect/>
-          <a:stretch>
-            <a:fillRect/>
-          </a:stretch>
-        </p:blipFill>
-        <p:spPr bwMode="auto">
-          <a:xfrm>
-            <a:off x="7381109" y="3436542"/>
-            <a:ext cx="4451846" cy="3083294"/>
-          </a:xfrm>
-          <a:prstGeom prst="rect">
-            <a:avLst/>
-          </a:prstGeom>
-          <a:noFill/>
-          <a:ln>
-            <a:noFill/>
-          </a:ln>
-        </p:spPr>
-      </p:pic>
-    </p:spTree>
-    <p:extLst>
-      <p:ext uri="{BB962C8B-B14F-4D97-AF65-F5344CB8AC3E}">
-        <p14:creationId xmlns:p14="http://schemas.microsoft.com/office/powerpoint/2010/main" val="2442095312"/>
-      </p:ext>
-    </p:extLst>
-  </p:cSld>
-  <p:clrMapOvr>
-    <a:masterClrMapping/>
-  </p:clrMapOvr>
-  <p:transition spd="slow">
-    <p:cut/>
-  </p:transition>
-  <p:timing>
-    <p:tnLst>
-      <p:par>
-        <p:cTn id="1" dur="indefinite" restart="never" nodeType="tmRoot"/>
-      </p:par>
-    </p:tnLst>
-  </p:timing>
-</p:sld>
-</file>
-
-<file path=ppt/slides/slide7.xml><?xml version="1.0" encoding="utf-8"?>
-<p:sld xmlns:a="http://schemas.openxmlformats.org/drawingml/2006/main" xmlns:r="http://schemas.openxmlformats.org/officeDocument/2006/relationships" xmlns:p="http://schemas.openxmlformats.org/presentationml/2006/main">
-  <p:cSld>
-    <p:spTree>
-      <p:nvGrpSpPr>
-        <p:cNvPr id="1" name="Shape 35"/>
-        <p:cNvGrpSpPr/>
-        <p:nvPr/>
-      </p:nvGrpSpPr>
-      <p:grpSpPr>
-        <a:xfrm>
-          <a:off x="0" y="0"/>
-          <a:ext cx="0" cy="0"/>
-          <a:chOff x="0" y="0"/>
-          <a:chExt cx="0" cy="0"/>
-        </a:xfrm>
-      </p:grpSpPr>
-      <p:sp>
-        <p:nvSpPr>
-          <p:cNvPr id="36" name="Shape 36"/>
-          <p:cNvSpPr txBox="1">
-            <a:spLocks noGrp="1"/>
-          </p:cNvSpPr>
-          <p:nvPr>
-            <p:ph type="title"/>
-          </p:nvPr>
-        </p:nvSpPr>
-        <p:spPr>
-          <a:xfrm>
-            <a:off x="2361450" y="131951"/>
-            <a:ext cx="8136900" cy="498599"/>
-          </a:xfrm>
-          <a:prstGeom prst="rect">
-            <a:avLst/>
-          </a:prstGeom>
-        </p:spPr>
-        <p:txBody>
-          <a:bodyPr lIns="91425" tIns="91425" rIns="91425" bIns="91425" anchor="b" anchorCtr="0">
-            <a:noAutofit/>
-          </a:bodyPr>
-          <a:lstStyle/>
-          <a:p>
-            <a:r>
-              <a:rPr lang="en-US" sz="3000" dirty="0" smtClean="0">
-                <a:solidFill>
-                  <a:srgbClr val="003366"/>
-                </a:solidFill>
-              </a:rPr>
-              <a:t>Overall system identification</a:t>
-            </a:r>
-            <a:endParaRPr lang="en-US" sz="3000" dirty="0">
-              <a:solidFill>
-                <a:srgbClr val="003366"/>
-              </a:solidFill>
-            </a:endParaRPr>
-          </a:p>
-        </p:txBody>
-      </p:sp>
-      <p:pic>
-        <p:nvPicPr>
-          <p:cNvPr id="38" name="Shape 38"/>
-          <p:cNvPicPr preferRelativeResize="0"/>
-          <p:nvPr/>
-        </p:nvPicPr>
-        <p:blipFill>
-          <a:blip r:embed="rId4">
-            <a:alphaModFix/>
-          </a:blip>
-          <a:stretch>
-            <a:fillRect/>
-          </a:stretch>
-        </p:blipFill>
-        <p:spPr>
-          <a:xfrm>
-            <a:off x="1606450" y="65950"/>
-            <a:ext cx="464900" cy="498650"/>
-          </a:xfrm>
-          <a:prstGeom prst="rect">
-            <a:avLst/>
-          </a:prstGeom>
-          <a:noFill/>
-          <a:ln>
-            <a:noFill/>
-          </a:ln>
-        </p:spPr>
-      </p:pic>
-      <p:pic>
-        <p:nvPicPr>
-          <p:cNvPr id="39" name="Shape 39"/>
-          <p:cNvPicPr preferRelativeResize="0"/>
-          <p:nvPr/>
-        </p:nvPicPr>
-        <p:blipFill>
-          <a:blip r:embed="rId5">
-            <a:alphaModFix/>
-          </a:blip>
-          <a:stretch>
-            <a:fillRect/>
-          </a:stretch>
-        </p:blipFill>
-        <p:spPr>
-          <a:xfrm>
-            <a:off x="1524000" y="630540"/>
-            <a:ext cx="9143998" cy="97471"/>
-          </a:xfrm>
-          <a:prstGeom prst="rect">
-            <a:avLst/>
-          </a:prstGeom>
-          <a:noFill/>
-          <a:ln>
-            <a:noFill/>
-          </a:ln>
-        </p:spPr>
-      </p:pic>
-      <p:cxnSp>
-        <p:nvCxnSpPr>
-          <p:cNvPr id="40" name="Shape 40"/>
-          <p:cNvCxnSpPr/>
-          <p:nvPr/>
-        </p:nvCxnSpPr>
-        <p:spPr>
-          <a:xfrm rot="10800000">
-            <a:off x="2215550" y="126"/>
-            <a:ext cx="0" cy="630299"/>
-          </a:xfrm>
-          <a:prstGeom prst="straightConnector1">
-            <a:avLst/>
-          </a:prstGeom>
-          <a:noFill/>
-          <a:ln w="9525" cap="flat" cmpd="sng">
-            <a:solidFill>
-              <a:srgbClr val="003366"/>
-            </a:solidFill>
-            <a:prstDash val="solid"/>
-            <a:round/>
-            <a:headEnd type="none" w="lg" len="lg"/>
-            <a:tailEnd type="none" w="lg" len="lg"/>
-          </a:ln>
-        </p:spPr>
-      </p:cxnSp>
-      <p:sp>
-        <p:nvSpPr>
-          <p:cNvPr id="41" name="Shape 41"/>
-          <p:cNvSpPr txBox="1"/>
-          <p:nvPr/>
-        </p:nvSpPr>
-        <p:spPr>
-          <a:xfrm>
-            <a:off x="8307700" y="6531001"/>
-            <a:ext cx="2599200" cy="363899"/>
-          </a:xfrm>
-          <a:prstGeom prst="rect">
-            <a:avLst/>
-          </a:prstGeom>
-          <a:noFill/>
-          <a:ln>
-            <a:noFill/>
-          </a:ln>
-        </p:spPr>
-        <p:txBody>
-          <a:bodyPr lIns="91425" tIns="91425" rIns="91425" bIns="91425" anchor="t" anchorCtr="0">
-            <a:noAutofit/>
-          </a:bodyPr>
-          <a:lstStyle/>
-          <a:p>
-            <a:r>
-              <a:rPr lang="en-US" sz="1200" b="1" dirty="0" smtClean="0">
-                <a:solidFill>
-                  <a:srgbClr val="FFFFFF"/>
-                </a:solidFill>
-              </a:rPr>
-              <a:t>POLITECNICO DI MILANO</a:t>
-            </a:r>
-            <a:endParaRPr lang="en-US" sz="1200" b="1" dirty="0">
-              <a:solidFill>
-                <a:srgbClr val="FFFFFF"/>
-              </a:solidFill>
-            </a:endParaRPr>
-          </a:p>
-        </p:txBody>
-      </p:sp>
-      <p:pic>
-        <p:nvPicPr>
-          <p:cNvPr id="42" name="Shape 42"/>
-          <p:cNvPicPr preferRelativeResize="0"/>
-          <p:nvPr/>
-        </p:nvPicPr>
-        <p:blipFill>
-          <a:blip r:embed="rId6">
-            <a:alphaModFix/>
-          </a:blip>
-          <a:stretch>
-            <a:fillRect/>
-          </a:stretch>
-        </p:blipFill>
-        <p:spPr>
-          <a:xfrm>
-            <a:off x="1524000" y="6571226"/>
-            <a:ext cx="9144000" cy="286775"/>
-          </a:xfrm>
-          <a:prstGeom prst="rect">
-            <a:avLst/>
-          </a:prstGeom>
-          <a:noFill/>
-          <a:ln>
-            <a:noFill/>
-          </a:ln>
-        </p:spPr>
-      </p:pic>
-      <p:sp>
-        <p:nvSpPr>
-          <p:cNvPr id="43" name="Shape 43"/>
-          <p:cNvSpPr txBox="1">
-            <a:spLocks noGrp="1"/>
-          </p:cNvSpPr>
-          <p:nvPr>
-            <p:ph type="ctrTitle" idx="4294967295"/>
-          </p:nvPr>
-        </p:nvSpPr>
-        <p:spPr>
-          <a:xfrm>
-            <a:off x="3575453" y="6500850"/>
-            <a:ext cx="3238799" cy="424199"/>
-          </a:xfrm>
-          <a:prstGeom prst="rect">
-            <a:avLst/>
-          </a:prstGeom>
-        </p:spPr>
-        <p:txBody>
-          <a:bodyPr lIns="91425" tIns="91425" rIns="91425" bIns="91425" anchor="ctr" anchorCtr="0">
-            <a:noAutofit/>
-          </a:bodyPr>
-          <a:lstStyle/>
-          <a:p>
-            <a:pPr indent="457200">
-              <a:lnSpc>
-                <a:spcPct val="115000"/>
-              </a:lnSpc>
-            </a:pPr>
-            <a:r>
               <a:rPr lang="en-US" sz="1200" b="1" smtClean="0">
                 <a:solidFill>
                   <a:srgbClr val="003366"/>
@@ -15310,7 +15159,7 @@
           <a:graphicData uri="http://schemas.openxmlformats.org/presentationml/2006/ole">
             <mc:AlternateContent xmlns:mc="http://schemas.openxmlformats.org/markup-compatibility/2006">
               <mc:Choice xmlns:v="urn:schemas-microsoft-com:vml" Requires="v">
-                <p:oleObj spid="_x0000_s8362" name="Equazione" r:id="rId7" imgW="1586811" imgH="203112" progId="Equation.3">
+                <p:oleObj spid="_x0000_s8404" name="Equazione" r:id="rId7" imgW="1586811" imgH="203112" progId="Equation.3">
                   <p:embed/>
                 </p:oleObj>
               </mc:Choice>
@@ -15377,7 +15226,7 @@
           <a:graphicData uri="http://schemas.openxmlformats.org/presentationml/2006/ole">
             <mc:AlternateContent xmlns:mc="http://schemas.openxmlformats.org/markup-compatibility/2006">
               <mc:Choice xmlns:v="urn:schemas-microsoft-com:vml" Requires="v">
-                <p:oleObj spid="_x0000_s8363" name="Equazione" r:id="rId9" imgW="1257300" imgH="228600" progId="Equation.3">
+                <p:oleObj spid="_x0000_s8405" name="Equazione" r:id="rId9" imgW="1257300" imgH="228600" progId="Equation.3">
                   <p:embed/>
                 </p:oleObj>
               </mc:Choice>
@@ -15444,7 +15293,7 @@
           <a:graphicData uri="http://schemas.openxmlformats.org/presentationml/2006/ole">
             <mc:AlternateContent xmlns:mc="http://schemas.openxmlformats.org/markup-compatibility/2006">
               <mc:Choice xmlns:v="urn:schemas-microsoft-com:vml" Requires="v">
-                <p:oleObj spid="_x0000_s8364" name="Equazione" r:id="rId11" imgW="1117600" imgH="241300" progId="Equation.3">
+                <p:oleObj spid="_x0000_s8406" name="Equazione" r:id="rId11" imgW="1117600" imgH="241300" progId="Equation.3">
                   <p:embed/>
                 </p:oleObj>
               </mc:Choice>
@@ -15511,7 +15360,7 @@
           <a:graphicData uri="http://schemas.openxmlformats.org/presentationml/2006/ole">
             <mc:AlternateContent xmlns:mc="http://schemas.openxmlformats.org/markup-compatibility/2006">
               <mc:Choice xmlns:v="urn:schemas-microsoft-com:vml" Requires="v">
-                <p:oleObj spid="_x0000_s8365" name="Equazione" r:id="rId13" imgW="1129810" imgH="241195" progId="Equation.3">
+                <p:oleObj spid="_x0000_s8407" name="Equazione" r:id="rId13" imgW="1129810" imgH="241195" progId="Equation.3">
                   <p:embed/>
                 </p:oleObj>
               </mc:Choice>
@@ -15578,7 +15427,7 @@
           <a:graphicData uri="http://schemas.openxmlformats.org/presentationml/2006/ole">
             <mc:AlternateContent xmlns:mc="http://schemas.openxmlformats.org/markup-compatibility/2006">
               <mc:Choice xmlns:v="urn:schemas-microsoft-com:vml" Requires="v">
-                <p:oleObj spid="_x0000_s8366" name="Equazione" r:id="rId15" imgW="1091726" imgH="241195" progId="Equation.3">
+                <p:oleObj spid="_x0000_s8408" name="Equazione" r:id="rId15" imgW="1091726" imgH="241195" progId="Equation.3">
                   <p:embed/>
                 </p:oleObj>
               </mc:Choice>
@@ -15645,7 +15494,7 @@
           <a:graphicData uri="http://schemas.openxmlformats.org/presentationml/2006/ole">
             <mc:AlternateContent xmlns:mc="http://schemas.openxmlformats.org/markup-compatibility/2006">
               <mc:Choice xmlns:v="urn:schemas-microsoft-com:vml" Requires="v">
-                <p:oleObj spid="_x0000_s8367" name="Equazione" r:id="rId17" imgW="1714500" imgH="241300" progId="Equation.3">
+                <p:oleObj spid="_x0000_s8409" name="Equazione" r:id="rId17" imgW="1714500" imgH="241300" progId="Equation.3">
                   <p:embed/>
                 </p:oleObj>
               </mc:Choice>
@@ -15712,7 +15561,7 @@
           <a:graphicData uri="http://schemas.openxmlformats.org/presentationml/2006/ole">
             <mc:AlternateContent xmlns:mc="http://schemas.openxmlformats.org/markup-compatibility/2006">
               <mc:Choice xmlns:v="urn:schemas-microsoft-com:vml" Requires="v">
-                <p:oleObj spid="_x0000_s8368" name="Equazione" r:id="rId19" imgW="1663700" imgH="241300" progId="Equation.3">
+                <p:oleObj spid="_x0000_s8410" name="Equazione" r:id="rId19" imgW="1663700" imgH="241300" progId="Equation.3">
                   <p:embed/>
                 </p:oleObj>
               </mc:Choice>
@@ -15779,7 +15628,7 @@
           <a:graphicData uri="http://schemas.openxmlformats.org/presentationml/2006/ole">
             <mc:AlternateContent xmlns:mc="http://schemas.openxmlformats.org/markup-compatibility/2006">
               <mc:Choice xmlns:v="urn:schemas-microsoft-com:vml" Requires="v">
-                <p:oleObj spid="_x0000_s8369" name="Equazione" r:id="rId21" imgW="1625600" imgH="241300" progId="Equation.3">
+                <p:oleObj spid="_x0000_s8411" name="Equazione" r:id="rId21" imgW="1625600" imgH="241300" progId="Equation.3">
                   <p:embed/>
                 </p:oleObj>
               </mc:Choice>
@@ -15846,7 +15695,7 @@
           <a:graphicData uri="http://schemas.openxmlformats.org/presentationml/2006/ole">
             <mc:AlternateContent xmlns:mc="http://schemas.openxmlformats.org/markup-compatibility/2006">
               <mc:Choice xmlns:v="urn:schemas-microsoft-com:vml" Requires="v">
-                <p:oleObj spid="_x0000_s8370" name="Equazione" r:id="rId23" imgW="1397000" imgH="241300" progId="Equation.3">
+                <p:oleObj spid="_x0000_s8412" name="Equazione" r:id="rId23" imgW="1397000" imgH="241300" progId="Equation.3">
                   <p:embed/>
                 </p:oleObj>
               </mc:Choice>
@@ -15913,7 +15762,7 @@
           <a:graphicData uri="http://schemas.openxmlformats.org/presentationml/2006/ole">
             <mc:AlternateContent xmlns:mc="http://schemas.openxmlformats.org/markup-compatibility/2006">
               <mc:Choice xmlns:v="urn:schemas-microsoft-com:vml" Requires="v">
-                <p:oleObj spid="_x0000_s8371" name="Equazione" r:id="rId25" imgW="1409400" imgH="241200" progId="Equation.3">
+                <p:oleObj spid="_x0000_s8413" name="Equazione" r:id="rId25" imgW="1409400" imgH="241200" progId="Equation.3">
                   <p:embed/>
                 </p:oleObj>
               </mc:Choice>
@@ -15974,7 +15823,7 @@
           <a:graphicData uri="http://schemas.openxmlformats.org/presentationml/2006/ole">
             <mc:AlternateContent xmlns:mc="http://schemas.openxmlformats.org/markup-compatibility/2006">
               <mc:Choice xmlns:v="urn:schemas-microsoft-com:vml" Requires="v">
-                <p:oleObj spid="_x0000_s8372" name="Equazione" r:id="rId27" imgW="1396800" imgH="241200" progId="Equation.3">
+                <p:oleObj spid="_x0000_s8414" name="Equazione" r:id="rId27" imgW="1396800" imgH="241200" progId="Equation.3">
                   <p:embed/>
                 </p:oleObj>
               </mc:Choice>
@@ -16035,7 +15884,7 @@
           <a:graphicData uri="http://schemas.openxmlformats.org/presentationml/2006/ole">
             <mc:AlternateContent xmlns:mc="http://schemas.openxmlformats.org/markup-compatibility/2006">
               <mc:Choice xmlns:v="urn:schemas-microsoft-com:vml" Requires="v">
-                <p:oleObj spid="_x0000_s8373" name="Equazione" r:id="rId29" imgW="1739880" imgH="228600" progId="Equation.3">
+                <p:oleObj spid="_x0000_s8415" name="Equazione" r:id="rId29" imgW="1739880" imgH="228600" progId="Equation.3">
                   <p:embed/>
                 </p:oleObj>
               </mc:Choice>
@@ -16096,7 +15945,7 @@
           <a:graphicData uri="http://schemas.openxmlformats.org/presentationml/2006/ole">
             <mc:AlternateContent xmlns:mc="http://schemas.openxmlformats.org/markup-compatibility/2006">
               <mc:Choice xmlns:v="urn:schemas-microsoft-com:vml" Requires="v">
-                <p:oleObj spid="_x0000_s8374" name="Equazione" r:id="rId31" imgW="1002865" imgH="431613" progId="Equation.3">
+                <p:oleObj spid="_x0000_s8416" name="Equazione" r:id="rId31" imgW="1002865" imgH="431613" progId="Equation.3">
                   <p:embed/>
                 </p:oleObj>
               </mc:Choice>
@@ -16163,7 +16012,7 @@
           <a:graphicData uri="http://schemas.openxmlformats.org/presentationml/2006/ole">
             <mc:AlternateContent xmlns:mc="http://schemas.openxmlformats.org/markup-compatibility/2006">
               <mc:Choice xmlns:v="urn:schemas-microsoft-com:vml" Requires="v">
-                <p:oleObj spid="_x0000_s8375" name="Equazione" r:id="rId33" imgW="787058" imgH="215806" progId="Equation.3">
+                <p:oleObj spid="_x0000_s8417" name="Equazione" r:id="rId33" imgW="787058" imgH="215806" progId="Equation.3">
                   <p:embed/>
                 </p:oleObj>
               </mc:Choice>
@@ -17029,8 +16878,8 @@
         </p:nvSpPr>
         <p:spPr bwMode="auto">
           <a:xfrm>
-            <a:off x="1702936" y="4205770"/>
-            <a:ext cx="7470699" cy="369332"/>
+            <a:off x="1702936" y="4016601"/>
+            <a:ext cx="4937955" cy="923330"/>
           </a:xfrm>
           <a:prstGeom prst="rect">
             <a:avLst/>
@@ -17107,7 +16956,55 @@
                 <a:ea typeface="Calibri" panose="020F0502020204030204" pitchFamily="34" charset="0"/>
                 <a:cs typeface="Times New Roman" panose="02020603050405020304" pitchFamily="18" charset="0"/>
               </a:rPr>
-              <a:t>Fit: 1 </a:t>
+              <a:t>Fit</a:t>
+            </a:r>
+            <a:r>
+              <a:rPr kumimoji="0" lang="en-US" altLang="en-US" sz="1800" b="0" i="0" u="none" strike="noStrike" cap="none" normalizeH="0" baseline="0" dirty="0" smtClean="0">
+                <a:ln>
+                  <a:noFill/>
+                </a:ln>
+                <a:solidFill>
+                  <a:schemeClr val="tx1"/>
+                </a:solidFill>
+                <a:effectLst/>
+                <a:latin typeface="Calibri" panose="020F0502020204030204" pitchFamily="34" charset="0"/>
+                <a:ea typeface="Calibri" panose="020F0502020204030204" pitchFamily="34" charset="0"/>
+                <a:cs typeface="Times New Roman" panose="02020603050405020304" pitchFamily="18" charset="0"/>
+              </a:rPr>
+              <a:t>:</a:t>
+            </a:r>
+          </a:p>
+          <a:p>
+            <a:pPr marL="0" marR="0" lvl="0" indent="0" algn="l" defTabSz="914400" rtl="0" eaLnBrk="0" fontAlgn="base" latinLnBrk="0" hangingPunct="0">
+              <a:lnSpc>
+                <a:spcPct val="100000"/>
+              </a:lnSpc>
+              <a:spcBef>
+                <a:spcPct val="0"/>
+              </a:spcBef>
+              <a:spcAft>
+                <a:spcPct val="0"/>
+              </a:spcAft>
+              <a:buClrTx/>
+              <a:buSzTx/>
+              <a:buFontTx/>
+              <a:buNone/>
+              <a:tabLst/>
+            </a:pPr>
+            <a:r>
+              <a:rPr kumimoji="0" lang="en-US" altLang="en-US" sz="1800" b="0" i="0" u="none" strike="noStrike" cap="none" normalizeH="0" baseline="0" dirty="0" smtClean="0">
+                <a:ln>
+                  <a:noFill/>
+                </a:ln>
+                <a:solidFill>
+                  <a:schemeClr val="tx1"/>
+                </a:solidFill>
+                <a:effectLst/>
+                <a:latin typeface="Calibri" panose="020F0502020204030204" pitchFamily="34" charset="0"/>
+                <a:ea typeface="Calibri" panose="020F0502020204030204" pitchFamily="34" charset="0"/>
+                <a:cs typeface="Times New Roman" panose="02020603050405020304" pitchFamily="18" charset="0"/>
+              </a:rPr>
+              <a:t>1 </a:t>
             </a:r>
             <a:r>
               <a:rPr kumimoji="0" lang="en-US" altLang="en-US" sz="1800" b="0" i="0" u="none" strike="noStrike" cap="none" normalizeH="0" baseline="0" dirty="0" err="1" smtClean="0">
@@ -17137,7 +17034,55 @@
                 <a:ea typeface="Calibri" panose="020F0502020204030204" pitchFamily="34" charset="0"/>
                 <a:cs typeface="Times New Roman" panose="02020603050405020304" pitchFamily="18" charset="0"/>
               </a:rPr>
-              <a:t>: (85.42±1.68)%, 2 </a:t>
+              <a:t>: (85.42±1.68</a:t>
+            </a:r>
+            <a:r>
+              <a:rPr kumimoji="0" lang="en-US" altLang="en-US" sz="1800" b="0" i="0" u="none" strike="noStrike" cap="none" normalizeH="0" baseline="0" dirty="0" smtClean="0">
+                <a:ln>
+                  <a:noFill/>
+                </a:ln>
+                <a:solidFill>
+                  <a:schemeClr val="tx1"/>
+                </a:solidFill>
+                <a:effectLst/>
+                <a:latin typeface="Calibri" panose="020F0502020204030204" pitchFamily="34" charset="0"/>
+                <a:ea typeface="Calibri" panose="020F0502020204030204" pitchFamily="34" charset="0"/>
+                <a:cs typeface="Times New Roman" panose="02020603050405020304" pitchFamily="18" charset="0"/>
+              </a:rPr>
+              <a:t>)%</a:t>
+            </a:r>
+          </a:p>
+          <a:p>
+            <a:pPr marL="0" marR="0" lvl="0" indent="0" algn="l" defTabSz="914400" rtl="0" eaLnBrk="0" fontAlgn="base" latinLnBrk="0" hangingPunct="0">
+              <a:lnSpc>
+                <a:spcPct val="100000"/>
+              </a:lnSpc>
+              <a:spcBef>
+                <a:spcPct val="0"/>
+              </a:spcBef>
+              <a:spcAft>
+                <a:spcPct val="0"/>
+              </a:spcAft>
+              <a:buClrTx/>
+              <a:buSzTx/>
+              <a:buFontTx/>
+              <a:buNone/>
+              <a:tabLst/>
+            </a:pPr>
+            <a:r>
+              <a:rPr kumimoji="0" lang="en-US" altLang="en-US" sz="1800" b="0" i="0" u="none" strike="noStrike" cap="none" normalizeH="0" baseline="0" dirty="0" smtClean="0">
+                <a:ln>
+                  <a:noFill/>
+                </a:ln>
+                <a:solidFill>
+                  <a:schemeClr val="tx1"/>
+                </a:solidFill>
+                <a:effectLst/>
+                <a:latin typeface="Calibri" panose="020F0502020204030204" pitchFamily="34" charset="0"/>
+                <a:ea typeface="Calibri" panose="020F0502020204030204" pitchFamily="34" charset="0"/>
+                <a:cs typeface="Times New Roman" panose="02020603050405020304" pitchFamily="18" charset="0"/>
+              </a:rPr>
+              <a:t>2 </a:t>
             </a:r>
             <a:r>
               <a:rPr kumimoji="0" lang="en-US" altLang="en-US" sz="1800" b="0" i="0" u="none" strike="noStrike" cap="none" normalizeH="0" baseline="0" dirty="0" err="1" smtClean="0">
@@ -17378,154 +17323,6 @@
               <a:t>. Results: </a:t>
             </a:r>
             <a:endParaRPr lang="en-US" altLang="en-US" sz="800" dirty="0"/>
-          </a:p>
-        </p:txBody>
-      </p:sp>
-      <p:pic>
-        <p:nvPicPr>
-          <p:cNvPr id="60" name="Immagine 59" descr="C:\Users\user\Documents\GitHub\linearVibrationsControl\finalReport\parts\Identification\img\validation_overall_kl_nomass.png"/>
-          <p:cNvPicPr/>
-          <p:nvPr/>
-        </p:nvPicPr>
-        <p:blipFill>
-          <a:blip r:embed="rId35" cstate="print">
-            <a:extLst>
-              <a:ext uri="{28A0092B-C50C-407E-A947-70E740481C1C}">
-                <a14:useLocalDpi xmlns:a14="http://schemas.microsoft.com/office/drawing/2010/main" val="0"/>
-              </a:ext>
-            </a:extLst>
-          </a:blip>
-          <a:srcRect/>
-          <a:stretch>
-            <a:fillRect/>
-          </a:stretch>
-        </p:blipFill>
-        <p:spPr bwMode="auto">
-          <a:xfrm>
-            <a:off x="1670204" y="4579892"/>
-            <a:ext cx="2336573" cy="1648377"/>
-          </a:xfrm>
-          <a:prstGeom prst="rect">
-            <a:avLst/>
-          </a:prstGeom>
-          <a:noFill/>
-          <a:ln>
-            <a:noFill/>
-          </a:ln>
-        </p:spPr>
-      </p:pic>
-      <p:pic>
-        <p:nvPicPr>
-          <p:cNvPr id="61" name="Immagine 60" descr="C:\Users\user\Documents\GitHub\linearVibrationsControl\finalReport\parts\Identification\img\validation_overall_2dof_klkh_0m0m.png"/>
-          <p:cNvPicPr/>
-          <p:nvPr/>
-        </p:nvPicPr>
-        <p:blipFill>
-          <a:blip r:embed="rId36" cstate="print">
-            <a:extLst>
-              <a:ext uri="{28A0092B-C50C-407E-A947-70E740481C1C}">
-                <a14:useLocalDpi xmlns:a14="http://schemas.microsoft.com/office/drawing/2010/main" val="0"/>
-              </a:ext>
-            </a:extLst>
-          </a:blip>
-          <a:srcRect/>
-          <a:stretch>
-            <a:fillRect/>
-          </a:stretch>
-        </p:blipFill>
-        <p:spPr bwMode="auto">
-          <a:xfrm>
-            <a:off x="4768182" y="4652474"/>
-            <a:ext cx="2154555" cy="1615440"/>
-          </a:xfrm>
-          <a:prstGeom prst="rect">
-            <a:avLst/>
-          </a:prstGeom>
-          <a:noFill/>
-          <a:ln>
-            <a:noFill/>
-          </a:ln>
-        </p:spPr>
-      </p:pic>
-      <p:sp>
-        <p:nvSpPr>
-          <p:cNvPr id="57" name="Rettangolo 56"/>
-          <p:cNvSpPr/>
-          <p:nvPr/>
-        </p:nvSpPr>
-        <p:spPr>
-          <a:xfrm>
-            <a:off x="2506465" y="6179894"/>
-            <a:ext cx="668773" cy="369332"/>
-          </a:xfrm>
-          <a:prstGeom prst="rect">
-            <a:avLst/>
-          </a:prstGeom>
-        </p:spPr>
-        <p:txBody>
-          <a:bodyPr wrap="none">
-            <a:spAutoFit/>
-          </a:bodyPr>
-          <a:lstStyle/>
-          <a:p>
-            <a:r>
-              <a:rPr lang="it-IT" dirty="0">
-                <a:latin typeface="Calibri" panose="020F0502020204030204" pitchFamily="34" charset="0"/>
-                <a:ea typeface="Calibri" panose="020F0502020204030204" pitchFamily="34" charset="0"/>
-                <a:cs typeface="Times New Roman" panose="02020603050405020304" pitchFamily="18" charset="0"/>
-              </a:rPr>
-              <a:t>1 </a:t>
-            </a:r>
-            <a:r>
-              <a:rPr lang="it-IT" dirty="0" err="1">
-                <a:latin typeface="Calibri" panose="020F0502020204030204" pitchFamily="34" charset="0"/>
-                <a:ea typeface="Calibri" panose="020F0502020204030204" pitchFamily="34" charset="0"/>
-                <a:cs typeface="Times New Roman" panose="02020603050405020304" pitchFamily="18" charset="0"/>
-              </a:rPr>
-              <a:t>dof</a:t>
-            </a:r>
-            <a:endParaRPr lang="en-US" dirty="0"/>
-          </a:p>
-        </p:txBody>
-      </p:sp>
-      <p:sp>
-        <p:nvSpPr>
-          <p:cNvPr id="62" name="Rettangolo 61"/>
-          <p:cNvSpPr/>
-          <p:nvPr/>
-        </p:nvSpPr>
-        <p:spPr>
-          <a:xfrm>
-            <a:off x="5511072" y="6192115"/>
-            <a:ext cx="668773" cy="369332"/>
-          </a:xfrm>
-          <a:prstGeom prst="rect">
-            <a:avLst/>
-          </a:prstGeom>
-        </p:spPr>
-        <p:txBody>
-          <a:bodyPr wrap="none">
-            <a:spAutoFit/>
-          </a:bodyPr>
-          <a:lstStyle/>
-          <a:p>
-            <a:r>
-              <a:rPr lang="it-IT" dirty="0" smtClean="0">
-                <a:latin typeface="Calibri" panose="020F0502020204030204" pitchFamily="34" charset="0"/>
-                <a:ea typeface="Calibri" panose="020F0502020204030204" pitchFamily="34" charset="0"/>
-                <a:cs typeface="Times New Roman" panose="02020603050405020304" pitchFamily="18" charset="0"/>
-              </a:rPr>
-              <a:t>2 </a:t>
-            </a:r>
-            <a:r>
-              <a:rPr lang="it-IT" dirty="0" err="1">
-                <a:latin typeface="Calibri" panose="020F0502020204030204" pitchFamily="34" charset="0"/>
-                <a:ea typeface="Calibri" panose="020F0502020204030204" pitchFamily="34" charset="0"/>
-                <a:cs typeface="Times New Roman" panose="02020603050405020304" pitchFamily="18" charset="0"/>
-              </a:rPr>
-              <a:t>dof</a:t>
-            </a:r>
-            <a:endParaRPr lang="en-US" dirty="0"/>
           </a:p>
         </p:txBody>
       </p:sp>
@@ -17591,8 +17388,8 @@
         </p:blipFill>
         <p:spPr>
           <a:xfrm>
-            <a:off x="5532269" y="3588805"/>
-            <a:ext cx="3630169" cy="2722627"/>
+            <a:off x="5532269" y="3685425"/>
+            <a:ext cx="3564434" cy="2673326"/>
           </a:xfrm>
           <a:prstGeom prst="rect">
             <a:avLst/>
@@ -17621,7 +17418,7 @@
         </p:blipFill>
         <p:spPr>
           <a:xfrm>
-            <a:off x="1667424" y="3588805"/>
+            <a:off x="1667424" y="3650410"/>
             <a:ext cx="3676539" cy="2757405"/>
           </a:xfrm>
           <a:prstGeom prst="rect">
@@ -18071,7 +17868,7 @@
         </p:nvSpPr>
         <p:spPr>
           <a:xfrm>
-            <a:off x="3036624" y="3355248"/>
+            <a:off x="3036624" y="3307950"/>
             <a:ext cx="877163" cy="369332"/>
           </a:xfrm>
           <a:prstGeom prst="rect">
@@ -18136,7 +17933,7 @@
         </p:nvSpPr>
         <p:spPr>
           <a:xfrm>
-            <a:off x="6712985" y="3394576"/>
+            <a:off x="6712985" y="3316093"/>
             <a:ext cx="1112805" cy="369332"/>
           </a:xfrm>
           <a:prstGeom prst="rect">

--- a/finalPresentation/Part1.pptx
+++ b/finalPresentation/Part1.pptx
@@ -216,7 +216,7 @@
           <a:p>
             <a:fld id="{15E71755-9285-4A55-92B4-833415C06301}" type="datetimeFigureOut">
               <a:rPr lang="en-US" smtClean="0"/>
-              <a:t>6/19/2016</a:t>
+              <a:t>6/21/2016</a:t>
             </a:fld>
             <a:endParaRPr lang="en-US"/>
           </a:p>
@@ -280,35 +280,35 @@
           <a:p>
             <a:pPr lvl="0"/>
             <a:r>
-              <a:rPr lang="it-IT" smtClean="0"/>
+              <a:rPr lang="it-IT"/>
               <a:t>Modifica gli stili del testo dello schema</a:t>
             </a:r>
           </a:p>
           <a:p>
             <a:pPr lvl="1"/>
             <a:r>
-              <a:rPr lang="it-IT" smtClean="0"/>
+              <a:rPr lang="it-IT"/>
               <a:t>Secondo livello</a:t>
             </a:r>
           </a:p>
           <a:p>
             <a:pPr lvl="2"/>
             <a:r>
-              <a:rPr lang="it-IT" smtClean="0"/>
+              <a:rPr lang="it-IT"/>
               <a:t>Terzo livello</a:t>
             </a:r>
           </a:p>
           <a:p>
             <a:pPr lvl="3"/>
             <a:r>
-              <a:rPr lang="it-IT" smtClean="0"/>
+              <a:rPr lang="it-IT"/>
               <a:t>Quarto livello</a:t>
             </a:r>
           </a:p>
           <a:p>
             <a:pPr lvl="4"/>
             <a:r>
-              <a:rPr lang="it-IT" smtClean="0"/>
+              <a:rPr lang="it-IT"/>
               <a:t>Quinto livello</a:t>
             </a:r>
             <a:endParaRPr lang="en-US"/>
@@ -583,6 +583,14 @@
               </a:spcBef>
               <a:buNone/>
             </a:pPr>
+            <a:r>
+              <a:rPr lang="it-IT" dirty="0"/>
+              <a:t>Fare due slide e più figure</a:t>
+            </a:r>
+            <a:r>
+              <a:rPr lang="it-IT" baseline="0" dirty="0"/>
+              <a:t> e meno testo</a:t>
+            </a:r>
             <a:endParaRPr dirty="0"/>
           </a:p>
         </p:txBody>
@@ -699,6 +707,26 @@
               </a:spcBef>
               <a:buNone/>
             </a:pPr>
+            <a:r>
+              <a:rPr lang="it-IT" dirty="0"/>
+              <a:t>Mettere</a:t>
+            </a:r>
+            <a:r>
+              <a:rPr lang="it-IT" baseline="0" dirty="0"/>
+              <a:t> foto carrellino</a:t>
+            </a:r>
+          </a:p>
+          <a:p>
+            <a:pPr lvl="0" rtl="0">
+              <a:spcBef>
+                <a:spcPts val="0"/>
+              </a:spcBef>
+              <a:buNone/>
+            </a:pPr>
+            <a:r>
+              <a:rPr lang="it-IT" baseline="0" dirty="0"/>
+              <a:t>Fare sezioni a scomparsa con immagini riferite al pezzo del modello</a:t>
+            </a:r>
             <a:endParaRPr dirty="0"/>
           </a:p>
         </p:txBody>
@@ -815,6 +843,18 @@
               </a:spcBef>
               <a:buNone/>
             </a:pPr>
+            <a:r>
+              <a:rPr lang="it-IT" dirty="0"/>
+              <a:t>Levare x1 x2 x3 e fare solo matrici e mettere</a:t>
+            </a:r>
+            <a:r>
+              <a:rPr lang="it-IT" baseline="0" dirty="0"/>
+              <a:t> anche 3 </a:t>
+            </a:r>
+            <a:r>
+              <a:rPr lang="it-IT" baseline="0" dirty="0" err="1"/>
+              <a:t>dof</a:t>
+            </a:r>
             <a:endParaRPr dirty="0"/>
           </a:p>
         </p:txBody>
@@ -931,6 +971,94 @@
               </a:spcBef>
               <a:buNone/>
             </a:pPr>
+            <a:r>
+              <a:rPr lang="it-IT" dirty="0"/>
+              <a:t>Inserire</a:t>
+            </a:r>
+            <a:r>
+              <a:rPr lang="it-IT" baseline="0" dirty="0"/>
+              <a:t> </a:t>
+            </a:r>
+            <a:r>
+              <a:rPr lang="it-IT" baseline="0" dirty="0" err="1"/>
+              <a:t>freq</a:t>
+            </a:r>
+            <a:r>
+              <a:rPr lang="it-IT" baseline="0" dirty="0"/>
+              <a:t> di campionamento 200 Hz e perché</a:t>
+            </a:r>
+          </a:p>
+          <a:p>
+            <a:pPr lvl="0" rtl="0">
+              <a:spcBef>
+                <a:spcPts val="0"/>
+              </a:spcBef>
+              <a:buNone/>
+            </a:pPr>
+            <a:r>
+              <a:rPr lang="it-IT" baseline="0" dirty="0"/>
+              <a:t>Inserire schema su come si è fatta l’identificazione: Raccolta dati-&gt;elaborazione-&gt;creazione modello-&gt;validazione (sul </a:t>
+            </a:r>
+            <a:r>
+              <a:rPr lang="it-IT" baseline="0" dirty="0" err="1"/>
+              <a:t>sitema</a:t>
+            </a:r>
+            <a:r>
+              <a:rPr lang="it-IT" baseline="0" dirty="0"/>
+              <a:t> reale)</a:t>
+            </a:r>
+          </a:p>
+          <a:p>
+            <a:pPr lvl="0" rtl="0">
+              <a:spcBef>
+                <a:spcPts val="0"/>
+              </a:spcBef>
+              <a:buNone/>
+            </a:pPr>
+            <a:r>
+              <a:rPr lang="it-IT" baseline="0" dirty="0"/>
+              <a:t>Fare foto grande e </a:t>
+            </a:r>
+            <a:r>
+              <a:rPr lang="it-IT" baseline="0" dirty="0" err="1"/>
+              <a:t>spiragre</a:t>
+            </a:r>
+            <a:r>
+              <a:rPr lang="it-IT" baseline="0" dirty="0"/>
+              <a:t> ogni parametro sulla foto</a:t>
+            </a:r>
+          </a:p>
+          <a:p>
+            <a:pPr lvl="0" rtl="0">
+              <a:spcBef>
+                <a:spcPts val="0"/>
+              </a:spcBef>
+              <a:buNone/>
+            </a:pPr>
+            <a:r>
+              <a:rPr lang="it-IT" baseline="0" dirty="0"/>
+              <a:t>Spezzare in due </a:t>
+            </a:r>
+            <a:r>
+              <a:rPr lang="it-IT" baseline="0" dirty="0" err="1"/>
+              <a:t>slides</a:t>
+            </a:r>
+            <a:r>
+              <a:rPr lang="it-IT" baseline="0" dirty="0"/>
+              <a:t> con omega e </a:t>
+            </a:r>
+            <a:r>
+              <a:rPr lang="it-IT" baseline="0" dirty="0" err="1"/>
+              <a:t>csi</a:t>
+            </a:r>
+            <a:r>
+              <a:rPr lang="it-IT" baseline="0" dirty="0"/>
+              <a:t> sulla figura e poi altra slide dove si ricavano K,M,C e il </a:t>
+            </a:r>
+            <a:r>
+              <a:rPr lang="it-IT" baseline="0" dirty="0" err="1"/>
+              <a:t>fit</a:t>
+            </a:r>
             <a:endParaRPr dirty="0"/>
           </a:p>
         </p:txBody>
@@ -1047,6 +1175,75 @@
               </a:spcBef>
               <a:buNone/>
             </a:pPr>
+            <a:r>
+              <a:rPr lang="it-IT" dirty="0"/>
+              <a:t>Voltaggio</a:t>
+            </a:r>
+            <a:r>
+              <a:rPr lang="it-IT" baseline="0" dirty="0"/>
+              <a:t> a onda quadra con corrente che lo segue e fare vedere che la </a:t>
+            </a:r>
+            <a:r>
+              <a:rPr lang="it-IT" baseline="0" dirty="0" err="1"/>
+              <a:t>disatnza</a:t>
+            </a:r>
+            <a:r>
+              <a:rPr lang="it-IT" baseline="0" dirty="0"/>
+              <a:t> a steady state è R. L’abbiamo </a:t>
+            </a:r>
+            <a:r>
+              <a:rPr lang="it-IT" baseline="0" dirty="0" err="1"/>
+              <a:t>idnetificata</a:t>
+            </a:r>
+            <a:r>
+              <a:rPr lang="it-IT" baseline="0" dirty="0"/>
+              <a:t> cosi.</a:t>
+            </a:r>
+          </a:p>
+          <a:p>
+            <a:pPr lvl="0" rtl="0">
+              <a:spcBef>
+                <a:spcPts val="0"/>
+              </a:spcBef>
+              <a:buNone/>
+            </a:pPr>
+            <a:endParaRPr lang="it-IT" baseline="0" dirty="0"/>
+          </a:p>
+          <a:p>
+            <a:pPr lvl="0" rtl="0">
+              <a:spcBef>
+                <a:spcPts val="0"/>
+              </a:spcBef>
+              <a:buNone/>
+            </a:pPr>
+            <a:r>
+              <a:rPr lang="it-IT" baseline="0" dirty="0"/>
+              <a:t>Per la </a:t>
+            </a:r>
+            <a:r>
+              <a:rPr lang="it-IT" baseline="0" dirty="0" err="1"/>
+              <a:t>fuznione</a:t>
+            </a:r>
+            <a:r>
+              <a:rPr lang="it-IT" baseline="0" dirty="0"/>
+              <a:t> di </a:t>
+            </a:r>
+            <a:r>
+              <a:rPr lang="it-IT" baseline="0" dirty="0" err="1"/>
+              <a:t>straferimento</a:t>
+            </a:r>
+            <a:r>
+              <a:rPr lang="it-IT" baseline="0" dirty="0"/>
+              <a:t> mettere il blocchetto di </a:t>
+            </a:r>
+            <a:r>
+              <a:rPr lang="it-IT" baseline="0" dirty="0" err="1"/>
+              <a:t>simulink</a:t>
+            </a:r>
+            <a:r>
+              <a:rPr lang="it-IT" baseline="0" dirty="0"/>
+              <a:t> nei modelli</a:t>
+            </a:r>
             <a:endParaRPr dirty="0"/>
           </a:p>
         </p:txBody>
@@ -1163,6 +1360,26 @@
               </a:spcBef>
               <a:buNone/>
             </a:pPr>
+            <a:r>
+              <a:rPr lang="it-IT" dirty="0"/>
+              <a:t>Levare i valori e mettere solo </a:t>
+            </a:r>
+            <a:r>
+              <a:rPr lang="it-IT" dirty="0" err="1"/>
+              <a:t>imamgini</a:t>
+            </a:r>
+            <a:r>
+              <a:rPr lang="it-IT" dirty="0"/>
+              <a:t> e fare vedere con due blocchi </a:t>
+            </a:r>
+            <a:r>
+              <a:rPr lang="it-IT" dirty="0" err="1"/>
+              <a:t>simulink</a:t>
+            </a:r>
+            <a:r>
+              <a:rPr lang="it-IT" dirty="0"/>
+              <a:t> che è l’unione</a:t>
+            </a:r>
             <a:endParaRPr dirty="0"/>
           </a:p>
         </p:txBody>
@@ -1279,6 +1496,18 @@
               </a:spcBef>
               <a:buNone/>
             </a:pPr>
+            <a:r>
+              <a:rPr lang="it-IT" dirty="0"/>
+              <a:t>Fare anche la </a:t>
+            </a:r>
+            <a:r>
+              <a:rPr lang="it-IT" dirty="0" err="1"/>
+              <a:t>gray</a:t>
+            </a:r>
+            <a:r>
+              <a:rPr lang="it-IT" dirty="0"/>
+              <a:t> box</a:t>
+            </a:r>
             <a:endParaRPr dirty="0"/>
           </a:p>
         </p:txBody>
@@ -1338,7 +1567,7 @@
           </a:lstStyle>
           <a:p>
             <a:r>
-              <a:rPr lang="en-US" smtClean="0"/>
+              <a:rPr lang="en-US"/>
               <a:t>Click to edit Master title style</a:t>
             </a:r>
             <a:endParaRPr lang="en-GB"/>
@@ -1403,7 +1632,7 @@
           </a:lstStyle>
           <a:p>
             <a:r>
-              <a:rPr lang="en-US" smtClean="0"/>
+              <a:rPr lang="en-US"/>
               <a:t>Click to edit Master subtitle style</a:t>
             </a:r>
             <a:endParaRPr lang="en-GB"/>
@@ -1427,7 +1656,7 @@
           <a:p>
             <a:fld id="{843C4FC0-81D1-4453-9443-D3E156B7E80B}" type="datetimeFigureOut">
               <a:rPr lang="en-GB" smtClean="0"/>
-              <a:t>19/06/2016</a:t>
+              <a:t>21/06/2016</a:t>
             </a:fld>
             <a:endParaRPr lang="en-GB"/>
           </a:p>
@@ -1521,7 +1750,7 @@
           <a:lstStyle/>
           <a:p>
             <a:r>
-              <a:rPr lang="en-US" smtClean="0"/>
+              <a:rPr lang="en-US"/>
               <a:t>Click to edit Master title style</a:t>
             </a:r>
             <a:endParaRPr lang="en-GB"/>
@@ -1545,35 +1774,35 @@
           <a:p>
             <a:pPr lvl="0"/>
             <a:r>
-              <a:rPr lang="en-US" smtClean="0"/>
+              <a:rPr lang="en-US"/>
               <a:t>Click to edit Master text styles</a:t>
             </a:r>
           </a:p>
           <a:p>
             <a:pPr lvl="1"/>
             <a:r>
-              <a:rPr lang="en-US" smtClean="0"/>
+              <a:rPr lang="en-US"/>
               <a:t>Second level</a:t>
             </a:r>
           </a:p>
           <a:p>
             <a:pPr lvl="2"/>
             <a:r>
-              <a:rPr lang="en-US" smtClean="0"/>
+              <a:rPr lang="en-US"/>
               <a:t>Third level</a:t>
             </a:r>
           </a:p>
           <a:p>
             <a:pPr lvl="3"/>
             <a:r>
-              <a:rPr lang="en-US" smtClean="0"/>
+              <a:rPr lang="en-US"/>
               <a:t>Fourth level</a:t>
             </a:r>
           </a:p>
           <a:p>
             <a:pPr lvl="4"/>
             <a:r>
-              <a:rPr lang="en-US" smtClean="0"/>
+              <a:rPr lang="en-US"/>
               <a:t>Fifth level</a:t>
             </a:r>
             <a:endParaRPr lang="en-GB"/>
@@ -1597,7 +1826,7 @@
           <a:p>
             <a:fld id="{843C4FC0-81D1-4453-9443-D3E156B7E80B}" type="datetimeFigureOut">
               <a:rPr lang="en-GB" smtClean="0"/>
-              <a:t>19/06/2016</a:t>
+              <a:t>21/06/2016</a:t>
             </a:fld>
             <a:endParaRPr lang="en-GB"/>
           </a:p>
@@ -1696,7 +1925,7 @@
           <a:lstStyle/>
           <a:p>
             <a:r>
-              <a:rPr lang="en-US" smtClean="0"/>
+              <a:rPr lang="en-US"/>
               <a:t>Click to edit Master title style</a:t>
             </a:r>
             <a:endParaRPr lang="en-GB"/>
@@ -1725,35 +1954,35 @@
           <a:p>
             <a:pPr lvl="0"/>
             <a:r>
-              <a:rPr lang="en-US" smtClean="0"/>
+              <a:rPr lang="en-US"/>
               <a:t>Click to edit Master text styles</a:t>
             </a:r>
           </a:p>
           <a:p>
             <a:pPr lvl="1"/>
             <a:r>
-              <a:rPr lang="en-US" smtClean="0"/>
+              <a:rPr lang="en-US"/>
               <a:t>Second level</a:t>
             </a:r>
           </a:p>
           <a:p>
             <a:pPr lvl="2"/>
             <a:r>
-              <a:rPr lang="en-US" smtClean="0"/>
+              <a:rPr lang="en-US"/>
               <a:t>Third level</a:t>
             </a:r>
           </a:p>
           <a:p>
             <a:pPr lvl="3"/>
             <a:r>
-              <a:rPr lang="en-US" smtClean="0"/>
+              <a:rPr lang="en-US"/>
               <a:t>Fourth level</a:t>
             </a:r>
           </a:p>
           <a:p>
             <a:pPr lvl="4"/>
             <a:r>
-              <a:rPr lang="en-US" smtClean="0"/>
+              <a:rPr lang="en-US"/>
               <a:t>Fifth level</a:t>
             </a:r>
             <a:endParaRPr lang="en-GB"/>
@@ -1777,7 +2006,7 @@
           <a:p>
             <a:fld id="{843C4FC0-81D1-4453-9443-D3E156B7E80B}" type="datetimeFigureOut">
               <a:rPr lang="en-GB" smtClean="0"/>
-              <a:t>19/06/2016</a:t>
+              <a:t>21/06/2016</a:t>
             </a:fld>
             <a:endParaRPr lang="en-GB"/>
           </a:p>
@@ -2014,13 +2243,6 @@
   <p:clrMapOvr>
     <a:masterClrMapping/>
   </p:clrMapOvr>
-  <p:timing>
-    <p:tnLst>
-      <p:par>
-        <p:cTn id="1" dur="indefinite" restart="never" nodeType="tmRoot"/>
-      </p:par>
-    </p:tnLst>
-  </p:timing>
 </p:sldLayout>
 </file>
 
@@ -2418,7 +2640,7 @@
           <a:lstStyle/>
           <a:p>
             <a:r>
-              <a:rPr lang="en-US" smtClean="0"/>
+              <a:rPr lang="en-US"/>
               <a:t>Click to edit Master title style</a:t>
             </a:r>
             <a:endParaRPr lang="en-GB"/>
@@ -2442,35 +2664,35 @@
           <a:p>
             <a:pPr lvl="0"/>
             <a:r>
-              <a:rPr lang="en-US" smtClean="0"/>
+              <a:rPr lang="en-US"/>
               <a:t>Click to edit Master text styles</a:t>
             </a:r>
           </a:p>
           <a:p>
             <a:pPr lvl="1"/>
             <a:r>
-              <a:rPr lang="en-US" smtClean="0"/>
+              <a:rPr lang="en-US"/>
               <a:t>Second level</a:t>
             </a:r>
           </a:p>
           <a:p>
             <a:pPr lvl="2"/>
             <a:r>
-              <a:rPr lang="en-US" smtClean="0"/>
+              <a:rPr lang="en-US"/>
               <a:t>Third level</a:t>
             </a:r>
           </a:p>
           <a:p>
             <a:pPr lvl="3"/>
             <a:r>
-              <a:rPr lang="en-US" smtClean="0"/>
+              <a:rPr lang="en-US"/>
               <a:t>Fourth level</a:t>
             </a:r>
           </a:p>
           <a:p>
             <a:pPr lvl="4"/>
             <a:r>
-              <a:rPr lang="en-US" smtClean="0"/>
+              <a:rPr lang="en-US"/>
               <a:t>Fifth level</a:t>
             </a:r>
             <a:endParaRPr lang="en-GB"/>
@@ -2494,7 +2716,7 @@
           <a:p>
             <a:fld id="{843C4FC0-81D1-4453-9443-D3E156B7E80B}" type="datetimeFigureOut">
               <a:rPr lang="en-GB" smtClean="0"/>
-              <a:t>19/06/2016</a:t>
+              <a:t>21/06/2016</a:t>
             </a:fld>
             <a:endParaRPr lang="en-GB"/>
           </a:p>
@@ -2597,7 +2819,7 @@
           </a:lstStyle>
           <a:p>
             <a:r>
-              <a:rPr lang="en-US" smtClean="0"/>
+              <a:rPr lang="en-US"/>
               <a:t>Click to edit Master title style</a:t>
             </a:r>
             <a:endParaRPr lang="en-GB"/>
@@ -2717,7 +2939,7 @@
           <a:p>
             <a:pPr lvl="0"/>
             <a:r>
-              <a:rPr lang="en-US" smtClean="0"/>
+              <a:rPr lang="en-US"/>
               <a:t>Click to edit Master text styles</a:t>
             </a:r>
           </a:p>
@@ -2740,7 +2962,7 @@
           <a:p>
             <a:fld id="{843C4FC0-81D1-4453-9443-D3E156B7E80B}" type="datetimeFigureOut">
               <a:rPr lang="en-GB" smtClean="0"/>
-              <a:t>19/06/2016</a:t>
+              <a:t>21/06/2016</a:t>
             </a:fld>
             <a:endParaRPr lang="en-GB"/>
           </a:p>
@@ -2834,7 +3056,7 @@
           <a:lstStyle/>
           <a:p>
             <a:r>
-              <a:rPr lang="en-US" smtClean="0"/>
+              <a:rPr lang="en-US"/>
               <a:t>Click to edit Master title style</a:t>
             </a:r>
             <a:endParaRPr lang="en-GB"/>
@@ -2863,35 +3085,35 @@
           <a:p>
             <a:pPr lvl="0"/>
             <a:r>
-              <a:rPr lang="en-US" smtClean="0"/>
+              <a:rPr lang="en-US"/>
               <a:t>Click to edit Master text styles</a:t>
             </a:r>
           </a:p>
           <a:p>
             <a:pPr lvl="1"/>
             <a:r>
-              <a:rPr lang="en-US" smtClean="0"/>
+              <a:rPr lang="en-US"/>
               <a:t>Second level</a:t>
             </a:r>
           </a:p>
           <a:p>
             <a:pPr lvl="2"/>
             <a:r>
-              <a:rPr lang="en-US" smtClean="0"/>
+              <a:rPr lang="en-US"/>
               <a:t>Third level</a:t>
             </a:r>
           </a:p>
           <a:p>
             <a:pPr lvl="3"/>
             <a:r>
-              <a:rPr lang="en-US" smtClean="0"/>
+              <a:rPr lang="en-US"/>
               <a:t>Fourth level</a:t>
             </a:r>
           </a:p>
           <a:p>
             <a:pPr lvl="4"/>
             <a:r>
-              <a:rPr lang="en-US" smtClean="0"/>
+              <a:rPr lang="en-US"/>
               <a:t>Fifth level</a:t>
             </a:r>
             <a:endParaRPr lang="en-GB"/>
@@ -2920,35 +3142,35 @@
           <a:p>
             <a:pPr lvl="0"/>
             <a:r>
-              <a:rPr lang="en-US" smtClean="0"/>
+              <a:rPr lang="en-US"/>
               <a:t>Click to edit Master text styles</a:t>
             </a:r>
           </a:p>
           <a:p>
             <a:pPr lvl="1"/>
             <a:r>
-              <a:rPr lang="en-US" smtClean="0"/>
+              <a:rPr lang="en-US"/>
               <a:t>Second level</a:t>
             </a:r>
           </a:p>
           <a:p>
             <a:pPr lvl="2"/>
             <a:r>
-              <a:rPr lang="en-US" smtClean="0"/>
+              <a:rPr lang="en-US"/>
               <a:t>Third level</a:t>
             </a:r>
           </a:p>
           <a:p>
             <a:pPr lvl="3"/>
             <a:r>
-              <a:rPr lang="en-US" smtClean="0"/>
+              <a:rPr lang="en-US"/>
               <a:t>Fourth level</a:t>
             </a:r>
           </a:p>
           <a:p>
             <a:pPr lvl="4"/>
             <a:r>
-              <a:rPr lang="en-US" smtClean="0"/>
+              <a:rPr lang="en-US"/>
               <a:t>Fifth level</a:t>
             </a:r>
             <a:endParaRPr lang="en-GB"/>
@@ -2972,7 +3194,7 @@
           <a:p>
             <a:fld id="{843C4FC0-81D1-4453-9443-D3E156B7E80B}" type="datetimeFigureOut">
               <a:rPr lang="en-GB" smtClean="0"/>
-              <a:t>19/06/2016</a:t>
+              <a:t>21/06/2016</a:t>
             </a:fld>
             <a:endParaRPr lang="en-GB"/>
           </a:p>
@@ -3071,7 +3293,7 @@
           <a:lstStyle/>
           <a:p>
             <a:r>
-              <a:rPr lang="en-US" smtClean="0"/>
+              <a:rPr lang="en-US"/>
               <a:t>Click to edit Master title style</a:t>
             </a:r>
             <a:endParaRPr lang="en-GB"/>
@@ -3137,7 +3359,7 @@
           <a:p>
             <a:pPr lvl="0"/>
             <a:r>
-              <a:rPr lang="en-US" smtClean="0"/>
+              <a:rPr lang="en-US"/>
               <a:t>Click to edit Master text styles</a:t>
             </a:r>
           </a:p>
@@ -3165,35 +3387,35 @@
           <a:p>
             <a:pPr lvl="0"/>
             <a:r>
-              <a:rPr lang="en-US" smtClean="0"/>
+              <a:rPr lang="en-US"/>
               <a:t>Click to edit Master text styles</a:t>
             </a:r>
           </a:p>
           <a:p>
             <a:pPr lvl="1"/>
             <a:r>
-              <a:rPr lang="en-US" smtClean="0"/>
+              <a:rPr lang="en-US"/>
               <a:t>Second level</a:t>
             </a:r>
           </a:p>
           <a:p>
             <a:pPr lvl="2"/>
             <a:r>
-              <a:rPr lang="en-US" smtClean="0"/>
+              <a:rPr lang="en-US"/>
               <a:t>Third level</a:t>
             </a:r>
           </a:p>
           <a:p>
             <a:pPr lvl="3"/>
             <a:r>
-              <a:rPr lang="en-US" smtClean="0"/>
+              <a:rPr lang="en-US"/>
               <a:t>Fourth level</a:t>
             </a:r>
           </a:p>
           <a:p>
             <a:pPr lvl="4"/>
             <a:r>
-              <a:rPr lang="en-US" smtClean="0"/>
+              <a:rPr lang="en-US"/>
               <a:t>Fifth level</a:t>
             </a:r>
             <a:endParaRPr lang="en-GB"/>
@@ -3259,7 +3481,7 @@
           <a:p>
             <a:pPr lvl="0"/>
             <a:r>
-              <a:rPr lang="en-US" smtClean="0"/>
+              <a:rPr lang="en-US"/>
               <a:t>Click to edit Master text styles</a:t>
             </a:r>
           </a:p>
@@ -3287,35 +3509,35 @@
           <a:p>
             <a:pPr lvl="0"/>
             <a:r>
-              <a:rPr lang="en-US" smtClean="0"/>
+              <a:rPr lang="en-US"/>
               <a:t>Click to edit Master text styles</a:t>
             </a:r>
           </a:p>
           <a:p>
             <a:pPr lvl="1"/>
             <a:r>
-              <a:rPr lang="en-US" smtClean="0"/>
+              <a:rPr lang="en-US"/>
               <a:t>Second level</a:t>
             </a:r>
           </a:p>
           <a:p>
             <a:pPr lvl="2"/>
             <a:r>
-              <a:rPr lang="en-US" smtClean="0"/>
+              <a:rPr lang="en-US"/>
               <a:t>Third level</a:t>
             </a:r>
           </a:p>
           <a:p>
             <a:pPr lvl="3"/>
             <a:r>
-              <a:rPr lang="en-US" smtClean="0"/>
+              <a:rPr lang="en-US"/>
               <a:t>Fourth level</a:t>
             </a:r>
           </a:p>
           <a:p>
             <a:pPr lvl="4"/>
             <a:r>
-              <a:rPr lang="en-US" smtClean="0"/>
+              <a:rPr lang="en-US"/>
               <a:t>Fifth level</a:t>
             </a:r>
             <a:endParaRPr lang="en-GB"/>
@@ -3339,7 +3561,7 @@
           <a:p>
             <a:fld id="{843C4FC0-81D1-4453-9443-D3E156B7E80B}" type="datetimeFigureOut">
               <a:rPr lang="en-GB" smtClean="0"/>
-              <a:t>19/06/2016</a:t>
+              <a:t>21/06/2016</a:t>
             </a:fld>
             <a:endParaRPr lang="en-GB"/>
           </a:p>
@@ -3433,7 +3655,7 @@
           <a:lstStyle/>
           <a:p>
             <a:r>
-              <a:rPr lang="en-US" smtClean="0"/>
+              <a:rPr lang="en-US"/>
               <a:t>Click to edit Master title style</a:t>
             </a:r>
             <a:endParaRPr lang="en-GB"/>
@@ -3457,7 +3679,7 @@
           <a:p>
             <a:fld id="{843C4FC0-81D1-4453-9443-D3E156B7E80B}" type="datetimeFigureOut">
               <a:rPr lang="en-GB" smtClean="0"/>
-              <a:t>19/06/2016</a:t>
+              <a:t>21/06/2016</a:t>
             </a:fld>
             <a:endParaRPr lang="en-GB"/>
           </a:p>
@@ -3552,7 +3774,7 @@
           <a:p>
             <a:fld id="{843C4FC0-81D1-4453-9443-D3E156B7E80B}" type="datetimeFigureOut">
               <a:rPr lang="en-GB" smtClean="0"/>
-              <a:t>19/06/2016</a:t>
+              <a:t>21/06/2016</a:t>
             </a:fld>
             <a:endParaRPr lang="en-GB"/>
           </a:p>
@@ -3655,7 +3877,7 @@
           </a:lstStyle>
           <a:p>
             <a:r>
-              <a:rPr lang="en-US" smtClean="0"/>
+              <a:rPr lang="en-US"/>
               <a:t>Click to edit Master title style</a:t>
             </a:r>
             <a:endParaRPr lang="en-GB"/>
@@ -3712,35 +3934,35 @@
           <a:p>
             <a:pPr lvl="0"/>
             <a:r>
-              <a:rPr lang="en-US" smtClean="0"/>
+              <a:rPr lang="en-US"/>
               <a:t>Click to edit Master text styles</a:t>
             </a:r>
           </a:p>
           <a:p>
             <a:pPr lvl="1"/>
             <a:r>
-              <a:rPr lang="en-US" smtClean="0"/>
+              <a:rPr lang="en-US"/>
               <a:t>Second level</a:t>
             </a:r>
           </a:p>
           <a:p>
             <a:pPr lvl="2"/>
             <a:r>
-              <a:rPr lang="en-US" smtClean="0"/>
+              <a:rPr lang="en-US"/>
               <a:t>Third level</a:t>
             </a:r>
           </a:p>
           <a:p>
             <a:pPr lvl="3"/>
             <a:r>
-              <a:rPr lang="en-US" smtClean="0"/>
+              <a:rPr lang="en-US"/>
               <a:t>Fourth level</a:t>
             </a:r>
           </a:p>
           <a:p>
             <a:pPr lvl="4"/>
             <a:r>
-              <a:rPr lang="en-US" smtClean="0"/>
+              <a:rPr lang="en-US"/>
               <a:t>Fifth level</a:t>
             </a:r>
             <a:endParaRPr lang="en-GB"/>
@@ -3806,7 +4028,7 @@
           <a:p>
             <a:pPr lvl="0"/>
             <a:r>
-              <a:rPr lang="en-US" smtClean="0"/>
+              <a:rPr lang="en-US"/>
               <a:t>Click to edit Master text styles</a:t>
             </a:r>
           </a:p>
@@ -3829,7 +4051,7 @@
           <a:p>
             <a:fld id="{843C4FC0-81D1-4453-9443-D3E156B7E80B}" type="datetimeFigureOut">
               <a:rPr lang="en-GB" smtClean="0"/>
-              <a:t>19/06/2016</a:t>
+              <a:t>21/06/2016</a:t>
             </a:fld>
             <a:endParaRPr lang="en-GB"/>
           </a:p>
@@ -3932,7 +4154,7 @@
           </a:lstStyle>
           <a:p>
             <a:r>
-              <a:rPr lang="en-US" smtClean="0"/>
+              <a:rPr lang="en-US"/>
               <a:t>Click to edit Master title style</a:t>
             </a:r>
             <a:endParaRPr lang="en-GB"/>
@@ -4059,7 +4281,7 @@
           <a:p>
             <a:pPr lvl="0"/>
             <a:r>
-              <a:rPr lang="en-US" smtClean="0"/>
+              <a:rPr lang="en-US"/>
               <a:t>Click to edit Master text styles</a:t>
             </a:r>
           </a:p>
@@ -4082,7 +4304,7 @@
           <a:p>
             <a:fld id="{843C4FC0-81D1-4453-9443-D3E156B7E80B}" type="datetimeFigureOut">
               <a:rPr lang="en-GB" smtClean="0"/>
-              <a:t>19/06/2016</a:t>
+              <a:t>21/06/2016</a:t>
             </a:fld>
             <a:endParaRPr lang="en-GB"/>
           </a:p>
@@ -4191,7 +4413,7 @@
           <a:lstStyle/>
           <a:p>
             <a:r>
-              <a:rPr lang="en-US" smtClean="0"/>
+              <a:rPr lang="en-US"/>
               <a:t>Click to edit Master title style</a:t>
             </a:r>
             <a:endParaRPr lang="en-GB"/>
@@ -4225,35 +4447,35 @@
           <a:p>
             <a:pPr lvl="0"/>
             <a:r>
-              <a:rPr lang="en-US" smtClean="0"/>
+              <a:rPr lang="en-US"/>
               <a:t>Click to edit Master text styles</a:t>
             </a:r>
           </a:p>
           <a:p>
             <a:pPr lvl="1"/>
             <a:r>
-              <a:rPr lang="en-US" smtClean="0"/>
+              <a:rPr lang="en-US"/>
               <a:t>Second level</a:t>
             </a:r>
           </a:p>
           <a:p>
             <a:pPr lvl="2"/>
             <a:r>
-              <a:rPr lang="en-US" smtClean="0"/>
+              <a:rPr lang="en-US"/>
               <a:t>Third level</a:t>
             </a:r>
           </a:p>
           <a:p>
             <a:pPr lvl="3"/>
             <a:r>
-              <a:rPr lang="en-US" smtClean="0"/>
+              <a:rPr lang="en-US"/>
               <a:t>Fourth level</a:t>
             </a:r>
           </a:p>
           <a:p>
             <a:pPr lvl="4"/>
             <a:r>
-              <a:rPr lang="en-US" smtClean="0"/>
+              <a:rPr lang="en-US"/>
               <a:t>Fifth level</a:t>
             </a:r>
             <a:endParaRPr lang="en-GB"/>
@@ -4295,7 +4517,7 @@
           <a:p>
             <a:fld id="{843C4FC0-81D1-4453-9443-D3E156B7E80B}" type="datetimeFigureOut">
               <a:rPr lang="en-GB" smtClean="0"/>
-              <a:t>19/06/2016</a:t>
+              <a:t>21/06/2016</a:t>
             </a:fld>
             <a:endParaRPr lang="en-GB"/>
           </a:p>
@@ -5168,7 +5390,7 @@
               </a:spcBef>
             </a:pPr>
             <a:r>
-              <a:rPr lang="en-GB" altLang="en-US" b="1" dirty="0" smtClean="0">
+              <a:rPr lang="en-GB" altLang="en-US" b="1" dirty="0">
                 <a:solidFill>
                   <a:srgbClr val="004F84"/>
                 </a:solidFill>
@@ -5332,10 +5554,9 @@
               </a:spcBef>
             </a:pPr>
             <a:r>
-              <a:rPr lang="it-IT" altLang="en-US" sz="1800" b="1" dirty="0" smtClean="0"/>
+              <a:rPr lang="it-IT" altLang="en-US" sz="1800" b="1" dirty="0"/>
               <a:t>Russo Alessio, Savaia Gianluca, Alberto Ficicchia</a:t>
             </a:r>
-            <a:endParaRPr lang="it-IT" altLang="en-US" sz="1800" b="1" dirty="0"/>
           </a:p>
           <a:p>
             <a:pPr>
@@ -5344,10 +5565,9 @@
               </a:spcBef>
             </a:pPr>
             <a:r>
-              <a:rPr lang="it-IT" altLang="en-US" sz="1800" i="1" dirty="0" smtClean="0"/>
+              <a:rPr lang="it-IT" altLang="en-US" sz="1800" i="1" dirty="0"/>
               <a:t>School of Industrial and Information Engineering</a:t>
             </a:r>
-            <a:endParaRPr lang="it-IT" altLang="en-US" sz="1800" i="1" dirty="0"/>
           </a:p>
           <a:p>
             <a:pPr>
@@ -5356,7 +5576,7 @@
               </a:spcBef>
             </a:pPr>
             <a:r>
-              <a:rPr lang="it-IT" altLang="en-US" sz="1800" i="1" dirty="0" smtClean="0"/>
+              <a:rPr lang="it-IT" altLang="en-US" sz="1800" i="1" dirty="0"/>
               <a:t>Politecnico di milano</a:t>
             </a:r>
           </a:p>
@@ -5511,7 +5731,7 @@
               </a:spcBef>
             </a:pPr>
             <a:r>
-              <a:rPr lang="it-IT" altLang="en-US" b="1" dirty="0" smtClean="0">
+              <a:rPr lang="it-IT" altLang="en-US" b="1" dirty="0">
                 <a:solidFill>
                   <a:srgbClr val="FF9900"/>
                 </a:solidFill>
@@ -5526,7 +5746,7 @@
               </a:spcBef>
             </a:pPr>
             <a:r>
-              <a:rPr lang="it-IT" altLang="en-US" b="1" dirty="0" smtClean="0">
+              <a:rPr lang="it-IT" altLang="en-US" b="1" dirty="0">
                 <a:solidFill>
                   <a:srgbClr val="FF9900"/>
                 </a:solidFill>
@@ -5534,25 +5754,20 @@
               <a:t>Automation and Control Engineering</a:t>
             </a:r>
             <a:br>
-              <a:rPr lang="it-IT" altLang="en-US" b="1" dirty="0" smtClean="0">
+              <a:rPr lang="it-IT" altLang="en-US" b="1" dirty="0">
                 <a:solidFill>
                   <a:srgbClr val="FF9900"/>
                 </a:solidFill>
               </a:rPr>
             </a:br>
             <a:r>
-              <a:rPr lang="it-IT" altLang="en-US" b="1" dirty="0" smtClean="0">
+              <a:rPr lang="it-IT" altLang="en-US" b="1" dirty="0">
                 <a:solidFill>
                   <a:srgbClr val="FF9900"/>
                 </a:solidFill>
               </a:rPr>
               <a:t>2015/2016</a:t>
             </a:r>
-            <a:endParaRPr lang="it-IT" altLang="en-US" b="1" dirty="0">
-              <a:solidFill>
-                <a:srgbClr val="FF9900"/>
-              </a:solidFill>
-            </a:endParaRPr>
           </a:p>
         </p:txBody>
       </p:sp>
@@ -5597,13 +5812,6 @@
   <p:clrMapOvr>
     <a:masterClrMapping/>
   </p:clrMapOvr>
-  <p:timing>
-    <p:tnLst>
-      <p:par>
-        <p:cTn id="1" dur="indefinite" restart="never" nodeType="tmRoot"/>
-      </p:par>
-    </p:tnLst>
-  </p:timing>
 </p:sld>
 </file>
 
@@ -5650,7 +5858,7 @@
           <a:lstStyle/>
           <a:p>
             <a:r>
-              <a:rPr lang="en-US" sz="3000" dirty="0" smtClean="0">
+              <a:rPr lang="en-US" sz="3000" dirty="0">
                 <a:solidFill>
                   <a:srgbClr val="003366"/>
                 </a:solidFill>
@@ -5658,7 +5866,7 @@
               <a:t>System </a:t>
             </a:r>
             <a:r>
-              <a:rPr lang="en-US" sz="3000" dirty="0" err="1" smtClean="0">
+              <a:rPr lang="en-US" sz="3000" dirty="0" err="1">
                 <a:solidFill>
                   <a:srgbClr val="003366"/>
                 </a:solidFill>
@@ -5781,18 +5989,13 @@
           <a:lstStyle/>
           <a:p>
             <a:r>
-              <a:rPr lang="en-US" sz="1200" b="1" dirty="0" smtClean="0">
+              <a:rPr lang="en-US" sz="1200" b="1" dirty="0">
                 <a:solidFill>
                   <a:srgbClr val="FFFFFF"/>
                 </a:solidFill>
               </a:rPr>
               <a:t>POLITECNICO DI MILANO</a:t>
             </a:r>
-            <a:endParaRPr lang="en-US" sz="1200" b="1" dirty="0">
-              <a:solidFill>
-                <a:srgbClr val="FFFFFF"/>
-              </a:solidFill>
-            </a:endParaRPr>
           </a:p>
         </p:txBody>
       </p:sp>
@@ -5855,7 +6058,7 @@
               </a:lnSpc>
             </a:pPr>
             <a:r>
-              <a:rPr lang="en-US" sz="1200" b="1" dirty="0" smtClean="0">
+              <a:rPr lang="en-US" sz="1200" b="1" dirty="0">
                 <a:solidFill>
                   <a:srgbClr val="003366"/>
                 </a:solidFill>
@@ -5896,15 +6099,15 @@
               <a:p>
                 <a:pPr algn="just"/>
                 <a:r>
-                  <a:rPr lang="en-US" dirty="0" smtClean="0"/>
+                  <a:rPr lang="en-US" dirty="0"/>
                   <a:t>System: brushed motor, 3 carts, 3 springs, weights, 4 encoders, </a:t>
                 </a:r>
                 <a:r>
-                  <a:rPr lang="en-US" dirty="0" err="1" smtClean="0"/>
+                  <a:rPr lang="en-US" dirty="0" err="1"/>
                   <a:t>PoliArd</a:t>
                 </a:r>
                 <a:r>
-                  <a:rPr lang="en-US" dirty="0" smtClean="0"/>
+                  <a:rPr lang="en-US" dirty="0"/>
                   <a:t>/Arduino</a:t>
                 </a:r>
               </a:p>
@@ -5912,30 +6115,7 @@
                 <a:pPr algn="just"/>
                 <a:r>
                   <a:rPr lang="en-US" dirty="0"/>
-                  <a:t>Preliminary </a:t>
-                </a:r>
-                <a:r>
-                  <a:rPr lang="en-US" dirty="0" smtClean="0"/>
-                  <a:t>issues: </a:t>
-                </a:r>
-                <a:endParaRPr lang="en-US" dirty="0"/>
-              </a:p>
-              <a:p>
-                <a:pPr marL="285750" indent="-285750" algn="just">
-                  <a:buFontTx/>
-                  <a:buChar char="-"/>
-                </a:pPr>
-                <a:r>
-                  <a:rPr lang="en-US" dirty="0" smtClean="0"/>
-                  <a:t>Arduino </a:t>
-                </a:r>
-                <a:r>
-                  <a:rPr lang="en-US" dirty="0"/>
-                  <a:t>saturation limits measured motor current to ±</a:t>
-                </a:r>
-                <a:r>
-                  <a:rPr lang="en-US" dirty="0" smtClean="0"/>
-                  <a:t>5A</a:t>
+                  <a:t>Preliminary issues: </a:t>
                 </a:r>
               </a:p>
               <a:p>
@@ -5944,7 +6124,17 @@
                   <a:buChar char="-"/>
                 </a:pPr>
                 <a:r>
-                  <a:rPr lang="en-US" dirty="0" smtClean="0"/>
+                  <a:rPr lang="en-US" dirty="0"/>
+                  <a:t>Arduino saturation limits measured motor current to ±5A</a:t>
+                </a:r>
+              </a:p>
+              <a:p>
+                <a:pPr marL="285750" indent="-285750" algn="just">
+                  <a:buFontTx/>
+                  <a:buChar char="-"/>
+                </a:pPr>
+                <a:r>
+                  <a:rPr lang="en-US" dirty="0"/>
                   <a:t>For </a:t>
                 </a:r>
                 <a14:m>
@@ -5981,7 +6171,7 @@
                   </m:oMath>
                 </a14:m>
                 <a:r>
-                  <a:rPr lang="en-US" b="0" dirty="0" smtClean="0"/>
+                  <a:rPr lang="en-US" b="0" dirty="0"/>
                   <a:t>, </a:t>
                 </a:r>
                 <a14:m>
@@ -6035,7 +6225,7 @@
                   </m:oMath>
                 </a14:m>
                 <a:r>
-                  <a:rPr lang="en-US" b="0" dirty="0" smtClean="0"/>
+                  <a:rPr lang="en-US" b="0" dirty="0"/>
                   <a:t> is not constant; assumed </a:t>
                 </a:r>
                 <a14:m>
@@ -6148,7 +6338,7 @@
                     </m:d>
                   </m:oMath>
                 </a14:m>
-                <a:endParaRPr lang="en-US" b="0" dirty="0" smtClean="0"/>
+                <a:endParaRPr lang="en-US" b="0" dirty="0"/>
               </a:p>
               <a:p>
                 <a:pPr marL="285750" indent="-285750" algn="just">
@@ -6156,16 +6346,8 @@
                   <a:buChar char="-"/>
                 </a:pPr>
                 <a:r>
-                  <a:rPr lang="en-US" dirty="0" smtClean="0"/>
-                  <a:t>Encoder </a:t>
-                </a:r>
-                <a:r>
                   <a:rPr lang="en-US" dirty="0"/>
-                  <a:t>signal: Arduino to and fro cm; measurement of the </a:t>
-                </a:r>
-                <a:r>
-                  <a:rPr lang="en-US" dirty="0" smtClean="0"/>
-                  <a:t>ratio</a:t>
+                  <a:t>Encoder signal: Arduino to and fro cm; measurement of the ratio</a:t>
                 </a:r>
               </a:p>
             </p:txBody>
@@ -6459,13 +6641,6 @@
   <p:transition spd="slow">
     <p:cut/>
   </p:transition>
-  <p:timing>
-    <p:tnLst>
-      <p:par>
-        <p:cTn id="1" dur="indefinite" restart="never" nodeType="tmRoot"/>
-      </p:par>
-    </p:tnLst>
-  </p:timing>
 </p:sld>
 </file>
 
@@ -6512,18 +6687,13 @@
           <a:lstStyle/>
           <a:p>
             <a:r>
-              <a:rPr lang="en-US" sz="3000" dirty="0" smtClean="0">
+              <a:rPr lang="en-US" sz="3000" dirty="0">
                 <a:solidFill>
                   <a:srgbClr val="003366"/>
                 </a:solidFill>
               </a:rPr>
               <a:t>Modelling</a:t>
             </a:r>
-            <a:endParaRPr lang="en-US" sz="3000" dirty="0">
-              <a:solidFill>
-                <a:srgbClr val="003366"/>
-              </a:solidFill>
-            </a:endParaRPr>
           </a:p>
         </p:txBody>
       </p:sp>
@@ -6635,18 +6805,13 @@
           <a:lstStyle/>
           <a:p>
             <a:r>
-              <a:rPr lang="en-US" sz="1200" b="1" dirty="0" smtClean="0">
+              <a:rPr lang="en-US" sz="1200" b="1" dirty="0">
                 <a:solidFill>
                   <a:srgbClr val="FFFFFF"/>
                 </a:solidFill>
               </a:rPr>
               <a:t>POLITECNICO DI MILANO</a:t>
             </a:r>
-            <a:endParaRPr lang="en-US" sz="1200" b="1" dirty="0">
-              <a:solidFill>
-                <a:srgbClr val="FFFFFF"/>
-              </a:solidFill>
-            </a:endParaRPr>
           </a:p>
         </p:txBody>
       </p:sp>
@@ -6709,7 +6874,7 @@
               </a:lnSpc>
             </a:pPr>
             <a:r>
-              <a:rPr lang="en-US" sz="1200" b="1" dirty="0" smtClean="0">
+              <a:rPr lang="en-US" sz="1200" b="1" dirty="0">
                 <a:solidFill>
                   <a:srgbClr val="003366"/>
                 </a:solidFill>
@@ -6800,7 +6965,7 @@
               <a:tabLst/>
             </a:pPr>
             <a:r>
-              <a:rPr kumimoji="0" lang="en-US" altLang="en-US" b="1" i="0" u="none" strike="noStrike" cap="none" normalizeH="0" baseline="0" dirty="0" smtClean="0">
+              <a:rPr kumimoji="0" lang="en-US" altLang="en-US" b="1" i="0" u="none" strike="noStrike" cap="none" normalizeH="0" baseline="0" dirty="0">
                 <a:ln>
                   <a:noFill/>
                 </a:ln>
@@ -6815,7 +6980,7 @@
               <a:t>Motor</a:t>
             </a:r>
             <a:r>
-              <a:rPr kumimoji="0" lang="en-US" altLang="en-US" b="0" i="0" u="none" strike="noStrike" cap="none" normalizeH="0" baseline="0" dirty="0" smtClean="0">
+              <a:rPr kumimoji="0" lang="en-US" altLang="en-US" b="0" i="0" u="none" strike="noStrike" cap="none" normalizeH="0" baseline="0" dirty="0">
                 <a:ln>
                   <a:noFill/>
                 </a:ln>
@@ -6830,7 +6995,7 @@
               <a:t>:</a:t>
             </a:r>
             <a:r>
-              <a:rPr kumimoji="0" lang="en-US" altLang="en-US" b="0" i="0" u="none" strike="noStrike" cap="none" normalizeH="0" dirty="0" smtClean="0">
+              <a:rPr kumimoji="0" lang="en-US" altLang="en-US" b="0" i="0" u="none" strike="noStrike" cap="none" normalizeH="0" dirty="0">
                 <a:ln>
                   <a:noFill/>
                 </a:ln>
@@ -6845,7 +7010,7 @@
               <a:t>                                                   where</a:t>
             </a:r>
             <a:r>
-              <a:rPr kumimoji="0" lang="en-US" altLang="en-US" sz="1200" b="0" i="0" u="none" strike="noStrike" cap="none" normalizeH="0" baseline="0" dirty="0" smtClean="0">
+              <a:rPr kumimoji="0" lang="en-US" altLang="en-US" sz="1200" b="0" i="0" u="none" strike="noStrike" cap="none" normalizeH="0" baseline="0" dirty="0">
                 <a:ln>
                   <a:noFill/>
                 </a:ln>
@@ -6859,7 +7024,7 @@
               </a:rPr>
               <a:t> </a:t>
             </a:r>
-            <a:endParaRPr kumimoji="0" lang="en-US" altLang="en-US" sz="1800" b="0" i="0" u="none" strike="noStrike" cap="none" normalizeH="0" baseline="0" dirty="0" smtClean="0">
+            <a:endParaRPr kumimoji="0" lang="en-US" altLang="en-US" sz="1800" b="0" i="0" u="none" strike="noStrike" cap="none" normalizeH="0" baseline="0" dirty="0">
               <a:ln>
                 <a:noFill/>
               </a:ln>
@@ -6894,7 +7059,7 @@
           <a:graphicData uri="http://schemas.openxmlformats.org/presentationml/2006/ole">
             <mc:AlternateContent xmlns:mc="http://schemas.openxmlformats.org/markup-compatibility/2006">
               <mc:Choice xmlns:v="urn:schemas-microsoft-com:vml" Requires="v">
-                <p:oleObj spid="_x0000_s2380" name="Equazione" r:id="rId7" imgW="1815312" imgH="393529" progId="Equation.3">
+                <p:oleObj spid="_x0000_s2432" name="Equazione" r:id="rId7" imgW="1815312" imgH="393529" progId="Equation.3">
                   <p:embed/>
                 </p:oleObj>
               </mc:Choice>
@@ -6961,7 +7126,7 @@
           <a:graphicData uri="http://schemas.openxmlformats.org/presentationml/2006/ole">
             <mc:AlternateContent xmlns:mc="http://schemas.openxmlformats.org/markup-compatibility/2006">
               <mc:Choice xmlns:v="urn:schemas-microsoft-com:vml" Requires="v">
-                <p:oleObj spid="_x0000_s2381" name="Equazione" r:id="rId9" imgW="457200" imgH="241200" progId="Equation.3">
+                <p:oleObj spid="_x0000_s2433" name="Equazione" r:id="rId9" imgW="457200" imgH="241200" progId="Equation.3">
                   <p:embed/>
                 </p:oleObj>
               </mc:Choice>
@@ -7022,7 +7187,7 @@
           <a:graphicData uri="http://schemas.openxmlformats.org/presentationml/2006/ole">
             <mc:AlternateContent xmlns:mc="http://schemas.openxmlformats.org/markup-compatibility/2006">
               <mc:Choice xmlns:v="urn:schemas-microsoft-com:vml" Requires="v">
-                <p:oleObj spid="_x0000_s2382" name="Equazione" r:id="rId11" imgW="203112" imgH="228501" progId="Equation.3">
+                <p:oleObj spid="_x0000_s2434" name="Equazione" r:id="rId11" imgW="203112" imgH="228501" progId="Equation.3">
                   <p:embed/>
                 </p:oleObj>
               </mc:Choice>
@@ -7143,7 +7308,7 @@
               <a:tabLst/>
             </a:pPr>
             <a:r>
-              <a:rPr lang="en-US" altLang="en-US" dirty="0" smtClean="0">
+              <a:rPr lang="en-US" altLang="en-US" dirty="0">
                 <a:latin typeface="Calibri" panose="020F0502020204030204" pitchFamily="34" charset="0"/>
                 <a:ea typeface="Calibri" panose="020F0502020204030204" pitchFamily="34" charset="0"/>
                 <a:cs typeface="Times New Roman" panose="02020603050405020304" pitchFamily="18" charset="0"/>
@@ -7151,7 +7316,7 @@
               <a:t>: </a:t>
             </a:r>
             <a:r>
-              <a:rPr kumimoji="0" lang="en-US" altLang="en-US" b="0" i="0" u="none" strike="noStrike" cap="none" normalizeH="0" baseline="0" dirty="0" smtClean="0">
+              <a:rPr kumimoji="0" lang="en-US" altLang="en-US" b="0" i="0" u="none" strike="noStrike" cap="none" normalizeH="0" baseline="0" dirty="0">
                 <a:ln>
                   <a:noFill/>
                 </a:ln>
@@ -7166,7 +7331,7 @@
               <a:t>back-</a:t>
             </a:r>
             <a:r>
-              <a:rPr kumimoji="0" lang="en-US" altLang="en-US" b="0" i="0" u="none" strike="noStrike" cap="none" normalizeH="0" baseline="0" dirty="0" err="1" smtClean="0">
+              <a:rPr kumimoji="0" lang="en-US" altLang="en-US" b="0" i="0" u="none" strike="noStrike" cap="none" normalizeH="0" baseline="0" dirty="0" err="1">
                 <a:ln>
                   <a:noFill/>
                 </a:ln>
@@ -7181,7 +7346,7 @@
               <a:t>emf</a:t>
             </a:r>
             <a:r>
-              <a:rPr kumimoji="0" lang="en-US" altLang="en-US" b="0" i="0" u="none" strike="noStrike" cap="none" normalizeH="0" baseline="0" dirty="0" smtClean="0">
+              <a:rPr kumimoji="0" lang="en-US" altLang="en-US" b="0" i="0" u="none" strike="noStrike" cap="none" normalizeH="0" baseline="0" dirty="0">
                 <a:ln>
                   <a:noFill/>
                 </a:ln>
@@ -7195,7 +7360,7 @@
               </a:rPr>
               <a:t> effect,	 : torque constant  </a:t>
             </a:r>
-            <a:endParaRPr kumimoji="0" lang="en-US" altLang="en-US" b="0" i="0" u="none" strike="noStrike" cap="none" normalizeH="0" baseline="0" dirty="0" smtClean="0">
+            <a:endParaRPr kumimoji="0" lang="en-US" altLang="en-US" b="0" i="0" u="none" strike="noStrike" cap="none" normalizeH="0" baseline="0" dirty="0">
               <a:ln>
                 <a:noFill/>
               </a:ln>
@@ -7230,7 +7395,7 @@
           <a:graphicData uri="http://schemas.openxmlformats.org/presentationml/2006/ole">
             <mc:AlternateContent xmlns:mc="http://schemas.openxmlformats.org/markup-compatibility/2006">
               <mc:Choice xmlns:v="urn:schemas-microsoft-com:vml" Requires="v">
-                <p:oleObj spid="_x0000_s2383" name="Equazione" r:id="rId13" imgW="787400" imgH="228600" progId="Equation.3">
+                <p:oleObj spid="_x0000_s2435" name="Equazione" r:id="rId13" imgW="787400" imgH="228600" progId="Equation.3">
                   <p:embed/>
                 </p:oleObj>
               </mc:Choice>
@@ -7351,7 +7516,7 @@
               <a:tabLst/>
             </a:pPr>
             <a:r>
-              <a:rPr kumimoji="0" lang="en-US" altLang="en-US" sz="1800" b="1" i="0" u="none" strike="noStrike" cap="none" normalizeH="0" baseline="0" dirty="0" smtClean="0">
+              <a:rPr kumimoji="0" lang="en-US" altLang="en-US" sz="1800" b="1" i="0" u="none" strike="noStrike" cap="none" normalizeH="0" baseline="0" dirty="0">
                 <a:ln>
                   <a:noFill/>
                 </a:ln>
@@ -7365,7 +7530,7 @@
               <a:t>Pinion/rack</a:t>
             </a:r>
             <a:r>
-              <a:rPr kumimoji="0" lang="en-US" altLang="en-US" sz="1800" b="0" i="0" u="none" strike="noStrike" cap="none" normalizeH="0" baseline="0" dirty="0" smtClean="0">
+              <a:rPr kumimoji="0" lang="en-US" altLang="en-US" sz="1800" b="0" i="0" u="none" strike="noStrike" cap="none" normalizeH="0" baseline="0" dirty="0">
                 <a:ln>
                   <a:noFill/>
                 </a:ln>
@@ -7378,7 +7543,7 @@
               </a:rPr>
               <a:t>:			 where	 </a:t>
             </a:r>
-            <a:endParaRPr kumimoji="0" lang="en-US" altLang="en-US" sz="1800" b="0" i="0" u="none" strike="noStrike" cap="none" normalizeH="0" baseline="0" dirty="0" smtClean="0">
+            <a:endParaRPr kumimoji="0" lang="en-US" altLang="en-US" sz="1800" b="0" i="0" u="none" strike="noStrike" cap="none" normalizeH="0" baseline="0" dirty="0">
               <a:ln>
                 <a:noFill/>
               </a:ln>
@@ -7412,7 +7577,7 @@
           <a:graphicData uri="http://schemas.openxmlformats.org/presentationml/2006/ole">
             <mc:AlternateContent xmlns:mc="http://schemas.openxmlformats.org/markup-compatibility/2006">
               <mc:Choice xmlns:v="urn:schemas-microsoft-com:vml" Requires="v">
-                <p:oleObj spid="_x0000_s2384" name="Equazione" r:id="rId15" imgW="1625400" imgH="241200" progId="Equation.3">
+                <p:oleObj spid="_x0000_s2436" name="Equazione" r:id="rId15" imgW="1625400" imgH="241200" progId="Equation.3">
                   <p:embed/>
                 </p:oleObj>
               </mc:Choice>
@@ -7473,7 +7638,7 @@
           <a:graphicData uri="http://schemas.openxmlformats.org/presentationml/2006/ole">
             <mc:AlternateContent xmlns:mc="http://schemas.openxmlformats.org/markup-compatibility/2006">
               <mc:Choice xmlns:v="urn:schemas-microsoft-com:vml" Requires="v">
-                <p:oleObj spid="_x0000_s2385" name="Equazione" r:id="rId17" imgW="304668" imgH="228501" progId="Equation.3">
+                <p:oleObj spid="_x0000_s2437" name="Equazione" r:id="rId17" imgW="304668" imgH="228501" progId="Equation.3">
                   <p:embed/>
                 </p:oleObj>
               </mc:Choice>
@@ -7540,7 +7705,7 @@
           <a:graphicData uri="http://schemas.openxmlformats.org/presentationml/2006/ole">
             <mc:AlternateContent xmlns:mc="http://schemas.openxmlformats.org/markup-compatibility/2006">
               <mc:Choice xmlns:v="urn:schemas-microsoft-com:vml" Requires="v">
-                <p:oleObj spid="_x0000_s2386" name="Equazione" r:id="rId19" imgW="139579" imgH="177646" progId="Equation.3">
+                <p:oleObj spid="_x0000_s2438" name="Equazione" r:id="rId19" imgW="139579" imgH="177646" progId="Equation.3">
                   <p:embed/>
                 </p:oleObj>
               </mc:Choice>
@@ -7607,7 +7772,7 @@
           <a:graphicData uri="http://schemas.openxmlformats.org/presentationml/2006/ole">
             <mc:AlternateContent xmlns:mc="http://schemas.openxmlformats.org/markup-compatibility/2006">
               <mc:Choice xmlns:v="urn:schemas-microsoft-com:vml" Requires="v">
-                <p:oleObj spid="_x0000_s2387" name="Equazione" r:id="rId21" imgW="545760" imgH="241200" progId="Equation.3">
+                <p:oleObj spid="_x0000_s2439" name="Equazione" r:id="rId21" imgW="545760" imgH="241200" progId="Equation.3">
                   <p:embed/>
                 </p:oleObj>
               </mc:Choice>
@@ -7785,7 +7950,7 @@
               <a:tabLst/>
             </a:pPr>
             <a:r>
-              <a:rPr kumimoji="0" lang="en-US" altLang="en-US" sz="1800" b="0" i="0" u="none" strike="noStrike" cap="none" normalizeH="0" baseline="0" dirty="0" smtClean="0">
+              <a:rPr kumimoji="0" lang="en-US" altLang="en-US" sz="1800" b="0" i="0" u="none" strike="noStrike" cap="none" normalizeH="0" baseline="0" dirty="0">
                 <a:ln>
                   <a:noFill/>
                 </a:ln>
@@ -7799,7 +7964,7 @@
               </a:rPr>
               <a:t>: load torque transmitted to the carts</a:t>
             </a:r>
-            <a:endParaRPr kumimoji="0" lang="en-US" altLang="en-US" sz="1800" b="0" i="0" u="none" strike="noStrike" cap="none" normalizeH="0" baseline="0" dirty="0" smtClean="0">
+            <a:endParaRPr kumimoji="0" lang="en-US" altLang="en-US" sz="1800" b="0" i="0" u="none" strike="noStrike" cap="none" normalizeH="0" baseline="0" dirty="0">
               <a:ln>
                 <a:noFill/>
               </a:ln>
@@ -7888,7 +8053,7 @@
               <a:tabLst/>
             </a:pPr>
             <a:r>
-              <a:rPr kumimoji="0" lang="en-US" altLang="en-US" sz="1800" b="0" i="0" u="none" strike="noStrike" cap="none" normalizeH="0" baseline="0" dirty="0" smtClean="0">
+              <a:rPr kumimoji="0" lang="en-US" altLang="en-US" sz="1800" b="0" i="0" u="none" strike="noStrike" cap="none" normalizeH="0" baseline="0" dirty="0">
                 <a:ln>
                   <a:noFill/>
                 </a:ln>
@@ -7902,7 +8067,7 @@
               </a:rPr>
               <a:t>: inertia of motor, pinion and rack</a:t>
             </a:r>
-            <a:endParaRPr kumimoji="0" lang="en-US" altLang="en-US" sz="800" b="0" i="0" u="none" strike="noStrike" cap="none" normalizeH="0" baseline="0" dirty="0" smtClean="0">
+            <a:endParaRPr kumimoji="0" lang="en-US" altLang="en-US" sz="800" b="0" i="0" u="none" strike="noStrike" cap="none" normalizeH="0" baseline="0" dirty="0">
               <a:ln>
                 <a:noFill/>
               </a:ln>
@@ -7990,7 +8155,7 @@
               <a:tabLst/>
             </a:pPr>
             <a:r>
-              <a:rPr kumimoji="0" lang="en-US" altLang="en-US" sz="1800" b="0" i="0" u="none" strike="noStrike" cap="none" normalizeH="0" baseline="0" dirty="0" smtClean="0">
+              <a:rPr kumimoji="0" lang="en-US" altLang="en-US" sz="1800" b="0" i="0" u="none" strike="noStrike" cap="none" normalizeH="0" baseline="0" dirty="0">
                 <a:ln>
                   <a:noFill/>
                 </a:ln>
@@ -8004,7 +8169,7 @@
               </a:rPr>
               <a:t> : non linear motor friction</a:t>
             </a:r>
-            <a:endParaRPr kumimoji="0" lang="en-US" altLang="en-US" sz="1800" b="0" i="0" u="none" strike="noStrike" cap="none" normalizeH="0" baseline="0" dirty="0" smtClean="0">
+            <a:endParaRPr kumimoji="0" lang="en-US" altLang="en-US" sz="1800" b="0" i="0" u="none" strike="noStrike" cap="none" normalizeH="0" baseline="0" dirty="0">
               <a:ln>
                 <a:noFill/>
               </a:ln>
@@ -8039,7 +8204,7 @@
           <a:graphicData uri="http://schemas.openxmlformats.org/presentationml/2006/ole">
             <mc:AlternateContent xmlns:mc="http://schemas.openxmlformats.org/markup-compatibility/2006">
               <mc:Choice xmlns:v="urn:schemas-microsoft-com:vml" Requires="v">
-                <p:oleObj spid="_x0000_s2388" name="Equazione" r:id="rId23" imgW="1549400" imgH="228600" progId="Equation.3">
+                <p:oleObj spid="_x0000_s2440" name="Equazione" r:id="rId23" imgW="1549400" imgH="228600" progId="Equation.3">
                   <p:embed/>
                 </p:oleObj>
               </mc:Choice>
@@ -8169,7 +8334,7 @@
           <a:graphicData uri="http://schemas.openxmlformats.org/presentationml/2006/ole">
             <mc:AlternateContent xmlns:mc="http://schemas.openxmlformats.org/markup-compatibility/2006">
               <mc:Choice xmlns:v="urn:schemas-microsoft-com:vml" Requires="v">
-                <p:oleObj spid="_x0000_s2389" name="Equazione" r:id="rId25" imgW="469900" imgH="228600" progId="Equation.3">
+                <p:oleObj spid="_x0000_s2441" name="Equazione" r:id="rId25" imgW="469900" imgH="228600" progId="Equation.3">
                   <p:embed/>
                 </p:oleObj>
               </mc:Choice>
@@ -8290,7 +8455,7 @@
               <a:tabLst/>
             </a:pPr>
             <a:r>
-              <a:rPr kumimoji="0" lang="en-US" altLang="en-US" sz="1800" b="0" i="0" u="none" strike="noStrike" cap="none" normalizeH="0" baseline="0" dirty="0" smtClean="0">
+              <a:rPr kumimoji="0" lang="en-US" altLang="en-US" sz="1800" b="0" i="0" u="none" strike="noStrike" cap="none" normalizeH="0" baseline="0" dirty="0">
                 <a:ln>
                   <a:noFill/>
                 </a:ln>
@@ -8305,7 +8470,7 @@
               <a:t>: total damping (viscous + spring) of the </a:t>
             </a:r>
             <a:r>
-              <a:rPr kumimoji="0" lang="en-US" altLang="en-US" sz="1800" b="0" i="0" u="none" strike="noStrike" cap="none" normalizeH="0" baseline="0" dirty="0" err="1" smtClean="0">
+              <a:rPr kumimoji="0" lang="en-US" altLang="en-US" sz="1800" b="0" i="0" u="none" strike="noStrike" cap="none" normalizeH="0" baseline="0" dirty="0" err="1">
                 <a:ln>
                   <a:noFill/>
                 </a:ln>
@@ -8320,7 +8485,7 @@
               <a:t>i-th</a:t>
             </a:r>
             <a:r>
-              <a:rPr kumimoji="0" lang="en-US" altLang="en-US" sz="1800" b="0" i="0" u="none" strike="noStrike" cap="none" normalizeH="0" baseline="0" dirty="0" smtClean="0">
+              <a:rPr kumimoji="0" lang="en-US" altLang="en-US" sz="1800" b="0" i="0" u="none" strike="noStrike" cap="none" normalizeH="0" baseline="0" dirty="0">
                 <a:ln>
                   <a:noFill/>
                 </a:ln>
@@ -8334,7 +8499,7 @@
               </a:rPr>
               <a:t> cart</a:t>
             </a:r>
-            <a:endParaRPr kumimoji="0" lang="en-US" altLang="en-US" sz="1800" b="0" i="0" u="none" strike="noStrike" cap="none" normalizeH="0" baseline="0" dirty="0" smtClean="0">
+            <a:endParaRPr kumimoji="0" lang="en-US" altLang="en-US" sz="1800" b="0" i="0" u="none" strike="noStrike" cap="none" normalizeH="0" baseline="0" dirty="0">
               <a:ln>
                 <a:noFill/>
               </a:ln>
@@ -8369,7 +8534,7 @@
           <a:graphicData uri="http://schemas.openxmlformats.org/presentationml/2006/ole">
             <mc:AlternateContent xmlns:mc="http://schemas.openxmlformats.org/markup-compatibility/2006">
               <mc:Choice xmlns:v="urn:schemas-microsoft-com:vml" Requires="v">
-                <p:oleObj spid="_x0000_s2390" name="Equazione" r:id="rId27" imgW="520474" imgH="393529" progId="Equation.3">
+                <p:oleObj spid="_x0000_s2442" name="Equazione" r:id="rId27" imgW="520474" imgH="393529" progId="Equation.3">
                   <p:embed/>
                 </p:oleObj>
               </mc:Choice>
@@ -8436,7 +8601,7 @@
           <a:graphicData uri="http://schemas.openxmlformats.org/presentationml/2006/ole">
             <mc:AlternateContent xmlns:mc="http://schemas.openxmlformats.org/markup-compatibility/2006">
               <mc:Choice xmlns:v="urn:schemas-microsoft-com:vml" Requires="v">
-                <p:oleObj spid="_x0000_s2391" name="Equazione" r:id="rId29" imgW="2044700" imgH="393700" progId="Equation.3">
+                <p:oleObj spid="_x0000_s2443" name="Equazione" r:id="rId29" imgW="2044700" imgH="393700" progId="Equation.3">
                   <p:embed/>
                 </p:oleObj>
               </mc:Choice>
@@ -8503,7 +8668,7 @@
           <a:graphicData uri="http://schemas.openxmlformats.org/presentationml/2006/ole">
             <mc:AlternateContent xmlns:mc="http://schemas.openxmlformats.org/markup-compatibility/2006">
               <mc:Choice xmlns:v="urn:schemas-microsoft-com:vml" Requires="v">
-                <p:oleObj spid="_x0000_s2392" name="Equazione" r:id="rId31" imgW="571252" imgH="393529" progId="Equation.3">
+                <p:oleObj spid="_x0000_s2444" name="Equazione" r:id="rId31" imgW="571252" imgH="393529" progId="Equation.3">
                   <p:embed/>
                 </p:oleObj>
               </mc:Choice>
@@ -8616,7 +8781,7 @@
               </a:spcAft>
             </a:pPr>
             <a:r>
-              <a:rPr kumimoji="0" lang="en-US" altLang="en-US" sz="1800" b="0" i="0" u="none" strike="noStrike" cap="none" normalizeH="0" baseline="0" dirty="0" smtClean="0">
+              <a:rPr kumimoji="0" lang="en-US" altLang="en-US" sz="1800" b="0" i="0" u="none" strike="noStrike" cap="none" normalizeH="0" baseline="0" dirty="0">
                 <a:ln>
                   <a:noFill/>
                 </a:ln>
@@ -8631,7 +8796,7 @@
               <a:t>Putting	</a:t>
             </a:r>
             <a:r>
-              <a:rPr kumimoji="0" lang="en-US" altLang="en-US" sz="1800" b="0" i="0" u="none" strike="noStrike" cap="none" normalizeH="0" dirty="0" smtClean="0">
+              <a:rPr kumimoji="0" lang="en-US" altLang="en-US" sz="1800" b="0" i="0" u="none" strike="noStrike" cap="none" normalizeH="0" dirty="0">
                 <a:ln>
                   <a:noFill/>
                 </a:ln>
@@ -8651,18 +8816,10 @@
                 <a:ea typeface="Calibri" panose="020F0502020204030204" pitchFamily="34" charset="0"/>
                 <a:cs typeface="Times New Roman" panose="02020603050405020304" pitchFamily="18" charset="0"/>
               </a:rPr>
-              <a:t>and neglecting nonlinear </a:t>
-            </a:r>
-            <a:r>
-              <a:rPr lang="en-US" altLang="en-US" dirty="0" smtClean="0">
-                <a:latin typeface="Calibri" panose="020F0502020204030204" pitchFamily="34" charset="0"/>
-                <a:ea typeface="Calibri" panose="020F0502020204030204" pitchFamily="34" charset="0"/>
-                <a:cs typeface="Times New Roman" panose="02020603050405020304" pitchFamily="18" charset="0"/>
-              </a:rPr>
-              <a:t>friction</a:t>
-            </a:r>
-            <a:r>
-              <a:rPr kumimoji="0" lang="en-US" altLang="en-US" sz="1800" b="0" i="0" u="none" strike="noStrike" cap="none" normalizeH="0" baseline="0" dirty="0" smtClean="0">
+              <a:t>and neglecting nonlinear friction</a:t>
+            </a:r>
+            <a:r>
+              <a:rPr kumimoji="0" lang="en-US" altLang="en-US" sz="1800" b="0" i="0" u="none" strike="noStrike" cap="none" normalizeH="0" baseline="0" dirty="0">
                 <a:ln>
                   <a:noFill/>
                 </a:ln>
@@ -8676,7 +8833,7 @@
               </a:rPr>
               <a:t> </a:t>
             </a:r>
-            <a:endParaRPr kumimoji="0" lang="en-US" altLang="en-US" sz="1800" b="0" i="0" u="none" strike="noStrike" cap="none" normalizeH="0" baseline="0" dirty="0" smtClean="0">
+            <a:endParaRPr kumimoji="0" lang="en-US" altLang="en-US" sz="1800" b="0" i="0" u="none" strike="noStrike" cap="none" normalizeH="0" baseline="0" dirty="0">
               <a:ln>
                 <a:noFill/>
               </a:ln>
@@ -8765,7 +8922,7 @@
               <a:tabLst/>
             </a:pPr>
             <a:r>
-              <a:rPr kumimoji="0" lang="en-US" altLang="en-US" sz="1800" b="0" i="0" u="none" strike="noStrike" cap="none" normalizeH="0" baseline="0" dirty="0" smtClean="0">
+              <a:rPr kumimoji="0" lang="en-US" altLang="en-US" sz="1800" b="0" i="0" u="none" strike="noStrike" cap="none" normalizeH="0" baseline="0" dirty="0">
                 <a:ln>
                   <a:noFill/>
                 </a:ln>
@@ -8779,7 +8936,7 @@
               </a:rPr>
               <a:t>where</a:t>
             </a:r>
-            <a:endParaRPr kumimoji="0" lang="en-US" altLang="en-US" sz="1800" b="0" i="0" u="none" strike="noStrike" cap="none" normalizeH="0" baseline="0" dirty="0" smtClean="0">
+            <a:endParaRPr kumimoji="0" lang="en-US" altLang="en-US" sz="1800" b="0" i="0" u="none" strike="noStrike" cap="none" normalizeH="0" baseline="0" dirty="0">
               <a:ln>
                 <a:noFill/>
               </a:ln>
@@ -8919,13 +9076,6 @@
   <p:transition spd="slow">
     <p:cut/>
   </p:transition>
-  <p:timing>
-    <p:tnLst>
-      <p:par>
-        <p:cTn id="1" dur="indefinite" restart="never" nodeType="tmRoot"/>
-      </p:par>
-    </p:tnLst>
-  </p:timing>
 </p:sld>
 </file>
 
@@ -8972,7 +9122,7 @@
           <a:lstStyle/>
           <a:p>
             <a:r>
-              <a:rPr lang="it-IT" sz="3000" dirty="0" smtClean="0">
+              <a:rPr lang="it-IT" sz="3000" dirty="0">
                 <a:solidFill>
                   <a:srgbClr val="003366"/>
                 </a:solidFill>
@@ -9095,18 +9245,13 @@
           <a:lstStyle/>
           <a:p>
             <a:r>
-              <a:rPr lang="en-US" sz="1200" b="1" dirty="0" smtClean="0">
+              <a:rPr lang="en-US" sz="1200" b="1" dirty="0">
                 <a:solidFill>
                   <a:srgbClr val="FFFFFF"/>
                 </a:solidFill>
               </a:rPr>
               <a:t>POLITECNICO DI MILANO</a:t>
             </a:r>
-            <a:endParaRPr lang="en-US" sz="1200" b="1" dirty="0">
-              <a:solidFill>
-                <a:srgbClr val="FFFFFF"/>
-              </a:solidFill>
-            </a:endParaRPr>
           </a:p>
         </p:txBody>
       </p:sp>
@@ -9169,7 +9314,7 @@
               </a:lnSpc>
             </a:pPr>
             <a:r>
-              <a:rPr lang="en-US" sz="1200" b="1" dirty="0" smtClean="0">
+              <a:rPr lang="en-US" sz="1200" b="1" dirty="0">
                 <a:solidFill>
                   <a:srgbClr val="003366"/>
                 </a:solidFill>
@@ -9206,7 +9351,7 @@
           <a:graphicData uri="http://schemas.openxmlformats.org/presentationml/2006/ole">
             <mc:AlternateContent xmlns:mc="http://schemas.openxmlformats.org/markup-compatibility/2006">
               <mc:Choice xmlns:v="urn:schemas-microsoft-com:vml" Requires="v">
-                <p:oleObj spid="_x0000_s3233" name="Equazione" r:id="rId7" imgW="152280" imgH="215640" progId="Equation.3">
+                <p:oleObj spid="_x0000_s3273" name="Equazione" r:id="rId7" imgW="152280" imgH="215640" progId="Equation.3">
                   <p:embed/>
                 </p:oleObj>
               </mc:Choice>
@@ -9267,7 +9412,7 @@
           <a:graphicData uri="http://schemas.openxmlformats.org/presentationml/2006/ole">
             <mc:AlternateContent xmlns:mc="http://schemas.openxmlformats.org/markup-compatibility/2006">
               <mc:Choice xmlns:v="urn:schemas-microsoft-com:vml" Requires="v">
-                <p:oleObj spid="_x0000_s3234" name="Equazione" r:id="rId9" imgW="164880" imgH="215640" progId="Equation.3">
+                <p:oleObj spid="_x0000_s3274" name="Equazione" r:id="rId9" imgW="164880" imgH="215640" progId="Equation.3">
                   <p:embed/>
                 </p:oleObj>
               </mc:Choice>
@@ -9445,7 +9590,7 @@
               <a:tabLst/>
             </a:pPr>
             <a:r>
-              <a:rPr kumimoji="0" lang="en-US" altLang="en-US" sz="1800" b="0" i="0" u="none" strike="noStrike" cap="none" normalizeH="0" baseline="0" dirty="0" smtClean="0">
+              <a:rPr kumimoji="0" lang="en-US" altLang="en-US" sz="1800" b="0" i="0" u="none" strike="noStrike" cap="none" normalizeH="0" baseline="0" dirty="0">
                 <a:ln>
                   <a:noFill/>
                 </a:ln>
@@ -9459,7 +9604,7 @@
               </a:rPr>
               <a:t>: state of the motor (current)</a:t>
             </a:r>
-            <a:endParaRPr kumimoji="0" lang="en-US" altLang="en-US" sz="1800" b="0" i="0" u="none" strike="noStrike" cap="none" normalizeH="0" baseline="0" dirty="0" smtClean="0">
+            <a:endParaRPr kumimoji="0" lang="en-US" altLang="en-US" sz="1800" b="0" i="0" u="none" strike="noStrike" cap="none" normalizeH="0" baseline="0" dirty="0">
               <a:ln>
                 <a:noFill/>
               </a:ln>
@@ -9548,7 +9693,7 @@
               <a:tabLst/>
             </a:pPr>
             <a:r>
-              <a:rPr kumimoji="0" lang="en-US" altLang="en-US" sz="1800" b="0" i="0" u="none" strike="noStrike" cap="none" normalizeH="0" baseline="0" dirty="0" smtClean="0">
+              <a:rPr kumimoji="0" lang="en-US" altLang="en-US" sz="1800" b="0" i="0" u="none" strike="noStrike" cap="none" normalizeH="0" baseline="0" dirty="0">
                 <a:ln>
                   <a:noFill/>
                 </a:ln>
@@ -9562,7 +9707,7 @@
               </a:rPr>
               <a:t>: position of the cart</a:t>
             </a:r>
-            <a:endParaRPr kumimoji="0" lang="en-US" altLang="en-US" sz="800" b="0" i="0" u="none" strike="noStrike" cap="none" normalizeH="0" baseline="0" dirty="0" smtClean="0">
+            <a:endParaRPr kumimoji="0" lang="en-US" altLang="en-US" sz="800" b="0" i="0" u="none" strike="noStrike" cap="none" normalizeH="0" baseline="0" dirty="0">
               <a:ln>
                 <a:noFill/>
               </a:ln>
@@ -9722,7 +9867,7 @@
           <a:graphicData uri="http://schemas.openxmlformats.org/presentationml/2006/ole">
             <mc:AlternateContent xmlns:mc="http://schemas.openxmlformats.org/markup-compatibility/2006">
               <mc:Choice xmlns:v="urn:schemas-microsoft-com:vml" Requires="v">
-                <p:oleObj spid="_x0000_s3235" name="Equazione" r:id="rId11" imgW="164880" imgH="228600" progId="Equation.3">
+                <p:oleObj spid="_x0000_s3275" name="Equazione" r:id="rId11" imgW="164880" imgH="228600" progId="Equation.3">
                   <p:embed/>
                 </p:oleObj>
               </mc:Choice>
@@ -9900,7 +10045,7 @@
               <a:tabLst/>
             </a:pPr>
             <a:r>
-              <a:rPr kumimoji="0" lang="en-US" altLang="en-US" sz="1800" b="0" i="0" u="none" strike="noStrike" cap="none" normalizeH="0" baseline="0" dirty="0" smtClean="0">
+              <a:rPr kumimoji="0" lang="en-US" altLang="en-US" sz="1800" b="0" i="0" u="none" strike="noStrike" cap="none" normalizeH="0" baseline="0" dirty="0">
                 <a:ln>
                   <a:noFill/>
                 </a:ln>
@@ -9914,7 +10059,7 @@
               </a:rPr>
               <a:t>: position of the cart</a:t>
             </a:r>
-            <a:endParaRPr kumimoji="0" lang="en-US" altLang="en-US" sz="800" b="0" i="0" u="none" strike="noStrike" cap="none" normalizeH="0" baseline="0" dirty="0" smtClean="0">
+            <a:endParaRPr kumimoji="0" lang="en-US" altLang="en-US" sz="800" b="0" i="0" u="none" strike="noStrike" cap="none" normalizeH="0" baseline="0" dirty="0">
               <a:ln>
                 <a:noFill/>
               </a:ln>
@@ -10002,7 +10147,7 @@
               <a:tabLst/>
             </a:pPr>
             <a:r>
-              <a:rPr kumimoji="0" lang="en-US" altLang="en-US" sz="1800" b="0" i="0" u="none" strike="noStrike" cap="none" normalizeH="0" baseline="0" dirty="0" smtClean="0">
+              <a:rPr kumimoji="0" lang="en-US" altLang="en-US" sz="1800" b="0" i="0" u="none" strike="noStrike" cap="none" normalizeH="0" baseline="0" dirty="0">
                 <a:ln>
                   <a:noFill/>
                 </a:ln>
@@ -10016,7 +10161,7 @@
               </a:rPr>
               <a:t>: velocity of the cart</a:t>
             </a:r>
-            <a:endParaRPr kumimoji="0" lang="en-US" altLang="en-US" sz="800" b="0" i="0" u="none" strike="noStrike" cap="none" normalizeH="0" baseline="0" dirty="0" smtClean="0">
+            <a:endParaRPr kumimoji="0" lang="en-US" altLang="en-US" sz="800" b="0" i="0" u="none" strike="noStrike" cap="none" normalizeH="0" baseline="0" dirty="0">
               <a:ln>
                 <a:noFill/>
               </a:ln>
@@ -10050,7 +10195,7 @@
           <a:graphicData uri="http://schemas.openxmlformats.org/presentationml/2006/ole">
             <mc:AlternateContent xmlns:mc="http://schemas.openxmlformats.org/markup-compatibility/2006">
               <mc:Choice xmlns:v="urn:schemas-microsoft-com:vml" Requires="v">
-                <p:oleObj spid="_x0000_s3236" name="Equazione" r:id="rId13" imgW="1651000" imgH="660400" progId="Equation.3">
+                <p:oleObj spid="_x0000_s3276" name="Equazione" r:id="rId13" imgW="1651000" imgH="660400" progId="Equation.3">
                   <p:embed/>
                 </p:oleObj>
               </mc:Choice>
@@ -10117,7 +10262,7 @@
           <a:graphicData uri="http://schemas.openxmlformats.org/presentationml/2006/ole">
             <mc:AlternateContent xmlns:mc="http://schemas.openxmlformats.org/markup-compatibility/2006">
               <mc:Choice xmlns:v="urn:schemas-microsoft-com:vml" Requires="v">
-                <p:oleObj spid="_x0000_s3237" name="Equazione" r:id="rId15" imgW="965160" imgH="393480" progId="Equation.3">
+                <p:oleObj spid="_x0000_s3277" name="Equazione" r:id="rId15" imgW="965160" imgH="393480" progId="Equation.3">
                   <p:embed/>
                 </p:oleObj>
               </mc:Choice>
@@ -10165,25 +10310,25 @@
           <p:nvPr>
             <p:extLst>
               <p:ext uri="{D42A27DB-BD31-4B8C-83A1-F6EECF244321}">
-                <p14:modId xmlns:p14="http://schemas.microsoft.com/office/powerpoint/2010/main" val="2222250585"/>
+                <p14:modId xmlns:p14="http://schemas.microsoft.com/office/powerpoint/2010/main" val="286411911"/>
               </p:ext>
             </p:extLst>
           </p:nvPr>
         </p:nvGraphicFramePr>
         <p:xfrm>
-          <a:off x="5495925" y="1746250"/>
-          <a:ext cx="3170238" cy="1500188"/>
+          <a:off x="5387975" y="1746250"/>
+          <a:ext cx="3387725" cy="1500188"/>
         </p:xfrm>
         <a:graphic>
           <a:graphicData uri="http://schemas.openxmlformats.org/presentationml/2006/ole">
             <mc:AlternateContent xmlns:mc="http://schemas.openxmlformats.org/markup-compatibility/2006">
               <mc:Choice xmlns:v="urn:schemas-microsoft-com:vml" Requires="v">
-                <p:oleObj spid="_x0000_s3238" name="Equazione" r:id="rId17" imgW="2031840" imgH="965160" progId="Equation.3">
+                <p:oleObj spid="_x0000_s3278" name="Equazione" r:id="rId17" imgW="2171520" imgH="965160" progId="Equation.3">
                   <p:embed/>
                 </p:oleObj>
               </mc:Choice>
               <mc:Fallback>
-                <p:oleObj name="Equazione" r:id="rId17" imgW="2031840" imgH="965160" progId="Equation.3">
+                <p:oleObj name="Equazione" r:id="rId17" imgW="2171520" imgH="965160" progId="Equation.3">
                   <p:embed/>
                   <p:pic>
                     <p:nvPicPr>
@@ -10202,8 +10347,8 @@
                     </p:blipFill>
                     <p:spPr bwMode="auto">
                       <a:xfrm>
-                        <a:off x="5495925" y="1746250"/>
-                        <a:ext cx="3170238" cy="1500188"/>
+                        <a:off x="5387975" y="1746250"/>
+                        <a:ext cx="3387725" cy="1500188"/>
                       </a:xfrm>
                       <a:prstGeom prst="rect">
                         <a:avLst/>
@@ -10239,7 +10384,7 @@
           <a:graphicData uri="http://schemas.openxmlformats.org/presentationml/2006/ole">
             <mc:AlternateContent xmlns:mc="http://schemas.openxmlformats.org/markup-compatibility/2006">
               <mc:Choice xmlns:v="urn:schemas-microsoft-com:vml" Requires="v">
-                <p:oleObj spid="_x0000_s3239" name="Equazione" r:id="rId19" imgW="190440" imgH="152280" progId="Equation.3">
+                <p:oleObj spid="_x0000_s3279" name="Equazione" r:id="rId19" imgW="190440" imgH="152280" progId="Equation.3">
                   <p:embed/>
                 </p:oleObj>
               </mc:Choice>
@@ -10354,7 +10499,7 @@
               <a:tabLst/>
             </a:pPr>
             <a:r>
-              <a:rPr kumimoji="0" lang="en-US" altLang="en-US" sz="1800" b="0" i="0" u="none" strike="noStrike" cap="none" normalizeH="0" baseline="0" dirty="0" smtClean="0">
+              <a:rPr kumimoji="0" lang="en-US" altLang="en-US" sz="1800" b="0" i="0" u="none" strike="noStrike" cap="none" normalizeH="0" baseline="0" dirty="0">
                 <a:ln>
                   <a:noFill/>
                 </a:ln>
@@ -10369,7 +10514,7 @@
               <a:t>2DOF: </a:t>
             </a:r>
             <a:r>
-              <a:rPr kumimoji="0" lang="en-US" altLang="en-US" sz="1800" b="0" i="0" u="none" strike="noStrike" cap="none" normalizeH="0" baseline="0" dirty="0" err="1" smtClean="0">
+              <a:rPr kumimoji="0" lang="en-US" altLang="en-US" sz="1800" b="0" i="0" u="none" strike="noStrike" cap="none" normalizeH="0" baseline="0" dirty="0" err="1">
                 <a:ln>
                   <a:noFill/>
                 </a:ln>
@@ -10384,7 +10529,7 @@
               <a:t>Lagrangian</a:t>
             </a:r>
             <a:r>
-              <a:rPr kumimoji="0" lang="en-US" altLang="en-US" sz="1800" b="0" i="0" u="none" strike="noStrike" cap="none" normalizeH="0" baseline="0" dirty="0" smtClean="0">
+              <a:rPr kumimoji="0" lang="en-US" altLang="en-US" sz="1800" b="0" i="0" u="none" strike="noStrike" cap="none" normalizeH="0" baseline="0" dirty="0">
                 <a:ln>
                   <a:noFill/>
                 </a:ln>
@@ -10404,18 +10549,10 @@
                 <a:ea typeface="Calibri" panose="020F0502020204030204" pitchFamily="34" charset="0"/>
                 <a:cs typeface="Times New Roman" panose="02020603050405020304" pitchFamily="18" charset="0"/>
               </a:rPr>
-              <a:t>	</a:t>
-            </a:r>
-            <a:r>
-              <a:rPr lang="en-US" altLang="en-US" dirty="0" smtClean="0">
-                <a:latin typeface="Calibri" panose="020F0502020204030204" pitchFamily="34" charset="0"/>
-                <a:ea typeface="Calibri" panose="020F0502020204030204" pitchFamily="34" charset="0"/>
-                <a:cs typeface="Times New Roman" panose="02020603050405020304" pitchFamily="18" charset="0"/>
-              </a:rPr>
-              <a:t>		</a:t>
-            </a:r>
-            <a:r>
-              <a:rPr kumimoji="0" lang="en-US" altLang="en-US" sz="1800" b="0" i="0" u="none" strike="noStrike" cap="none" normalizeH="0" baseline="0" dirty="0" smtClean="0">
+              <a:t>			</a:t>
+            </a:r>
+            <a:r>
+              <a:rPr kumimoji="0" lang="en-US" altLang="en-US" sz="1800" b="0" i="0" u="none" strike="noStrike" cap="none" normalizeH="0" baseline="0" dirty="0">
                 <a:ln>
                   <a:noFill/>
                 </a:ln>
@@ -10429,7 +10566,7 @@
               </a:rPr>
               <a:t>where</a:t>
             </a:r>
-            <a:endParaRPr kumimoji="0" lang="en-US" altLang="en-US" sz="1800" b="0" i="0" u="none" strike="noStrike" cap="none" normalizeH="0" baseline="0" dirty="0" smtClean="0">
+            <a:endParaRPr kumimoji="0" lang="en-US" altLang="en-US" sz="1800" b="0" i="0" u="none" strike="noStrike" cap="none" normalizeH="0" baseline="0" dirty="0">
               <a:ln>
                 <a:noFill/>
               </a:ln>
@@ -10464,7 +10601,7 @@
           <a:graphicData uri="http://schemas.openxmlformats.org/presentationml/2006/ole">
             <mc:AlternateContent xmlns:mc="http://schemas.openxmlformats.org/markup-compatibility/2006">
               <mc:Choice xmlns:v="urn:schemas-microsoft-com:vml" Requires="v">
-                <p:oleObj spid="_x0000_s3240" name="Equazione" r:id="rId21" imgW="1892300" imgH="482600" progId="Equation.3">
+                <p:oleObj spid="_x0000_s3280" name="Equazione" r:id="rId21" imgW="1892300" imgH="482600" progId="Equation.3">
                   <p:embed/>
                 </p:oleObj>
               </mc:Choice>
@@ -10531,7 +10668,7 @@
           <a:graphicData uri="http://schemas.openxmlformats.org/presentationml/2006/ole">
             <mc:AlternateContent xmlns:mc="http://schemas.openxmlformats.org/markup-compatibility/2006">
               <mc:Choice xmlns:v="urn:schemas-microsoft-com:vml" Requires="v">
-                <p:oleObj spid="_x0000_s3241" name="Equazione" r:id="rId23" imgW="774364" imgH="457002" progId="Equation.3">
+                <p:oleObj spid="_x0000_s3281" name="Equazione" r:id="rId23" imgW="774364" imgH="457002" progId="Equation.3">
                   <p:embed/>
                 </p:oleObj>
               </mc:Choice>
@@ -10652,7 +10789,7 @@
               <a:tabLst/>
             </a:pPr>
             <a:r>
-              <a:rPr kumimoji="0" lang="en-US" altLang="en-US" sz="1800" b="0" i="0" u="none" strike="noStrike" cap="none" normalizeH="0" baseline="0" dirty="0" smtClean="0">
+              <a:rPr kumimoji="0" lang="en-US" altLang="en-US" sz="1800" b="0" i="0" u="none" strike="noStrike" cap="none" normalizeH="0" baseline="0" dirty="0">
                 <a:ln>
                   <a:noFill/>
                 </a:ln>
@@ -10666,7 +10803,7 @@
               </a:rPr>
               <a:t>State space model: </a:t>
             </a:r>
-            <a:endParaRPr kumimoji="0" lang="en-US" altLang="en-US" sz="1800" b="0" i="0" u="none" strike="noStrike" cap="none" normalizeH="0" baseline="0" dirty="0" smtClean="0">
+            <a:endParaRPr kumimoji="0" lang="en-US" altLang="en-US" sz="1800" b="0" i="0" u="none" strike="noStrike" cap="none" normalizeH="0" baseline="0" dirty="0">
               <a:ln>
                 <a:noFill/>
               </a:ln>
@@ -10701,7 +10838,7 @@
           <a:graphicData uri="http://schemas.openxmlformats.org/presentationml/2006/ole">
             <mc:AlternateContent xmlns:mc="http://schemas.openxmlformats.org/markup-compatibility/2006">
               <mc:Choice xmlns:v="urn:schemas-microsoft-com:vml" Requires="v">
-                <p:oleObj spid="_x0000_s3242" name="Equazione" r:id="rId25" imgW="3009900" imgH="1143000" progId="Equation.3">
+                <p:oleObj spid="_x0000_s3282" name="Equazione" r:id="rId25" imgW="3009900" imgH="1143000" progId="Equation.3">
                   <p:embed/>
                 </p:oleObj>
               </mc:Choice>
@@ -10822,7 +10959,7 @@
               <a:tabLst/>
             </a:pPr>
             <a:r>
-              <a:rPr kumimoji="0" lang="en-US" altLang="en-US" sz="1800" b="0" i="0" u="none" strike="noStrike" cap="none" normalizeH="0" baseline="0" dirty="0" smtClean="0">
+              <a:rPr kumimoji="0" lang="en-US" altLang="en-US" sz="1800" b="0" i="0" u="none" strike="noStrike" cap="none" normalizeH="0" baseline="0" dirty="0">
                 <a:ln>
                   <a:noFill/>
                 </a:ln>
@@ -10836,7 +10973,7 @@
               </a:rPr>
               <a:t>With suitable definitions of M, C, K, B</a:t>
             </a:r>
-            <a:endParaRPr kumimoji="0" lang="en-US" altLang="en-US" sz="800" b="0" i="0" u="none" strike="noStrike" cap="none" normalizeH="0" baseline="0" dirty="0" smtClean="0">
+            <a:endParaRPr kumimoji="0" lang="en-US" altLang="en-US" sz="800" b="0" i="0" u="none" strike="noStrike" cap="none" normalizeH="0" baseline="0" dirty="0">
               <a:ln>
                 <a:noFill/>
               </a:ln>
@@ -10864,7 +11001,7 @@
               <a:tabLst/>
             </a:pPr>
             <a:r>
-              <a:rPr kumimoji="0" lang="en-US" altLang="en-US" sz="1800" b="0" i="0" u="none" strike="noStrike" cap="none" normalizeH="0" baseline="0" dirty="0" smtClean="0">
+              <a:rPr kumimoji="0" lang="en-US" altLang="en-US" sz="1800" b="0" i="0" u="none" strike="noStrike" cap="none" normalizeH="0" baseline="0" dirty="0">
                 <a:ln>
                   <a:noFill/>
                 </a:ln>
@@ -10879,7 +11016,7 @@
               <a:t>Analogously for 3 </a:t>
             </a:r>
             <a:r>
-              <a:rPr kumimoji="0" lang="en-US" altLang="en-US" sz="1800" b="0" i="0" u="none" strike="noStrike" cap="none" normalizeH="0" baseline="0" dirty="0" err="1" smtClean="0">
+              <a:rPr kumimoji="0" lang="en-US" altLang="en-US" sz="1800" b="0" i="0" u="none" strike="noStrike" cap="none" normalizeH="0" baseline="0" dirty="0" err="1">
                 <a:ln>
                   <a:noFill/>
                 </a:ln>
@@ -10893,7 +11030,7 @@
               </a:rPr>
               <a:t>dof</a:t>
             </a:r>
-            <a:endParaRPr kumimoji="0" lang="en-US" altLang="en-US" sz="1800" b="0" i="0" u="none" strike="noStrike" cap="none" normalizeH="0" baseline="0" dirty="0" smtClean="0">
+            <a:endParaRPr kumimoji="0" lang="en-US" altLang="en-US" sz="1800" b="0" i="0" u="none" strike="noStrike" cap="none" normalizeH="0" baseline="0" dirty="0">
               <a:ln>
                 <a:noFill/>
               </a:ln>
@@ -10919,13 +11056,6 @@
   <p:transition spd="slow">
     <p:cut/>
   </p:transition>
-  <p:timing>
-    <p:tnLst>
-      <p:par>
-        <p:cTn id="1" dur="indefinite" restart="never" nodeType="tmRoot"/>
-      </p:par>
-    </p:tnLst>
-  </p:timing>
 </p:sld>
 </file>
 
@@ -10972,18 +11102,13 @@
           <a:lstStyle/>
           <a:p>
             <a:r>
-              <a:rPr lang="en-US" sz="3000" dirty="0" smtClean="0">
+              <a:rPr lang="en-US" sz="3000" dirty="0">
                 <a:solidFill>
                   <a:srgbClr val="003366"/>
                 </a:solidFill>
               </a:rPr>
               <a:t>White box identification: detached cart</a:t>
             </a:r>
-            <a:endParaRPr lang="en-US" sz="3000" dirty="0">
-              <a:solidFill>
-                <a:srgbClr val="003366"/>
-              </a:solidFill>
-            </a:endParaRPr>
           </a:p>
         </p:txBody>
       </p:sp>
@@ -11095,18 +11220,13 @@
           <a:lstStyle/>
           <a:p>
             <a:r>
-              <a:rPr lang="en-US" sz="1200" b="1" dirty="0" smtClean="0">
+              <a:rPr lang="en-US" sz="1200" b="1" dirty="0">
                 <a:solidFill>
                   <a:srgbClr val="FFFFFF"/>
                 </a:solidFill>
               </a:rPr>
               <a:t>POLITECNICO DI MILANO</a:t>
             </a:r>
-            <a:endParaRPr lang="en-US" sz="1200" b="1" dirty="0">
-              <a:solidFill>
-                <a:srgbClr val="FFFFFF"/>
-              </a:solidFill>
-            </a:endParaRPr>
           </a:p>
         </p:txBody>
       </p:sp>
@@ -11169,7 +11289,7 @@
               </a:lnSpc>
             </a:pPr>
             <a:r>
-              <a:rPr lang="en-US" sz="1200" b="1" dirty="0" smtClean="0">
+              <a:rPr lang="en-US" sz="1200" b="1" dirty="0">
                 <a:solidFill>
                   <a:srgbClr val="003366"/>
                 </a:solidFill>
@@ -11332,7 +11452,7 @@
           <a:graphicData uri="http://schemas.openxmlformats.org/presentationml/2006/ole">
             <mc:AlternateContent xmlns:mc="http://schemas.openxmlformats.org/markup-compatibility/2006">
               <mc:Choice xmlns:v="urn:schemas-microsoft-com:vml" Requires="v">
-                <p:oleObj spid="_x0000_s6334" name="Equazione" r:id="rId7" imgW="660113" imgH="177723" progId="Equation.3">
+                <p:oleObj spid="_x0000_s6366" name="Equazione" r:id="rId7" imgW="660113" imgH="177723" progId="Equation.3">
                   <p:embed/>
                 </p:oleObj>
               </mc:Choice>
@@ -11399,7 +11519,7 @@
           <a:graphicData uri="http://schemas.openxmlformats.org/presentationml/2006/ole">
             <mc:AlternateContent xmlns:mc="http://schemas.openxmlformats.org/markup-compatibility/2006">
               <mc:Choice xmlns:v="urn:schemas-microsoft-com:vml" Requires="v">
-                <p:oleObj spid="_x0000_s6335" name="Equazione" r:id="rId9" imgW="761669" imgH="431613" progId="Equation.3">
+                <p:oleObj spid="_x0000_s6367" name="Equazione" r:id="rId9" imgW="761669" imgH="431613" progId="Equation.3">
                   <p:embed/>
                 </p:oleObj>
               </mc:Choice>
@@ -11466,7 +11586,7 @@
           <a:graphicData uri="http://schemas.openxmlformats.org/presentationml/2006/ole">
             <mc:AlternateContent xmlns:mc="http://schemas.openxmlformats.org/markup-compatibility/2006">
               <mc:Choice xmlns:v="urn:schemas-microsoft-com:vml" Requires="v">
-                <p:oleObj spid="_x0000_s6336" name="Equazione" r:id="rId11" imgW="1143000" imgH="457200" progId="Equation.3">
+                <p:oleObj spid="_x0000_s6368" name="Equazione" r:id="rId11" imgW="1143000" imgH="457200" progId="Equation.3">
                   <p:embed/>
                 </p:oleObj>
               </mc:Choice>
@@ -11533,7 +11653,7 @@
           <a:graphicData uri="http://schemas.openxmlformats.org/presentationml/2006/ole">
             <mc:AlternateContent xmlns:mc="http://schemas.openxmlformats.org/markup-compatibility/2006">
               <mc:Choice xmlns:v="urn:schemas-microsoft-com:vml" Requires="v">
-                <p:oleObj spid="_x0000_s6337" name="Equazione" r:id="rId13" imgW="647640" imgH="203040" progId="Equation.3">
+                <p:oleObj spid="_x0000_s6369" name="Equazione" r:id="rId13" imgW="647640" imgH="203040" progId="Equation.3">
                   <p:embed/>
                 </p:oleObj>
               </mc:Choice>
@@ -11594,7 +11714,7 @@
           <a:graphicData uri="http://schemas.openxmlformats.org/presentationml/2006/ole">
             <mc:AlternateContent xmlns:mc="http://schemas.openxmlformats.org/markup-compatibility/2006">
               <mc:Choice xmlns:v="urn:schemas-microsoft-com:vml" Requires="v">
-                <p:oleObj spid="_x0000_s6338" name="Equazione" r:id="rId15" imgW="368280" imgH="228600" progId="Equation.3">
+                <p:oleObj spid="_x0000_s6370" name="Equazione" r:id="rId15" imgW="368280" imgH="228600" progId="Equation.3">
                   <p:embed/>
                 </p:oleObj>
               </mc:Choice>
@@ -11655,7 +11775,7 @@
           <a:graphicData uri="http://schemas.openxmlformats.org/presentationml/2006/ole">
             <mc:AlternateContent xmlns:mc="http://schemas.openxmlformats.org/markup-compatibility/2006">
               <mc:Choice xmlns:v="urn:schemas-microsoft-com:vml" Requires="v">
-                <p:oleObj spid="_x0000_s6339" name="Equazione" r:id="rId17" imgW="1002865" imgH="863225" progId="Equation.3">
+                <p:oleObj spid="_x0000_s6371" name="Equazione" r:id="rId17" imgW="1002865" imgH="863225" progId="Equation.3">
                   <p:embed/>
                 </p:oleObj>
               </mc:Choice>
@@ -11722,7 +11842,7 @@
           <a:graphicData uri="http://schemas.openxmlformats.org/presentationml/2006/ole">
             <mc:AlternateContent xmlns:mc="http://schemas.openxmlformats.org/markup-compatibility/2006">
               <mc:Choice xmlns:v="urn:schemas-microsoft-com:vml" Requires="v">
-                <p:oleObj spid="_x0000_s6340" name="Equazione" r:id="rId19" imgW="875920" imgH="266584" progId="Equation.3">
+                <p:oleObj spid="_x0000_s6372" name="Equazione" r:id="rId19" imgW="875920" imgH="266584" progId="Equation.3">
                   <p:embed/>
                 </p:oleObj>
               </mc:Choice>
@@ -11789,7 +11909,7 @@
           <a:graphicData uri="http://schemas.openxmlformats.org/presentationml/2006/ole">
             <mc:AlternateContent xmlns:mc="http://schemas.openxmlformats.org/markup-compatibility/2006">
               <mc:Choice xmlns:v="urn:schemas-microsoft-com:vml" Requires="v">
-                <p:oleObj spid="_x0000_s6341" name="Equazione" r:id="rId21" imgW="1409700" imgH="228600" progId="Equation.3">
+                <p:oleObj spid="_x0000_s6373" name="Equazione" r:id="rId21" imgW="1409700" imgH="228600" progId="Equation.3">
                   <p:embed/>
                 </p:oleObj>
               </mc:Choice>
@@ -12037,7 +12157,7 @@
               <a:tabLst/>
             </a:pPr>
             <a:r>
-              <a:rPr kumimoji="0" lang="en-US" altLang="en-US" sz="1800" b="0" i="0" u="none" strike="noStrike" cap="none" normalizeH="0" baseline="0" dirty="0" smtClean="0">
+              <a:rPr kumimoji="0" lang="en-US" altLang="en-US" sz="1800" b="0" i="0" u="none" strike="noStrike" cap="none" normalizeH="0" baseline="0" dirty="0">
                 <a:ln>
                   <a:noFill/>
                 </a:ln>
@@ -12051,7 +12171,7 @@
               </a:rPr>
               <a:t>The cart was released from a fixed position and allowed to oscillate:</a:t>
             </a:r>
-            <a:endParaRPr kumimoji="0" lang="en-US" altLang="en-US" sz="1800" b="0" i="0" u="none" strike="noStrike" cap="none" normalizeH="0" baseline="0" dirty="0" smtClean="0">
+            <a:endParaRPr kumimoji="0" lang="en-US" altLang="en-US" sz="1800" b="0" i="0" u="none" strike="noStrike" cap="none" normalizeH="0" baseline="0" dirty="0">
               <a:ln>
                 <a:noFill/>
               </a:ln>
@@ -12267,7 +12387,7 @@
               <a:tabLst/>
             </a:pPr>
             <a:r>
-              <a:rPr kumimoji="0" lang="en-US" altLang="en-US" sz="1800" b="0" i="0" u="none" strike="noStrike" cap="none" normalizeH="0" baseline="0" dirty="0" smtClean="0">
+              <a:rPr kumimoji="0" lang="en-US" altLang="en-US" sz="1800" b="0" i="0" u="none" strike="noStrike" cap="none" normalizeH="0" baseline="0" dirty="0">
                 <a:ln>
                   <a:noFill/>
                 </a:ln>
@@ -12282,7 +12402,7 @@
               <a:t>-	</a:t>
             </a:r>
             <a:r>
-              <a:rPr kumimoji="0" lang="en-US" altLang="en-US" sz="1800" b="0" i="0" u="none" strike="noStrike" cap="none" normalizeH="0" dirty="0" smtClean="0">
+              <a:rPr kumimoji="0" lang="en-US" altLang="en-US" sz="1800" b="0" i="0" u="none" strike="noStrike" cap="none" normalizeH="0" dirty="0">
                 <a:ln>
                   <a:noFill/>
                 </a:ln>
@@ -12297,7 +12417,7 @@
               <a:t>          </a:t>
             </a:r>
             <a:r>
-              <a:rPr kumimoji="0" lang="en-US" altLang="en-US" sz="1800" b="0" i="0" u="none" strike="noStrike" cap="none" normalizeH="0" baseline="0" dirty="0" smtClean="0">
+              <a:rPr kumimoji="0" lang="en-US" altLang="en-US" sz="1800" b="0" i="0" u="none" strike="noStrike" cap="none" normalizeH="0" baseline="0" dirty="0">
                 <a:ln>
                   <a:noFill/>
                 </a:ln>
@@ -12312,7 +12432,7 @@
               <a:t>; </a:t>
             </a:r>
             <a:r>
-              <a:rPr kumimoji="0" lang="en-US" altLang="en-US" sz="1800" b="0" i="1" u="none" strike="noStrike" cap="none" normalizeH="0" baseline="0" dirty="0" smtClean="0">
+              <a:rPr kumimoji="0" lang="en-US" altLang="en-US" sz="1800" b="0" i="1" u="none" strike="noStrike" cap="none" normalizeH="0" baseline="0" dirty="0">
                 <a:ln>
                   <a:noFill/>
                 </a:ln>
@@ -12327,7 +12447,7 @@
               <a:t>T </a:t>
             </a:r>
             <a:r>
-              <a:rPr kumimoji="0" lang="en-US" altLang="en-US" sz="1800" b="0" i="0" u="none" strike="noStrike" cap="none" normalizeH="0" baseline="0" dirty="0" smtClean="0">
+              <a:rPr kumimoji="0" lang="en-US" altLang="en-US" sz="1800" b="0" i="0" u="none" strike="noStrike" cap="none" normalizeH="0" baseline="0" dirty="0">
                 <a:ln>
                   <a:noFill/>
                 </a:ln>
@@ -12341,7 +12461,7 @@
               </a:rPr>
               <a:t> : time difference between first and second peak</a:t>
             </a:r>
-            <a:endParaRPr kumimoji="0" lang="en-US" altLang="en-US" sz="800" b="0" i="0" u="none" strike="noStrike" cap="none" normalizeH="0" baseline="0" dirty="0" smtClean="0">
+            <a:endParaRPr kumimoji="0" lang="en-US" altLang="en-US" sz="800" b="0" i="0" u="none" strike="noStrike" cap="none" normalizeH="0" baseline="0" dirty="0">
               <a:ln>
                 <a:noFill/>
               </a:ln>
@@ -12429,7 +12549,7 @@
               <a:tabLst/>
             </a:pPr>
             <a:r>
-              <a:rPr kumimoji="0" lang="en-US" altLang="en-US" sz="1800" b="0" i="0" u="none" strike="noStrike" cap="none" normalizeH="0" baseline="0" dirty="0" smtClean="0">
+              <a:rPr kumimoji="0" lang="en-US" altLang="en-US" sz="1800" b="0" i="0" u="none" strike="noStrike" cap="none" normalizeH="0" baseline="0" dirty="0">
                 <a:ln>
                   <a:noFill/>
                 </a:ln>
@@ -12444,7 +12564,7 @@
               <a:t>-	          ,	</a:t>
             </a:r>
             <a:r>
-              <a:rPr kumimoji="0" lang="en-US" altLang="en-US" sz="1800" b="0" i="0" u="none" strike="noStrike" cap="none" normalizeH="0" dirty="0" smtClean="0">
+              <a:rPr kumimoji="0" lang="en-US" altLang="en-US" sz="1800" b="0" i="0" u="none" strike="noStrike" cap="none" normalizeH="0" dirty="0">
                 <a:ln>
                   <a:noFill/>
                 </a:ln>
@@ -12458,7 +12578,7 @@
               </a:rPr>
               <a:t>                           ;	             : amplitudes of first and second peaks</a:t>
             </a:r>
-            <a:endParaRPr kumimoji="0" lang="en-US" altLang="en-US" sz="1800" b="0" i="0" u="none" strike="noStrike" cap="none" normalizeH="0" baseline="0" dirty="0" smtClean="0">
+            <a:endParaRPr kumimoji="0" lang="en-US" altLang="en-US" sz="1800" b="0" i="0" u="none" strike="noStrike" cap="none" normalizeH="0" baseline="0" dirty="0">
               <a:ln>
                 <a:noFill/>
               </a:ln>
@@ -12547,7 +12667,7 @@
               <a:tabLst/>
             </a:pPr>
             <a:r>
-              <a:rPr kumimoji="0" lang="en-US" altLang="en-US" sz="1800" b="0" i="0" u="none" strike="noStrike" cap="none" normalizeH="0" baseline="0" dirty="0" smtClean="0">
+              <a:rPr kumimoji="0" lang="en-US" altLang="en-US" sz="1800" b="0" i="0" u="none" strike="noStrike" cap="none" normalizeH="0" baseline="0" dirty="0">
                 <a:ln>
                   <a:noFill/>
                 </a:ln>
@@ -12561,7 +12681,7 @@
               </a:rPr>
               <a:t>-                 : for each spring two experiments, with and without load: </a:t>
             </a:r>
-            <a:endParaRPr kumimoji="0" lang="en-US" altLang="en-US" sz="1800" b="0" i="0" u="none" strike="noStrike" cap="none" normalizeH="0" baseline="0" dirty="0" smtClean="0">
+            <a:endParaRPr kumimoji="0" lang="en-US" altLang="en-US" sz="1800" b="0" i="0" u="none" strike="noStrike" cap="none" normalizeH="0" baseline="0" dirty="0">
               <a:ln>
                 <a:noFill/>
               </a:ln>
@@ -12642,7 +12762,7 @@
               </a:spcAft>
             </a:pPr>
             <a:r>
-              <a:rPr kumimoji="0" lang="en-US" altLang="en-US" sz="1800" b="0" i="0" u="none" strike="noStrike" cap="none" normalizeH="0" baseline="0" dirty="0" smtClean="0">
+              <a:rPr kumimoji="0" lang="en-US" altLang="en-US" sz="1800" b="0" i="0" u="none" strike="noStrike" cap="none" normalizeH="0" baseline="0" dirty="0">
                 <a:ln>
                   <a:noFill/>
                 </a:ln>
@@ -12662,23 +12782,7 @@
                 <a:ea typeface="Calibri" panose="020F0502020204030204" pitchFamily="34" charset="0"/>
                 <a:cs typeface="Times New Roman" panose="02020603050405020304" pitchFamily="18" charset="0"/>
               </a:rPr>
-              <a:t> </a:t>
-            </a:r>
-            <a:r>
-              <a:rPr lang="en-US" altLang="en-US" dirty="0" smtClean="0">
-                <a:latin typeface="Calibri" panose="020F0502020204030204" pitchFamily="34" charset="0"/>
-                <a:ea typeface="Calibri" panose="020F0502020204030204" pitchFamily="34" charset="0"/>
-                <a:cs typeface="Times New Roman" panose="02020603050405020304" pitchFamily="18" charset="0"/>
-              </a:rPr>
-              <a:t>M (ball bearing friction</a:t>
-            </a:r>
-            <a:r>
-              <a:rPr lang="en-US" altLang="en-US" dirty="0">
-                <a:latin typeface="Calibri" panose="020F0502020204030204" pitchFamily="34" charset="0"/>
-                <a:ea typeface="Calibri" panose="020F0502020204030204" pitchFamily="34" charset="0"/>
-                <a:cs typeface="Times New Roman" panose="02020603050405020304" pitchFamily="18" charset="0"/>
-              </a:rPr>
-              <a:t>?): </a:t>
+              <a:t> M (ball bearing friction?): </a:t>
             </a:r>
             <a:endParaRPr lang="en-US" altLang="en-US" dirty="0">
               <a:latin typeface="Arial" panose="020B0604020202020204" pitchFamily="34" charset="0"/>
@@ -12762,7 +12866,7 @@
               <a:tabLst/>
             </a:pPr>
             <a:r>
-              <a:rPr kumimoji="0" lang="en-US" altLang="en-US" sz="1800" b="1" i="0" u="none" strike="noStrike" cap="none" normalizeH="0" baseline="0" dirty="0" smtClean="0">
+              <a:rPr kumimoji="0" lang="en-US" altLang="en-US" sz="1800" b="1" i="0" u="none" strike="noStrike" cap="none" normalizeH="0" baseline="0" dirty="0">
                 <a:ln>
                   <a:noFill/>
                 </a:ln>
@@ -12777,7 +12881,7 @@
               <a:t>Validation</a:t>
             </a:r>
             <a:r>
-              <a:rPr kumimoji="0" lang="en-US" altLang="en-US" sz="1800" b="0" i="0" u="none" strike="noStrike" cap="none" normalizeH="0" baseline="0" dirty="0" smtClean="0">
+              <a:rPr kumimoji="0" lang="en-US" altLang="en-US" sz="1800" b="0" i="0" u="none" strike="noStrike" cap="none" normalizeH="0" baseline="0" dirty="0">
                 <a:ln>
                   <a:noFill/>
                 </a:ln>
@@ -12810,7 +12914,7 @@
               <a:tabLst/>
             </a:pPr>
             <a:r>
-              <a:rPr kumimoji="0" lang="en-US" altLang="en-US" sz="1800" b="0" i="0" u="none" strike="noStrike" cap="none" normalizeH="0" baseline="0" dirty="0" smtClean="0">
+              <a:rPr kumimoji="0" lang="en-US" altLang="en-US" sz="1800" b="0" i="0" u="none" strike="noStrike" cap="none" normalizeH="0" baseline="0" dirty="0">
                 <a:ln>
                   <a:noFill/>
                 </a:ln>
@@ -12824,7 +12928,7 @@
               </a:rPr>
               <a:t>fit=0.9449±0.0263</a:t>
             </a:r>
-            <a:endParaRPr kumimoji="0" lang="en-US" altLang="en-US" sz="1800" b="0" i="0" u="none" strike="noStrike" cap="none" normalizeH="0" baseline="0" dirty="0" smtClean="0">
+            <a:endParaRPr kumimoji="0" lang="en-US" altLang="en-US" sz="1800" b="0" i="0" u="none" strike="noStrike" cap="none" normalizeH="0" baseline="0" dirty="0">
               <a:ln>
                 <a:noFill/>
               </a:ln>
@@ -12931,13 +13035,6 @@
   <p:transition spd="slow">
     <p:cut/>
   </p:transition>
-  <p:timing>
-    <p:tnLst>
-      <p:par>
-        <p:cTn id="1" dur="indefinite" restart="never" nodeType="tmRoot"/>
-      </p:par>
-    </p:tnLst>
-  </p:timing>
 </p:sld>
 </file>
 
@@ -13017,18 +13114,13 @@
           <a:lstStyle/>
           <a:p>
             <a:r>
-              <a:rPr lang="en-US" sz="3000" dirty="0" smtClean="0">
+              <a:rPr lang="en-US" sz="3000" dirty="0">
                 <a:solidFill>
                   <a:srgbClr val="003366"/>
                 </a:solidFill>
               </a:rPr>
               <a:t>White box identification: motor only</a:t>
             </a:r>
-            <a:endParaRPr lang="en-US" sz="3000" dirty="0">
-              <a:solidFill>
-                <a:srgbClr val="003366"/>
-              </a:solidFill>
-            </a:endParaRPr>
           </a:p>
         </p:txBody>
       </p:sp>
@@ -13140,18 +13232,13 @@
           <a:lstStyle/>
           <a:p>
             <a:r>
-              <a:rPr lang="en-US" sz="1200" b="1" dirty="0" smtClean="0">
+              <a:rPr lang="en-US" sz="1200" b="1" dirty="0">
                 <a:solidFill>
                   <a:srgbClr val="FFFFFF"/>
                 </a:solidFill>
               </a:rPr>
               <a:t>POLITECNICO DI MILANO</a:t>
             </a:r>
-            <a:endParaRPr lang="en-US" sz="1200" b="1" dirty="0">
-              <a:solidFill>
-                <a:srgbClr val="FFFFFF"/>
-              </a:solidFill>
-            </a:endParaRPr>
           </a:p>
         </p:txBody>
       </p:sp>
@@ -13214,7 +13301,7 @@
               </a:lnSpc>
             </a:pPr>
             <a:r>
-              <a:rPr lang="en-US" sz="1200" b="1" dirty="0" smtClean="0">
+              <a:rPr lang="en-US" sz="1200" b="1" dirty="0">
                 <a:solidFill>
                   <a:srgbClr val="003366"/>
                 </a:solidFill>
@@ -13377,7 +13464,7 @@
           <a:graphicData uri="http://schemas.openxmlformats.org/presentationml/2006/ole">
             <mc:AlternateContent xmlns:mc="http://schemas.openxmlformats.org/markup-compatibility/2006">
               <mc:Choice xmlns:v="urn:schemas-microsoft-com:vml" Requires="v">
-                <p:oleObj spid="_x0000_s7306" name="Equazione" r:id="rId8" imgW="1841500" imgH="203200" progId="Equation.3">
+                <p:oleObj spid="_x0000_s7338" name="Equazione" r:id="rId8" imgW="1841500" imgH="203200" progId="Equation.3">
                   <p:embed/>
                 </p:oleObj>
               </mc:Choice>
@@ -13444,7 +13531,7 @@
           <a:graphicData uri="http://schemas.openxmlformats.org/presentationml/2006/ole">
             <mc:AlternateContent xmlns:mc="http://schemas.openxmlformats.org/markup-compatibility/2006">
               <mc:Choice xmlns:v="urn:schemas-microsoft-com:vml" Requires="v">
-                <p:oleObj spid="_x0000_s7307" name="Equazione" r:id="rId10" imgW="1167893" imgH="393529" progId="Equation.3">
+                <p:oleObj spid="_x0000_s7339" name="Equazione" r:id="rId10" imgW="1167893" imgH="393529" progId="Equation.3">
                   <p:embed/>
                 </p:oleObj>
               </mc:Choice>
@@ -13511,7 +13598,7 @@
           <a:graphicData uri="http://schemas.openxmlformats.org/presentationml/2006/ole">
             <mc:AlternateContent xmlns:mc="http://schemas.openxmlformats.org/markup-compatibility/2006">
               <mc:Choice xmlns:v="urn:schemas-microsoft-com:vml" Requires="v">
-                <p:oleObj spid="_x0000_s7308" name="Equazione" r:id="rId12" imgW="545863" imgH="228501" progId="Equation.3">
+                <p:oleObj spid="_x0000_s7340" name="Equazione" r:id="rId12" imgW="545863" imgH="228501" progId="Equation.3">
                   <p:embed/>
                 </p:oleObj>
               </mc:Choice>
@@ -13578,7 +13665,7 @@
           <a:graphicData uri="http://schemas.openxmlformats.org/presentationml/2006/ole">
             <mc:AlternateContent xmlns:mc="http://schemas.openxmlformats.org/markup-compatibility/2006">
               <mc:Choice xmlns:v="urn:schemas-microsoft-com:vml" Requires="v">
-                <p:oleObj spid="_x0000_s7309" name="Equazione" r:id="rId14" imgW="901309" imgH="393529" progId="Equation.3">
+                <p:oleObj spid="_x0000_s7341" name="Equazione" r:id="rId14" imgW="901309" imgH="393529" progId="Equation.3">
                   <p:embed/>
                 </p:oleObj>
               </mc:Choice>
@@ -13645,7 +13732,7 @@
           <a:graphicData uri="http://schemas.openxmlformats.org/presentationml/2006/ole">
             <mc:AlternateContent xmlns:mc="http://schemas.openxmlformats.org/markup-compatibility/2006">
               <mc:Choice xmlns:v="urn:schemas-microsoft-com:vml" Requires="v">
-                <p:oleObj spid="_x0000_s7310" name="Equazione" r:id="rId16" imgW="1485900" imgH="203200" progId="Equation.3">
+                <p:oleObj spid="_x0000_s7342" name="Equazione" r:id="rId16" imgW="1485900" imgH="203200" progId="Equation.3">
                   <p:embed/>
                 </p:oleObj>
               </mc:Choice>
@@ -13712,7 +13799,7 @@
           <a:graphicData uri="http://schemas.openxmlformats.org/presentationml/2006/ole">
             <mc:AlternateContent xmlns:mc="http://schemas.openxmlformats.org/markup-compatibility/2006">
               <mc:Choice xmlns:v="urn:schemas-microsoft-com:vml" Requires="v">
-                <p:oleObj spid="_x0000_s7311" name="Equazione" r:id="rId18" imgW="1511300" imgH="203200" progId="Equation.3">
+                <p:oleObj spid="_x0000_s7343" name="Equazione" r:id="rId18" imgW="1511300" imgH="203200" progId="Equation.3">
                   <p:embed/>
                 </p:oleObj>
               </mc:Choice>
@@ -13779,7 +13866,7 @@
           <a:graphicData uri="http://schemas.openxmlformats.org/presentationml/2006/ole">
             <mc:AlternateContent xmlns:mc="http://schemas.openxmlformats.org/markup-compatibility/2006">
               <mc:Choice xmlns:v="urn:schemas-microsoft-com:vml" Requires="v">
-                <p:oleObj spid="_x0000_s7312" name="Equazione" r:id="rId20" imgW="647640" imgH="228600" progId="Equation.3">
+                <p:oleObj spid="_x0000_s7344" name="Equazione" r:id="rId20" imgW="647640" imgH="228600" progId="Equation.3">
                   <p:embed/>
                 </p:oleObj>
               </mc:Choice>
@@ -13840,7 +13927,7 @@
           <a:graphicData uri="http://schemas.openxmlformats.org/presentationml/2006/ole">
             <mc:AlternateContent xmlns:mc="http://schemas.openxmlformats.org/markup-compatibility/2006">
               <mc:Choice xmlns:v="urn:schemas-microsoft-com:vml" Requires="v">
-                <p:oleObj spid="_x0000_s7313" name="Equazione" r:id="rId22" imgW="889000" imgH="228600" progId="Equation.3">
+                <p:oleObj spid="_x0000_s7345" name="Equazione" r:id="rId22" imgW="889000" imgH="228600" progId="Equation.3">
                   <p:embed/>
                 </p:oleObj>
               </mc:Choice>
@@ -13961,7 +14048,7 @@
               <a:tabLst/>
             </a:pPr>
             <a:r>
-              <a:rPr kumimoji="0" lang="en-US" altLang="en-US" sz="1800" b="0" i="0" u="none" strike="noStrike" cap="none" normalizeH="0" baseline="0" dirty="0" smtClean="0">
+              <a:rPr kumimoji="0" lang="en-US" altLang="en-US" sz="1800" b="0" i="0" u="none" strike="noStrike" cap="none" normalizeH="0" baseline="0" dirty="0">
                 <a:ln>
                   <a:noFill/>
                 </a:ln>
@@ -13975,7 +14062,7 @@
               </a:rPr>
               <a:t>Resistance only: voltage pulses to motor: steady state measurement of </a:t>
             </a:r>
-            <a:endParaRPr kumimoji="0" lang="en-US" altLang="en-US" sz="1800" b="0" i="0" u="none" strike="noStrike" cap="none" normalizeH="0" baseline="0" dirty="0" smtClean="0">
+            <a:endParaRPr kumimoji="0" lang="en-US" altLang="en-US" sz="1800" b="0" i="0" u="none" strike="noStrike" cap="none" normalizeH="0" baseline="0" dirty="0">
               <a:ln>
                 <a:noFill/>
               </a:ln>
@@ -14064,7 +14151,7 @@
               <a:tabLst/>
             </a:pPr>
             <a:r>
-              <a:rPr kumimoji="0" lang="en-US" altLang="en-US" sz="1800" b="0" i="0" u="none" strike="noStrike" cap="none" normalizeH="0" baseline="0" dirty="0" smtClean="0">
+              <a:rPr kumimoji="0" lang="en-US" altLang="en-US" sz="1800" b="0" i="0" u="none" strike="noStrike" cap="none" normalizeH="0" baseline="0" dirty="0">
                 <a:ln>
                   <a:noFill/>
                 </a:ln>
@@ -14079,7 +14166,7 @@
               <a:t>Resistance and inductance: experimental input/output data given to </a:t>
             </a:r>
             <a:r>
-              <a:rPr kumimoji="0" lang="en-US" altLang="en-US" sz="1800" b="0" i="0" u="none" strike="noStrike" cap="none" normalizeH="0" baseline="0" dirty="0" err="1" smtClean="0">
+              <a:rPr kumimoji="0" lang="en-US" altLang="en-US" sz="1800" b="0" i="0" u="none" strike="noStrike" cap="none" normalizeH="0" baseline="0" dirty="0" err="1">
                 <a:ln>
                   <a:noFill/>
                 </a:ln>
@@ -14094,7 +14181,7 @@
               <a:t>Matlab</a:t>
             </a:r>
             <a:r>
-              <a:rPr kumimoji="0" lang="en-US" altLang="en-US" sz="1800" b="0" i="0" u="none" strike="noStrike" cap="none" normalizeH="0" baseline="0" dirty="0" smtClean="0">
+              <a:rPr kumimoji="0" lang="en-US" altLang="en-US" sz="1800" b="0" i="0" u="none" strike="noStrike" cap="none" normalizeH="0" baseline="0" dirty="0">
                 <a:ln>
                   <a:noFill/>
                 </a:ln>
@@ -14109,7 +14196,7 @@
               <a:t> </a:t>
             </a:r>
             <a:r>
-              <a:rPr kumimoji="0" lang="en-US" altLang="en-US" sz="1800" b="0" i="1" u="none" strike="noStrike" cap="none" normalizeH="0" baseline="0" dirty="0" err="1" smtClean="0">
+              <a:rPr kumimoji="0" lang="en-US" altLang="en-US" sz="1800" b="0" i="1" u="none" strike="noStrike" cap="none" normalizeH="0" baseline="0" dirty="0" err="1">
                 <a:ln>
                   <a:noFill/>
                 </a:ln>
@@ -14124,7 +14211,7 @@
               <a:t>tfest</a:t>
             </a:r>
             <a:r>
-              <a:rPr kumimoji="0" lang="en-US" altLang="en-US" sz="1800" b="0" i="0" u="none" strike="noStrike" cap="none" normalizeH="0" baseline="0" dirty="0" smtClean="0">
+              <a:rPr kumimoji="0" lang="en-US" altLang="en-US" sz="1800" b="0" i="0" u="none" strike="noStrike" cap="none" normalizeH="0" baseline="0" dirty="0">
                 <a:ln>
                   <a:noFill/>
                 </a:ln>
@@ -14138,7 +14225,7 @@
               </a:rPr>
               <a:t> (first order)</a:t>
             </a:r>
-            <a:endParaRPr kumimoji="0" lang="en-US" altLang="en-US" sz="800" b="0" i="0" u="none" strike="noStrike" cap="none" normalizeH="0" baseline="0" dirty="0" smtClean="0">
+            <a:endParaRPr kumimoji="0" lang="en-US" altLang="en-US" sz="800" b="0" i="0" u="none" strike="noStrike" cap="none" normalizeH="0" baseline="0" dirty="0">
               <a:ln>
                 <a:noFill/>
               </a:ln>
@@ -14226,7 +14313,7 @@
               <a:tabLst/>
             </a:pPr>
             <a:r>
-              <a:rPr kumimoji="0" lang="en-US" altLang="en-US" sz="1800" b="0" i="0" u="none" strike="noStrike" cap="none" normalizeH="0" baseline="0" dirty="0" smtClean="0">
+              <a:rPr kumimoji="0" lang="en-US" altLang="en-US" sz="1800" b="0" i="0" u="none" strike="noStrike" cap="none" normalizeH="0" baseline="0" dirty="0">
                 <a:ln>
                   <a:noFill/>
                 </a:ln>
@@ -14249,7 +14336,7 @@
               <a:t> </a:t>
             </a:r>
             <a:r>
-              <a:rPr kumimoji="0" lang="en-US" altLang="en-US" sz="1800" b="0" i="0" u="none" strike="noStrike" cap="none" normalizeH="0" baseline="0" dirty="0" smtClean="0">
+              <a:rPr kumimoji="0" lang="en-US" altLang="en-US" sz="1800" b="0" i="0" u="none" strike="noStrike" cap="none" normalizeH="0" baseline="0" dirty="0">
                 <a:ln>
                   <a:noFill/>
                 </a:ln>
@@ -14264,7 +14351,7 @@
               <a:t>back-</a:t>
             </a:r>
             <a:r>
-              <a:rPr kumimoji="0" lang="en-US" altLang="en-US" sz="1800" b="0" i="0" u="none" strike="noStrike" cap="none" normalizeH="0" baseline="0" dirty="0" err="1" smtClean="0">
+              <a:rPr kumimoji="0" lang="en-US" altLang="en-US" sz="1800" b="0" i="0" u="none" strike="noStrike" cap="none" normalizeH="0" baseline="0" dirty="0" err="1">
                 <a:ln>
                   <a:noFill/>
                 </a:ln>
@@ -14279,7 +14366,7 @@
               <a:t>emf</a:t>
             </a:r>
             <a:r>
-              <a:rPr kumimoji="0" lang="en-US" altLang="en-US" sz="1800" b="0" i="0" u="none" strike="noStrike" cap="none" normalizeH="0" baseline="0" dirty="0" smtClean="0">
+              <a:rPr kumimoji="0" lang="en-US" altLang="en-US" sz="1800" b="0" i="0" u="none" strike="noStrike" cap="none" normalizeH="0" baseline="0" dirty="0">
                 <a:ln>
                   <a:noFill/>
                 </a:ln>
@@ -14293,7 +14380,7 @@
               </a:rPr>
               <a:t>	  neglected because </a:t>
             </a:r>
-            <a:endParaRPr kumimoji="0" lang="en-US" altLang="en-US" sz="1800" b="0" i="0" u="none" strike="noStrike" cap="none" normalizeH="0" baseline="0" dirty="0" smtClean="0">
+            <a:endParaRPr kumimoji="0" lang="en-US" altLang="en-US" sz="1800" b="0" i="0" u="none" strike="noStrike" cap="none" normalizeH="0" baseline="0" dirty="0">
               <a:ln>
                 <a:noFill/>
               </a:ln>
@@ -14382,7 +14469,7 @@
               <a:tabLst/>
             </a:pPr>
             <a:r>
-              <a:rPr kumimoji="0" lang="en-US" altLang="en-US" sz="1800" b="0" i="0" u="none" strike="noStrike" cap="none" normalizeH="0" baseline="0" dirty="0" smtClean="0">
+              <a:rPr kumimoji="0" lang="en-US" altLang="en-US" sz="1800" b="0" i="0" u="none" strike="noStrike" cap="none" normalizeH="0" baseline="0" dirty="0">
                 <a:ln>
                   <a:noFill/>
                 </a:ln>
@@ -14396,7 +14483,7 @@
               </a:rPr>
               <a:t>,</a:t>
             </a:r>
-            <a:endParaRPr kumimoji="0" lang="en-US" altLang="en-US" sz="1800" b="0" i="0" u="none" strike="noStrike" cap="none" normalizeH="0" baseline="0" dirty="0" smtClean="0">
+            <a:endParaRPr kumimoji="0" lang="en-US" altLang="en-US" sz="1800" b="0" i="0" u="none" strike="noStrike" cap="none" normalizeH="0" baseline="0" dirty="0">
               <a:ln>
                 <a:noFill/>
               </a:ln>
@@ -14485,7 +14572,7 @@
               <a:tabLst/>
             </a:pPr>
             <a:r>
-              <a:rPr kumimoji="0" lang="en-US" altLang="en-US" sz="1800" b="0" i="0" u="none" strike="noStrike" cap="none" normalizeH="0" baseline="0" dirty="0" smtClean="0">
+              <a:rPr kumimoji="0" lang="en-US" altLang="en-US" sz="1800" b="0" i="0" u="none" strike="noStrike" cap="none" normalizeH="0" baseline="0" dirty="0">
                 <a:ln>
                   <a:noFill/>
                 </a:ln>
@@ -14499,7 +14586,7 @@
               </a:rPr>
               <a:t>Nominal values from motor datasheet </a:t>
             </a:r>
-            <a:endParaRPr kumimoji="0" lang="en-US" altLang="en-US" sz="1800" b="0" i="0" u="none" strike="noStrike" cap="none" normalizeH="0" baseline="0" dirty="0" smtClean="0">
+            <a:endParaRPr kumimoji="0" lang="en-US" altLang="en-US" sz="1800" b="0" i="0" u="none" strike="noStrike" cap="none" normalizeH="0" baseline="0" dirty="0">
               <a:ln>
                 <a:noFill/>
               </a:ln>
@@ -14588,7 +14675,7 @@
               <a:tabLst/>
             </a:pPr>
             <a:r>
-              <a:rPr kumimoji="0" lang="en-US" altLang="en-US" sz="1800" b="0" i="0" u="none" strike="noStrike" cap="none" normalizeH="0" baseline="0" dirty="0" smtClean="0">
+              <a:rPr kumimoji="0" lang="en-US" altLang="en-US" sz="1800" b="0" i="0" u="none" strike="noStrike" cap="none" normalizeH="0" baseline="0" dirty="0">
                 <a:ln>
                   <a:noFill/>
                 </a:ln>
@@ -14602,7 +14689,7 @@
               </a:rPr>
               <a:t>,</a:t>
             </a:r>
-            <a:endParaRPr kumimoji="0" lang="en-US" altLang="en-US" sz="1800" b="0" i="0" u="none" strike="noStrike" cap="none" normalizeH="0" baseline="0" dirty="0" smtClean="0">
+            <a:endParaRPr kumimoji="0" lang="en-US" altLang="en-US" sz="1800" b="0" i="0" u="none" strike="noStrike" cap="none" normalizeH="0" baseline="0" dirty="0">
               <a:ln>
                 <a:noFill/>
               </a:ln>
@@ -14691,7 +14778,7 @@
               <a:tabLst/>
             </a:pPr>
             <a:r>
-              <a:rPr kumimoji="0" lang="en-US" altLang="en-US" sz="1800" b="1" i="0" u="none" strike="noStrike" cap="none" normalizeH="0" baseline="0" dirty="0" smtClean="0">
+              <a:rPr kumimoji="0" lang="en-US" altLang="en-US" sz="1800" b="1" i="0" u="none" strike="noStrike" cap="none" normalizeH="0" baseline="0" dirty="0">
                 <a:ln>
                   <a:noFill/>
                 </a:ln>
@@ -14706,7 +14793,7 @@
               <a:t>Validation</a:t>
             </a:r>
             <a:r>
-              <a:rPr kumimoji="0" lang="en-US" altLang="en-US" sz="1800" b="0" i="0" u="none" strike="noStrike" cap="none" normalizeH="0" baseline="0" dirty="0" smtClean="0">
+              <a:rPr kumimoji="0" lang="en-US" altLang="en-US" sz="1800" b="0" i="0" u="none" strike="noStrike" cap="none" normalizeH="0" baseline="0" dirty="0">
                 <a:ln>
                   <a:noFill/>
                 </a:ln>
@@ -14720,7 +14807,7 @@
               </a:rPr>
               <a:t>: real output vs simulation with input = N(0,9/4): fit=0.8142±0.0364</a:t>
             </a:r>
-            <a:endParaRPr kumimoji="0" lang="en-US" altLang="en-US" sz="1800" b="0" i="0" u="none" strike="noStrike" cap="none" normalizeH="0" baseline="0" dirty="0" smtClean="0">
+            <a:endParaRPr kumimoji="0" lang="en-US" altLang="en-US" sz="1800" b="0" i="0" u="none" strike="noStrike" cap="none" normalizeH="0" baseline="0" dirty="0">
               <a:ln>
                 <a:noFill/>
               </a:ln>
@@ -14746,13 +14833,6 @@
   <p:transition spd="slow">
     <p:cut/>
   </p:transition>
-  <p:timing>
-    <p:tnLst>
-      <p:par>
-        <p:cTn id="1" dur="indefinite" restart="never" nodeType="tmRoot"/>
-      </p:par>
-    </p:tnLst>
-  </p:timing>
 </p:sld>
 </file>
 
@@ -14799,18 +14879,13 @@
           <a:lstStyle/>
           <a:p>
             <a:r>
-              <a:rPr lang="en-US" sz="3000" dirty="0" smtClean="0">
+              <a:rPr lang="en-US" sz="3000" dirty="0">
                 <a:solidFill>
                   <a:srgbClr val="003366"/>
                 </a:solidFill>
               </a:rPr>
               <a:t>Overall system identification</a:t>
             </a:r>
-            <a:endParaRPr lang="en-US" sz="3000" dirty="0">
-              <a:solidFill>
-                <a:srgbClr val="003366"/>
-              </a:solidFill>
-            </a:endParaRPr>
           </a:p>
         </p:txBody>
       </p:sp>
@@ -14922,18 +14997,13 @@
           <a:lstStyle/>
           <a:p>
             <a:r>
-              <a:rPr lang="en-US" sz="1200" b="1" dirty="0" smtClean="0">
+              <a:rPr lang="en-US" sz="1200" b="1" dirty="0">
                 <a:solidFill>
                   <a:srgbClr val="FFFFFF"/>
                 </a:solidFill>
               </a:rPr>
               <a:t>POLITECNICO DI MILANO</a:t>
             </a:r>
-            <a:endParaRPr lang="en-US" sz="1200" b="1" dirty="0">
-              <a:solidFill>
-                <a:srgbClr val="FFFFFF"/>
-              </a:solidFill>
-            </a:endParaRPr>
           </a:p>
         </p:txBody>
       </p:sp>
@@ -14996,7 +15066,7 @@
               </a:lnSpc>
             </a:pPr>
             <a:r>
-              <a:rPr lang="en-US" sz="1200" b="1" smtClean="0">
+              <a:rPr lang="en-US" sz="1200" b="1">
                 <a:solidFill>
                   <a:srgbClr val="003366"/>
                 </a:solidFill>
@@ -15159,7 +15229,7 @@
           <a:graphicData uri="http://schemas.openxmlformats.org/presentationml/2006/ole">
             <mc:AlternateContent xmlns:mc="http://schemas.openxmlformats.org/markup-compatibility/2006">
               <mc:Choice xmlns:v="urn:schemas-microsoft-com:vml" Requires="v">
-                <p:oleObj spid="_x0000_s8404" name="Equazione" r:id="rId7" imgW="1586811" imgH="203112" progId="Equation.3">
+                <p:oleObj spid="_x0000_s8460" name="Equazione" r:id="rId7" imgW="1586811" imgH="203112" progId="Equation.3">
                   <p:embed/>
                 </p:oleObj>
               </mc:Choice>
@@ -15226,7 +15296,7 @@
           <a:graphicData uri="http://schemas.openxmlformats.org/presentationml/2006/ole">
             <mc:AlternateContent xmlns:mc="http://schemas.openxmlformats.org/markup-compatibility/2006">
               <mc:Choice xmlns:v="urn:schemas-microsoft-com:vml" Requires="v">
-                <p:oleObj spid="_x0000_s8405" name="Equazione" r:id="rId9" imgW="1257300" imgH="228600" progId="Equation.3">
+                <p:oleObj spid="_x0000_s8461" name="Equazione" r:id="rId9" imgW="1257300" imgH="228600" progId="Equation.3">
                   <p:embed/>
                 </p:oleObj>
               </mc:Choice>
@@ -15293,7 +15363,7 @@
           <a:graphicData uri="http://schemas.openxmlformats.org/presentationml/2006/ole">
             <mc:AlternateContent xmlns:mc="http://schemas.openxmlformats.org/markup-compatibility/2006">
               <mc:Choice xmlns:v="urn:schemas-microsoft-com:vml" Requires="v">
-                <p:oleObj spid="_x0000_s8406" name="Equazione" r:id="rId11" imgW="1117600" imgH="241300" progId="Equation.3">
+                <p:oleObj spid="_x0000_s8462" name="Equazione" r:id="rId11" imgW="1117600" imgH="241300" progId="Equation.3">
                   <p:embed/>
                 </p:oleObj>
               </mc:Choice>
@@ -15360,7 +15430,7 @@
           <a:graphicData uri="http://schemas.openxmlformats.org/presentationml/2006/ole">
             <mc:AlternateContent xmlns:mc="http://schemas.openxmlformats.org/markup-compatibility/2006">
               <mc:Choice xmlns:v="urn:schemas-microsoft-com:vml" Requires="v">
-                <p:oleObj spid="_x0000_s8407" name="Equazione" r:id="rId13" imgW="1129810" imgH="241195" progId="Equation.3">
+                <p:oleObj spid="_x0000_s8463" name="Equazione" r:id="rId13" imgW="1129810" imgH="241195" progId="Equation.3">
                   <p:embed/>
                 </p:oleObj>
               </mc:Choice>
@@ -15427,7 +15497,7 @@
           <a:graphicData uri="http://schemas.openxmlformats.org/presentationml/2006/ole">
             <mc:AlternateContent xmlns:mc="http://schemas.openxmlformats.org/markup-compatibility/2006">
               <mc:Choice xmlns:v="urn:schemas-microsoft-com:vml" Requires="v">
-                <p:oleObj spid="_x0000_s8408" name="Equazione" r:id="rId15" imgW="1091726" imgH="241195" progId="Equation.3">
+                <p:oleObj spid="_x0000_s8464" name="Equazione" r:id="rId15" imgW="1091726" imgH="241195" progId="Equation.3">
                   <p:embed/>
                 </p:oleObj>
               </mc:Choice>
@@ -15494,7 +15564,7 @@
           <a:graphicData uri="http://schemas.openxmlformats.org/presentationml/2006/ole">
             <mc:AlternateContent xmlns:mc="http://schemas.openxmlformats.org/markup-compatibility/2006">
               <mc:Choice xmlns:v="urn:schemas-microsoft-com:vml" Requires="v">
-                <p:oleObj spid="_x0000_s8409" name="Equazione" r:id="rId17" imgW="1714500" imgH="241300" progId="Equation.3">
+                <p:oleObj spid="_x0000_s8465" name="Equazione" r:id="rId17" imgW="1714500" imgH="241300" progId="Equation.3">
                   <p:embed/>
                 </p:oleObj>
               </mc:Choice>
@@ -15561,7 +15631,7 @@
           <a:graphicData uri="http://schemas.openxmlformats.org/presentationml/2006/ole">
             <mc:AlternateContent xmlns:mc="http://schemas.openxmlformats.org/markup-compatibility/2006">
               <mc:Choice xmlns:v="urn:schemas-microsoft-com:vml" Requires="v">
-                <p:oleObj spid="_x0000_s8410" name="Equazione" r:id="rId19" imgW="1663700" imgH="241300" progId="Equation.3">
+                <p:oleObj spid="_x0000_s8466" name="Equazione" r:id="rId19" imgW="1663700" imgH="241300" progId="Equation.3">
                   <p:embed/>
                 </p:oleObj>
               </mc:Choice>
@@ -15628,7 +15698,7 @@
           <a:graphicData uri="http://schemas.openxmlformats.org/presentationml/2006/ole">
             <mc:AlternateContent xmlns:mc="http://schemas.openxmlformats.org/markup-compatibility/2006">
               <mc:Choice xmlns:v="urn:schemas-microsoft-com:vml" Requires="v">
-                <p:oleObj spid="_x0000_s8411" name="Equazione" r:id="rId21" imgW="1625600" imgH="241300" progId="Equation.3">
+                <p:oleObj spid="_x0000_s8467" name="Equazione" r:id="rId21" imgW="1625600" imgH="241300" progId="Equation.3">
                   <p:embed/>
                 </p:oleObj>
               </mc:Choice>
@@ -15695,7 +15765,7 @@
           <a:graphicData uri="http://schemas.openxmlformats.org/presentationml/2006/ole">
             <mc:AlternateContent xmlns:mc="http://schemas.openxmlformats.org/markup-compatibility/2006">
               <mc:Choice xmlns:v="urn:schemas-microsoft-com:vml" Requires="v">
-                <p:oleObj spid="_x0000_s8412" name="Equazione" r:id="rId23" imgW="1397000" imgH="241300" progId="Equation.3">
+                <p:oleObj spid="_x0000_s8468" name="Equazione" r:id="rId23" imgW="1397000" imgH="241300" progId="Equation.3">
                   <p:embed/>
                 </p:oleObj>
               </mc:Choice>
@@ -15762,7 +15832,7 @@
           <a:graphicData uri="http://schemas.openxmlformats.org/presentationml/2006/ole">
             <mc:AlternateContent xmlns:mc="http://schemas.openxmlformats.org/markup-compatibility/2006">
               <mc:Choice xmlns:v="urn:schemas-microsoft-com:vml" Requires="v">
-                <p:oleObj spid="_x0000_s8413" name="Equazione" r:id="rId25" imgW="1409400" imgH="241200" progId="Equation.3">
+                <p:oleObj spid="_x0000_s8469" name="Equazione" r:id="rId25" imgW="1409400" imgH="241200" progId="Equation.3">
                   <p:embed/>
                 </p:oleObj>
               </mc:Choice>
@@ -15823,7 +15893,7 @@
           <a:graphicData uri="http://schemas.openxmlformats.org/presentationml/2006/ole">
             <mc:AlternateContent xmlns:mc="http://schemas.openxmlformats.org/markup-compatibility/2006">
               <mc:Choice xmlns:v="urn:schemas-microsoft-com:vml" Requires="v">
-                <p:oleObj spid="_x0000_s8414" name="Equazione" r:id="rId27" imgW="1396800" imgH="241200" progId="Equation.3">
+                <p:oleObj spid="_x0000_s8470" name="Equazione" r:id="rId27" imgW="1396800" imgH="241200" progId="Equation.3">
                   <p:embed/>
                 </p:oleObj>
               </mc:Choice>
@@ -15884,7 +15954,7 @@
           <a:graphicData uri="http://schemas.openxmlformats.org/presentationml/2006/ole">
             <mc:AlternateContent xmlns:mc="http://schemas.openxmlformats.org/markup-compatibility/2006">
               <mc:Choice xmlns:v="urn:schemas-microsoft-com:vml" Requires="v">
-                <p:oleObj spid="_x0000_s8415" name="Equazione" r:id="rId29" imgW="1739880" imgH="228600" progId="Equation.3">
+                <p:oleObj spid="_x0000_s8471" name="Equazione" r:id="rId29" imgW="1739880" imgH="228600" progId="Equation.3">
                   <p:embed/>
                 </p:oleObj>
               </mc:Choice>
@@ -15945,7 +16015,7 @@
           <a:graphicData uri="http://schemas.openxmlformats.org/presentationml/2006/ole">
             <mc:AlternateContent xmlns:mc="http://schemas.openxmlformats.org/markup-compatibility/2006">
               <mc:Choice xmlns:v="urn:schemas-microsoft-com:vml" Requires="v">
-                <p:oleObj spid="_x0000_s8416" name="Equazione" r:id="rId31" imgW="1002865" imgH="431613" progId="Equation.3">
+                <p:oleObj spid="_x0000_s8472" name="Equazione" r:id="rId31" imgW="1002865" imgH="431613" progId="Equation.3">
                   <p:embed/>
                 </p:oleObj>
               </mc:Choice>
@@ -16012,7 +16082,7 @@
           <a:graphicData uri="http://schemas.openxmlformats.org/presentationml/2006/ole">
             <mc:AlternateContent xmlns:mc="http://schemas.openxmlformats.org/markup-compatibility/2006">
               <mc:Choice xmlns:v="urn:schemas-microsoft-com:vml" Requires="v">
-                <p:oleObj spid="_x0000_s8417" name="Equazione" r:id="rId33" imgW="787058" imgH="215806" progId="Equation.3">
+                <p:oleObj spid="_x0000_s8473" name="Equazione" r:id="rId33" imgW="787058" imgH="215806" progId="Equation.3">
                   <p:embed/>
                 </p:oleObj>
               </mc:Choice>
@@ -16133,7 +16203,7 @@
               <a:tabLst/>
             </a:pPr>
             <a:r>
-              <a:rPr kumimoji="0" lang="en-US" altLang="en-US" sz="1800" b="0" i="0" u="none" strike="noStrike" cap="none" normalizeH="0" baseline="0" dirty="0" smtClean="0">
+              <a:rPr kumimoji="0" lang="en-US" altLang="en-US" sz="1800" b="0" i="0" u="none" strike="noStrike" cap="none" normalizeH="0" baseline="0" dirty="0">
                 <a:ln>
                   <a:noFill/>
                 </a:ln>
@@ -16147,7 +16217,7 @@
               </a:rPr>
               <a:t>System mass:			     ; Motor mass: </a:t>
             </a:r>
-            <a:endParaRPr kumimoji="0" lang="en-US" altLang="en-US" sz="1800" b="0" i="0" u="none" strike="noStrike" cap="none" normalizeH="0" baseline="0" dirty="0" smtClean="0">
+            <a:endParaRPr kumimoji="0" lang="en-US" altLang="en-US" sz="1800" b="0" i="0" u="none" strike="noStrike" cap="none" normalizeH="0" baseline="0" dirty="0">
               <a:ln>
                 <a:noFill/>
               </a:ln>
@@ -16236,7 +16306,7 @@
               <a:tabLst/>
             </a:pPr>
             <a:r>
-              <a:rPr kumimoji="0" lang="en-US" altLang="en-US" sz="1800" b="0" i="0" u="none" strike="noStrike" cap="none" normalizeH="0" baseline="0" dirty="0" smtClean="0">
+              <a:rPr kumimoji="0" lang="en-US" altLang="en-US" sz="1800" b="0" i="0" u="none" strike="noStrike" cap="none" normalizeH="0" baseline="0" dirty="0">
                 <a:ln>
                   <a:noFill/>
                 </a:ln>
@@ -16251,7 +16321,7 @@
               <a:t>System springs:		</a:t>
             </a:r>
             <a:r>
-              <a:rPr kumimoji="0" lang="en-US" altLang="en-US" sz="1800" b="0" i="0" u="none" strike="noStrike" cap="none" normalizeH="0" dirty="0" smtClean="0">
+              <a:rPr kumimoji="0" lang="en-US" altLang="en-US" sz="1800" b="0" i="0" u="none" strike="noStrike" cap="none" normalizeH="0" dirty="0">
                 <a:ln>
                   <a:noFill/>
                 </a:ln>
@@ -16266,7 +16336,7 @@
               <a:t>            ,		               ,			</a:t>
             </a:r>
             <a:r>
-              <a:rPr kumimoji="0" lang="en-US" altLang="en-US" sz="1800" b="0" i="0" u="none" strike="noStrike" cap="none" normalizeH="0" baseline="0" dirty="0" smtClean="0">
+              <a:rPr kumimoji="0" lang="en-US" altLang="en-US" sz="1800" b="0" i="0" u="none" strike="noStrike" cap="none" normalizeH="0" baseline="0" dirty="0">
                 <a:ln>
                   <a:noFill/>
                 </a:ln>
@@ -16280,7 +16350,7 @@
               </a:rPr>
               <a:t> </a:t>
             </a:r>
-            <a:endParaRPr kumimoji="0" lang="en-US" altLang="en-US" sz="1800" b="0" i="0" u="none" strike="noStrike" cap="none" normalizeH="0" baseline="0" dirty="0" smtClean="0">
+            <a:endParaRPr kumimoji="0" lang="en-US" altLang="en-US" sz="1800" b="0" i="0" u="none" strike="noStrike" cap="none" normalizeH="0" baseline="0" dirty="0">
               <a:ln>
                 <a:noFill/>
               </a:ln>
@@ -16369,7 +16439,7 @@
               <a:tabLst/>
             </a:pPr>
             <a:r>
-              <a:rPr kumimoji="0" lang="en-US" altLang="en-US" sz="1800" b="0" i="0" u="none" strike="noStrike" cap="none" normalizeH="0" baseline="0" dirty="0" smtClean="0">
+              <a:rPr kumimoji="0" lang="en-US" altLang="en-US" sz="1800" b="0" i="0" u="none" strike="noStrike" cap="none" normalizeH="0" baseline="0" dirty="0">
                 <a:ln>
                   <a:noFill/>
                 </a:ln>
@@ -16383,7 +16453,7 @@
               </a:rPr>
               <a:t>System damping(load/no load): </a:t>
             </a:r>
-            <a:endParaRPr kumimoji="0" lang="en-US" altLang="en-US" sz="1800" b="0" i="0" u="none" strike="noStrike" cap="none" normalizeH="0" baseline="0" dirty="0" smtClean="0">
+            <a:endParaRPr kumimoji="0" lang="en-US" altLang="en-US" sz="1800" b="0" i="0" u="none" strike="noStrike" cap="none" normalizeH="0" baseline="0" dirty="0">
               <a:ln>
                 <a:noFill/>
               </a:ln>
@@ -16472,7 +16542,7 @@
               <a:tabLst/>
             </a:pPr>
             <a:r>
-              <a:rPr kumimoji="0" lang="en-US" altLang="en-US" sz="1800" b="0" i="0" u="none" strike="noStrike" cap="none" normalizeH="0" baseline="0" dirty="0" smtClean="0">
+              <a:rPr kumimoji="0" lang="en-US" altLang="en-US" sz="1800" b="0" i="0" u="none" strike="noStrike" cap="none" normalizeH="0" baseline="0" dirty="0">
                 <a:ln>
                   <a:noFill/>
                 </a:ln>
@@ -16486,7 +16556,7 @@
               </a:rPr>
               <a:t> ,			,</a:t>
             </a:r>
-            <a:endParaRPr kumimoji="0" lang="en-US" altLang="en-US" sz="1800" b="0" i="0" u="none" strike="noStrike" cap="none" normalizeH="0" baseline="0" dirty="0" smtClean="0">
+            <a:endParaRPr kumimoji="0" lang="en-US" altLang="en-US" sz="1800" b="0" i="0" u="none" strike="noStrike" cap="none" normalizeH="0" baseline="0" dirty="0">
               <a:ln>
                 <a:noFill/>
               </a:ln>
@@ -16575,7 +16645,7 @@
               <a:tabLst/>
             </a:pPr>
             <a:r>
-              <a:rPr kumimoji="0" lang="en-US" altLang="en-US" sz="1800" b="0" i="0" u="none" strike="noStrike" cap="none" normalizeH="0" baseline="0" dirty="0" smtClean="0">
+              <a:rPr kumimoji="0" lang="en-US" altLang="en-US" sz="1800" b="0" i="0" u="none" strike="noStrike" cap="none" normalizeH="0" baseline="0" dirty="0">
                 <a:ln>
                   <a:noFill/>
                 </a:ln>
@@ -16590,7 +16660,7 @@
               <a:t>,		</a:t>
             </a:r>
             <a:r>
-              <a:rPr kumimoji="0" lang="en-US" altLang="en-US" sz="1800" b="0" i="0" u="none" strike="noStrike" cap="none" normalizeH="0" dirty="0" smtClean="0">
+              <a:rPr kumimoji="0" lang="en-US" altLang="en-US" sz="1800" b="0" i="0" u="none" strike="noStrike" cap="none" normalizeH="0" dirty="0">
                 <a:ln>
                   <a:noFill/>
                 </a:ln>
@@ -16604,7 +16674,7 @@
               </a:rPr>
               <a:t>             ,</a:t>
             </a:r>
-            <a:endParaRPr kumimoji="0" lang="en-US" altLang="en-US" sz="1800" b="0" i="0" u="none" strike="noStrike" cap="none" normalizeH="0" baseline="0" dirty="0" smtClean="0">
+            <a:endParaRPr kumimoji="0" lang="en-US" altLang="en-US" sz="1800" b="0" i="0" u="none" strike="noStrike" cap="none" normalizeH="0" baseline="0" dirty="0">
               <a:ln>
                 <a:noFill/>
               </a:ln>
@@ -16693,7 +16763,7 @@
               <a:tabLst/>
             </a:pPr>
             <a:r>
-              <a:rPr kumimoji="0" lang="en-US" altLang="en-US" sz="1800" b="0" i="0" u="none" strike="noStrike" cap="none" normalizeH="0" baseline="0" dirty="0" smtClean="0">
+              <a:rPr kumimoji="0" lang="en-US" altLang="en-US" sz="1800" b="0" i="0" u="none" strike="noStrike" cap="none" normalizeH="0" baseline="0" dirty="0">
                 <a:ln>
                   <a:noFill/>
                 </a:ln>
@@ -16707,7 +16777,7 @@
               </a:rPr>
               <a:t>Linear torque constant: </a:t>
             </a:r>
-            <a:endParaRPr kumimoji="0" lang="en-US" altLang="en-US" sz="1800" b="0" i="0" u="none" strike="noStrike" cap="none" normalizeH="0" baseline="0" dirty="0" smtClean="0">
+            <a:endParaRPr kumimoji="0" lang="en-US" altLang="en-US" sz="1800" b="0" i="0" u="none" strike="noStrike" cap="none" normalizeH="0" baseline="0" dirty="0">
               <a:ln>
                 <a:noFill/>
               </a:ln>
@@ -16796,7 +16866,7 @@
               <a:tabLst/>
             </a:pPr>
             <a:r>
-              <a:rPr kumimoji="0" lang="en-US" altLang="en-US" sz="1800" b="1" i="0" u="none" strike="noStrike" cap="none" normalizeH="0" baseline="0" dirty="0" smtClean="0">
+              <a:rPr kumimoji="0" lang="en-US" altLang="en-US" sz="1800" b="1" i="0" u="none" strike="noStrike" cap="none" normalizeH="0" baseline="0" dirty="0">
                 <a:ln>
                   <a:noFill/>
                 </a:ln>
@@ -16811,7 +16881,7 @@
               <a:t>Validation</a:t>
             </a:r>
             <a:r>
-              <a:rPr kumimoji="0" lang="en-US" altLang="en-US" sz="1800" b="0" i="0" u="none" strike="noStrike" cap="none" normalizeH="0" baseline="0" dirty="0" smtClean="0">
+              <a:rPr kumimoji="0" lang="en-US" altLang="en-US" sz="1800" b="0" i="0" u="none" strike="noStrike" cap="none" normalizeH="0" baseline="0" dirty="0">
                 <a:ln>
                   <a:noFill/>
                 </a:ln>
@@ -16826,7 +16896,7 @@
               <a:t>: real output vs simulation with input:		</a:t>
             </a:r>
             <a:r>
-              <a:rPr kumimoji="0" lang="en-US" altLang="en-US" sz="1800" b="0" i="0" u="none" strike="noStrike" cap="none" normalizeH="0" dirty="0" smtClean="0">
+              <a:rPr kumimoji="0" lang="en-US" altLang="en-US" sz="1800" b="0" i="0" u="none" strike="noStrike" cap="none" normalizeH="0" dirty="0">
                 <a:ln>
                   <a:noFill/>
                 </a:ln>
@@ -16841,7 +16911,7 @@
               <a:t>          where	           :	</a:t>
             </a:r>
             <a:r>
-              <a:rPr kumimoji="0" lang="en-US" altLang="en-US" sz="1800" b="0" i="0" u="none" strike="noStrike" cap="none" normalizeH="0" baseline="0" dirty="0" smtClean="0">
+              <a:rPr kumimoji="0" lang="en-US" altLang="en-US" sz="1800" b="0" i="0" u="none" strike="noStrike" cap="none" normalizeH="0" baseline="0" dirty="0">
                 <a:ln>
                   <a:noFill/>
                 </a:ln>
@@ -16855,7 +16925,7 @@
               </a:rPr>
               <a:t>	 </a:t>
             </a:r>
-            <a:endParaRPr kumimoji="0" lang="en-US" altLang="en-US" sz="1800" b="0" i="0" u="none" strike="noStrike" cap="none" normalizeH="0" baseline="0" dirty="0" smtClean="0">
+            <a:endParaRPr kumimoji="0" lang="en-US" altLang="en-US" sz="1800" b="0" i="0" u="none" strike="noStrike" cap="none" normalizeH="0" baseline="0" dirty="0">
               <a:ln>
                 <a:noFill/>
               </a:ln>
@@ -16944,7 +17014,7 @@
               <a:tabLst/>
             </a:pPr>
             <a:r>
-              <a:rPr kumimoji="0" lang="en-US" altLang="en-US" sz="1800" b="0" i="0" u="none" strike="noStrike" cap="none" normalizeH="0" baseline="0" dirty="0" smtClean="0">
+              <a:rPr kumimoji="0" lang="en-US" altLang="en-US" sz="1800" b="0" i="0" u="none" strike="noStrike" cap="none" normalizeH="0" baseline="0" dirty="0">
                 <a:ln>
                   <a:noFill/>
                 </a:ln>
@@ -16956,22 +17026,7 @@
                 <a:ea typeface="Calibri" panose="020F0502020204030204" pitchFamily="34" charset="0"/>
                 <a:cs typeface="Times New Roman" panose="02020603050405020304" pitchFamily="18" charset="0"/>
               </a:rPr>
-              <a:t>Fit</a:t>
-            </a:r>
-            <a:r>
-              <a:rPr kumimoji="0" lang="en-US" altLang="en-US" sz="1800" b="0" i="0" u="none" strike="noStrike" cap="none" normalizeH="0" baseline="0" dirty="0" smtClean="0">
-                <a:ln>
-                  <a:noFill/>
-                </a:ln>
-                <a:solidFill>
-                  <a:schemeClr val="tx1"/>
-                </a:solidFill>
-                <a:effectLst/>
-                <a:latin typeface="Calibri" panose="020F0502020204030204" pitchFamily="34" charset="0"/>
-                <a:ea typeface="Calibri" panose="020F0502020204030204" pitchFamily="34" charset="0"/>
-                <a:cs typeface="Times New Roman" panose="02020603050405020304" pitchFamily="18" charset="0"/>
-              </a:rPr>
-              <a:t>:</a:t>
+              <a:t>Fit:</a:t>
             </a:r>
           </a:p>
           <a:p>
@@ -16992,7 +17047,7 @@
               <a:tabLst/>
             </a:pPr>
             <a:r>
-              <a:rPr kumimoji="0" lang="en-US" altLang="en-US" sz="1800" b="0" i="0" u="none" strike="noStrike" cap="none" normalizeH="0" baseline="0" dirty="0" smtClean="0">
+              <a:rPr kumimoji="0" lang="en-US" altLang="en-US" sz="1800" b="0" i="0" u="none" strike="noStrike" cap="none" normalizeH="0" baseline="0" dirty="0">
                 <a:ln>
                   <a:noFill/>
                 </a:ln>
@@ -17007,7 +17062,7 @@
               <a:t>1 </a:t>
             </a:r>
             <a:r>
-              <a:rPr kumimoji="0" lang="en-US" altLang="en-US" sz="1800" b="0" i="0" u="none" strike="noStrike" cap="none" normalizeH="0" baseline="0" dirty="0" err="1" smtClean="0">
+              <a:rPr kumimoji="0" lang="en-US" altLang="en-US" sz="1800" b="0" i="0" u="none" strike="noStrike" cap="none" normalizeH="0" baseline="0" dirty="0" err="1">
                 <a:ln>
                   <a:noFill/>
                 </a:ln>
@@ -17022,7 +17077,7 @@
               <a:t>dof</a:t>
             </a:r>
             <a:r>
-              <a:rPr kumimoji="0" lang="en-US" altLang="en-US" sz="1800" b="0" i="0" u="none" strike="noStrike" cap="none" normalizeH="0" baseline="0" dirty="0" smtClean="0">
+              <a:rPr kumimoji="0" lang="en-US" altLang="en-US" sz="1800" b="0" i="0" u="none" strike="noStrike" cap="none" normalizeH="0" baseline="0" dirty="0">
                 <a:ln>
                   <a:noFill/>
                 </a:ln>
@@ -17034,22 +17089,7 @@
                 <a:ea typeface="Calibri" panose="020F0502020204030204" pitchFamily="34" charset="0"/>
                 <a:cs typeface="Times New Roman" panose="02020603050405020304" pitchFamily="18" charset="0"/>
               </a:rPr>
-              <a:t>: (85.42±1.68</a:t>
-            </a:r>
-            <a:r>
-              <a:rPr kumimoji="0" lang="en-US" altLang="en-US" sz="1800" b="0" i="0" u="none" strike="noStrike" cap="none" normalizeH="0" baseline="0" dirty="0" smtClean="0">
-                <a:ln>
-                  <a:noFill/>
-                </a:ln>
-                <a:solidFill>
-                  <a:schemeClr val="tx1"/>
-                </a:solidFill>
-                <a:effectLst/>
-                <a:latin typeface="Calibri" panose="020F0502020204030204" pitchFamily="34" charset="0"/>
-                <a:ea typeface="Calibri" panose="020F0502020204030204" pitchFamily="34" charset="0"/>
-                <a:cs typeface="Times New Roman" panose="02020603050405020304" pitchFamily="18" charset="0"/>
-              </a:rPr>
-              <a:t>)%</a:t>
+              <a:t>: (85.42±1.68)%</a:t>
             </a:r>
           </a:p>
           <a:p>
@@ -17070,7 +17110,7 @@
               <a:tabLst/>
             </a:pPr>
             <a:r>
-              <a:rPr kumimoji="0" lang="en-US" altLang="en-US" sz="1800" b="0" i="0" u="none" strike="noStrike" cap="none" normalizeH="0" baseline="0" dirty="0" smtClean="0">
+              <a:rPr kumimoji="0" lang="en-US" altLang="en-US" sz="1800" b="0" i="0" u="none" strike="noStrike" cap="none" normalizeH="0" baseline="0" dirty="0">
                 <a:ln>
                   <a:noFill/>
                 </a:ln>
@@ -17085,7 +17125,7 @@
               <a:t>2 </a:t>
             </a:r>
             <a:r>
-              <a:rPr kumimoji="0" lang="en-US" altLang="en-US" sz="1800" b="0" i="0" u="none" strike="noStrike" cap="none" normalizeH="0" baseline="0" dirty="0" err="1" smtClean="0">
+              <a:rPr kumimoji="0" lang="en-US" altLang="en-US" sz="1800" b="0" i="0" u="none" strike="noStrike" cap="none" normalizeH="0" baseline="0" dirty="0" err="1">
                 <a:ln>
                   <a:noFill/>
                 </a:ln>
@@ -17100,7 +17140,7 @@
               <a:t>dof</a:t>
             </a:r>
             <a:r>
-              <a:rPr kumimoji="0" lang="en-US" altLang="en-US" sz="1800" b="0" i="0" u="none" strike="noStrike" cap="none" normalizeH="0" baseline="0" dirty="0" smtClean="0">
+              <a:rPr kumimoji="0" lang="en-US" altLang="en-US" sz="1800" b="0" i="0" u="none" strike="noStrike" cap="none" normalizeH="0" baseline="0" dirty="0">
                 <a:ln>
                   <a:noFill/>
                 </a:ln>
@@ -17115,7 +17155,7 @@
               <a:t> (2 combinations: </a:t>
             </a:r>
             <a:r>
-              <a:rPr kumimoji="0" lang="en-US" altLang="en-US" sz="1800" b="0" i="0" u="none" strike="noStrike" cap="none" normalizeH="0" baseline="0" dirty="0" err="1" smtClean="0">
+              <a:rPr kumimoji="0" lang="en-US" altLang="en-US" sz="1800" b="0" i="0" u="none" strike="noStrike" cap="none" normalizeH="0" baseline="0" dirty="0" err="1">
                 <a:ln>
                   <a:noFill/>
                 </a:ln>
@@ -17130,7 +17170,7 @@
               <a:t>K</a:t>
             </a:r>
             <a:r>
-              <a:rPr kumimoji="0" lang="en-US" altLang="en-US" sz="1800" b="0" i="0" u="none" strike="noStrike" cap="none" normalizeH="0" baseline="-30000" dirty="0" err="1" smtClean="0">
+              <a:rPr kumimoji="0" lang="en-US" altLang="en-US" sz="1800" b="0" i="0" u="none" strike="noStrike" cap="none" normalizeH="0" baseline="-30000" dirty="0" err="1">
                 <a:ln>
                   <a:noFill/>
                 </a:ln>
@@ -17145,7 +17185,7 @@
               <a:t>h</a:t>
             </a:r>
             <a:r>
-              <a:rPr kumimoji="0" lang="en-US" altLang="en-US" sz="1800" b="0" i="0" u="none" strike="noStrike" cap="none" normalizeH="0" baseline="0" dirty="0" smtClean="0">
+              <a:rPr kumimoji="0" lang="en-US" altLang="en-US" sz="1800" b="0" i="0" u="none" strike="noStrike" cap="none" normalizeH="0" baseline="0" dirty="0">
                 <a:ln>
                   <a:noFill/>
                 </a:ln>
@@ -17160,7 +17200,7 @@
               <a:t>-K</a:t>
             </a:r>
             <a:r>
-              <a:rPr kumimoji="0" lang="en-US" altLang="en-US" sz="1800" b="0" i="0" u="none" strike="noStrike" cap="none" normalizeH="0" baseline="-30000" dirty="0" smtClean="0">
+              <a:rPr kumimoji="0" lang="en-US" altLang="en-US" sz="1800" b="0" i="0" u="none" strike="noStrike" cap="none" normalizeH="0" baseline="-30000" dirty="0">
                 <a:ln>
                   <a:noFill/>
                 </a:ln>
@@ -17175,7 +17215,7 @@
               <a:t>m</a:t>
             </a:r>
             <a:r>
-              <a:rPr kumimoji="0" lang="en-US" altLang="en-US" sz="1800" b="0" i="0" u="none" strike="noStrike" cap="none" normalizeH="0" baseline="0" dirty="0" smtClean="0">
+              <a:rPr kumimoji="0" lang="en-US" altLang="en-US" sz="1800" b="0" i="0" u="none" strike="noStrike" cap="none" normalizeH="0" baseline="0" dirty="0">
                 <a:ln>
                   <a:noFill/>
                 </a:ln>
@@ -17190,7 +17230,7 @@
               <a:t>, K</a:t>
             </a:r>
             <a:r>
-              <a:rPr kumimoji="0" lang="en-US" altLang="en-US" sz="1800" b="0" i="0" u="none" strike="noStrike" cap="none" normalizeH="0" baseline="-30000" dirty="0" smtClean="0">
+              <a:rPr kumimoji="0" lang="en-US" altLang="en-US" sz="1800" b="0" i="0" u="none" strike="noStrike" cap="none" normalizeH="0" baseline="-30000" dirty="0">
                 <a:ln>
                   <a:noFill/>
                 </a:ln>
@@ -17205,7 +17245,7 @@
               <a:t>l</a:t>
             </a:r>
             <a:r>
-              <a:rPr kumimoji="0" lang="en-US" altLang="en-US" sz="1800" b="0" i="0" u="none" strike="noStrike" cap="none" normalizeH="0" baseline="0" dirty="0" smtClean="0">
+              <a:rPr kumimoji="0" lang="en-US" altLang="en-US" sz="1800" b="0" i="0" u="none" strike="noStrike" cap="none" normalizeH="0" baseline="0" dirty="0">
                 <a:ln>
                   <a:noFill/>
                 </a:ln>
@@ -17220,7 +17260,7 @@
               <a:t>-</a:t>
             </a:r>
             <a:r>
-              <a:rPr kumimoji="0" lang="en-US" altLang="en-US" sz="1800" b="0" i="0" u="none" strike="noStrike" cap="none" normalizeH="0" baseline="0" dirty="0" err="1" smtClean="0">
+              <a:rPr kumimoji="0" lang="en-US" altLang="en-US" sz="1800" b="0" i="0" u="none" strike="noStrike" cap="none" normalizeH="0" baseline="0" dirty="0" err="1">
                 <a:ln>
                   <a:noFill/>
                 </a:ln>
@@ -17235,7 +17275,7 @@
               <a:t>K</a:t>
             </a:r>
             <a:r>
-              <a:rPr kumimoji="0" lang="en-US" altLang="en-US" sz="1800" b="0" i="0" u="none" strike="noStrike" cap="none" normalizeH="0" baseline="-30000" dirty="0" err="1" smtClean="0">
+              <a:rPr kumimoji="0" lang="en-US" altLang="en-US" sz="1800" b="0" i="0" u="none" strike="noStrike" cap="none" normalizeH="0" baseline="-30000" dirty="0" err="1">
                 <a:ln>
                   <a:noFill/>
                 </a:ln>
@@ -17250,7 +17290,7 @@
               <a:t>h</a:t>
             </a:r>
             <a:r>
-              <a:rPr kumimoji="0" lang="en-US" altLang="en-US" sz="1800" b="0" i="0" u="none" strike="noStrike" cap="none" normalizeH="0" baseline="0" dirty="0" smtClean="0">
+              <a:rPr kumimoji="0" lang="en-US" altLang="en-US" sz="1800" b="0" i="0" u="none" strike="noStrike" cap="none" normalizeH="0" baseline="0" dirty="0">
                 <a:ln>
                   <a:noFill/>
                 </a:ln>
@@ -17264,7 +17304,7 @@
               </a:rPr>
               <a:t>): (86.54±4.68)%</a:t>
             </a:r>
-            <a:endParaRPr kumimoji="0" lang="en-US" altLang="en-US" sz="1800" b="0" i="0" u="none" strike="noStrike" cap="none" normalizeH="0" baseline="0" dirty="0" smtClean="0">
+            <a:endParaRPr kumimoji="0" lang="en-US" altLang="en-US" sz="1800" b="0" i="0" u="none" strike="noStrike" cap="none" normalizeH="0" baseline="0" dirty="0">
               <a:ln>
                 <a:noFill/>
               </a:ln>
@@ -17312,15 +17352,7 @@
                 <a:ea typeface="Calibri" panose="020F0502020204030204" pitchFamily="34" charset="0"/>
                 <a:cs typeface="Times New Roman" panose="02020603050405020304" pitchFamily="18" charset="0"/>
               </a:rPr>
-              <a:t>Same tests and same techniques used for detached parts</a:t>
-            </a:r>
-            <a:r>
-              <a:rPr lang="en-US" altLang="en-US" dirty="0" smtClean="0">
-                <a:latin typeface="Calibri" panose="020F0502020204030204" pitchFamily="34" charset="0"/>
-                <a:ea typeface="Calibri" panose="020F0502020204030204" pitchFamily="34" charset="0"/>
-                <a:cs typeface="Times New Roman" panose="02020603050405020304" pitchFamily="18" charset="0"/>
-              </a:rPr>
-              <a:t>. Results: </a:t>
+              <a:t>Same tests and same techniques used for detached parts. Results: </a:t>
             </a:r>
             <a:endParaRPr lang="en-US" altLang="en-US" sz="800" dirty="0"/>
           </a:p>
@@ -17339,13 +17371,6 @@
   <p:transition spd="slow">
     <p:cut/>
   </p:transition>
-  <p:timing>
-    <p:tnLst>
-      <p:par>
-        <p:cTn id="1" dur="indefinite" restart="never" nodeType="tmRoot"/>
-      </p:par>
-    </p:tnLst>
-  </p:timing>
 </p:sld>
 </file>
 
@@ -17452,18 +17477,13 @@
           <a:lstStyle/>
           <a:p>
             <a:r>
-              <a:rPr lang="en-US" sz="3000" dirty="0" smtClean="0">
+              <a:rPr lang="en-US" sz="3000" dirty="0">
                 <a:solidFill>
                   <a:srgbClr val="003366"/>
                 </a:solidFill>
               </a:rPr>
               <a:t>Overall system identification</a:t>
             </a:r>
-            <a:endParaRPr lang="en-US" sz="3000" dirty="0">
-              <a:solidFill>
-                <a:srgbClr val="003366"/>
-              </a:solidFill>
-            </a:endParaRPr>
           </a:p>
         </p:txBody>
       </p:sp>
@@ -17575,18 +17595,13 @@
           <a:lstStyle/>
           <a:p>
             <a:r>
-              <a:rPr lang="en-US" sz="1200" b="1" dirty="0" smtClean="0">
+              <a:rPr lang="en-US" sz="1200" b="1" dirty="0">
                 <a:solidFill>
                   <a:srgbClr val="FFFFFF"/>
                 </a:solidFill>
               </a:rPr>
               <a:t>POLITECNICO DI MILANO</a:t>
             </a:r>
-            <a:endParaRPr lang="en-US" sz="1200" b="1" dirty="0">
-              <a:solidFill>
-                <a:srgbClr val="FFFFFF"/>
-              </a:solidFill>
-            </a:endParaRPr>
           </a:p>
         </p:txBody>
       </p:sp>
@@ -17649,7 +17664,7 @@
               </a:lnSpc>
             </a:pPr>
             <a:r>
-              <a:rPr lang="en-US" sz="1200" b="1" smtClean="0">
+              <a:rPr lang="en-US" sz="1200" b="1">
                 <a:solidFill>
                   <a:srgbClr val="003366"/>
                 </a:solidFill>
@@ -17890,7 +17905,7 @@
               <a:t>1 </a:t>
             </a:r>
             <a:r>
-              <a:rPr lang="it-IT" dirty="0" err="1" smtClean="0">
+              <a:rPr lang="it-IT" dirty="0" err="1">
                 <a:latin typeface="Calibri" panose="020F0502020204030204" pitchFamily="34" charset="0"/>
                 <a:ea typeface="Calibri" panose="020F0502020204030204" pitchFamily="34" charset="0"/>
                 <a:cs typeface="Times New Roman" panose="02020603050405020304" pitchFamily="18" charset="0"/>
@@ -17898,7 +17913,7 @@
               <a:t>dof</a:t>
             </a:r>
             <a:r>
-              <a:rPr lang="it-IT" dirty="0" smtClean="0">
+              <a:rPr lang="it-IT" dirty="0">
                 <a:latin typeface="Calibri" panose="020F0502020204030204" pitchFamily="34" charset="0"/>
                 <a:ea typeface="Calibri" panose="020F0502020204030204" pitchFamily="34" charset="0"/>
                 <a:cs typeface="Times New Roman" panose="02020603050405020304" pitchFamily="18" charset="0"/>
@@ -17906,7 +17921,7 @@
               <a:t> </a:t>
             </a:r>
             <a:r>
-              <a:rPr lang="it-IT" dirty="0" err="1" smtClean="0">
+              <a:rPr lang="it-IT" dirty="0" err="1">
                 <a:latin typeface="Calibri" panose="020F0502020204030204" pitchFamily="34" charset="0"/>
                 <a:ea typeface="Calibri" panose="020F0502020204030204" pitchFamily="34" charset="0"/>
                 <a:cs typeface="Times New Roman" panose="02020603050405020304" pitchFamily="18" charset="0"/>
@@ -17914,7 +17929,7 @@
               <a:t>K</a:t>
             </a:r>
             <a:r>
-              <a:rPr lang="it-IT" baseline="-25000" dirty="0" err="1" smtClean="0">
+              <a:rPr lang="it-IT" baseline="-25000" dirty="0" err="1">
                 <a:latin typeface="Calibri" panose="020F0502020204030204" pitchFamily="34" charset="0"/>
                 <a:ea typeface="Calibri" panose="020F0502020204030204" pitchFamily="34" charset="0"/>
                 <a:cs typeface="Times New Roman" panose="02020603050405020304" pitchFamily="18" charset="0"/>
@@ -17947,7 +17962,7 @@
           <a:lstStyle/>
           <a:p>
             <a:r>
-              <a:rPr lang="it-IT" dirty="0" smtClean="0">
+              <a:rPr lang="it-IT" dirty="0">
                 <a:latin typeface="Calibri" panose="020F0502020204030204" pitchFamily="34" charset="0"/>
                 <a:ea typeface="Calibri" panose="020F0502020204030204" pitchFamily="34" charset="0"/>
                 <a:cs typeface="Times New Roman" panose="02020603050405020304" pitchFamily="18" charset="0"/>
@@ -17955,7 +17970,7 @@
               <a:t>2 </a:t>
             </a:r>
             <a:r>
-              <a:rPr lang="it-IT" dirty="0" err="1" smtClean="0">
+              <a:rPr lang="it-IT" dirty="0" err="1">
                 <a:latin typeface="Calibri" panose="020F0502020204030204" pitchFamily="34" charset="0"/>
                 <a:ea typeface="Calibri" panose="020F0502020204030204" pitchFamily="34" charset="0"/>
                 <a:cs typeface="Times New Roman" panose="02020603050405020304" pitchFamily="18" charset="0"/>
@@ -17971,7 +17986,7 @@
               <a:t> </a:t>
             </a:r>
             <a:r>
-              <a:rPr lang="it-IT" dirty="0" err="1" smtClean="0">
+              <a:rPr lang="it-IT" dirty="0" err="1">
                 <a:latin typeface="Calibri" panose="020F0502020204030204" pitchFamily="34" charset="0"/>
                 <a:ea typeface="Calibri" panose="020F0502020204030204" pitchFamily="34" charset="0"/>
                 <a:cs typeface="Times New Roman" panose="02020603050405020304" pitchFamily="18" charset="0"/>
@@ -17979,7 +17994,7 @@
               <a:t>K</a:t>
             </a:r>
             <a:r>
-              <a:rPr lang="it-IT" baseline="-25000" dirty="0" err="1" smtClean="0">
+              <a:rPr lang="it-IT" baseline="-25000" dirty="0" err="1">
                 <a:latin typeface="Calibri" panose="020F0502020204030204" pitchFamily="34" charset="0"/>
                 <a:ea typeface="Calibri" panose="020F0502020204030204" pitchFamily="34" charset="0"/>
                 <a:cs typeface="Times New Roman" panose="02020603050405020304" pitchFamily="18" charset="0"/>
@@ -17987,7 +18002,7 @@
               <a:t>l</a:t>
             </a:r>
             <a:r>
-              <a:rPr lang="it-IT" baseline="-25000" dirty="0" smtClean="0">
+              <a:rPr lang="it-IT" baseline="-25000" dirty="0">
                 <a:latin typeface="Calibri" panose="020F0502020204030204" pitchFamily="34" charset="0"/>
                 <a:ea typeface="Calibri" panose="020F0502020204030204" pitchFamily="34" charset="0"/>
                 <a:cs typeface="Times New Roman" panose="02020603050405020304" pitchFamily="18" charset="0"/>
@@ -17995,7 +18010,7 @@
               <a:t> </a:t>
             </a:r>
             <a:r>
-              <a:rPr lang="it-IT" dirty="0" err="1" smtClean="0">
+              <a:rPr lang="it-IT" dirty="0" err="1">
                 <a:latin typeface="Calibri" panose="020F0502020204030204" pitchFamily="34" charset="0"/>
                 <a:ea typeface="Calibri" panose="020F0502020204030204" pitchFamily="34" charset="0"/>
                 <a:cs typeface="Times New Roman" panose="02020603050405020304" pitchFamily="18" charset="0"/>
@@ -18003,7 +18018,7 @@
               <a:t>K</a:t>
             </a:r>
             <a:r>
-              <a:rPr lang="it-IT" baseline="-25000" dirty="0" err="1" smtClean="0">
+              <a:rPr lang="it-IT" baseline="-25000" dirty="0" err="1">
                 <a:latin typeface="Calibri" panose="020F0502020204030204" pitchFamily="34" charset="0"/>
                 <a:ea typeface="Calibri" panose="020F0502020204030204" pitchFamily="34" charset="0"/>
                 <a:cs typeface="Times New Roman" panose="02020603050405020304" pitchFamily="18" charset="0"/>
@@ -18036,7 +18051,7 @@
           <a:lstStyle/>
           <a:p>
             <a:r>
-              <a:rPr lang="it-IT" dirty="0" smtClean="0">
+              <a:rPr lang="it-IT" dirty="0">
                 <a:latin typeface="Calibri" panose="020F0502020204030204" pitchFamily="34" charset="0"/>
                 <a:ea typeface="Calibri" panose="020F0502020204030204" pitchFamily="34" charset="0"/>
                 <a:cs typeface="Times New Roman" panose="02020603050405020304" pitchFamily="18" charset="0"/>
@@ -18044,7 +18059,7 @@
               <a:t>2 </a:t>
             </a:r>
             <a:r>
-              <a:rPr lang="it-IT" dirty="0" err="1" smtClean="0">
+              <a:rPr lang="it-IT" dirty="0" err="1">
                 <a:latin typeface="Calibri" panose="020F0502020204030204" pitchFamily="34" charset="0"/>
                 <a:ea typeface="Calibri" panose="020F0502020204030204" pitchFamily="34" charset="0"/>
                 <a:cs typeface="Times New Roman" panose="02020603050405020304" pitchFamily="18" charset="0"/>
@@ -18060,7 +18075,7 @@
               <a:t> </a:t>
             </a:r>
             <a:r>
-              <a:rPr lang="it-IT" dirty="0" err="1" smtClean="0">
+              <a:rPr lang="it-IT" dirty="0" err="1">
                 <a:latin typeface="Calibri" panose="020F0502020204030204" pitchFamily="34" charset="0"/>
                 <a:ea typeface="Calibri" panose="020F0502020204030204" pitchFamily="34" charset="0"/>
                 <a:cs typeface="Times New Roman" panose="02020603050405020304" pitchFamily="18" charset="0"/>
@@ -18076,7 +18091,7 @@
               <a:t>h</a:t>
             </a:r>
             <a:r>
-              <a:rPr lang="it-IT" baseline="-25000" dirty="0" smtClean="0">
+              <a:rPr lang="it-IT" baseline="-25000" dirty="0">
                 <a:latin typeface="Calibri" panose="020F0502020204030204" pitchFamily="34" charset="0"/>
                 <a:ea typeface="Calibri" panose="020F0502020204030204" pitchFamily="34" charset="0"/>
                 <a:cs typeface="Times New Roman" panose="02020603050405020304" pitchFamily="18" charset="0"/>
@@ -18084,7 +18099,7 @@
               <a:t> </a:t>
             </a:r>
             <a:r>
-              <a:rPr lang="it-IT" dirty="0" smtClean="0">
+              <a:rPr lang="it-IT" dirty="0">
                 <a:latin typeface="Calibri" panose="020F0502020204030204" pitchFamily="34" charset="0"/>
                 <a:ea typeface="Calibri" panose="020F0502020204030204" pitchFamily="34" charset="0"/>
                 <a:cs typeface="Times New Roman" panose="02020603050405020304" pitchFamily="18" charset="0"/>
@@ -18133,7 +18148,7 @@
               <a:t>1 </a:t>
             </a:r>
             <a:r>
-              <a:rPr lang="it-IT" dirty="0" err="1" smtClean="0">
+              <a:rPr lang="it-IT" dirty="0" err="1">
                 <a:latin typeface="Calibri" panose="020F0502020204030204" pitchFamily="34" charset="0"/>
                 <a:ea typeface="Calibri" panose="020F0502020204030204" pitchFamily="34" charset="0"/>
                 <a:cs typeface="Times New Roman" panose="02020603050405020304" pitchFamily="18" charset="0"/>
@@ -18141,7 +18156,7 @@
               <a:t>dof</a:t>
             </a:r>
             <a:r>
-              <a:rPr lang="it-IT" dirty="0" smtClean="0">
+              <a:rPr lang="it-IT" dirty="0">
                 <a:latin typeface="Calibri" panose="020F0502020204030204" pitchFamily="34" charset="0"/>
                 <a:ea typeface="Calibri" panose="020F0502020204030204" pitchFamily="34" charset="0"/>
                 <a:cs typeface="Times New Roman" panose="02020603050405020304" pitchFamily="18" charset="0"/>
@@ -18149,7 +18164,7 @@
               <a:t> </a:t>
             </a:r>
             <a:r>
-              <a:rPr lang="it-IT" dirty="0" err="1" smtClean="0">
+              <a:rPr lang="it-IT" dirty="0" err="1">
                 <a:latin typeface="Calibri" panose="020F0502020204030204" pitchFamily="34" charset="0"/>
                 <a:ea typeface="Calibri" panose="020F0502020204030204" pitchFamily="34" charset="0"/>
                 <a:cs typeface="Times New Roman" panose="02020603050405020304" pitchFamily="18" charset="0"/>
@@ -18181,13 +18196,6 @@
   <p:transition spd="slow">
     <p:cut/>
   </p:transition>
-  <p:timing>
-    <p:tnLst>
-      <p:par>
-        <p:cTn id="1" dur="indefinite" restart="never" nodeType="tmRoot"/>
-      </p:par>
-    </p:tnLst>
-  </p:timing>
 </p:sld>
 </file>
 
